--- a/coworking_space.pptx
+++ b/coworking_space.pptx
@@ -11,12 +11,12 @@
     <p:sldId id="256" r:id="rId2"/>
     <p:sldId id="257" r:id="rId3"/>
     <p:sldId id="258" r:id="rId4"/>
-    <p:sldId id="259" r:id="rId5"/>
-    <p:sldId id="260" r:id="rId6"/>
-    <p:sldId id="264" r:id="rId7"/>
-    <p:sldId id="265" r:id="rId8"/>
-    <p:sldId id="266" r:id="rId9"/>
-    <p:sldId id="261" r:id="rId10"/>
+    <p:sldId id="260" r:id="rId5"/>
+    <p:sldId id="264" r:id="rId6"/>
+    <p:sldId id="265" r:id="rId7"/>
+    <p:sldId id="266" r:id="rId8"/>
+    <p:sldId id="261" r:id="rId9"/>
+    <p:sldId id="259" r:id="rId10"/>
     <p:sldId id="263" r:id="rId11"/>
     <p:sldId id="262" r:id="rId12"/>
     <p:sldId id="267" r:id="rId13"/>
@@ -4738,67 +4738,6 @@
         </a:p>
       </dgm:t>
     </dgm:pt>
-    <dgm:pt modelId="{BEF6E82D-27BC-40FB-A60E-1899460EC6E3}">
-      <dgm:prSet/>
-      <dgm:spPr/>
-      <dgm:t>
-        <a:bodyPr/>
-        <a:lstStyle/>
-        <a:p>
-          <a:r>
-            <a:rPr lang="en-GB" dirty="0" err="1"/>
-            <a:t>Lựa</a:t>
-          </a:r>
-          <a:r>
-            <a:rPr lang="en-GB" dirty="0"/>
-            <a:t> </a:t>
-          </a:r>
-          <a:r>
-            <a:rPr lang="en-GB" dirty="0" err="1"/>
-            <a:t>chọn</a:t>
-          </a:r>
-          <a:r>
-            <a:rPr lang="en-GB" dirty="0"/>
-            <a:t> </a:t>
-          </a:r>
-          <a:r>
-            <a:rPr lang="en-GB" dirty="0" err="1"/>
-            <a:t>giải</a:t>
-          </a:r>
-          <a:r>
-            <a:rPr lang="en-GB" dirty="0"/>
-            <a:t> </a:t>
-          </a:r>
-          <a:r>
-            <a:rPr lang="en-GB" dirty="0" err="1"/>
-            <a:t>pháp</a:t>
-          </a:r>
-          <a:endParaRPr lang="en-GB" dirty="0"/>
-        </a:p>
-      </dgm:t>
-    </dgm:pt>
-    <dgm:pt modelId="{FB412065-6997-4CFD-80DD-6E060FAD8C73}" type="parTrans" cxnId="{976000BE-DF36-4B8E-A01E-6ACB74F2C764}">
-      <dgm:prSet/>
-      <dgm:spPr/>
-      <dgm:t>
-        <a:bodyPr/>
-        <a:lstStyle/>
-        <a:p>
-          <a:endParaRPr lang="en-GB"/>
-        </a:p>
-      </dgm:t>
-    </dgm:pt>
-    <dgm:pt modelId="{5FFA7186-26E7-405E-A0EC-F517626E3D15}" type="sibTrans" cxnId="{976000BE-DF36-4B8E-A01E-6ACB74F2C764}">
-      <dgm:prSet/>
-      <dgm:spPr/>
-      <dgm:t>
-        <a:bodyPr/>
-        <a:lstStyle/>
-        <a:p>
-          <a:endParaRPr lang="en-GB"/>
-        </a:p>
-      </dgm:t>
-    </dgm:pt>
     <dgm:pt modelId="{11C27EBE-A954-42C1-A58A-15AD615AD5D1}">
       <dgm:prSet/>
       <dgm:spPr/>
@@ -5051,8 +4990,56 @@
         <a:lstStyle/>
         <a:p>
           <a:r>
-            <a:rPr lang="en-GB"/>
-            <a:t>Cơ sở dữ liệu trong hệ thống</a:t>
+            <a:rPr lang="en-GB" dirty="0" err="1"/>
+            <a:t>Cơ</a:t>
+          </a:r>
+          <a:r>
+            <a:rPr lang="en-GB" dirty="0"/>
+            <a:t> </a:t>
+          </a:r>
+          <a:r>
+            <a:rPr lang="en-GB" dirty="0" err="1"/>
+            <a:t>sở</a:t>
+          </a:r>
+          <a:r>
+            <a:rPr lang="en-GB" dirty="0"/>
+            <a:t> </a:t>
+          </a:r>
+          <a:r>
+            <a:rPr lang="en-GB" dirty="0" err="1"/>
+            <a:t>dữ</a:t>
+          </a:r>
+          <a:r>
+            <a:rPr lang="en-GB" dirty="0"/>
+            <a:t> </a:t>
+          </a:r>
+          <a:r>
+            <a:rPr lang="en-GB" dirty="0" err="1"/>
+            <a:t>liệu</a:t>
+          </a:r>
+          <a:r>
+            <a:rPr lang="en-GB" dirty="0"/>
+            <a:t> </a:t>
+          </a:r>
+          <a:r>
+            <a:rPr lang="en-GB" dirty="0" err="1"/>
+            <a:t>trong</a:t>
+          </a:r>
+          <a:r>
+            <a:rPr lang="en-GB" dirty="0"/>
+            <a:t> </a:t>
+          </a:r>
+          <a:r>
+            <a:rPr lang="en-GB" dirty="0" err="1"/>
+            <a:t>hệ</a:t>
+          </a:r>
+          <a:r>
+            <a:rPr lang="en-GB" dirty="0"/>
+            <a:t> </a:t>
+          </a:r>
+          <a:r>
+            <a:rPr lang="en-GB" dirty="0" err="1"/>
+            <a:t>thống</a:t>
           </a:r>
           <a:endParaRPr lang="en-GB" dirty="0"/>
         </a:p>
@@ -5079,6 +5066,29 @@
           <a:endParaRPr lang="en-GB"/>
         </a:p>
       </dgm:t>
+    </dgm:pt>
+    <dgm:pt modelId="{A8277777-644B-4CFD-9AE5-D16F6A611B8D}">
+      <dgm:prSet/>
+      <dgm:spPr/>
+      <dgm:t>
+        <a:bodyPr/>
+        <a:lstStyle/>
+        <a:p>
+          <a:r>
+            <a:rPr lang="en-GB"/>
+            <a:t>Lựa chọn giải pháp</a:t>
+          </a:r>
+          <a:endParaRPr lang="en-GB" dirty="0"/>
+        </a:p>
+      </dgm:t>
+    </dgm:pt>
+    <dgm:pt modelId="{916161DE-5F7F-4F79-A4C0-0AA09672E103}" type="parTrans" cxnId="{E541BEC2-2BDB-40E2-89C1-E813838343FA}">
+      <dgm:prSet/>
+      <dgm:spPr/>
+    </dgm:pt>
+    <dgm:pt modelId="{65637B61-7B3D-4D73-97F1-134CCB192764}" type="sibTrans" cxnId="{E541BEC2-2BDB-40E2-89C1-E813838343FA}">
+      <dgm:prSet/>
+      <dgm:spPr/>
     </dgm:pt>
     <dgm:pt modelId="{E43A36F7-96AB-49CE-9D0E-892E8529D9C2}" type="pres">
       <dgm:prSet presAssocID="{A4DE5CA9-5970-4F7D-A227-329E2864982D}" presName="linear" presStyleCnt="0">
@@ -5123,49 +5133,16 @@
       <dgm:prSet presAssocID="{3C619CE8-FEF6-4768-80C0-E8AF7D1D8F6D}" presName="spaceBetweenRectangles" presStyleCnt="0"/>
       <dgm:spPr/>
     </dgm:pt>
-    <dgm:pt modelId="{EA4AA8B7-D67F-409F-91E3-191F094D9C00}" type="pres">
-      <dgm:prSet presAssocID="{BEF6E82D-27BC-40FB-A60E-1899460EC6E3}" presName="parentLin" presStyleCnt="0"/>
-      <dgm:spPr/>
-    </dgm:pt>
-    <dgm:pt modelId="{22D553E6-31BA-4706-90FF-04461329EF90}" type="pres">
-      <dgm:prSet presAssocID="{BEF6E82D-27BC-40FB-A60E-1899460EC6E3}" presName="parentLeftMargin" presStyleLbl="node1" presStyleIdx="0" presStyleCnt="5"/>
-      <dgm:spPr/>
-    </dgm:pt>
-    <dgm:pt modelId="{5AD20B21-D274-49FA-AD50-AC644CF77CB4}" type="pres">
-      <dgm:prSet presAssocID="{BEF6E82D-27BC-40FB-A60E-1899460EC6E3}" presName="parentText" presStyleLbl="node1" presStyleIdx="1" presStyleCnt="5">
-        <dgm:presLayoutVars>
-          <dgm:chMax val="0"/>
-          <dgm:bulletEnabled val="1"/>
-        </dgm:presLayoutVars>
-      </dgm:prSet>
-      <dgm:spPr/>
-    </dgm:pt>
-    <dgm:pt modelId="{4CF21DED-4D8A-4599-82C9-95B562E73121}" type="pres">
-      <dgm:prSet presAssocID="{BEF6E82D-27BC-40FB-A60E-1899460EC6E3}" presName="negativeSpace" presStyleCnt="0"/>
-      <dgm:spPr/>
-    </dgm:pt>
-    <dgm:pt modelId="{B2E0A1D3-4D98-4924-9493-E5D1FB3162A5}" type="pres">
-      <dgm:prSet presAssocID="{BEF6E82D-27BC-40FB-A60E-1899460EC6E3}" presName="childText" presStyleLbl="conFgAcc1" presStyleIdx="1" presStyleCnt="5">
-        <dgm:presLayoutVars>
-          <dgm:bulletEnabled val="1"/>
-        </dgm:presLayoutVars>
-      </dgm:prSet>
-      <dgm:spPr/>
-    </dgm:pt>
-    <dgm:pt modelId="{6F50FF87-4822-4F26-BC19-5733ECCC48A5}" type="pres">
-      <dgm:prSet presAssocID="{5FFA7186-26E7-405E-A0EC-F517626E3D15}" presName="spaceBetweenRectangles" presStyleCnt="0"/>
-      <dgm:spPr/>
-    </dgm:pt>
     <dgm:pt modelId="{93153725-09CF-4E52-B4C6-F0943FFF455B}" type="pres">
       <dgm:prSet presAssocID="{11C27EBE-A954-42C1-A58A-15AD615AD5D1}" presName="parentLin" presStyleCnt="0"/>
       <dgm:spPr/>
     </dgm:pt>
     <dgm:pt modelId="{B9C6D721-D336-4427-9CB5-A40D4063CF56}" type="pres">
-      <dgm:prSet presAssocID="{11C27EBE-A954-42C1-A58A-15AD615AD5D1}" presName="parentLeftMargin" presStyleLbl="node1" presStyleIdx="1" presStyleCnt="5"/>
+      <dgm:prSet presAssocID="{11C27EBE-A954-42C1-A58A-15AD615AD5D1}" presName="parentLeftMargin" presStyleLbl="node1" presStyleIdx="0" presStyleCnt="5"/>
       <dgm:spPr/>
     </dgm:pt>
     <dgm:pt modelId="{83A48FF5-B92E-4524-B202-B72DE01711E8}" type="pres">
-      <dgm:prSet presAssocID="{11C27EBE-A954-42C1-A58A-15AD615AD5D1}" presName="parentText" presStyleLbl="node1" presStyleIdx="2" presStyleCnt="5">
+      <dgm:prSet presAssocID="{11C27EBE-A954-42C1-A58A-15AD615AD5D1}" presName="parentText" presStyleLbl="node1" presStyleIdx="1" presStyleCnt="5">
         <dgm:presLayoutVars>
           <dgm:chMax val="0"/>
           <dgm:bulletEnabled val="1"/>
@@ -5178,7 +5155,7 @@
       <dgm:spPr/>
     </dgm:pt>
     <dgm:pt modelId="{03138C5F-CA1A-44A0-8BD2-C76FEA28F301}" type="pres">
-      <dgm:prSet presAssocID="{11C27EBE-A954-42C1-A58A-15AD615AD5D1}" presName="childText" presStyleLbl="conFgAcc1" presStyleIdx="2" presStyleCnt="5">
+      <dgm:prSet presAssocID="{11C27EBE-A954-42C1-A58A-15AD615AD5D1}" presName="childText" presStyleLbl="conFgAcc1" presStyleIdx="1" presStyleCnt="5">
         <dgm:presLayoutVars>
           <dgm:bulletEnabled val="1"/>
         </dgm:presLayoutVars>
@@ -5187,6 +5164,39 @@
     </dgm:pt>
     <dgm:pt modelId="{E1E98BCC-9D0D-4870-A6B4-47FAB9404A22}" type="pres">
       <dgm:prSet presAssocID="{2EE5FB2C-665B-4FD7-97AB-32DEA3EFBADB}" presName="spaceBetweenRectangles" presStyleCnt="0"/>
+      <dgm:spPr/>
+    </dgm:pt>
+    <dgm:pt modelId="{FD692839-7AEA-4BDF-8A94-AE1C47A16688}" type="pres">
+      <dgm:prSet presAssocID="{A8277777-644B-4CFD-9AE5-D16F6A611B8D}" presName="parentLin" presStyleCnt="0"/>
+      <dgm:spPr/>
+    </dgm:pt>
+    <dgm:pt modelId="{91AB50CF-7426-4137-A630-87C7DAB6CFA2}" type="pres">
+      <dgm:prSet presAssocID="{A8277777-644B-4CFD-9AE5-D16F6A611B8D}" presName="parentLeftMargin" presStyleLbl="node1" presStyleIdx="1" presStyleCnt="5"/>
+      <dgm:spPr/>
+    </dgm:pt>
+    <dgm:pt modelId="{A1946749-E58E-4380-BAC8-407EF1D9B9D4}" type="pres">
+      <dgm:prSet presAssocID="{A8277777-644B-4CFD-9AE5-D16F6A611B8D}" presName="parentText" presStyleLbl="node1" presStyleIdx="2" presStyleCnt="5">
+        <dgm:presLayoutVars>
+          <dgm:chMax val="0"/>
+          <dgm:bulletEnabled val="1"/>
+        </dgm:presLayoutVars>
+      </dgm:prSet>
+      <dgm:spPr/>
+    </dgm:pt>
+    <dgm:pt modelId="{12B2F1A6-14DE-4317-8E07-9BF9666E6D63}" type="pres">
+      <dgm:prSet presAssocID="{A8277777-644B-4CFD-9AE5-D16F6A611B8D}" presName="negativeSpace" presStyleCnt="0"/>
+      <dgm:spPr/>
+    </dgm:pt>
+    <dgm:pt modelId="{5DE7C7D1-A0AF-4828-83F9-DD84ABFEB5B3}" type="pres">
+      <dgm:prSet presAssocID="{A8277777-644B-4CFD-9AE5-D16F6A611B8D}" presName="childText" presStyleLbl="conFgAcc1" presStyleIdx="2" presStyleCnt="5">
+        <dgm:presLayoutVars>
+          <dgm:bulletEnabled val="1"/>
+        </dgm:presLayoutVars>
+      </dgm:prSet>
+      <dgm:spPr/>
+    </dgm:pt>
+    <dgm:pt modelId="{4743CB22-0205-4342-A4CD-935644C44C0B}" type="pres">
+      <dgm:prSet presAssocID="{65637B61-7B3D-4D73-97F1-134CCB192764}" presName="spaceBetweenRectangles" presStyleCnt="0"/>
       <dgm:spPr/>
     </dgm:pt>
     <dgm:pt modelId="{5258CDC5-1767-49A8-9F7D-F4572DCC0800}" type="pres">
@@ -5254,6 +5264,7 @@
   </dgm:ptLst>
   <dgm:cxnLst>
     <dgm:cxn modelId="{9427F609-8E58-4784-BD09-F8C6B2279E1A}" type="presOf" srcId="{9F942CB2-FB9A-4FE8-937D-1CBDE95A9914}" destId="{70E26CA8-643D-4F48-8720-1466BB3C4586}" srcOrd="0" destOrd="0" presId="urn:microsoft.com/office/officeart/2005/8/layout/list1"/>
+    <dgm:cxn modelId="{C7E8C72A-1286-48DF-84BA-D5F287FC45FA}" type="presOf" srcId="{A8277777-644B-4CFD-9AE5-D16F6A611B8D}" destId="{91AB50CF-7426-4137-A630-87C7DAB6CFA2}" srcOrd="0" destOrd="0" presId="urn:microsoft.com/office/officeart/2005/8/layout/list1"/>
     <dgm:cxn modelId="{63461830-4C15-487A-B440-1D85EEB3055D}" type="presOf" srcId="{A4DE5CA9-5970-4F7D-A227-329E2864982D}" destId="{E43A36F7-96AB-49CE-9D0E-892E8529D9C2}" srcOrd="0" destOrd="0" presId="urn:microsoft.com/office/officeart/2005/8/layout/list1"/>
     <dgm:cxn modelId="{8F5CD84E-2714-4CC8-880C-D5B34049541B}" type="presOf" srcId="{1DB5986B-C05C-4FDE-BAB4-FB7C70BFB2EC}" destId="{1FF23276-4775-460C-BC82-81B7E324B18B}" srcOrd="0" destOrd="0" presId="urn:microsoft.com/office/officeart/2005/8/layout/list1"/>
     <dgm:cxn modelId="{7290C451-6254-4532-AA69-2D2DB0F0274A}" srcId="{11C27EBE-A954-42C1-A58A-15AD615AD5D1}" destId="{D15CB70A-C36A-4A95-AB86-75E0E952B258}" srcOrd="0" destOrd="0" parTransId="{DFF742A4-0CB9-4BDA-9E60-01665C769595}" sibTransId="{BBB66487-1C93-4806-A688-FF6885F37886}"/>
@@ -5261,15 +5272,14 @@
     <dgm:cxn modelId="{B0C9F47A-5642-42A7-A743-FFFB1E01A876}" type="presOf" srcId="{BC6484A8-9BCA-4AE0-9171-A38168A3012B}" destId="{3B5F44EE-0404-4B37-A6B1-187A3A887D73}" srcOrd="1" destOrd="0" presId="urn:microsoft.com/office/officeart/2005/8/layout/list1"/>
     <dgm:cxn modelId="{52660B87-7DA1-47BD-917A-8BBB36B1CA1C}" type="presOf" srcId="{11C27EBE-A954-42C1-A58A-15AD615AD5D1}" destId="{B9C6D721-D336-4427-9CB5-A40D4063CF56}" srcOrd="0" destOrd="0" presId="urn:microsoft.com/office/officeart/2005/8/layout/list1"/>
     <dgm:cxn modelId="{00844198-875E-4302-8B4D-E8A35E67BC83}" srcId="{A4DE5CA9-5970-4F7D-A227-329E2864982D}" destId="{1DB5986B-C05C-4FDE-BAB4-FB7C70BFB2EC}" srcOrd="4" destOrd="0" parTransId="{272FB7A6-FE8D-4BCA-8AA1-FA3A92DFC3B8}" sibTransId="{D640FF73-B8BB-4ADB-A3C9-FD2356109B1B}"/>
-    <dgm:cxn modelId="{096B839E-37B0-4B8B-9A81-2F0D189BE26E}" type="presOf" srcId="{BEF6E82D-27BC-40FB-A60E-1899460EC6E3}" destId="{5AD20B21-D274-49FA-AD50-AC644CF77CB4}" srcOrd="1" destOrd="0" presId="urn:microsoft.com/office/officeart/2005/8/layout/list1"/>
     <dgm:cxn modelId="{6423C9A1-2F4F-4A03-8795-C9E6077FF352}" srcId="{11C27EBE-A954-42C1-A58A-15AD615AD5D1}" destId="{D51AFCBE-1CD1-49C5-9419-D49E9A57F037}" srcOrd="1" destOrd="0" parTransId="{BB8902EC-E2AF-42BD-8BCC-1D0C54509B52}" sibTransId="{789BCA12-8612-4383-BDED-427633A6D2EC}"/>
     <dgm:cxn modelId="{4468E3AD-D59F-4927-9E28-4C6732F01664}" type="presOf" srcId="{D51AFCBE-1CD1-49C5-9419-D49E9A57F037}" destId="{03138C5F-CA1A-44A0-8BD2-C76FEA28F301}" srcOrd="0" destOrd="1" presId="urn:microsoft.com/office/officeart/2005/8/layout/list1"/>
     <dgm:cxn modelId="{341DB6B0-C372-4ADA-B902-A1AD22ECAC7C}" srcId="{A4DE5CA9-5970-4F7D-A227-329E2864982D}" destId="{BC6484A8-9BCA-4AE0-9171-A38168A3012B}" srcOrd="0" destOrd="0" parTransId="{F367C30D-C513-4979-8914-8AC8B7EEA2CF}" sibTransId="{3C619CE8-FEF6-4768-80C0-E8AF7D1D8F6D}"/>
-    <dgm:cxn modelId="{976000BE-DF36-4B8E-A01E-6ACB74F2C764}" srcId="{A4DE5CA9-5970-4F7D-A227-329E2864982D}" destId="{BEF6E82D-27BC-40FB-A60E-1899460EC6E3}" srcOrd="1" destOrd="0" parTransId="{FB412065-6997-4CFD-80DD-6E060FAD8C73}" sibTransId="{5FFA7186-26E7-405E-A0EC-F517626E3D15}"/>
     <dgm:cxn modelId="{CFCA01C0-BC85-40FB-A584-6C0F598051C2}" type="presOf" srcId="{BC6484A8-9BCA-4AE0-9171-A38168A3012B}" destId="{D314216A-89DA-4023-912C-4D8E25B6465D}" srcOrd="0" destOrd="0" presId="urn:microsoft.com/office/officeart/2005/8/layout/list1"/>
+    <dgm:cxn modelId="{E541BEC2-2BDB-40E2-89C1-E813838343FA}" srcId="{A4DE5CA9-5970-4F7D-A227-329E2864982D}" destId="{A8277777-644B-4CFD-9AE5-D16F6A611B8D}" srcOrd="2" destOrd="0" parTransId="{916161DE-5F7F-4F79-A4C0-0AA09672E103}" sibTransId="{65637B61-7B3D-4D73-97F1-134CCB192764}"/>
     <dgm:cxn modelId="{7A25E7D5-C6C4-4908-9DE6-FE9002A911FB}" type="presOf" srcId="{1DB5986B-C05C-4FDE-BAB4-FB7C70BFB2EC}" destId="{56C5E7B9-2B21-409F-87D8-2FDEBB4E4419}" srcOrd="1" destOrd="0" presId="urn:microsoft.com/office/officeart/2005/8/layout/list1"/>
-    <dgm:cxn modelId="{C2301EEB-9D26-4912-87C2-FC3474DFB12D}" srcId="{A4DE5CA9-5970-4F7D-A227-329E2864982D}" destId="{11C27EBE-A954-42C1-A58A-15AD615AD5D1}" srcOrd="2" destOrd="0" parTransId="{8EE1946A-0800-498E-A2B5-B1EEB270DD0B}" sibTransId="{2EE5FB2C-665B-4FD7-97AB-32DEA3EFBADB}"/>
-    <dgm:cxn modelId="{5BD81BEF-01E2-45C9-88F7-31D8AD5E3E41}" type="presOf" srcId="{BEF6E82D-27BC-40FB-A60E-1899460EC6E3}" destId="{22D553E6-31BA-4706-90FF-04461329EF90}" srcOrd="0" destOrd="0" presId="urn:microsoft.com/office/officeart/2005/8/layout/list1"/>
+    <dgm:cxn modelId="{14CAC8E7-8F7C-42E1-ABAE-4FF386E782A4}" type="presOf" srcId="{A8277777-644B-4CFD-9AE5-D16F6A611B8D}" destId="{A1946749-E58E-4380-BAC8-407EF1D9B9D4}" srcOrd="1" destOrd="0" presId="urn:microsoft.com/office/officeart/2005/8/layout/list1"/>
+    <dgm:cxn modelId="{C2301EEB-9D26-4912-87C2-FC3474DFB12D}" srcId="{A4DE5CA9-5970-4F7D-A227-329E2864982D}" destId="{11C27EBE-A954-42C1-A58A-15AD615AD5D1}" srcOrd="1" destOrd="0" parTransId="{8EE1946A-0800-498E-A2B5-B1EEB270DD0B}" sibTransId="{2EE5FB2C-665B-4FD7-97AB-32DEA3EFBADB}"/>
     <dgm:cxn modelId="{1A7339F2-684D-46EE-A3E6-F8BC2B58A1EE}" type="presOf" srcId="{11C27EBE-A954-42C1-A58A-15AD615AD5D1}" destId="{83A48FF5-B92E-4524-B202-B72DE01711E8}" srcOrd="1" destOrd="0" presId="urn:microsoft.com/office/officeart/2005/8/layout/list1"/>
     <dgm:cxn modelId="{E06C01F7-460F-4961-BFED-D2AA6074BF1E}" type="presOf" srcId="{D15CB70A-C36A-4A95-AB86-75E0E952B258}" destId="{03138C5F-CA1A-44A0-8BD2-C76FEA28F301}" srcOrd="0" destOrd="0" presId="urn:microsoft.com/office/officeart/2005/8/layout/list1"/>
     <dgm:cxn modelId="{657E8DFE-D84F-4448-A070-810060A06C9F}" type="presOf" srcId="{9F942CB2-FB9A-4FE8-937D-1CBDE95A9914}" destId="{9E9C9B70-799D-4A9A-A107-9D8DAE42AF58}" srcOrd="1" destOrd="0" presId="urn:microsoft.com/office/officeart/2005/8/layout/list1"/>
@@ -5279,18 +5289,18 @@
     <dgm:cxn modelId="{8997980E-73B3-4F22-89DA-348827ECF377}" type="presParOf" srcId="{E43A36F7-96AB-49CE-9D0E-892E8529D9C2}" destId="{F7B1D7EC-EBA3-4F7B-9AFB-1A3E715F8820}" srcOrd="1" destOrd="0" presId="urn:microsoft.com/office/officeart/2005/8/layout/list1"/>
     <dgm:cxn modelId="{3A7089E6-3908-4D6A-8382-AC3D3B1C5C6D}" type="presParOf" srcId="{E43A36F7-96AB-49CE-9D0E-892E8529D9C2}" destId="{4F39BFBE-B9CD-4E47-8C21-2ECF54D95142}" srcOrd="2" destOrd="0" presId="urn:microsoft.com/office/officeart/2005/8/layout/list1"/>
     <dgm:cxn modelId="{21BBC94A-8E8D-44A0-98A5-1C7A8EF1C968}" type="presParOf" srcId="{E43A36F7-96AB-49CE-9D0E-892E8529D9C2}" destId="{32588D41-7751-4636-98DA-1B3DD5C11707}" srcOrd="3" destOrd="0" presId="urn:microsoft.com/office/officeart/2005/8/layout/list1"/>
-    <dgm:cxn modelId="{C6DFE943-B812-4412-B62D-66A4351A64F3}" type="presParOf" srcId="{E43A36F7-96AB-49CE-9D0E-892E8529D9C2}" destId="{EA4AA8B7-D67F-409F-91E3-191F094D9C00}" srcOrd="4" destOrd="0" presId="urn:microsoft.com/office/officeart/2005/8/layout/list1"/>
-    <dgm:cxn modelId="{78128EC2-50D7-4620-A052-7D485489FAE6}" type="presParOf" srcId="{EA4AA8B7-D67F-409F-91E3-191F094D9C00}" destId="{22D553E6-31BA-4706-90FF-04461329EF90}" srcOrd="0" destOrd="0" presId="urn:microsoft.com/office/officeart/2005/8/layout/list1"/>
-    <dgm:cxn modelId="{0895E708-E0F4-42F2-A766-3EB7D08E4F92}" type="presParOf" srcId="{EA4AA8B7-D67F-409F-91E3-191F094D9C00}" destId="{5AD20B21-D274-49FA-AD50-AC644CF77CB4}" srcOrd="1" destOrd="0" presId="urn:microsoft.com/office/officeart/2005/8/layout/list1"/>
-    <dgm:cxn modelId="{BCEE2F4D-4F1D-49F6-BFF2-EAA0F82E3376}" type="presParOf" srcId="{E43A36F7-96AB-49CE-9D0E-892E8529D9C2}" destId="{4CF21DED-4D8A-4599-82C9-95B562E73121}" srcOrd="5" destOrd="0" presId="urn:microsoft.com/office/officeart/2005/8/layout/list1"/>
-    <dgm:cxn modelId="{34B48376-AC15-4BDA-B927-956A8E991EEC}" type="presParOf" srcId="{E43A36F7-96AB-49CE-9D0E-892E8529D9C2}" destId="{B2E0A1D3-4D98-4924-9493-E5D1FB3162A5}" srcOrd="6" destOrd="0" presId="urn:microsoft.com/office/officeart/2005/8/layout/list1"/>
-    <dgm:cxn modelId="{83A5C67D-71D5-4F6D-9406-DE61C86DFD0A}" type="presParOf" srcId="{E43A36F7-96AB-49CE-9D0E-892E8529D9C2}" destId="{6F50FF87-4822-4F26-BC19-5733ECCC48A5}" srcOrd="7" destOrd="0" presId="urn:microsoft.com/office/officeart/2005/8/layout/list1"/>
-    <dgm:cxn modelId="{205DD2E2-8CA1-423F-A305-38F9B2B23398}" type="presParOf" srcId="{E43A36F7-96AB-49CE-9D0E-892E8529D9C2}" destId="{93153725-09CF-4E52-B4C6-F0943FFF455B}" srcOrd="8" destOrd="0" presId="urn:microsoft.com/office/officeart/2005/8/layout/list1"/>
+    <dgm:cxn modelId="{205DD2E2-8CA1-423F-A305-38F9B2B23398}" type="presParOf" srcId="{E43A36F7-96AB-49CE-9D0E-892E8529D9C2}" destId="{93153725-09CF-4E52-B4C6-F0943FFF455B}" srcOrd="4" destOrd="0" presId="urn:microsoft.com/office/officeart/2005/8/layout/list1"/>
     <dgm:cxn modelId="{204CC7B0-4C57-4685-9512-F2D9A4E9CD34}" type="presParOf" srcId="{93153725-09CF-4E52-B4C6-F0943FFF455B}" destId="{B9C6D721-D336-4427-9CB5-A40D4063CF56}" srcOrd="0" destOrd="0" presId="urn:microsoft.com/office/officeart/2005/8/layout/list1"/>
     <dgm:cxn modelId="{45890ED5-D670-449C-9424-1FDF76CBBF31}" type="presParOf" srcId="{93153725-09CF-4E52-B4C6-F0943FFF455B}" destId="{83A48FF5-B92E-4524-B202-B72DE01711E8}" srcOrd="1" destOrd="0" presId="urn:microsoft.com/office/officeart/2005/8/layout/list1"/>
-    <dgm:cxn modelId="{6B75AEF9-3C54-4104-A7BA-39C865DD19F5}" type="presParOf" srcId="{E43A36F7-96AB-49CE-9D0E-892E8529D9C2}" destId="{B4DE5A06-76D5-4530-A355-822CEBCD0F38}" srcOrd="9" destOrd="0" presId="urn:microsoft.com/office/officeart/2005/8/layout/list1"/>
-    <dgm:cxn modelId="{33D44B50-6CC5-49EA-BE84-4B1599A9A36D}" type="presParOf" srcId="{E43A36F7-96AB-49CE-9D0E-892E8529D9C2}" destId="{03138C5F-CA1A-44A0-8BD2-C76FEA28F301}" srcOrd="10" destOrd="0" presId="urn:microsoft.com/office/officeart/2005/8/layout/list1"/>
-    <dgm:cxn modelId="{4401F916-DE8F-493F-BF80-A27912E342C2}" type="presParOf" srcId="{E43A36F7-96AB-49CE-9D0E-892E8529D9C2}" destId="{E1E98BCC-9D0D-4870-A6B4-47FAB9404A22}" srcOrd="11" destOrd="0" presId="urn:microsoft.com/office/officeart/2005/8/layout/list1"/>
+    <dgm:cxn modelId="{6B75AEF9-3C54-4104-A7BA-39C865DD19F5}" type="presParOf" srcId="{E43A36F7-96AB-49CE-9D0E-892E8529D9C2}" destId="{B4DE5A06-76D5-4530-A355-822CEBCD0F38}" srcOrd="5" destOrd="0" presId="urn:microsoft.com/office/officeart/2005/8/layout/list1"/>
+    <dgm:cxn modelId="{33D44B50-6CC5-49EA-BE84-4B1599A9A36D}" type="presParOf" srcId="{E43A36F7-96AB-49CE-9D0E-892E8529D9C2}" destId="{03138C5F-CA1A-44A0-8BD2-C76FEA28F301}" srcOrd="6" destOrd="0" presId="urn:microsoft.com/office/officeart/2005/8/layout/list1"/>
+    <dgm:cxn modelId="{4401F916-DE8F-493F-BF80-A27912E342C2}" type="presParOf" srcId="{E43A36F7-96AB-49CE-9D0E-892E8529D9C2}" destId="{E1E98BCC-9D0D-4870-A6B4-47FAB9404A22}" srcOrd="7" destOrd="0" presId="urn:microsoft.com/office/officeart/2005/8/layout/list1"/>
+    <dgm:cxn modelId="{3EE89AC2-0CCF-4B11-936F-36F8345501A0}" type="presParOf" srcId="{E43A36F7-96AB-49CE-9D0E-892E8529D9C2}" destId="{FD692839-7AEA-4BDF-8A94-AE1C47A16688}" srcOrd="8" destOrd="0" presId="urn:microsoft.com/office/officeart/2005/8/layout/list1"/>
+    <dgm:cxn modelId="{DC836577-908C-42E7-9A09-262CF6CD475C}" type="presParOf" srcId="{FD692839-7AEA-4BDF-8A94-AE1C47A16688}" destId="{91AB50CF-7426-4137-A630-87C7DAB6CFA2}" srcOrd="0" destOrd="0" presId="urn:microsoft.com/office/officeart/2005/8/layout/list1"/>
+    <dgm:cxn modelId="{F502E9BA-6723-49C7-80F0-525F3BAF503C}" type="presParOf" srcId="{FD692839-7AEA-4BDF-8A94-AE1C47A16688}" destId="{A1946749-E58E-4380-BAC8-407EF1D9B9D4}" srcOrd="1" destOrd="0" presId="urn:microsoft.com/office/officeart/2005/8/layout/list1"/>
+    <dgm:cxn modelId="{A8BBE98A-AD92-4217-9BDD-A570843CAE0A}" type="presParOf" srcId="{E43A36F7-96AB-49CE-9D0E-892E8529D9C2}" destId="{12B2F1A6-14DE-4317-8E07-9BF9666E6D63}" srcOrd="9" destOrd="0" presId="urn:microsoft.com/office/officeart/2005/8/layout/list1"/>
+    <dgm:cxn modelId="{4A3C5DB9-2176-4459-AED8-D857ACCECA5B}" type="presParOf" srcId="{E43A36F7-96AB-49CE-9D0E-892E8529D9C2}" destId="{5DE7C7D1-A0AF-4828-83F9-DD84ABFEB5B3}" srcOrd="10" destOrd="0" presId="urn:microsoft.com/office/officeart/2005/8/layout/list1"/>
+    <dgm:cxn modelId="{E7F0171F-9520-4193-9E35-0C940D445729}" type="presParOf" srcId="{E43A36F7-96AB-49CE-9D0E-892E8529D9C2}" destId="{4743CB22-0205-4342-A4CD-935644C44C0B}" srcOrd="11" destOrd="0" presId="urn:microsoft.com/office/officeart/2005/8/layout/list1"/>
     <dgm:cxn modelId="{749DC78E-2582-44AE-A5C4-322D303D368F}" type="presParOf" srcId="{E43A36F7-96AB-49CE-9D0E-892E8529D9C2}" destId="{5258CDC5-1767-49A8-9F7D-F4572DCC0800}" srcOrd="12" destOrd="0" presId="urn:microsoft.com/office/officeart/2005/8/layout/list1"/>
     <dgm:cxn modelId="{497B5796-D3BF-4088-8D7D-334DB2765A94}" type="presParOf" srcId="{5258CDC5-1767-49A8-9F7D-F4572DCC0800}" destId="{70E26CA8-643D-4F48-8720-1466BB3C4586}" srcOrd="0" destOrd="0" presId="urn:microsoft.com/office/officeart/2005/8/layout/list1"/>
     <dgm:cxn modelId="{23912C94-59AD-4E05-9E10-AF91343B9569}" type="presParOf" srcId="{5258CDC5-1767-49A8-9F7D-F4572DCC0800}" destId="{9E9C9B70-799D-4A9A-A107-9D8DAE42AF58}" srcOrd="1" destOrd="0" presId="urn:microsoft.com/office/officeart/2005/8/layout/list1"/>
@@ -5307,624 +5317,13 @@
   <dgm:whole/>
   <dgm:extLst>
     <a:ext uri="http://schemas.microsoft.com/office/drawing/2008/diagram">
-      <dsp:dataModelExt xmlns:dsp="http://schemas.microsoft.com/office/drawing/2008/diagram" relId="rId6" minVer="http://schemas.openxmlformats.org/drawingml/2006/diagram"/>
+      <dsp:dataModelExt xmlns:dsp="http://schemas.microsoft.com/office/drawing/2008/diagram" relId="rId7" minVer="http://schemas.openxmlformats.org/drawingml/2006/diagram"/>
     </a:ext>
   </dgm:extLst>
 </dgm:dataModel>
 </file>
 
 <file path=ppt/diagrams/data2.xml><?xml version="1.0" encoding="utf-8"?>
-<dgm:dataModel xmlns:dgm="http://schemas.openxmlformats.org/drawingml/2006/diagram" xmlns:a="http://schemas.openxmlformats.org/drawingml/2006/main">
-  <dgm:ptLst>
-    <dgm:pt modelId="{2AF7E12E-F000-421A-A5E8-64FF02465066}" type="doc">
-      <dgm:prSet loTypeId="urn:microsoft.com/office/officeart/2005/8/layout/hList1" loCatId="list" qsTypeId="urn:microsoft.com/office/officeart/2005/8/quickstyle/simple1" qsCatId="simple" csTypeId="urn:microsoft.com/office/officeart/2005/8/colors/accent1_2" csCatId="accent1" phldr="1"/>
-      <dgm:spPr/>
-      <dgm:t>
-        <a:bodyPr/>
-        <a:lstStyle/>
-        <a:p>
-          <a:endParaRPr lang="en-GB"/>
-        </a:p>
-      </dgm:t>
-    </dgm:pt>
-    <dgm:pt modelId="{775709F3-B8F9-4DD9-BB76-29E0B7873C44}">
-      <dgm:prSet phldrT="[Text]"/>
-      <dgm:spPr/>
-      <dgm:t>
-        <a:bodyPr/>
-        <a:lstStyle/>
-        <a:p>
-          <a:r>
-            <a:rPr lang="en-GB" dirty="0"/>
-            <a:t>PHP, MySQL</a:t>
-          </a:r>
-        </a:p>
-      </dgm:t>
-    </dgm:pt>
-    <dgm:pt modelId="{5391D097-3A2C-44EA-8E03-BEC36C8FC3C5}" type="parTrans" cxnId="{691B491F-5E89-4091-A534-51DF61A2AE9F}">
-      <dgm:prSet/>
-      <dgm:spPr/>
-      <dgm:t>
-        <a:bodyPr/>
-        <a:lstStyle/>
-        <a:p>
-          <a:endParaRPr lang="en-GB"/>
-        </a:p>
-      </dgm:t>
-    </dgm:pt>
-    <dgm:pt modelId="{5F301258-D91B-4320-B24F-B4D109BD77E2}" type="sibTrans" cxnId="{691B491F-5E89-4091-A534-51DF61A2AE9F}">
-      <dgm:prSet/>
-      <dgm:spPr/>
-      <dgm:t>
-        <a:bodyPr/>
-        <a:lstStyle/>
-        <a:p>
-          <a:endParaRPr lang="en-GB"/>
-        </a:p>
-      </dgm:t>
-    </dgm:pt>
-    <dgm:pt modelId="{F5710F48-4805-4B09-89EA-D4355E92C6BE}">
-      <dgm:prSet phldrT="[Text]"/>
-      <dgm:spPr/>
-      <dgm:t>
-        <a:bodyPr/>
-        <a:lstStyle/>
-        <a:p>
-          <a:r>
-            <a:rPr lang="en-GB" dirty="0" err="1"/>
-            <a:t>Là</a:t>
-          </a:r>
-          <a:r>
-            <a:rPr lang="en-GB" dirty="0"/>
-            <a:t> </a:t>
-          </a:r>
-          <a:r>
-            <a:rPr lang="en-GB" dirty="0" err="1"/>
-            <a:t>mã</a:t>
-          </a:r>
-          <a:r>
-            <a:rPr lang="en-GB" dirty="0"/>
-            <a:t> </a:t>
-          </a:r>
-          <a:r>
-            <a:rPr lang="en-GB" dirty="0" err="1"/>
-            <a:t>nguồn</a:t>
-          </a:r>
-          <a:r>
-            <a:rPr lang="en-GB" dirty="0"/>
-            <a:t> </a:t>
-          </a:r>
-          <a:r>
-            <a:rPr lang="en-GB" dirty="0" err="1"/>
-            <a:t>mở</a:t>
-          </a:r>
-          <a:endParaRPr lang="en-GB" dirty="0"/>
-        </a:p>
-      </dgm:t>
-    </dgm:pt>
-    <dgm:pt modelId="{470B0AA9-0ED1-441C-A599-60FFD3CCE94E}" type="parTrans" cxnId="{E3CADE00-2107-445A-88AE-4E1A453120D3}">
-      <dgm:prSet/>
-      <dgm:spPr/>
-      <dgm:t>
-        <a:bodyPr/>
-        <a:lstStyle/>
-        <a:p>
-          <a:endParaRPr lang="en-GB"/>
-        </a:p>
-      </dgm:t>
-    </dgm:pt>
-    <dgm:pt modelId="{DE644B15-62C2-46BC-9DF4-F2825AA39809}" type="sibTrans" cxnId="{E3CADE00-2107-445A-88AE-4E1A453120D3}">
-      <dgm:prSet/>
-      <dgm:spPr/>
-      <dgm:t>
-        <a:bodyPr/>
-        <a:lstStyle/>
-        <a:p>
-          <a:endParaRPr lang="en-GB"/>
-        </a:p>
-      </dgm:t>
-    </dgm:pt>
-    <dgm:pt modelId="{441A7568-C172-4D85-9A2B-65C7CD430E20}">
-      <dgm:prSet phldrT="[Text]"/>
-      <dgm:spPr/>
-      <dgm:t>
-        <a:bodyPr/>
-        <a:lstStyle/>
-        <a:p>
-          <a:r>
-            <a:rPr lang="en-GB" dirty="0">
-              <a:effectLst>
-                <a:outerShdw blurRad="38100" dist="38100" dir="2700000" algn="tl">
-                  <a:srgbClr val="000000">
-                    <a:alpha val="43137"/>
-                  </a:srgbClr>
-                </a:outerShdw>
-              </a:effectLst>
-            </a:rPr>
-            <a:t>HTML5, CSS3, JavaScript</a:t>
-          </a:r>
-          <a:endParaRPr lang="en-GB" dirty="0"/>
-        </a:p>
-      </dgm:t>
-    </dgm:pt>
-    <dgm:pt modelId="{A58BEBC9-81F4-4C37-AC84-8C2929FBEE03}" type="parTrans" cxnId="{52B98E45-3A3C-4D62-B9CA-14F9F3F6684F}">
-      <dgm:prSet/>
-      <dgm:spPr/>
-      <dgm:t>
-        <a:bodyPr/>
-        <a:lstStyle/>
-        <a:p>
-          <a:endParaRPr lang="en-GB"/>
-        </a:p>
-      </dgm:t>
-    </dgm:pt>
-    <dgm:pt modelId="{B238F27B-D04D-4530-BC6B-68891B295F89}" type="sibTrans" cxnId="{52B98E45-3A3C-4D62-B9CA-14F9F3F6684F}">
-      <dgm:prSet/>
-      <dgm:spPr/>
-      <dgm:t>
-        <a:bodyPr/>
-        <a:lstStyle/>
-        <a:p>
-          <a:endParaRPr lang="en-GB"/>
-        </a:p>
-      </dgm:t>
-    </dgm:pt>
-    <dgm:pt modelId="{A5A32098-47B4-4935-97D1-9C08AB71366C}">
-      <dgm:prSet phldrT="[Text]"/>
-      <dgm:spPr/>
-      <dgm:t>
-        <a:bodyPr/>
-        <a:lstStyle/>
-        <a:p>
-          <a:r>
-            <a:rPr lang="en-GB" dirty="0" err="1"/>
-            <a:t>Phổ</a:t>
-          </a:r>
-          <a:r>
-            <a:rPr lang="en-GB" dirty="0"/>
-            <a:t> </a:t>
-          </a:r>
-          <a:r>
-            <a:rPr lang="en-GB" dirty="0" err="1"/>
-            <a:t>biến</a:t>
-          </a:r>
-          <a:endParaRPr lang="en-GB" dirty="0"/>
-        </a:p>
-      </dgm:t>
-    </dgm:pt>
-    <dgm:pt modelId="{50949C85-F716-46F9-BF50-B227F8846560}" type="parTrans" cxnId="{D8762080-685E-49E6-9CEE-A452F1E80393}">
-      <dgm:prSet/>
-      <dgm:spPr/>
-      <dgm:t>
-        <a:bodyPr/>
-        <a:lstStyle/>
-        <a:p>
-          <a:endParaRPr lang="en-GB"/>
-        </a:p>
-      </dgm:t>
-    </dgm:pt>
-    <dgm:pt modelId="{971FB617-8869-4B33-9DA3-B4634C8025A5}" type="sibTrans" cxnId="{D8762080-685E-49E6-9CEE-A452F1E80393}">
-      <dgm:prSet/>
-      <dgm:spPr/>
-      <dgm:t>
-        <a:bodyPr/>
-        <a:lstStyle/>
-        <a:p>
-          <a:endParaRPr lang="en-GB"/>
-        </a:p>
-      </dgm:t>
-    </dgm:pt>
-    <dgm:pt modelId="{CBA62887-1AE6-4B8C-9043-B31217740678}">
-      <dgm:prSet phldrT="[Text]"/>
-      <dgm:spPr/>
-      <dgm:t>
-        <a:bodyPr/>
-        <a:lstStyle/>
-        <a:p>
-          <a:r>
-            <a:rPr lang="en-GB" dirty="0" err="1"/>
-            <a:t>Giảm</a:t>
-          </a:r>
-          <a:r>
-            <a:rPr lang="en-GB" dirty="0"/>
-            <a:t> </a:t>
-          </a:r>
-          <a:r>
-            <a:rPr lang="en-GB" dirty="0" err="1"/>
-            <a:t>lượng</a:t>
-          </a:r>
-          <a:r>
-            <a:rPr lang="en-GB" dirty="0"/>
-            <a:t> </a:t>
-          </a:r>
-          <a:r>
-            <a:rPr lang="en-GB" dirty="0" err="1"/>
-            <a:t>truy</a:t>
-          </a:r>
-          <a:r>
-            <a:rPr lang="en-GB" dirty="0"/>
-            <a:t> </a:t>
-          </a:r>
-          <a:r>
-            <a:rPr lang="en-GB" dirty="0" err="1"/>
-            <a:t>cập</a:t>
-          </a:r>
-          <a:endParaRPr lang="en-GB" dirty="0"/>
-        </a:p>
-      </dgm:t>
-    </dgm:pt>
-    <dgm:pt modelId="{1814AA68-485E-42FE-A27D-26424BC32623}" type="parTrans" cxnId="{850DE4E9-C75D-4788-8248-87B9FF83CE28}">
-      <dgm:prSet/>
-      <dgm:spPr/>
-      <dgm:t>
-        <a:bodyPr/>
-        <a:lstStyle/>
-        <a:p>
-          <a:endParaRPr lang="en-GB"/>
-        </a:p>
-      </dgm:t>
-    </dgm:pt>
-    <dgm:pt modelId="{CFB40FE8-AC51-4C24-A49B-C77DC02ED3D6}" type="sibTrans" cxnId="{850DE4E9-C75D-4788-8248-87B9FF83CE28}">
-      <dgm:prSet/>
-      <dgm:spPr/>
-      <dgm:t>
-        <a:bodyPr/>
-        <a:lstStyle/>
-        <a:p>
-          <a:endParaRPr lang="en-GB"/>
-        </a:p>
-      </dgm:t>
-    </dgm:pt>
-    <dgm:pt modelId="{5AF81092-1147-414E-BD6B-F022BAF7FD47}">
-      <dgm:prSet phldrT="[Text]"/>
-      <dgm:spPr/>
-      <dgm:t>
-        <a:bodyPr/>
-        <a:lstStyle/>
-        <a:p>
-          <a:r>
-            <a:rPr lang="en-GB" dirty="0"/>
-            <a:t>Website </a:t>
-          </a:r>
-        </a:p>
-      </dgm:t>
-    </dgm:pt>
-    <dgm:pt modelId="{5C0BC80F-B473-42C8-9B27-74930026E0EF}" type="parTrans" cxnId="{98D8E898-5258-4BC7-A424-6C08C01E39E9}">
-      <dgm:prSet/>
-      <dgm:spPr/>
-      <dgm:t>
-        <a:bodyPr/>
-        <a:lstStyle/>
-        <a:p>
-          <a:endParaRPr lang="en-GB"/>
-        </a:p>
-      </dgm:t>
-    </dgm:pt>
-    <dgm:pt modelId="{A46BE1D3-30D8-4DA2-823B-95882AFC7B76}" type="sibTrans" cxnId="{98D8E898-5258-4BC7-A424-6C08C01E39E9}">
-      <dgm:prSet/>
-      <dgm:spPr/>
-      <dgm:t>
-        <a:bodyPr/>
-        <a:lstStyle/>
-        <a:p>
-          <a:endParaRPr lang="en-GB"/>
-        </a:p>
-      </dgm:t>
-    </dgm:pt>
-    <dgm:pt modelId="{EB2B3D6F-192D-465C-99E0-E9932D473634}">
-      <dgm:prSet phldrT="[Text]"/>
-      <dgm:spPr/>
-      <dgm:t>
-        <a:bodyPr/>
-        <a:lstStyle/>
-        <a:p>
-          <a:r>
-            <a:rPr lang="en-GB" dirty="0" err="1"/>
-            <a:t>Tiện</a:t>
-          </a:r>
-          <a:r>
-            <a:rPr lang="en-GB" dirty="0"/>
-            <a:t> </a:t>
-          </a:r>
-          <a:r>
-            <a:rPr lang="en-GB" dirty="0" err="1"/>
-            <a:t>lợi</a:t>
-          </a:r>
-          <a:endParaRPr lang="en-GB" dirty="0"/>
-        </a:p>
-      </dgm:t>
-    </dgm:pt>
-    <dgm:pt modelId="{4060F0D1-3B33-409A-B06F-4B4DCF33FCC1}" type="parTrans" cxnId="{04A174D1-7677-4245-9E2D-A40C7690BA3B}">
-      <dgm:prSet/>
-      <dgm:spPr/>
-      <dgm:t>
-        <a:bodyPr/>
-        <a:lstStyle/>
-        <a:p>
-          <a:endParaRPr lang="en-GB"/>
-        </a:p>
-      </dgm:t>
-    </dgm:pt>
-    <dgm:pt modelId="{C69D53F5-74AE-4297-9C02-BAE05ECCE3A5}" type="sibTrans" cxnId="{04A174D1-7677-4245-9E2D-A40C7690BA3B}">
-      <dgm:prSet/>
-      <dgm:spPr/>
-      <dgm:t>
-        <a:bodyPr/>
-        <a:lstStyle/>
-        <a:p>
-          <a:endParaRPr lang="en-GB"/>
-        </a:p>
-      </dgm:t>
-    </dgm:pt>
-    <dgm:pt modelId="{6A4CA3EB-69FD-4B62-A108-D9886CDD04A4}">
-      <dgm:prSet phldrT="[Text]"/>
-      <dgm:spPr/>
-      <dgm:t>
-        <a:bodyPr/>
-        <a:lstStyle/>
-        <a:p>
-          <a:r>
-            <a:rPr lang="en-GB" dirty="0" err="1"/>
-            <a:t>Sử</a:t>
-          </a:r>
-          <a:r>
-            <a:rPr lang="en-GB" dirty="0"/>
-            <a:t> </a:t>
-          </a:r>
-          <a:r>
-            <a:rPr lang="en-GB" dirty="0" err="1"/>
-            <a:t>dụng</a:t>
-          </a:r>
-          <a:r>
-            <a:rPr lang="en-GB" dirty="0"/>
-            <a:t> </a:t>
-          </a:r>
-          <a:r>
-            <a:rPr lang="en-GB" dirty="0" err="1"/>
-            <a:t>mọi</a:t>
-          </a:r>
-          <a:r>
-            <a:rPr lang="en-GB" dirty="0"/>
-            <a:t> </a:t>
-          </a:r>
-          <a:r>
-            <a:rPr lang="en-GB" dirty="0" err="1"/>
-            <a:t>đối</a:t>
-          </a:r>
-          <a:r>
-            <a:rPr lang="en-GB" dirty="0"/>
-            <a:t> </a:t>
-          </a:r>
-          <a:r>
-            <a:rPr lang="en-GB" dirty="0" err="1"/>
-            <a:t>tượng</a:t>
-          </a:r>
-          <a:endParaRPr lang="en-GB" dirty="0"/>
-        </a:p>
-      </dgm:t>
-    </dgm:pt>
-    <dgm:pt modelId="{843AD9D7-14EC-4F18-903A-DAC909D1C461}" type="parTrans" cxnId="{1A793066-AEDB-4F96-B0D8-CB70B36B9155}">
-      <dgm:prSet/>
-      <dgm:spPr/>
-      <dgm:t>
-        <a:bodyPr/>
-        <a:lstStyle/>
-        <a:p>
-          <a:endParaRPr lang="en-GB"/>
-        </a:p>
-      </dgm:t>
-    </dgm:pt>
-    <dgm:pt modelId="{6B640C85-DBEB-4B3B-B920-FC5DEFA17024}" type="sibTrans" cxnId="{1A793066-AEDB-4F96-B0D8-CB70B36B9155}">
-      <dgm:prSet/>
-      <dgm:spPr/>
-      <dgm:t>
-        <a:bodyPr/>
-        <a:lstStyle/>
-        <a:p>
-          <a:endParaRPr lang="en-GB"/>
-        </a:p>
-      </dgm:t>
-    </dgm:pt>
-    <dgm:pt modelId="{B3486756-9D0A-40F1-8784-65FAF4E2FC25}">
-      <dgm:prSet phldrT="[Text]"/>
-      <dgm:spPr/>
-      <dgm:t>
-        <a:bodyPr/>
-        <a:lstStyle/>
-        <a:p>
-          <a:r>
-            <a:rPr lang="en-GB" dirty="0" err="1"/>
-            <a:t>Tốc</a:t>
-          </a:r>
-          <a:r>
-            <a:rPr lang="en-GB" dirty="0"/>
-            <a:t> </a:t>
-          </a:r>
-          <a:r>
-            <a:rPr lang="en-GB" dirty="0" err="1"/>
-            <a:t>độ</a:t>
-          </a:r>
-          <a:r>
-            <a:rPr lang="en-GB" dirty="0"/>
-            <a:t> </a:t>
-          </a:r>
-          <a:r>
-            <a:rPr lang="en-GB" dirty="0" err="1"/>
-            <a:t>xử</a:t>
-          </a:r>
-          <a:r>
-            <a:rPr lang="en-GB" dirty="0"/>
-            <a:t> </a:t>
-          </a:r>
-          <a:r>
-            <a:rPr lang="en-GB" dirty="0" err="1"/>
-            <a:t>lý</a:t>
-          </a:r>
-          <a:r>
-            <a:rPr lang="en-GB" dirty="0"/>
-            <a:t> </a:t>
-          </a:r>
-          <a:r>
-            <a:rPr lang="en-GB" dirty="0" err="1"/>
-            <a:t>nhanh</a:t>
-          </a:r>
-          <a:r>
-            <a:rPr lang="en-GB" dirty="0"/>
-            <a:t>.</a:t>
-          </a:r>
-        </a:p>
-      </dgm:t>
-    </dgm:pt>
-    <dgm:pt modelId="{23594045-6BA8-41A9-BD06-3DE059503459}" type="parTrans" cxnId="{FF83E804-5F4E-4799-8384-BEEAA70F890B}">
-      <dgm:prSet/>
-      <dgm:spPr/>
-      <dgm:t>
-        <a:bodyPr/>
-        <a:lstStyle/>
-        <a:p>
-          <a:endParaRPr lang="en-GB"/>
-        </a:p>
-      </dgm:t>
-    </dgm:pt>
-    <dgm:pt modelId="{6C1789FF-3A77-4D7B-8B8A-32DD1D787C9D}" type="sibTrans" cxnId="{FF83E804-5F4E-4799-8384-BEEAA70F890B}">
-      <dgm:prSet/>
-      <dgm:spPr/>
-      <dgm:t>
-        <a:bodyPr/>
-        <a:lstStyle/>
-        <a:p>
-          <a:endParaRPr lang="en-GB"/>
-        </a:p>
-      </dgm:t>
-    </dgm:pt>
-    <dgm:pt modelId="{F634BBE7-94F6-4AF6-912E-34529397C706}" type="pres">
-      <dgm:prSet presAssocID="{2AF7E12E-F000-421A-A5E8-64FF02465066}" presName="Name0" presStyleCnt="0">
-        <dgm:presLayoutVars>
-          <dgm:dir/>
-          <dgm:animLvl val="lvl"/>
-          <dgm:resizeHandles val="exact"/>
-        </dgm:presLayoutVars>
-      </dgm:prSet>
-      <dgm:spPr/>
-    </dgm:pt>
-    <dgm:pt modelId="{0712BEC7-933D-48EF-832A-505D71D938D4}" type="pres">
-      <dgm:prSet presAssocID="{5AF81092-1147-414E-BD6B-F022BAF7FD47}" presName="composite" presStyleCnt="0"/>
-      <dgm:spPr/>
-    </dgm:pt>
-    <dgm:pt modelId="{45B07149-5B0B-47D5-B7A4-EA6FA35781CF}" type="pres">
-      <dgm:prSet presAssocID="{5AF81092-1147-414E-BD6B-F022BAF7FD47}" presName="parTx" presStyleLbl="alignNode1" presStyleIdx="0" presStyleCnt="3">
-        <dgm:presLayoutVars>
-          <dgm:chMax val="0"/>
-          <dgm:chPref val="0"/>
-          <dgm:bulletEnabled val="1"/>
-        </dgm:presLayoutVars>
-      </dgm:prSet>
-      <dgm:spPr/>
-    </dgm:pt>
-    <dgm:pt modelId="{C030D1B6-03EA-451A-A4A3-162BCD94CB62}" type="pres">
-      <dgm:prSet presAssocID="{5AF81092-1147-414E-BD6B-F022BAF7FD47}" presName="desTx" presStyleLbl="alignAccFollowNode1" presStyleIdx="0" presStyleCnt="3">
-        <dgm:presLayoutVars>
-          <dgm:bulletEnabled val="1"/>
-        </dgm:presLayoutVars>
-      </dgm:prSet>
-      <dgm:spPr/>
-    </dgm:pt>
-    <dgm:pt modelId="{69019F10-6DA5-4EA7-9B0C-E87E4AA0D3CC}" type="pres">
-      <dgm:prSet presAssocID="{A46BE1D3-30D8-4DA2-823B-95882AFC7B76}" presName="space" presStyleCnt="0"/>
-      <dgm:spPr/>
-    </dgm:pt>
-    <dgm:pt modelId="{98023589-C29D-4C12-B308-BC8A8C351B0A}" type="pres">
-      <dgm:prSet presAssocID="{775709F3-B8F9-4DD9-BB76-29E0B7873C44}" presName="composite" presStyleCnt="0"/>
-      <dgm:spPr/>
-    </dgm:pt>
-    <dgm:pt modelId="{5D7B86E1-F2B7-4089-B7CE-43DE33501DF5}" type="pres">
-      <dgm:prSet presAssocID="{775709F3-B8F9-4DD9-BB76-29E0B7873C44}" presName="parTx" presStyleLbl="alignNode1" presStyleIdx="1" presStyleCnt="3">
-        <dgm:presLayoutVars>
-          <dgm:chMax val="0"/>
-          <dgm:chPref val="0"/>
-          <dgm:bulletEnabled val="1"/>
-        </dgm:presLayoutVars>
-      </dgm:prSet>
-      <dgm:spPr/>
-    </dgm:pt>
-    <dgm:pt modelId="{0549BAC6-E2A0-4E9B-9C87-99E7A8083699}" type="pres">
-      <dgm:prSet presAssocID="{775709F3-B8F9-4DD9-BB76-29E0B7873C44}" presName="desTx" presStyleLbl="alignAccFollowNode1" presStyleIdx="1" presStyleCnt="3">
-        <dgm:presLayoutVars>
-          <dgm:bulletEnabled val="1"/>
-        </dgm:presLayoutVars>
-      </dgm:prSet>
-      <dgm:spPr/>
-    </dgm:pt>
-    <dgm:pt modelId="{8C1B8C14-3539-48AA-9A1E-1ADC142FD141}" type="pres">
-      <dgm:prSet presAssocID="{5F301258-D91B-4320-B24F-B4D109BD77E2}" presName="space" presStyleCnt="0"/>
-      <dgm:spPr/>
-    </dgm:pt>
-    <dgm:pt modelId="{8D5185E5-B6C3-4143-92D4-D62D02B8A5FA}" type="pres">
-      <dgm:prSet presAssocID="{441A7568-C172-4D85-9A2B-65C7CD430E20}" presName="composite" presStyleCnt="0"/>
-      <dgm:spPr/>
-    </dgm:pt>
-    <dgm:pt modelId="{F49E3C56-14DF-4919-B2A2-E10C4B8CBFBA}" type="pres">
-      <dgm:prSet presAssocID="{441A7568-C172-4D85-9A2B-65C7CD430E20}" presName="parTx" presStyleLbl="alignNode1" presStyleIdx="2" presStyleCnt="3">
-        <dgm:presLayoutVars>
-          <dgm:chMax val="0"/>
-          <dgm:chPref val="0"/>
-          <dgm:bulletEnabled val="1"/>
-        </dgm:presLayoutVars>
-      </dgm:prSet>
-      <dgm:spPr/>
-    </dgm:pt>
-    <dgm:pt modelId="{C3635BB7-B566-4A67-9B9E-ABBDAD5490B0}" type="pres">
-      <dgm:prSet presAssocID="{441A7568-C172-4D85-9A2B-65C7CD430E20}" presName="desTx" presStyleLbl="alignAccFollowNode1" presStyleIdx="2" presStyleCnt="3">
-        <dgm:presLayoutVars>
-          <dgm:bulletEnabled val="1"/>
-        </dgm:presLayoutVars>
-      </dgm:prSet>
-      <dgm:spPr/>
-    </dgm:pt>
-  </dgm:ptLst>
-  <dgm:cxnLst>
-    <dgm:cxn modelId="{E3CADE00-2107-445A-88AE-4E1A453120D3}" srcId="{775709F3-B8F9-4DD9-BB76-29E0B7873C44}" destId="{F5710F48-4805-4B09-89EA-D4355E92C6BE}" srcOrd="0" destOrd="0" parTransId="{470B0AA9-0ED1-441C-A599-60FFD3CCE94E}" sibTransId="{DE644B15-62C2-46BC-9DF4-F2825AA39809}"/>
-    <dgm:cxn modelId="{FF83E804-5F4E-4799-8384-BEEAA70F890B}" srcId="{775709F3-B8F9-4DD9-BB76-29E0B7873C44}" destId="{B3486756-9D0A-40F1-8784-65FAF4E2FC25}" srcOrd="1" destOrd="0" parTransId="{23594045-6BA8-41A9-BD06-3DE059503459}" sibTransId="{6C1789FF-3A77-4D7B-8B8A-32DD1D787C9D}"/>
-    <dgm:cxn modelId="{B52AF91B-FBC3-49EC-99D8-536968121C24}" type="presOf" srcId="{775709F3-B8F9-4DD9-BB76-29E0B7873C44}" destId="{5D7B86E1-F2B7-4089-B7CE-43DE33501DF5}" srcOrd="0" destOrd="0" presId="urn:microsoft.com/office/officeart/2005/8/layout/hList1"/>
-    <dgm:cxn modelId="{691B491F-5E89-4091-A534-51DF61A2AE9F}" srcId="{2AF7E12E-F000-421A-A5E8-64FF02465066}" destId="{775709F3-B8F9-4DD9-BB76-29E0B7873C44}" srcOrd="1" destOrd="0" parTransId="{5391D097-3A2C-44EA-8E03-BEC36C8FC3C5}" sibTransId="{5F301258-D91B-4320-B24F-B4D109BD77E2}"/>
-    <dgm:cxn modelId="{9F82ED1F-C12C-4452-9A61-41C0AF776CDD}" type="presOf" srcId="{B3486756-9D0A-40F1-8784-65FAF4E2FC25}" destId="{0549BAC6-E2A0-4E9B-9C87-99E7A8083699}" srcOrd="0" destOrd="1" presId="urn:microsoft.com/office/officeart/2005/8/layout/hList1"/>
-    <dgm:cxn modelId="{FDEFF862-0B5A-4907-9864-C650B1772FE4}" type="presOf" srcId="{5AF81092-1147-414E-BD6B-F022BAF7FD47}" destId="{45B07149-5B0B-47D5-B7A4-EA6FA35781CF}" srcOrd="0" destOrd="0" presId="urn:microsoft.com/office/officeart/2005/8/layout/hList1"/>
-    <dgm:cxn modelId="{52B98E45-3A3C-4D62-B9CA-14F9F3F6684F}" srcId="{2AF7E12E-F000-421A-A5E8-64FF02465066}" destId="{441A7568-C172-4D85-9A2B-65C7CD430E20}" srcOrd="2" destOrd="0" parTransId="{A58BEBC9-81F4-4C37-AC84-8C2929FBEE03}" sibTransId="{B238F27B-D04D-4530-BC6B-68891B295F89}"/>
-    <dgm:cxn modelId="{1A793066-AEDB-4F96-B0D8-CB70B36B9155}" srcId="{5AF81092-1147-414E-BD6B-F022BAF7FD47}" destId="{6A4CA3EB-69FD-4B62-A108-D9886CDD04A4}" srcOrd="1" destOrd="0" parTransId="{843AD9D7-14EC-4F18-903A-DAC909D1C461}" sibTransId="{6B640C85-DBEB-4B3B-B920-FC5DEFA17024}"/>
-    <dgm:cxn modelId="{F56F9450-1B0A-45AB-941B-DCAEAB8634B1}" type="presOf" srcId="{F5710F48-4805-4B09-89EA-D4355E92C6BE}" destId="{0549BAC6-E2A0-4E9B-9C87-99E7A8083699}" srcOrd="0" destOrd="0" presId="urn:microsoft.com/office/officeart/2005/8/layout/hList1"/>
-    <dgm:cxn modelId="{1E6F4951-D115-45F1-913E-14013022522C}" type="presOf" srcId="{2AF7E12E-F000-421A-A5E8-64FF02465066}" destId="{F634BBE7-94F6-4AF6-912E-34529397C706}" srcOrd="0" destOrd="0" presId="urn:microsoft.com/office/officeart/2005/8/layout/hList1"/>
-    <dgm:cxn modelId="{D5A4867B-5AA0-46F9-AEFC-8A53F7232CBE}" type="presOf" srcId="{441A7568-C172-4D85-9A2B-65C7CD430E20}" destId="{F49E3C56-14DF-4919-B2A2-E10C4B8CBFBA}" srcOrd="0" destOrd="0" presId="urn:microsoft.com/office/officeart/2005/8/layout/hList1"/>
-    <dgm:cxn modelId="{D8762080-685E-49E6-9CEE-A452F1E80393}" srcId="{441A7568-C172-4D85-9A2B-65C7CD430E20}" destId="{A5A32098-47B4-4935-97D1-9C08AB71366C}" srcOrd="0" destOrd="0" parTransId="{50949C85-F716-46F9-BF50-B227F8846560}" sibTransId="{971FB617-8869-4B33-9DA3-B4634C8025A5}"/>
-    <dgm:cxn modelId="{98D8E898-5258-4BC7-A424-6C08C01E39E9}" srcId="{2AF7E12E-F000-421A-A5E8-64FF02465066}" destId="{5AF81092-1147-414E-BD6B-F022BAF7FD47}" srcOrd="0" destOrd="0" parTransId="{5C0BC80F-B473-42C8-9B27-74930026E0EF}" sibTransId="{A46BE1D3-30D8-4DA2-823B-95882AFC7B76}"/>
-    <dgm:cxn modelId="{B64AD4BB-FB3E-410D-ABE6-7120C4D7FCBC}" type="presOf" srcId="{6A4CA3EB-69FD-4B62-A108-D9886CDD04A4}" destId="{C030D1B6-03EA-451A-A4A3-162BCD94CB62}" srcOrd="0" destOrd="1" presId="urn:microsoft.com/office/officeart/2005/8/layout/hList1"/>
-    <dgm:cxn modelId="{B16B67D1-B66D-4F21-BD7D-36331D4EB173}" type="presOf" srcId="{CBA62887-1AE6-4B8C-9043-B31217740678}" destId="{C3635BB7-B566-4A67-9B9E-ABBDAD5490B0}" srcOrd="0" destOrd="1" presId="urn:microsoft.com/office/officeart/2005/8/layout/hList1"/>
-    <dgm:cxn modelId="{04A174D1-7677-4245-9E2D-A40C7690BA3B}" srcId="{5AF81092-1147-414E-BD6B-F022BAF7FD47}" destId="{EB2B3D6F-192D-465C-99E0-E9932D473634}" srcOrd="0" destOrd="0" parTransId="{4060F0D1-3B33-409A-B06F-4B4DCF33FCC1}" sibTransId="{C69D53F5-74AE-4297-9C02-BAE05ECCE3A5}"/>
-    <dgm:cxn modelId="{850DE4E9-C75D-4788-8248-87B9FF83CE28}" srcId="{441A7568-C172-4D85-9A2B-65C7CD430E20}" destId="{CBA62887-1AE6-4B8C-9043-B31217740678}" srcOrd="1" destOrd="0" parTransId="{1814AA68-485E-42FE-A27D-26424BC32623}" sibTransId="{CFB40FE8-AC51-4C24-A49B-C77DC02ED3D6}"/>
-    <dgm:cxn modelId="{F7DF22EF-2D17-40E9-A742-1D8D38AD2424}" type="presOf" srcId="{EB2B3D6F-192D-465C-99E0-E9932D473634}" destId="{C030D1B6-03EA-451A-A4A3-162BCD94CB62}" srcOrd="0" destOrd="0" presId="urn:microsoft.com/office/officeart/2005/8/layout/hList1"/>
-    <dgm:cxn modelId="{32B24EF1-4130-40BC-A0F8-CE8CB69128D6}" type="presOf" srcId="{A5A32098-47B4-4935-97D1-9C08AB71366C}" destId="{C3635BB7-B566-4A67-9B9E-ABBDAD5490B0}" srcOrd="0" destOrd="0" presId="urn:microsoft.com/office/officeart/2005/8/layout/hList1"/>
-    <dgm:cxn modelId="{4809F5F9-E809-4C3B-AF12-CE3D79EB49C7}" type="presParOf" srcId="{F634BBE7-94F6-4AF6-912E-34529397C706}" destId="{0712BEC7-933D-48EF-832A-505D71D938D4}" srcOrd="0" destOrd="0" presId="urn:microsoft.com/office/officeart/2005/8/layout/hList1"/>
-    <dgm:cxn modelId="{8B0B33D2-DFF0-4698-9220-A223F7A654B8}" type="presParOf" srcId="{0712BEC7-933D-48EF-832A-505D71D938D4}" destId="{45B07149-5B0B-47D5-B7A4-EA6FA35781CF}" srcOrd="0" destOrd="0" presId="urn:microsoft.com/office/officeart/2005/8/layout/hList1"/>
-    <dgm:cxn modelId="{2EEC1ED3-86EE-427A-AC1B-32FDC194C5A4}" type="presParOf" srcId="{0712BEC7-933D-48EF-832A-505D71D938D4}" destId="{C030D1B6-03EA-451A-A4A3-162BCD94CB62}" srcOrd="1" destOrd="0" presId="urn:microsoft.com/office/officeart/2005/8/layout/hList1"/>
-    <dgm:cxn modelId="{4C7695FB-2519-4E83-B7E1-7D9E49A3AF4D}" type="presParOf" srcId="{F634BBE7-94F6-4AF6-912E-34529397C706}" destId="{69019F10-6DA5-4EA7-9B0C-E87E4AA0D3CC}" srcOrd="1" destOrd="0" presId="urn:microsoft.com/office/officeart/2005/8/layout/hList1"/>
-    <dgm:cxn modelId="{2A46F0FE-4FB2-467E-8A42-E54363F3DF0D}" type="presParOf" srcId="{F634BBE7-94F6-4AF6-912E-34529397C706}" destId="{98023589-C29D-4C12-B308-BC8A8C351B0A}" srcOrd="2" destOrd="0" presId="urn:microsoft.com/office/officeart/2005/8/layout/hList1"/>
-    <dgm:cxn modelId="{A656AB50-2CA0-4784-8421-3832319E97A9}" type="presParOf" srcId="{98023589-C29D-4C12-B308-BC8A8C351B0A}" destId="{5D7B86E1-F2B7-4089-B7CE-43DE33501DF5}" srcOrd="0" destOrd="0" presId="urn:microsoft.com/office/officeart/2005/8/layout/hList1"/>
-    <dgm:cxn modelId="{B0DC423C-839D-4EAB-B78B-73A4E91AA010}" type="presParOf" srcId="{98023589-C29D-4C12-B308-BC8A8C351B0A}" destId="{0549BAC6-E2A0-4E9B-9C87-99E7A8083699}" srcOrd="1" destOrd="0" presId="urn:microsoft.com/office/officeart/2005/8/layout/hList1"/>
-    <dgm:cxn modelId="{0B268A6F-0526-4945-8DC7-FDEC5A69EE00}" type="presParOf" srcId="{F634BBE7-94F6-4AF6-912E-34529397C706}" destId="{8C1B8C14-3539-48AA-9A1E-1ADC142FD141}" srcOrd="3" destOrd="0" presId="urn:microsoft.com/office/officeart/2005/8/layout/hList1"/>
-    <dgm:cxn modelId="{05692311-CC3D-4B19-8E93-D8D21DCEBCEA}" type="presParOf" srcId="{F634BBE7-94F6-4AF6-912E-34529397C706}" destId="{8D5185E5-B6C3-4143-92D4-D62D02B8A5FA}" srcOrd="4" destOrd="0" presId="urn:microsoft.com/office/officeart/2005/8/layout/hList1"/>
-    <dgm:cxn modelId="{F529B85A-A373-41D8-BB6A-7E1E059A6F5D}" type="presParOf" srcId="{8D5185E5-B6C3-4143-92D4-D62D02B8A5FA}" destId="{F49E3C56-14DF-4919-B2A2-E10C4B8CBFBA}" srcOrd="0" destOrd="0" presId="urn:microsoft.com/office/officeart/2005/8/layout/hList1"/>
-    <dgm:cxn modelId="{08F6FA50-FFE5-43EB-84FD-92BE7A34EB68}" type="presParOf" srcId="{8D5185E5-B6C3-4143-92D4-D62D02B8A5FA}" destId="{C3635BB7-B566-4A67-9B9E-ABBDAD5490B0}" srcOrd="1" destOrd="0" presId="urn:microsoft.com/office/officeart/2005/8/layout/hList1"/>
-  </dgm:cxnLst>
-  <dgm:bg/>
-  <dgm:whole/>
-  <dgm:extLst>
-    <a:ext uri="http://schemas.microsoft.com/office/drawing/2008/diagram">
-      <dsp:dataModelExt xmlns:dsp="http://schemas.microsoft.com/office/drawing/2008/diagram" relId="rId7" minVer="http://schemas.openxmlformats.org/drawingml/2006/diagram"/>
-    </a:ext>
-  </dgm:extLst>
-</dgm:dataModel>
-</file>
-
-<file path=ppt/diagrams/data3.xml><?xml version="1.0" encoding="utf-8"?>
 <dgm:dataModel xmlns:dgm="http://schemas.openxmlformats.org/drawingml/2006/diagram" xmlns:a="http://schemas.openxmlformats.org/drawingml/2006/main">
   <dgm:ptLst>
     <dgm:pt modelId="{5FF9A9EA-684B-4E38-BF15-F2449A173880}" type="doc">
@@ -6273,7 +5672,7 @@
 </dgm:dataModel>
 </file>
 
-<file path=ppt/diagrams/data4.xml><?xml version="1.0" encoding="utf-8"?>
+<file path=ppt/diagrams/data3.xml><?xml version="1.0" encoding="utf-8"?>
 <dgm:dataModel xmlns:dgm="http://schemas.openxmlformats.org/drawingml/2006/diagram" xmlns:a="http://schemas.openxmlformats.org/drawingml/2006/main">
   <dgm:ptLst>
     <dgm:pt modelId="{236887FC-9904-4DA5-8879-BB996F1D513F}" type="doc">
@@ -6488,7 +5887,7 @@
 </dgm:dataModel>
 </file>
 
-<file path=ppt/diagrams/data5.xml><?xml version="1.0" encoding="utf-8"?>
+<file path=ppt/diagrams/data4.xml><?xml version="1.0" encoding="utf-8"?>
 <dgm:dataModel xmlns:dgm="http://schemas.openxmlformats.org/drawingml/2006/diagram" xmlns:a="http://schemas.openxmlformats.org/drawingml/2006/main">
   <dgm:ptLst>
     <dgm:pt modelId="{AAE5F250-EB67-43FE-8314-5C87FBBEEC1F}" type="doc">
@@ -6928,7 +6327,7 @@
 </dgm:dataModel>
 </file>
 
-<file path=ppt/diagrams/data6.xml><?xml version="1.0" encoding="utf-8"?>
+<file path=ppt/diagrams/data5.xml><?xml version="1.0" encoding="utf-8"?>
 <dgm:dataModel xmlns:dgm="http://schemas.openxmlformats.org/drawingml/2006/diagram" xmlns:a="http://schemas.openxmlformats.org/drawingml/2006/main">
   <dgm:ptLst>
     <dgm:pt modelId="{D28DACC3-D154-43CC-86D2-B6C20FC41774}" type="doc">
@@ -7642,6 +7041,617 @@
 </dgm:dataModel>
 </file>
 
+<file path=ppt/diagrams/data6.xml><?xml version="1.0" encoding="utf-8"?>
+<dgm:dataModel xmlns:dgm="http://schemas.openxmlformats.org/drawingml/2006/diagram" xmlns:a="http://schemas.openxmlformats.org/drawingml/2006/main">
+  <dgm:ptLst>
+    <dgm:pt modelId="{2AF7E12E-F000-421A-A5E8-64FF02465066}" type="doc">
+      <dgm:prSet loTypeId="urn:microsoft.com/office/officeart/2005/8/layout/hList1" loCatId="list" qsTypeId="urn:microsoft.com/office/officeart/2005/8/quickstyle/simple1" qsCatId="simple" csTypeId="urn:microsoft.com/office/officeart/2005/8/colors/accent1_2" csCatId="accent1" phldr="1"/>
+      <dgm:spPr/>
+      <dgm:t>
+        <a:bodyPr/>
+        <a:lstStyle/>
+        <a:p>
+          <a:endParaRPr lang="en-GB"/>
+        </a:p>
+      </dgm:t>
+    </dgm:pt>
+    <dgm:pt modelId="{775709F3-B8F9-4DD9-BB76-29E0B7873C44}">
+      <dgm:prSet phldrT="[Text]"/>
+      <dgm:spPr/>
+      <dgm:t>
+        <a:bodyPr/>
+        <a:lstStyle/>
+        <a:p>
+          <a:r>
+            <a:rPr lang="en-GB" dirty="0"/>
+            <a:t>PHP, MySQL</a:t>
+          </a:r>
+        </a:p>
+      </dgm:t>
+    </dgm:pt>
+    <dgm:pt modelId="{5391D097-3A2C-44EA-8E03-BEC36C8FC3C5}" type="parTrans" cxnId="{691B491F-5E89-4091-A534-51DF61A2AE9F}">
+      <dgm:prSet/>
+      <dgm:spPr/>
+      <dgm:t>
+        <a:bodyPr/>
+        <a:lstStyle/>
+        <a:p>
+          <a:endParaRPr lang="en-GB"/>
+        </a:p>
+      </dgm:t>
+    </dgm:pt>
+    <dgm:pt modelId="{5F301258-D91B-4320-B24F-B4D109BD77E2}" type="sibTrans" cxnId="{691B491F-5E89-4091-A534-51DF61A2AE9F}">
+      <dgm:prSet/>
+      <dgm:spPr/>
+      <dgm:t>
+        <a:bodyPr/>
+        <a:lstStyle/>
+        <a:p>
+          <a:endParaRPr lang="en-GB"/>
+        </a:p>
+      </dgm:t>
+    </dgm:pt>
+    <dgm:pt modelId="{F5710F48-4805-4B09-89EA-D4355E92C6BE}">
+      <dgm:prSet phldrT="[Text]"/>
+      <dgm:spPr/>
+      <dgm:t>
+        <a:bodyPr/>
+        <a:lstStyle/>
+        <a:p>
+          <a:r>
+            <a:rPr lang="en-GB" dirty="0" err="1"/>
+            <a:t>Là</a:t>
+          </a:r>
+          <a:r>
+            <a:rPr lang="en-GB" dirty="0"/>
+            <a:t> </a:t>
+          </a:r>
+          <a:r>
+            <a:rPr lang="en-GB" dirty="0" err="1"/>
+            <a:t>mã</a:t>
+          </a:r>
+          <a:r>
+            <a:rPr lang="en-GB" dirty="0"/>
+            <a:t> </a:t>
+          </a:r>
+          <a:r>
+            <a:rPr lang="en-GB" dirty="0" err="1"/>
+            <a:t>nguồn</a:t>
+          </a:r>
+          <a:r>
+            <a:rPr lang="en-GB" dirty="0"/>
+            <a:t> </a:t>
+          </a:r>
+          <a:r>
+            <a:rPr lang="en-GB" dirty="0" err="1"/>
+            <a:t>mở</a:t>
+          </a:r>
+          <a:endParaRPr lang="en-GB" dirty="0"/>
+        </a:p>
+      </dgm:t>
+    </dgm:pt>
+    <dgm:pt modelId="{470B0AA9-0ED1-441C-A599-60FFD3CCE94E}" type="parTrans" cxnId="{E3CADE00-2107-445A-88AE-4E1A453120D3}">
+      <dgm:prSet/>
+      <dgm:spPr/>
+      <dgm:t>
+        <a:bodyPr/>
+        <a:lstStyle/>
+        <a:p>
+          <a:endParaRPr lang="en-GB"/>
+        </a:p>
+      </dgm:t>
+    </dgm:pt>
+    <dgm:pt modelId="{DE644B15-62C2-46BC-9DF4-F2825AA39809}" type="sibTrans" cxnId="{E3CADE00-2107-445A-88AE-4E1A453120D3}">
+      <dgm:prSet/>
+      <dgm:spPr/>
+      <dgm:t>
+        <a:bodyPr/>
+        <a:lstStyle/>
+        <a:p>
+          <a:endParaRPr lang="en-GB"/>
+        </a:p>
+      </dgm:t>
+    </dgm:pt>
+    <dgm:pt modelId="{441A7568-C172-4D85-9A2B-65C7CD430E20}">
+      <dgm:prSet phldrT="[Text]"/>
+      <dgm:spPr/>
+      <dgm:t>
+        <a:bodyPr/>
+        <a:lstStyle/>
+        <a:p>
+          <a:r>
+            <a:rPr lang="en-GB" dirty="0">
+              <a:effectLst>
+                <a:outerShdw blurRad="38100" dist="38100" dir="2700000" algn="tl">
+                  <a:srgbClr val="000000">
+                    <a:alpha val="43137"/>
+                  </a:srgbClr>
+                </a:outerShdw>
+              </a:effectLst>
+            </a:rPr>
+            <a:t>HTML5, CSS3, JavaScript</a:t>
+          </a:r>
+          <a:endParaRPr lang="en-GB" dirty="0"/>
+        </a:p>
+      </dgm:t>
+    </dgm:pt>
+    <dgm:pt modelId="{A58BEBC9-81F4-4C37-AC84-8C2929FBEE03}" type="parTrans" cxnId="{52B98E45-3A3C-4D62-B9CA-14F9F3F6684F}">
+      <dgm:prSet/>
+      <dgm:spPr/>
+      <dgm:t>
+        <a:bodyPr/>
+        <a:lstStyle/>
+        <a:p>
+          <a:endParaRPr lang="en-GB"/>
+        </a:p>
+      </dgm:t>
+    </dgm:pt>
+    <dgm:pt modelId="{B238F27B-D04D-4530-BC6B-68891B295F89}" type="sibTrans" cxnId="{52B98E45-3A3C-4D62-B9CA-14F9F3F6684F}">
+      <dgm:prSet/>
+      <dgm:spPr/>
+      <dgm:t>
+        <a:bodyPr/>
+        <a:lstStyle/>
+        <a:p>
+          <a:endParaRPr lang="en-GB"/>
+        </a:p>
+      </dgm:t>
+    </dgm:pt>
+    <dgm:pt modelId="{A5A32098-47B4-4935-97D1-9C08AB71366C}">
+      <dgm:prSet phldrT="[Text]"/>
+      <dgm:spPr/>
+      <dgm:t>
+        <a:bodyPr/>
+        <a:lstStyle/>
+        <a:p>
+          <a:r>
+            <a:rPr lang="en-GB" dirty="0" err="1"/>
+            <a:t>Phổ</a:t>
+          </a:r>
+          <a:r>
+            <a:rPr lang="en-GB" dirty="0"/>
+            <a:t> </a:t>
+          </a:r>
+          <a:r>
+            <a:rPr lang="en-GB" dirty="0" err="1"/>
+            <a:t>biến</a:t>
+          </a:r>
+          <a:endParaRPr lang="en-GB" dirty="0"/>
+        </a:p>
+      </dgm:t>
+    </dgm:pt>
+    <dgm:pt modelId="{50949C85-F716-46F9-BF50-B227F8846560}" type="parTrans" cxnId="{D8762080-685E-49E6-9CEE-A452F1E80393}">
+      <dgm:prSet/>
+      <dgm:spPr/>
+      <dgm:t>
+        <a:bodyPr/>
+        <a:lstStyle/>
+        <a:p>
+          <a:endParaRPr lang="en-GB"/>
+        </a:p>
+      </dgm:t>
+    </dgm:pt>
+    <dgm:pt modelId="{971FB617-8869-4B33-9DA3-B4634C8025A5}" type="sibTrans" cxnId="{D8762080-685E-49E6-9CEE-A452F1E80393}">
+      <dgm:prSet/>
+      <dgm:spPr/>
+      <dgm:t>
+        <a:bodyPr/>
+        <a:lstStyle/>
+        <a:p>
+          <a:endParaRPr lang="en-GB"/>
+        </a:p>
+      </dgm:t>
+    </dgm:pt>
+    <dgm:pt modelId="{CBA62887-1AE6-4B8C-9043-B31217740678}">
+      <dgm:prSet phldrT="[Text]"/>
+      <dgm:spPr/>
+      <dgm:t>
+        <a:bodyPr/>
+        <a:lstStyle/>
+        <a:p>
+          <a:r>
+            <a:rPr lang="en-GB" dirty="0" err="1"/>
+            <a:t>Giảm</a:t>
+          </a:r>
+          <a:r>
+            <a:rPr lang="en-GB" dirty="0"/>
+            <a:t> </a:t>
+          </a:r>
+          <a:r>
+            <a:rPr lang="en-GB" dirty="0" err="1"/>
+            <a:t>lượng</a:t>
+          </a:r>
+          <a:r>
+            <a:rPr lang="en-GB" dirty="0"/>
+            <a:t> </a:t>
+          </a:r>
+          <a:r>
+            <a:rPr lang="en-GB" dirty="0" err="1"/>
+            <a:t>truy</a:t>
+          </a:r>
+          <a:r>
+            <a:rPr lang="en-GB" dirty="0"/>
+            <a:t> </a:t>
+          </a:r>
+          <a:r>
+            <a:rPr lang="en-GB" dirty="0" err="1"/>
+            <a:t>cập</a:t>
+          </a:r>
+          <a:endParaRPr lang="en-GB" dirty="0"/>
+        </a:p>
+      </dgm:t>
+    </dgm:pt>
+    <dgm:pt modelId="{1814AA68-485E-42FE-A27D-26424BC32623}" type="parTrans" cxnId="{850DE4E9-C75D-4788-8248-87B9FF83CE28}">
+      <dgm:prSet/>
+      <dgm:spPr/>
+      <dgm:t>
+        <a:bodyPr/>
+        <a:lstStyle/>
+        <a:p>
+          <a:endParaRPr lang="en-GB"/>
+        </a:p>
+      </dgm:t>
+    </dgm:pt>
+    <dgm:pt modelId="{CFB40FE8-AC51-4C24-A49B-C77DC02ED3D6}" type="sibTrans" cxnId="{850DE4E9-C75D-4788-8248-87B9FF83CE28}">
+      <dgm:prSet/>
+      <dgm:spPr/>
+      <dgm:t>
+        <a:bodyPr/>
+        <a:lstStyle/>
+        <a:p>
+          <a:endParaRPr lang="en-GB"/>
+        </a:p>
+      </dgm:t>
+    </dgm:pt>
+    <dgm:pt modelId="{5AF81092-1147-414E-BD6B-F022BAF7FD47}">
+      <dgm:prSet phldrT="[Text]"/>
+      <dgm:spPr/>
+      <dgm:t>
+        <a:bodyPr/>
+        <a:lstStyle/>
+        <a:p>
+          <a:r>
+            <a:rPr lang="en-GB" dirty="0"/>
+            <a:t>Website </a:t>
+          </a:r>
+        </a:p>
+      </dgm:t>
+    </dgm:pt>
+    <dgm:pt modelId="{5C0BC80F-B473-42C8-9B27-74930026E0EF}" type="parTrans" cxnId="{98D8E898-5258-4BC7-A424-6C08C01E39E9}">
+      <dgm:prSet/>
+      <dgm:spPr/>
+      <dgm:t>
+        <a:bodyPr/>
+        <a:lstStyle/>
+        <a:p>
+          <a:endParaRPr lang="en-GB"/>
+        </a:p>
+      </dgm:t>
+    </dgm:pt>
+    <dgm:pt modelId="{A46BE1D3-30D8-4DA2-823B-95882AFC7B76}" type="sibTrans" cxnId="{98D8E898-5258-4BC7-A424-6C08C01E39E9}">
+      <dgm:prSet/>
+      <dgm:spPr/>
+      <dgm:t>
+        <a:bodyPr/>
+        <a:lstStyle/>
+        <a:p>
+          <a:endParaRPr lang="en-GB"/>
+        </a:p>
+      </dgm:t>
+    </dgm:pt>
+    <dgm:pt modelId="{EB2B3D6F-192D-465C-99E0-E9932D473634}">
+      <dgm:prSet phldrT="[Text]"/>
+      <dgm:spPr/>
+      <dgm:t>
+        <a:bodyPr/>
+        <a:lstStyle/>
+        <a:p>
+          <a:r>
+            <a:rPr lang="en-GB" dirty="0" err="1"/>
+            <a:t>Tiện</a:t>
+          </a:r>
+          <a:r>
+            <a:rPr lang="en-GB" dirty="0"/>
+            <a:t> </a:t>
+          </a:r>
+          <a:r>
+            <a:rPr lang="en-GB" dirty="0" err="1"/>
+            <a:t>lợi</a:t>
+          </a:r>
+          <a:endParaRPr lang="en-GB" dirty="0"/>
+        </a:p>
+      </dgm:t>
+    </dgm:pt>
+    <dgm:pt modelId="{4060F0D1-3B33-409A-B06F-4B4DCF33FCC1}" type="parTrans" cxnId="{04A174D1-7677-4245-9E2D-A40C7690BA3B}">
+      <dgm:prSet/>
+      <dgm:spPr/>
+      <dgm:t>
+        <a:bodyPr/>
+        <a:lstStyle/>
+        <a:p>
+          <a:endParaRPr lang="en-GB"/>
+        </a:p>
+      </dgm:t>
+    </dgm:pt>
+    <dgm:pt modelId="{C69D53F5-74AE-4297-9C02-BAE05ECCE3A5}" type="sibTrans" cxnId="{04A174D1-7677-4245-9E2D-A40C7690BA3B}">
+      <dgm:prSet/>
+      <dgm:spPr/>
+      <dgm:t>
+        <a:bodyPr/>
+        <a:lstStyle/>
+        <a:p>
+          <a:endParaRPr lang="en-GB"/>
+        </a:p>
+      </dgm:t>
+    </dgm:pt>
+    <dgm:pt modelId="{6A4CA3EB-69FD-4B62-A108-D9886CDD04A4}">
+      <dgm:prSet phldrT="[Text]"/>
+      <dgm:spPr/>
+      <dgm:t>
+        <a:bodyPr/>
+        <a:lstStyle/>
+        <a:p>
+          <a:r>
+            <a:rPr lang="en-GB" dirty="0" err="1"/>
+            <a:t>Sử</a:t>
+          </a:r>
+          <a:r>
+            <a:rPr lang="en-GB" dirty="0"/>
+            <a:t> </a:t>
+          </a:r>
+          <a:r>
+            <a:rPr lang="en-GB" dirty="0" err="1"/>
+            <a:t>dụng</a:t>
+          </a:r>
+          <a:r>
+            <a:rPr lang="en-GB" dirty="0"/>
+            <a:t> </a:t>
+          </a:r>
+          <a:r>
+            <a:rPr lang="en-GB" dirty="0" err="1"/>
+            <a:t>mọi</a:t>
+          </a:r>
+          <a:r>
+            <a:rPr lang="en-GB" dirty="0"/>
+            <a:t> </a:t>
+          </a:r>
+          <a:r>
+            <a:rPr lang="en-GB" dirty="0" err="1"/>
+            <a:t>đối</a:t>
+          </a:r>
+          <a:r>
+            <a:rPr lang="en-GB" dirty="0"/>
+            <a:t> </a:t>
+          </a:r>
+          <a:r>
+            <a:rPr lang="en-GB" dirty="0" err="1"/>
+            <a:t>tượng</a:t>
+          </a:r>
+          <a:endParaRPr lang="en-GB" dirty="0"/>
+        </a:p>
+      </dgm:t>
+    </dgm:pt>
+    <dgm:pt modelId="{843AD9D7-14EC-4F18-903A-DAC909D1C461}" type="parTrans" cxnId="{1A793066-AEDB-4F96-B0D8-CB70B36B9155}">
+      <dgm:prSet/>
+      <dgm:spPr/>
+      <dgm:t>
+        <a:bodyPr/>
+        <a:lstStyle/>
+        <a:p>
+          <a:endParaRPr lang="en-GB"/>
+        </a:p>
+      </dgm:t>
+    </dgm:pt>
+    <dgm:pt modelId="{6B640C85-DBEB-4B3B-B920-FC5DEFA17024}" type="sibTrans" cxnId="{1A793066-AEDB-4F96-B0D8-CB70B36B9155}">
+      <dgm:prSet/>
+      <dgm:spPr/>
+      <dgm:t>
+        <a:bodyPr/>
+        <a:lstStyle/>
+        <a:p>
+          <a:endParaRPr lang="en-GB"/>
+        </a:p>
+      </dgm:t>
+    </dgm:pt>
+    <dgm:pt modelId="{B3486756-9D0A-40F1-8784-65FAF4E2FC25}">
+      <dgm:prSet phldrT="[Text]"/>
+      <dgm:spPr/>
+      <dgm:t>
+        <a:bodyPr/>
+        <a:lstStyle/>
+        <a:p>
+          <a:r>
+            <a:rPr lang="en-GB" dirty="0" err="1"/>
+            <a:t>Tốc</a:t>
+          </a:r>
+          <a:r>
+            <a:rPr lang="en-GB" dirty="0"/>
+            <a:t> </a:t>
+          </a:r>
+          <a:r>
+            <a:rPr lang="en-GB" dirty="0" err="1"/>
+            <a:t>độ</a:t>
+          </a:r>
+          <a:r>
+            <a:rPr lang="en-GB" dirty="0"/>
+            <a:t> </a:t>
+          </a:r>
+          <a:r>
+            <a:rPr lang="en-GB" dirty="0" err="1"/>
+            <a:t>xử</a:t>
+          </a:r>
+          <a:r>
+            <a:rPr lang="en-GB" dirty="0"/>
+            <a:t> </a:t>
+          </a:r>
+          <a:r>
+            <a:rPr lang="en-GB" dirty="0" err="1"/>
+            <a:t>lý</a:t>
+          </a:r>
+          <a:r>
+            <a:rPr lang="en-GB" dirty="0"/>
+            <a:t> </a:t>
+          </a:r>
+          <a:r>
+            <a:rPr lang="en-GB" dirty="0" err="1"/>
+            <a:t>nhanh</a:t>
+          </a:r>
+          <a:r>
+            <a:rPr lang="en-GB" dirty="0"/>
+            <a:t>.</a:t>
+          </a:r>
+        </a:p>
+      </dgm:t>
+    </dgm:pt>
+    <dgm:pt modelId="{23594045-6BA8-41A9-BD06-3DE059503459}" type="parTrans" cxnId="{FF83E804-5F4E-4799-8384-BEEAA70F890B}">
+      <dgm:prSet/>
+      <dgm:spPr/>
+      <dgm:t>
+        <a:bodyPr/>
+        <a:lstStyle/>
+        <a:p>
+          <a:endParaRPr lang="en-GB"/>
+        </a:p>
+      </dgm:t>
+    </dgm:pt>
+    <dgm:pt modelId="{6C1789FF-3A77-4D7B-8B8A-32DD1D787C9D}" type="sibTrans" cxnId="{FF83E804-5F4E-4799-8384-BEEAA70F890B}">
+      <dgm:prSet/>
+      <dgm:spPr/>
+      <dgm:t>
+        <a:bodyPr/>
+        <a:lstStyle/>
+        <a:p>
+          <a:endParaRPr lang="en-GB"/>
+        </a:p>
+      </dgm:t>
+    </dgm:pt>
+    <dgm:pt modelId="{F634BBE7-94F6-4AF6-912E-34529397C706}" type="pres">
+      <dgm:prSet presAssocID="{2AF7E12E-F000-421A-A5E8-64FF02465066}" presName="Name0" presStyleCnt="0">
+        <dgm:presLayoutVars>
+          <dgm:dir/>
+          <dgm:animLvl val="lvl"/>
+          <dgm:resizeHandles val="exact"/>
+        </dgm:presLayoutVars>
+      </dgm:prSet>
+      <dgm:spPr/>
+    </dgm:pt>
+    <dgm:pt modelId="{0712BEC7-933D-48EF-832A-505D71D938D4}" type="pres">
+      <dgm:prSet presAssocID="{5AF81092-1147-414E-BD6B-F022BAF7FD47}" presName="composite" presStyleCnt="0"/>
+      <dgm:spPr/>
+    </dgm:pt>
+    <dgm:pt modelId="{45B07149-5B0B-47D5-B7A4-EA6FA35781CF}" type="pres">
+      <dgm:prSet presAssocID="{5AF81092-1147-414E-BD6B-F022BAF7FD47}" presName="parTx" presStyleLbl="alignNode1" presStyleIdx="0" presStyleCnt="3">
+        <dgm:presLayoutVars>
+          <dgm:chMax val="0"/>
+          <dgm:chPref val="0"/>
+          <dgm:bulletEnabled val="1"/>
+        </dgm:presLayoutVars>
+      </dgm:prSet>
+      <dgm:spPr/>
+    </dgm:pt>
+    <dgm:pt modelId="{C030D1B6-03EA-451A-A4A3-162BCD94CB62}" type="pres">
+      <dgm:prSet presAssocID="{5AF81092-1147-414E-BD6B-F022BAF7FD47}" presName="desTx" presStyleLbl="alignAccFollowNode1" presStyleIdx="0" presStyleCnt="3">
+        <dgm:presLayoutVars>
+          <dgm:bulletEnabled val="1"/>
+        </dgm:presLayoutVars>
+      </dgm:prSet>
+      <dgm:spPr/>
+    </dgm:pt>
+    <dgm:pt modelId="{69019F10-6DA5-4EA7-9B0C-E87E4AA0D3CC}" type="pres">
+      <dgm:prSet presAssocID="{A46BE1D3-30D8-4DA2-823B-95882AFC7B76}" presName="space" presStyleCnt="0"/>
+      <dgm:spPr/>
+    </dgm:pt>
+    <dgm:pt modelId="{98023589-C29D-4C12-B308-BC8A8C351B0A}" type="pres">
+      <dgm:prSet presAssocID="{775709F3-B8F9-4DD9-BB76-29E0B7873C44}" presName="composite" presStyleCnt="0"/>
+      <dgm:spPr/>
+    </dgm:pt>
+    <dgm:pt modelId="{5D7B86E1-F2B7-4089-B7CE-43DE33501DF5}" type="pres">
+      <dgm:prSet presAssocID="{775709F3-B8F9-4DD9-BB76-29E0B7873C44}" presName="parTx" presStyleLbl="alignNode1" presStyleIdx="1" presStyleCnt="3">
+        <dgm:presLayoutVars>
+          <dgm:chMax val="0"/>
+          <dgm:chPref val="0"/>
+          <dgm:bulletEnabled val="1"/>
+        </dgm:presLayoutVars>
+      </dgm:prSet>
+      <dgm:spPr/>
+    </dgm:pt>
+    <dgm:pt modelId="{0549BAC6-E2A0-4E9B-9C87-99E7A8083699}" type="pres">
+      <dgm:prSet presAssocID="{775709F3-B8F9-4DD9-BB76-29E0B7873C44}" presName="desTx" presStyleLbl="alignAccFollowNode1" presStyleIdx="1" presStyleCnt="3">
+        <dgm:presLayoutVars>
+          <dgm:bulletEnabled val="1"/>
+        </dgm:presLayoutVars>
+      </dgm:prSet>
+      <dgm:spPr/>
+    </dgm:pt>
+    <dgm:pt modelId="{8C1B8C14-3539-48AA-9A1E-1ADC142FD141}" type="pres">
+      <dgm:prSet presAssocID="{5F301258-D91B-4320-B24F-B4D109BD77E2}" presName="space" presStyleCnt="0"/>
+      <dgm:spPr/>
+    </dgm:pt>
+    <dgm:pt modelId="{8D5185E5-B6C3-4143-92D4-D62D02B8A5FA}" type="pres">
+      <dgm:prSet presAssocID="{441A7568-C172-4D85-9A2B-65C7CD430E20}" presName="composite" presStyleCnt="0"/>
+      <dgm:spPr/>
+    </dgm:pt>
+    <dgm:pt modelId="{F49E3C56-14DF-4919-B2A2-E10C4B8CBFBA}" type="pres">
+      <dgm:prSet presAssocID="{441A7568-C172-4D85-9A2B-65C7CD430E20}" presName="parTx" presStyleLbl="alignNode1" presStyleIdx="2" presStyleCnt="3">
+        <dgm:presLayoutVars>
+          <dgm:chMax val="0"/>
+          <dgm:chPref val="0"/>
+          <dgm:bulletEnabled val="1"/>
+        </dgm:presLayoutVars>
+      </dgm:prSet>
+      <dgm:spPr/>
+    </dgm:pt>
+    <dgm:pt modelId="{C3635BB7-B566-4A67-9B9E-ABBDAD5490B0}" type="pres">
+      <dgm:prSet presAssocID="{441A7568-C172-4D85-9A2B-65C7CD430E20}" presName="desTx" presStyleLbl="alignAccFollowNode1" presStyleIdx="2" presStyleCnt="3">
+        <dgm:presLayoutVars>
+          <dgm:bulletEnabled val="1"/>
+        </dgm:presLayoutVars>
+      </dgm:prSet>
+      <dgm:spPr/>
+    </dgm:pt>
+  </dgm:ptLst>
+  <dgm:cxnLst>
+    <dgm:cxn modelId="{E3CADE00-2107-445A-88AE-4E1A453120D3}" srcId="{775709F3-B8F9-4DD9-BB76-29E0B7873C44}" destId="{F5710F48-4805-4B09-89EA-D4355E92C6BE}" srcOrd="0" destOrd="0" parTransId="{470B0AA9-0ED1-441C-A599-60FFD3CCE94E}" sibTransId="{DE644B15-62C2-46BC-9DF4-F2825AA39809}"/>
+    <dgm:cxn modelId="{FF83E804-5F4E-4799-8384-BEEAA70F890B}" srcId="{775709F3-B8F9-4DD9-BB76-29E0B7873C44}" destId="{B3486756-9D0A-40F1-8784-65FAF4E2FC25}" srcOrd="1" destOrd="0" parTransId="{23594045-6BA8-41A9-BD06-3DE059503459}" sibTransId="{6C1789FF-3A77-4D7B-8B8A-32DD1D787C9D}"/>
+    <dgm:cxn modelId="{B52AF91B-FBC3-49EC-99D8-536968121C24}" type="presOf" srcId="{775709F3-B8F9-4DD9-BB76-29E0B7873C44}" destId="{5D7B86E1-F2B7-4089-B7CE-43DE33501DF5}" srcOrd="0" destOrd="0" presId="urn:microsoft.com/office/officeart/2005/8/layout/hList1"/>
+    <dgm:cxn modelId="{691B491F-5E89-4091-A534-51DF61A2AE9F}" srcId="{2AF7E12E-F000-421A-A5E8-64FF02465066}" destId="{775709F3-B8F9-4DD9-BB76-29E0B7873C44}" srcOrd="1" destOrd="0" parTransId="{5391D097-3A2C-44EA-8E03-BEC36C8FC3C5}" sibTransId="{5F301258-D91B-4320-B24F-B4D109BD77E2}"/>
+    <dgm:cxn modelId="{9F82ED1F-C12C-4452-9A61-41C0AF776CDD}" type="presOf" srcId="{B3486756-9D0A-40F1-8784-65FAF4E2FC25}" destId="{0549BAC6-E2A0-4E9B-9C87-99E7A8083699}" srcOrd="0" destOrd="1" presId="urn:microsoft.com/office/officeart/2005/8/layout/hList1"/>
+    <dgm:cxn modelId="{FDEFF862-0B5A-4907-9864-C650B1772FE4}" type="presOf" srcId="{5AF81092-1147-414E-BD6B-F022BAF7FD47}" destId="{45B07149-5B0B-47D5-B7A4-EA6FA35781CF}" srcOrd="0" destOrd="0" presId="urn:microsoft.com/office/officeart/2005/8/layout/hList1"/>
+    <dgm:cxn modelId="{52B98E45-3A3C-4D62-B9CA-14F9F3F6684F}" srcId="{2AF7E12E-F000-421A-A5E8-64FF02465066}" destId="{441A7568-C172-4D85-9A2B-65C7CD430E20}" srcOrd="2" destOrd="0" parTransId="{A58BEBC9-81F4-4C37-AC84-8C2929FBEE03}" sibTransId="{B238F27B-D04D-4530-BC6B-68891B295F89}"/>
+    <dgm:cxn modelId="{1A793066-AEDB-4F96-B0D8-CB70B36B9155}" srcId="{5AF81092-1147-414E-BD6B-F022BAF7FD47}" destId="{6A4CA3EB-69FD-4B62-A108-D9886CDD04A4}" srcOrd="1" destOrd="0" parTransId="{843AD9D7-14EC-4F18-903A-DAC909D1C461}" sibTransId="{6B640C85-DBEB-4B3B-B920-FC5DEFA17024}"/>
+    <dgm:cxn modelId="{F56F9450-1B0A-45AB-941B-DCAEAB8634B1}" type="presOf" srcId="{F5710F48-4805-4B09-89EA-D4355E92C6BE}" destId="{0549BAC6-E2A0-4E9B-9C87-99E7A8083699}" srcOrd="0" destOrd="0" presId="urn:microsoft.com/office/officeart/2005/8/layout/hList1"/>
+    <dgm:cxn modelId="{1E6F4951-D115-45F1-913E-14013022522C}" type="presOf" srcId="{2AF7E12E-F000-421A-A5E8-64FF02465066}" destId="{F634BBE7-94F6-4AF6-912E-34529397C706}" srcOrd="0" destOrd="0" presId="urn:microsoft.com/office/officeart/2005/8/layout/hList1"/>
+    <dgm:cxn modelId="{D5A4867B-5AA0-46F9-AEFC-8A53F7232CBE}" type="presOf" srcId="{441A7568-C172-4D85-9A2B-65C7CD430E20}" destId="{F49E3C56-14DF-4919-B2A2-E10C4B8CBFBA}" srcOrd="0" destOrd="0" presId="urn:microsoft.com/office/officeart/2005/8/layout/hList1"/>
+    <dgm:cxn modelId="{D8762080-685E-49E6-9CEE-A452F1E80393}" srcId="{441A7568-C172-4D85-9A2B-65C7CD430E20}" destId="{A5A32098-47B4-4935-97D1-9C08AB71366C}" srcOrd="0" destOrd="0" parTransId="{50949C85-F716-46F9-BF50-B227F8846560}" sibTransId="{971FB617-8869-4B33-9DA3-B4634C8025A5}"/>
+    <dgm:cxn modelId="{98D8E898-5258-4BC7-A424-6C08C01E39E9}" srcId="{2AF7E12E-F000-421A-A5E8-64FF02465066}" destId="{5AF81092-1147-414E-BD6B-F022BAF7FD47}" srcOrd="0" destOrd="0" parTransId="{5C0BC80F-B473-42C8-9B27-74930026E0EF}" sibTransId="{A46BE1D3-30D8-4DA2-823B-95882AFC7B76}"/>
+    <dgm:cxn modelId="{B64AD4BB-FB3E-410D-ABE6-7120C4D7FCBC}" type="presOf" srcId="{6A4CA3EB-69FD-4B62-A108-D9886CDD04A4}" destId="{C030D1B6-03EA-451A-A4A3-162BCD94CB62}" srcOrd="0" destOrd="1" presId="urn:microsoft.com/office/officeart/2005/8/layout/hList1"/>
+    <dgm:cxn modelId="{B16B67D1-B66D-4F21-BD7D-36331D4EB173}" type="presOf" srcId="{CBA62887-1AE6-4B8C-9043-B31217740678}" destId="{C3635BB7-B566-4A67-9B9E-ABBDAD5490B0}" srcOrd="0" destOrd="1" presId="urn:microsoft.com/office/officeart/2005/8/layout/hList1"/>
+    <dgm:cxn modelId="{04A174D1-7677-4245-9E2D-A40C7690BA3B}" srcId="{5AF81092-1147-414E-BD6B-F022BAF7FD47}" destId="{EB2B3D6F-192D-465C-99E0-E9932D473634}" srcOrd="0" destOrd="0" parTransId="{4060F0D1-3B33-409A-B06F-4B4DCF33FCC1}" sibTransId="{C69D53F5-74AE-4297-9C02-BAE05ECCE3A5}"/>
+    <dgm:cxn modelId="{850DE4E9-C75D-4788-8248-87B9FF83CE28}" srcId="{441A7568-C172-4D85-9A2B-65C7CD430E20}" destId="{CBA62887-1AE6-4B8C-9043-B31217740678}" srcOrd="1" destOrd="0" parTransId="{1814AA68-485E-42FE-A27D-26424BC32623}" sibTransId="{CFB40FE8-AC51-4C24-A49B-C77DC02ED3D6}"/>
+    <dgm:cxn modelId="{F7DF22EF-2D17-40E9-A742-1D8D38AD2424}" type="presOf" srcId="{EB2B3D6F-192D-465C-99E0-E9932D473634}" destId="{C030D1B6-03EA-451A-A4A3-162BCD94CB62}" srcOrd="0" destOrd="0" presId="urn:microsoft.com/office/officeart/2005/8/layout/hList1"/>
+    <dgm:cxn modelId="{32B24EF1-4130-40BC-A0F8-CE8CB69128D6}" type="presOf" srcId="{A5A32098-47B4-4935-97D1-9C08AB71366C}" destId="{C3635BB7-B566-4A67-9B9E-ABBDAD5490B0}" srcOrd="0" destOrd="0" presId="urn:microsoft.com/office/officeart/2005/8/layout/hList1"/>
+    <dgm:cxn modelId="{4809F5F9-E809-4C3B-AF12-CE3D79EB49C7}" type="presParOf" srcId="{F634BBE7-94F6-4AF6-912E-34529397C706}" destId="{0712BEC7-933D-48EF-832A-505D71D938D4}" srcOrd="0" destOrd="0" presId="urn:microsoft.com/office/officeart/2005/8/layout/hList1"/>
+    <dgm:cxn modelId="{8B0B33D2-DFF0-4698-9220-A223F7A654B8}" type="presParOf" srcId="{0712BEC7-933D-48EF-832A-505D71D938D4}" destId="{45B07149-5B0B-47D5-B7A4-EA6FA35781CF}" srcOrd="0" destOrd="0" presId="urn:microsoft.com/office/officeart/2005/8/layout/hList1"/>
+    <dgm:cxn modelId="{2EEC1ED3-86EE-427A-AC1B-32FDC194C5A4}" type="presParOf" srcId="{0712BEC7-933D-48EF-832A-505D71D938D4}" destId="{C030D1B6-03EA-451A-A4A3-162BCD94CB62}" srcOrd="1" destOrd="0" presId="urn:microsoft.com/office/officeart/2005/8/layout/hList1"/>
+    <dgm:cxn modelId="{4C7695FB-2519-4E83-B7E1-7D9E49A3AF4D}" type="presParOf" srcId="{F634BBE7-94F6-4AF6-912E-34529397C706}" destId="{69019F10-6DA5-4EA7-9B0C-E87E4AA0D3CC}" srcOrd="1" destOrd="0" presId="urn:microsoft.com/office/officeart/2005/8/layout/hList1"/>
+    <dgm:cxn modelId="{2A46F0FE-4FB2-467E-8A42-E54363F3DF0D}" type="presParOf" srcId="{F634BBE7-94F6-4AF6-912E-34529397C706}" destId="{98023589-C29D-4C12-B308-BC8A8C351B0A}" srcOrd="2" destOrd="0" presId="urn:microsoft.com/office/officeart/2005/8/layout/hList1"/>
+    <dgm:cxn modelId="{A656AB50-2CA0-4784-8421-3832319E97A9}" type="presParOf" srcId="{98023589-C29D-4C12-B308-BC8A8C351B0A}" destId="{5D7B86E1-F2B7-4089-B7CE-43DE33501DF5}" srcOrd="0" destOrd="0" presId="urn:microsoft.com/office/officeart/2005/8/layout/hList1"/>
+    <dgm:cxn modelId="{B0DC423C-839D-4EAB-B78B-73A4E91AA010}" type="presParOf" srcId="{98023589-C29D-4C12-B308-BC8A8C351B0A}" destId="{0549BAC6-E2A0-4E9B-9C87-99E7A8083699}" srcOrd="1" destOrd="0" presId="urn:microsoft.com/office/officeart/2005/8/layout/hList1"/>
+    <dgm:cxn modelId="{0B268A6F-0526-4945-8DC7-FDEC5A69EE00}" type="presParOf" srcId="{F634BBE7-94F6-4AF6-912E-34529397C706}" destId="{8C1B8C14-3539-48AA-9A1E-1ADC142FD141}" srcOrd="3" destOrd="0" presId="urn:microsoft.com/office/officeart/2005/8/layout/hList1"/>
+    <dgm:cxn modelId="{05692311-CC3D-4B19-8E93-D8D21DCEBCEA}" type="presParOf" srcId="{F634BBE7-94F6-4AF6-912E-34529397C706}" destId="{8D5185E5-B6C3-4143-92D4-D62D02B8A5FA}" srcOrd="4" destOrd="0" presId="urn:microsoft.com/office/officeart/2005/8/layout/hList1"/>
+    <dgm:cxn modelId="{F529B85A-A373-41D8-BB6A-7E1E059A6F5D}" type="presParOf" srcId="{8D5185E5-B6C3-4143-92D4-D62D02B8A5FA}" destId="{F49E3C56-14DF-4919-B2A2-E10C4B8CBFBA}" srcOrd="0" destOrd="0" presId="urn:microsoft.com/office/officeart/2005/8/layout/hList1"/>
+    <dgm:cxn modelId="{08F6FA50-FFE5-43EB-84FD-92BE7A34EB68}" type="presParOf" srcId="{8D5185E5-B6C3-4143-92D4-D62D02B8A5FA}" destId="{C3635BB7-B566-4A67-9B9E-ABBDAD5490B0}" srcOrd="1" destOrd="0" presId="urn:microsoft.com/office/officeart/2005/8/layout/hList1"/>
+  </dgm:cxnLst>
+  <dgm:bg/>
+  <dgm:whole/>
+  <dgm:extLst>
+    <a:ext uri="http://schemas.microsoft.com/office/drawing/2008/diagram">
+      <dsp:dataModelExt xmlns:dsp="http://schemas.microsoft.com/office/drawing/2008/diagram" relId="rId7" minVer="http://schemas.openxmlformats.org/drawingml/2006/diagram"/>
+    </a:ext>
+  </dgm:extLst>
+</dgm:dataModel>
+</file>
+
 <file path=ppt/diagrams/drawing1.xml><?xml version="1.0" encoding="utf-8"?>
 <dsp:drawing xmlns:dgm="http://schemas.openxmlformats.org/drawingml/2006/diagram" xmlns:dsp="http://schemas.microsoft.com/office/drawing/2008/diagram" xmlns:a="http://schemas.openxmlformats.org/drawingml/2006/main">
   <dsp:spTree>
@@ -7794,7 +7804,7 @@
         <a:ext cx="7061476" cy="559396"/>
       </dsp:txXfrm>
     </dsp:sp>
-    <dsp:sp modelId="{B2E0A1D3-4D98-4924-9493-E5D1FB3162A5}">
+    <dsp:sp modelId="{03138C5F-CA1A-44A0-8BD2-C76FEA28F301}">
       <dsp:nvSpPr>
         <dsp:cNvPr id="0" name=""/>
         <dsp:cNvSpPr/>
@@ -7802,7 +7812,7 @@
       <dsp:spPr>
         <a:xfrm>
           <a:off x="0" y="1305157"/>
-          <a:ext cx="10174287" cy="529200"/>
+          <a:ext cx="10174287" cy="1223775"/>
         </a:xfrm>
         <a:prstGeom prst="rect">
           <a:avLst/>
@@ -7842,8 +7852,152 @@
         </a:effectRef>
         <a:fontRef idx="minor"/>
       </dsp:style>
+      <dsp:txBody>
+        <a:bodyPr spcFirstLastPara="0" vert="horz" wrap="square" lIns="789638" tIns="437388" rIns="789638" bIns="149352" numCol="1" spcCol="1270" anchor="t" anchorCtr="0">
+          <a:noAutofit/>
+        </a:bodyPr>
+        <a:lstStyle/>
+        <a:p>
+          <a:pPr marL="228600" lvl="1" indent="-228600" algn="l" defTabSz="933450">
+            <a:lnSpc>
+              <a:spcPct val="90000"/>
+            </a:lnSpc>
+            <a:spcBef>
+              <a:spcPct val="0"/>
+            </a:spcBef>
+            <a:spcAft>
+              <a:spcPct val="15000"/>
+            </a:spcAft>
+            <a:buChar char="•"/>
+          </a:pPr>
+          <a:r>
+            <a:rPr lang="en-GB" sz="2100" kern="1200" dirty="0" err="1"/>
+            <a:t>Các</a:t>
+          </a:r>
+          <a:r>
+            <a:rPr lang="en-GB" sz="2100" kern="1200" dirty="0"/>
+            <a:t> </a:t>
+          </a:r>
+          <a:r>
+            <a:rPr lang="en-GB" sz="2100" kern="1200" dirty="0" err="1"/>
+            <a:t>đối</a:t>
+          </a:r>
+          <a:r>
+            <a:rPr lang="en-GB" sz="2100" kern="1200" dirty="0"/>
+            <a:t> </a:t>
+          </a:r>
+          <a:r>
+            <a:rPr lang="en-GB" sz="2100" kern="1200" dirty="0" err="1"/>
+            <a:t>tượng</a:t>
+          </a:r>
+          <a:r>
+            <a:rPr lang="en-GB" sz="2100" kern="1200" dirty="0"/>
+            <a:t> </a:t>
+          </a:r>
+          <a:r>
+            <a:rPr lang="en-GB" sz="2100" kern="1200" dirty="0" err="1"/>
+            <a:t>sử</a:t>
+          </a:r>
+          <a:r>
+            <a:rPr lang="en-GB" sz="2100" kern="1200" dirty="0"/>
+            <a:t> </a:t>
+          </a:r>
+          <a:r>
+            <a:rPr lang="en-GB" sz="2100" kern="1200" dirty="0" err="1"/>
+            <a:t>dụng</a:t>
+          </a:r>
+          <a:r>
+            <a:rPr lang="en-GB" sz="2100" kern="1200" dirty="0"/>
+            <a:t> </a:t>
+          </a:r>
+          <a:r>
+            <a:rPr lang="en-GB" sz="2100" kern="1200" dirty="0" err="1"/>
+            <a:t>hệ</a:t>
+          </a:r>
+          <a:r>
+            <a:rPr lang="en-GB" sz="2100" kern="1200" dirty="0"/>
+            <a:t> </a:t>
+          </a:r>
+          <a:r>
+            <a:rPr lang="en-GB" sz="2100" kern="1200" dirty="0" err="1"/>
+            <a:t>thống</a:t>
+          </a:r>
+          <a:endParaRPr lang="en-GB" sz="2100" kern="1200" dirty="0"/>
+        </a:p>
+        <a:p>
+          <a:pPr marL="228600" lvl="1" indent="-228600" algn="l" defTabSz="933450">
+            <a:lnSpc>
+              <a:spcPct val="90000"/>
+            </a:lnSpc>
+            <a:spcBef>
+              <a:spcPct val="0"/>
+            </a:spcBef>
+            <a:spcAft>
+              <a:spcPct val="15000"/>
+            </a:spcAft>
+            <a:buChar char="•"/>
+          </a:pPr>
+          <a:r>
+            <a:rPr lang="en-GB" sz="2100" kern="1200" dirty="0" err="1"/>
+            <a:t>Cơ</a:t>
+          </a:r>
+          <a:r>
+            <a:rPr lang="en-GB" sz="2100" kern="1200" dirty="0"/>
+            <a:t> </a:t>
+          </a:r>
+          <a:r>
+            <a:rPr lang="en-GB" sz="2100" kern="1200" dirty="0" err="1"/>
+            <a:t>sở</a:t>
+          </a:r>
+          <a:r>
+            <a:rPr lang="en-GB" sz="2100" kern="1200" dirty="0"/>
+            <a:t> </a:t>
+          </a:r>
+          <a:r>
+            <a:rPr lang="en-GB" sz="2100" kern="1200" dirty="0" err="1"/>
+            <a:t>dữ</a:t>
+          </a:r>
+          <a:r>
+            <a:rPr lang="en-GB" sz="2100" kern="1200" dirty="0"/>
+            <a:t> </a:t>
+          </a:r>
+          <a:r>
+            <a:rPr lang="en-GB" sz="2100" kern="1200" dirty="0" err="1"/>
+            <a:t>liệu</a:t>
+          </a:r>
+          <a:r>
+            <a:rPr lang="en-GB" sz="2100" kern="1200" dirty="0"/>
+            <a:t> </a:t>
+          </a:r>
+          <a:r>
+            <a:rPr lang="en-GB" sz="2100" kern="1200" dirty="0" err="1"/>
+            <a:t>trong</a:t>
+          </a:r>
+          <a:r>
+            <a:rPr lang="en-GB" sz="2100" kern="1200" dirty="0"/>
+            <a:t> </a:t>
+          </a:r>
+          <a:r>
+            <a:rPr lang="en-GB" sz="2100" kern="1200" dirty="0" err="1"/>
+            <a:t>hệ</a:t>
+          </a:r>
+          <a:r>
+            <a:rPr lang="en-GB" sz="2100" kern="1200" dirty="0"/>
+            <a:t> </a:t>
+          </a:r>
+          <a:r>
+            <a:rPr lang="en-GB" sz="2100" kern="1200" dirty="0" err="1"/>
+            <a:t>thống</a:t>
+          </a:r>
+          <a:endParaRPr lang="en-GB" sz="2100" kern="1200" dirty="0"/>
+        </a:p>
+      </dsp:txBody>
+      <dsp:txXfrm>
+        <a:off x="0" y="1305157"/>
+        <a:ext cx="10174287" cy="1223775"/>
+      </dsp:txXfrm>
     </dsp:sp>
-    <dsp:sp modelId="{5AD20B21-D274-49FA-AD50-AC644CF77CB4}">
+    <dsp:sp modelId="{83A48FF5-B92E-4524-B202-B72DE01711E8}">
       <dsp:nvSpPr>
         <dsp:cNvPr id="0" name=""/>
         <dsp:cNvSpPr/>
@@ -7912,7 +8066,7 @@
           </a:pPr>
           <a:r>
             <a:rPr lang="en-GB" sz="2100" kern="1200" dirty="0" err="1"/>
-            <a:t>Lựa</a:t>
+            <a:t>Xây</a:t>
           </a:r>
           <a:r>
             <a:rPr lang="en-GB" sz="2100" kern="1200" dirty="0"/>
@@ -7920,7 +8074,7 @@
           </a:r>
           <a:r>
             <a:rPr lang="en-GB" sz="2100" kern="1200" dirty="0" err="1"/>
-            <a:t>chọn</a:t>
+            <a:t>dựng</a:t>
           </a:r>
           <a:r>
             <a:rPr lang="en-GB" sz="2100" kern="1200" dirty="0"/>
@@ -7928,7 +8082,7 @@
           </a:r>
           <a:r>
             <a:rPr lang="en-GB" sz="2100" kern="1200" dirty="0" err="1"/>
-            <a:t>giải</a:t>
+            <a:t>hệ</a:t>
           </a:r>
           <a:r>
             <a:rPr lang="en-GB" sz="2100" kern="1200" dirty="0"/>
@@ -7936,7 +8090,7 @@
           </a:r>
           <a:r>
             <a:rPr lang="en-GB" sz="2100" kern="1200" dirty="0" err="1"/>
-            <a:t>pháp</a:t>
+            <a:t>thống</a:t>
           </a:r>
           <a:endParaRPr lang="en-GB" sz="2100" kern="1200" dirty="0"/>
         </a:p>
@@ -7946,15 +8100,15 @@
         <a:ext cx="7061476" cy="559396"/>
       </dsp:txXfrm>
     </dsp:sp>
-    <dsp:sp modelId="{03138C5F-CA1A-44A0-8BD2-C76FEA28F301}">
+    <dsp:sp modelId="{5DE7C7D1-A0AF-4828-83F9-DD84ABFEB5B3}">
       <dsp:nvSpPr>
         <dsp:cNvPr id="0" name=""/>
         <dsp:cNvSpPr/>
       </dsp:nvSpPr>
       <dsp:spPr>
         <a:xfrm>
-          <a:off x="0" y="2257717"/>
-          <a:ext cx="10174287" cy="1223775"/>
+          <a:off x="0" y="2952292"/>
+          <a:ext cx="10174287" cy="529200"/>
         </a:xfrm>
         <a:prstGeom prst="rect">
           <a:avLst/>
@@ -7994,111 +8148,15 @@
         </a:effectRef>
         <a:fontRef idx="minor"/>
       </dsp:style>
-      <dsp:txBody>
-        <a:bodyPr spcFirstLastPara="0" vert="horz" wrap="square" lIns="789638" tIns="437388" rIns="789638" bIns="149352" numCol="1" spcCol="1270" anchor="t" anchorCtr="0">
-          <a:noAutofit/>
-        </a:bodyPr>
-        <a:lstStyle/>
-        <a:p>
-          <a:pPr marL="228600" lvl="1" indent="-228600" algn="l" defTabSz="933450">
-            <a:lnSpc>
-              <a:spcPct val="90000"/>
-            </a:lnSpc>
-            <a:spcBef>
-              <a:spcPct val="0"/>
-            </a:spcBef>
-            <a:spcAft>
-              <a:spcPct val="15000"/>
-            </a:spcAft>
-            <a:buChar char="•"/>
-          </a:pPr>
-          <a:r>
-            <a:rPr lang="en-GB" sz="2100" kern="1200" dirty="0" err="1"/>
-            <a:t>Các</a:t>
-          </a:r>
-          <a:r>
-            <a:rPr lang="en-GB" sz="2100" kern="1200" dirty="0"/>
-            <a:t> </a:t>
-          </a:r>
-          <a:r>
-            <a:rPr lang="en-GB" sz="2100" kern="1200" dirty="0" err="1"/>
-            <a:t>đối</a:t>
-          </a:r>
-          <a:r>
-            <a:rPr lang="en-GB" sz="2100" kern="1200" dirty="0"/>
-            <a:t> </a:t>
-          </a:r>
-          <a:r>
-            <a:rPr lang="en-GB" sz="2100" kern="1200" dirty="0" err="1"/>
-            <a:t>tượng</a:t>
-          </a:r>
-          <a:r>
-            <a:rPr lang="en-GB" sz="2100" kern="1200" dirty="0"/>
-            <a:t> </a:t>
-          </a:r>
-          <a:r>
-            <a:rPr lang="en-GB" sz="2100" kern="1200" dirty="0" err="1"/>
-            <a:t>sử</a:t>
-          </a:r>
-          <a:r>
-            <a:rPr lang="en-GB" sz="2100" kern="1200" dirty="0"/>
-            <a:t> </a:t>
-          </a:r>
-          <a:r>
-            <a:rPr lang="en-GB" sz="2100" kern="1200" dirty="0" err="1"/>
-            <a:t>dụng</a:t>
-          </a:r>
-          <a:r>
-            <a:rPr lang="en-GB" sz="2100" kern="1200" dirty="0"/>
-            <a:t> </a:t>
-          </a:r>
-          <a:r>
-            <a:rPr lang="en-GB" sz="2100" kern="1200" dirty="0" err="1"/>
-            <a:t>hệ</a:t>
-          </a:r>
-          <a:r>
-            <a:rPr lang="en-GB" sz="2100" kern="1200" dirty="0"/>
-            <a:t> </a:t>
-          </a:r>
-          <a:r>
-            <a:rPr lang="en-GB" sz="2100" kern="1200" dirty="0" err="1"/>
-            <a:t>thống</a:t>
-          </a:r>
-          <a:endParaRPr lang="en-GB" sz="2100" kern="1200" dirty="0"/>
-        </a:p>
-        <a:p>
-          <a:pPr marL="228600" lvl="1" indent="-228600" algn="l" defTabSz="933450">
-            <a:lnSpc>
-              <a:spcPct val="90000"/>
-            </a:lnSpc>
-            <a:spcBef>
-              <a:spcPct val="0"/>
-            </a:spcBef>
-            <a:spcAft>
-              <a:spcPct val="15000"/>
-            </a:spcAft>
-            <a:buChar char="•"/>
-          </a:pPr>
-          <a:r>
-            <a:rPr lang="en-GB" sz="2100" kern="1200"/>
-            <a:t>Cơ sở dữ liệu trong hệ thống</a:t>
-          </a:r>
-          <a:endParaRPr lang="en-GB" sz="2100" kern="1200" dirty="0"/>
-        </a:p>
-      </dsp:txBody>
-      <dsp:txXfrm>
-        <a:off x="0" y="2257717"/>
-        <a:ext cx="10174287" cy="1223775"/>
-      </dsp:txXfrm>
     </dsp:sp>
-    <dsp:sp modelId="{83A48FF5-B92E-4524-B202-B72DE01711E8}">
+    <dsp:sp modelId="{A1946749-E58E-4380-BAC8-407EF1D9B9D4}">
       <dsp:nvSpPr>
         <dsp:cNvPr id="0" name=""/>
         <dsp:cNvSpPr/>
       </dsp:nvSpPr>
       <dsp:spPr>
         <a:xfrm>
-          <a:off x="508714" y="1947757"/>
+          <a:off x="508714" y="2642332"/>
           <a:ext cx="7122000" cy="619920"/>
         </a:xfrm>
         <a:prstGeom prst="roundRect">
@@ -8159,38 +8217,14 @@
             <a:buNone/>
           </a:pPr>
           <a:r>
-            <a:rPr lang="en-GB" sz="2100" kern="1200" dirty="0" err="1"/>
-            <a:t>Xây</a:t>
-          </a:r>
-          <a:r>
-            <a:rPr lang="en-GB" sz="2100" kern="1200" dirty="0"/>
-            <a:t> </a:t>
-          </a:r>
-          <a:r>
-            <a:rPr lang="en-GB" sz="2100" kern="1200" dirty="0" err="1"/>
-            <a:t>dựng</a:t>
-          </a:r>
-          <a:r>
-            <a:rPr lang="en-GB" sz="2100" kern="1200" dirty="0"/>
-            <a:t> </a:t>
-          </a:r>
-          <a:r>
-            <a:rPr lang="en-GB" sz="2100" kern="1200" dirty="0" err="1"/>
-            <a:t>hệ</a:t>
-          </a:r>
-          <a:r>
-            <a:rPr lang="en-GB" sz="2100" kern="1200" dirty="0"/>
-            <a:t> </a:t>
-          </a:r>
-          <a:r>
-            <a:rPr lang="en-GB" sz="2100" kern="1200" dirty="0" err="1"/>
-            <a:t>thống</a:t>
+            <a:rPr lang="en-GB" sz="2100" kern="1200"/>
+            <a:t>Lựa chọn giải pháp</a:t>
           </a:r>
           <a:endParaRPr lang="en-GB" sz="2100" kern="1200" dirty="0"/>
         </a:p>
       </dsp:txBody>
       <dsp:txXfrm>
-        <a:off x="538976" y="1978019"/>
+        <a:off x="538976" y="2672594"/>
         <a:ext cx="7061476" cy="559396"/>
       </dsp:txXfrm>
     </dsp:sp>
@@ -8479,686 +8513,6 @@
 </file>
 
 <file path=ppt/diagrams/drawing2.xml><?xml version="1.0" encoding="utf-8"?>
-<dsp:drawing xmlns:dgm="http://schemas.openxmlformats.org/drawingml/2006/diagram" xmlns:dsp="http://schemas.microsoft.com/office/drawing/2008/diagram" xmlns:a="http://schemas.openxmlformats.org/drawingml/2006/main">
-  <dsp:spTree>
-    <dsp:nvGrpSpPr>
-      <dsp:cNvPr id="0" name=""/>
-      <dsp:cNvGrpSpPr/>
-    </dsp:nvGrpSpPr>
-    <dsp:grpSpPr/>
-    <dsp:sp modelId="{45B07149-5B0B-47D5-B7A4-EA6FA35781CF}">
-      <dsp:nvSpPr>
-        <dsp:cNvPr id="0" name=""/>
-        <dsp:cNvSpPr/>
-      </dsp:nvSpPr>
-      <dsp:spPr>
-        <a:xfrm>
-          <a:off x="3095" y="12080"/>
-          <a:ext cx="3018234" cy="1128886"/>
-        </a:xfrm>
-        <a:prstGeom prst="rect">
-          <a:avLst/>
-        </a:prstGeom>
-        <a:solidFill>
-          <a:schemeClr val="accent1">
-            <a:hueOff val="0"/>
-            <a:satOff val="0"/>
-            <a:lumOff val="0"/>
-            <a:alphaOff val="0"/>
-          </a:schemeClr>
-        </a:solidFill>
-        <a:ln w="15875" cap="flat" cmpd="sng" algn="ctr">
-          <a:solidFill>
-            <a:schemeClr val="accent1">
-              <a:hueOff val="0"/>
-              <a:satOff val="0"/>
-              <a:lumOff val="0"/>
-              <a:alphaOff val="0"/>
-            </a:schemeClr>
-          </a:solidFill>
-          <a:prstDash val="solid"/>
-        </a:ln>
-        <a:effectLst/>
-      </dsp:spPr>
-      <dsp:style>
-        <a:lnRef idx="2">
-          <a:scrgbClr r="0" g="0" b="0"/>
-        </a:lnRef>
-        <a:fillRef idx="1">
-          <a:scrgbClr r="0" g="0" b="0"/>
-        </a:fillRef>
-        <a:effectRef idx="0">
-          <a:scrgbClr r="0" g="0" b="0"/>
-        </a:effectRef>
-        <a:fontRef idx="minor">
-          <a:schemeClr val="lt1"/>
-        </a:fontRef>
-      </dsp:style>
-      <dsp:txBody>
-        <a:bodyPr spcFirstLastPara="0" vert="horz" wrap="square" lIns="241808" tIns="138176" rIns="241808" bIns="138176" numCol="1" spcCol="1270" anchor="ctr" anchorCtr="0">
-          <a:noAutofit/>
-        </a:bodyPr>
-        <a:lstStyle/>
-        <a:p>
-          <a:pPr marL="0" lvl="0" indent="0" algn="ctr" defTabSz="1511300">
-            <a:lnSpc>
-              <a:spcPct val="90000"/>
-            </a:lnSpc>
-            <a:spcBef>
-              <a:spcPct val="0"/>
-            </a:spcBef>
-            <a:spcAft>
-              <a:spcPct val="35000"/>
-            </a:spcAft>
-            <a:buNone/>
-          </a:pPr>
-          <a:r>
-            <a:rPr lang="en-GB" sz="3400" kern="1200" dirty="0"/>
-            <a:t>Website </a:t>
-          </a:r>
-        </a:p>
-      </dsp:txBody>
-      <dsp:txXfrm>
-        <a:off x="3095" y="12080"/>
-        <a:ext cx="3018234" cy="1128886"/>
-      </dsp:txXfrm>
-    </dsp:sp>
-    <dsp:sp modelId="{C030D1B6-03EA-451A-A4A3-162BCD94CB62}">
-      <dsp:nvSpPr>
-        <dsp:cNvPr id="0" name=""/>
-        <dsp:cNvSpPr/>
-      </dsp:nvSpPr>
-      <dsp:spPr>
-        <a:xfrm>
-          <a:off x="3095" y="1140966"/>
-          <a:ext cx="3018234" cy="2388664"/>
-        </a:xfrm>
-        <a:prstGeom prst="rect">
-          <a:avLst/>
-        </a:prstGeom>
-        <a:solidFill>
-          <a:schemeClr val="accent1">
-            <a:alpha val="90000"/>
-            <a:tint val="40000"/>
-            <a:hueOff val="0"/>
-            <a:satOff val="0"/>
-            <a:lumOff val="0"/>
-            <a:alphaOff val="0"/>
-          </a:schemeClr>
-        </a:solidFill>
-        <a:ln w="15875" cap="flat" cmpd="sng" algn="ctr">
-          <a:solidFill>
-            <a:schemeClr val="accent1">
-              <a:alpha val="90000"/>
-              <a:tint val="40000"/>
-              <a:hueOff val="0"/>
-              <a:satOff val="0"/>
-              <a:lumOff val="0"/>
-              <a:alphaOff val="0"/>
-            </a:schemeClr>
-          </a:solidFill>
-          <a:prstDash val="solid"/>
-        </a:ln>
-        <a:effectLst/>
-      </dsp:spPr>
-      <dsp:style>
-        <a:lnRef idx="2">
-          <a:scrgbClr r="0" g="0" b="0"/>
-        </a:lnRef>
-        <a:fillRef idx="1">
-          <a:scrgbClr r="0" g="0" b="0"/>
-        </a:fillRef>
-        <a:effectRef idx="0">
-          <a:scrgbClr r="0" g="0" b="0"/>
-        </a:effectRef>
-        <a:fontRef idx="minor"/>
-      </dsp:style>
-      <dsp:txBody>
-        <a:bodyPr spcFirstLastPara="0" vert="horz" wrap="square" lIns="181356" tIns="181356" rIns="241808" bIns="272034" numCol="1" spcCol="1270" anchor="t" anchorCtr="0">
-          <a:noAutofit/>
-        </a:bodyPr>
-        <a:lstStyle/>
-        <a:p>
-          <a:pPr marL="285750" lvl="1" indent="-285750" algn="l" defTabSz="1511300">
-            <a:lnSpc>
-              <a:spcPct val="90000"/>
-            </a:lnSpc>
-            <a:spcBef>
-              <a:spcPct val="0"/>
-            </a:spcBef>
-            <a:spcAft>
-              <a:spcPct val="15000"/>
-            </a:spcAft>
-            <a:buChar char="•"/>
-          </a:pPr>
-          <a:r>
-            <a:rPr lang="en-GB" sz="3400" kern="1200" dirty="0" err="1"/>
-            <a:t>Tiện</a:t>
-          </a:r>
-          <a:r>
-            <a:rPr lang="en-GB" sz="3400" kern="1200" dirty="0"/>
-            <a:t> </a:t>
-          </a:r>
-          <a:r>
-            <a:rPr lang="en-GB" sz="3400" kern="1200" dirty="0" err="1"/>
-            <a:t>lợi</a:t>
-          </a:r>
-          <a:endParaRPr lang="en-GB" sz="3400" kern="1200" dirty="0"/>
-        </a:p>
-        <a:p>
-          <a:pPr marL="285750" lvl="1" indent="-285750" algn="l" defTabSz="1511300">
-            <a:lnSpc>
-              <a:spcPct val="90000"/>
-            </a:lnSpc>
-            <a:spcBef>
-              <a:spcPct val="0"/>
-            </a:spcBef>
-            <a:spcAft>
-              <a:spcPct val="15000"/>
-            </a:spcAft>
-            <a:buChar char="•"/>
-          </a:pPr>
-          <a:r>
-            <a:rPr lang="en-GB" sz="3400" kern="1200" dirty="0" err="1"/>
-            <a:t>Sử</a:t>
-          </a:r>
-          <a:r>
-            <a:rPr lang="en-GB" sz="3400" kern="1200" dirty="0"/>
-            <a:t> </a:t>
-          </a:r>
-          <a:r>
-            <a:rPr lang="en-GB" sz="3400" kern="1200" dirty="0" err="1"/>
-            <a:t>dụng</a:t>
-          </a:r>
-          <a:r>
-            <a:rPr lang="en-GB" sz="3400" kern="1200" dirty="0"/>
-            <a:t> </a:t>
-          </a:r>
-          <a:r>
-            <a:rPr lang="en-GB" sz="3400" kern="1200" dirty="0" err="1"/>
-            <a:t>mọi</a:t>
-          </a:r>
-          <a:r>
-            <a:rPr lang="en-GB" sz="3400" kern="1200" dirty="0"/>
-            <a:t> </a:t>
-          </a:r>
-          <a:r>
-            <a:rPr lang="en-GB" sz="3400" kern="1200" dirty="0" err="1"/>
-            <a:t>đối</a:t>
-          </a:r>
-          <a:r>
-            <a:rPr lang="en-GB" sz="3400" kern="1200" dirty="0"/>
-            <a:t> </a:t>
-          </a:r>
-          <a:r>
-            <a:rPr lang="en-GB" sz="3400" kern="1200" dirty="0" err="1"/>
-            <a:t>tượng</a:t>
-          </a:r>
-          <a:endParaRPr lang="en-GB" sz="3400" kern="1200" dirty="0"/>
-        </a:p>
-      </dsp:txBody>
-      <dsp:txXfrm>
-        <a:off x="3095" y="1140966"/>
-        <a:ext cx="3018234" cy="2388664"/>
-      </dsp:txXfrm>
-    </dsp:sp>
-    <dsp:sp modelId="{5D7B86E1-F2B7-4089-B7CE-43DE33501DF5}">
-      <dsp:nvSpPr>
-        <dsp:cNvPr id="0" name=""/>
-        <dsp:cNvSpPr/>
-      </dsp:nvSpPr>
-      <dsp:spPr>
-        <a:xfrm>
-          <a:off x="3443882" y="12080"/>
-          <a:ext cx="3018234" cy="1128886"/>
-        </a:xfrm>
-        <a:prstGeom prst="rect">
-          <a:avLst/>
-        </a:prstGeom>
-        <a:solidFill>
-          <a:schemeClr val="accent1">
-            <a:hueOff val="0"/>
-            <a:satOff val="0"/>
-            <a:lumOff val="0"/>
-            <a:alphaOff val="0"/>
-          </a:schemeClr>
-        </a:solidFill>
-        <a:ln w="15875" cap="flat" cmpd="sng" algn="ctr">
-          <a:solidFill>
-            <a:schemeClr val="accent1">
-              <a:hueOff val="0"/>
-              <a:satOff val="0"/>
-              <a:lumOff val="0"/>
-              <a:alphaOff val="0"/>
-            </a:schemeClr>
-          </a:solidFill>
-          <a:prstDash val="solid"/>
-        </a:ln>
-        <a:effectLst/>
-      </dsp:spPr>
-      <dsp:style>
-        <a:lnRef idx="2">
-          <a:scrgbClr r="0" g="0" b="0"/>
-        </a:lnRef>
-        <a:fillRef idx="1">
-          <a:scrgbClr r="0" g="0" b="0"/>
-        </a:fillRef>
-        <a:effectRef idx="0">
-          <a:scrgbClr r="0" g="0" b="0"/>
-        </a:effectRef>
-        <a:fontRef idx="minor">
-          <a:schemeClr val="lt1"/>
-        </a:fontRef>
-      </dsp:style>
-      <dsp:txBody>
-        <a:bodyPr spcFirstLastPara="0" vert="horz" wrap="square" lIns="241808" tIns="138176" rIns="241808" bIns="138176" numCol="1" spcCol="1270" anchor="ctr" anchorCtr="0">
-          <a:noAutofit/>
-        </a:bodyPr>
-        <a:lstStyle/>
-        <a:p>
-          <a:pPr marL="0" lvl="0" indent="0" algn="ctr" defTabSz="1511300">
-            <a:lnSpc>
-              <a:spcPct val="90000"/>
-            </a:lnSpc>
-            <a:spcBef>
-              <a:spcPct val="0"/>
-            </a:spcBef>
-            <a:spcAft>
-              <a:spcPct val="35000"/>
-            </a:spcAft>
-            <a:buNone/>
-          </a:pPr>
-          <a:r>
-            <a:rPr lang="en-GB" sz="3400" kern="1200" dirty="0"/>
-            <a:t>PHP, MySQL</a:t>
-          </a:r>
-        </a:p>
-      </dsp:txBody>
-      <dsp:txXfrm>
-        <a:off x="3443882" y="12080"/>
-        <a:ext cx="3018234" cy="1128886"/>
-      </dsp:txXfrm>
-    </dsp:sp>
-    <dsp:sp modelId="{0549BAC6-E2A0-4E9B-9C87-99E7A8083699}">
-      <dsp:nvSpPr>
-        <dsp:cNvPr id="0" name=""/>
-        <dsp:cNvSpPr/>
-      </dsp:nvSpPr>
-      <dsp:spPr>
-        <a:xfrm>
-          <a:off x="3443882" y="1140966"/>
-          <a:ext cx="3018234" cy="2388664"/>
-        </a:xfrm>
-        <a:prstGeom prst="rect">
-          <a:avLst/>
-        </a:prstGeom>
-        <a:solidFill>
-          <a:schemeClr val="accent1">
-            <a:alpha val="90000"/>
-            <a:tint val="40000"/>
-            <a:hueOff val="0"/>
-            <a:satOff val="0"/>
-            <a:lumOff val="0"/>
-            <a:alphaOff val="0"/>
-          </a:schemeClr>
-        </a:solidFill>
-        <a:ln w="15875" cap="flat" cmpd="sng" algn="ctr">
-          <a:solidFill>
-            <a:schemeClr val="accent1">
-              <a:alpha val="90000"/>
-              <a:tint val="40000"/>
-              <a:hueOff val="0"/>
-              <a:satOff val="0"/>
-              <a:lumOff val="0"/>
-              <a:alphaOff val="0"/>
-            </a:schemeClr>
-          </a:solidFill>
-          <a:prstDash val="solid"/>
-        </a:ln>
-        <a:effectLst/>
-      </dsp:spPr>
-      <dsp:style>
-        <a:lnRef idx="2">
-          <a:scrgbClr r="0" g="0" b="0"/>
-        </a:lnRef>
-        <a:fillRef idx="1">
-          <a:scrgbClr r="0" g="0" b="0"/>
-        </a:fillRef>
-        <a:effectRef idx="0">
-          <a:scrgbClr r="0" g="0" b="0"/>
-        </a:effectRef>
-        <a:fontRef idx="minor"/>
-      </dsp:style>
-      <dsp:txBody>
-        <a:bodyPr spcFirstLastPara="0" vert="horz" wrap="square" lIns="181356" tIns="181356" rIns="241808" bIns="272034" numCol="1" spcCol="1270" anchor="t" anchorCtr="0">
-          <a:noAutofit/>
-        </a:bodyPr>
-        <a:lstStyle/>
-        <a:p>
-          <a:pPr marL="285750" lvl="1" indent="-285750" algn="l" defTabSz="1511300">
-            <a:lnSpc>
-              <a:spcPct val="90000"/>
-            </a:lnSpc>
-            <a:spcBef>
-              <a:spcPct val="0"/>
-            </a:spcBef>
-            <a:spcAft>
-              <a:spcPct val="15000"/>
-            </a:spcAft>
-            <a:buChar char="•"/>
-          </a:pPr>
-          <a:r>
-            <a:rPr lang="en-GB" sz="3400" kern="1200" dirty="0" err="1"/>
-            <a:t>Là</a:t>
-          </a:r>
-          <a:r>
-            <a:rPr lang="en-GB" sz="3400" kern="1200" dirty="0"/>
-            <a:t> </a:t>
-          </a:r>
-          <a:r>
-            <a:rPr lang="en-GB" sz="3400" kern="1200" dirty="0" err="1"/>
-            <a:t>mã</a:t>
-          </a:r>
-          <a:r>
-            <a:rPr lang="en-GB" sz="3400" kern="1200" dirty="0"/>
-            <a:t> </a:t>
-          </a:r>
-          <a:r>
-            <a:rPr lang="en-GB" sz="3400" kern="1200" dirty="0" err="1"/>
-            <a:t>nguồn</a:t>
-          </a:r>
-          <a:r>
-            <a:rPr lang="en-GB" sz="3400" kern="1200" dirty="0"/>
-            <a:t> </a:t>
-          </a:r>
-          <a:r>
-            <a:rPr lang="en-GB" sz="3400" kern="1200" dirty="0" err="1"/>
-            <a:t>mở</a:t>
-          </a:r>
-          <a:endParaRPr lang="en-GB" sz="3400" kern="1200" dirty="0"/>
-        </a:p>
-        <a:p>
-          <a:pPr marL="285750" lvl="1" indent="-285750" algn="l" defTabSz="1511300">
-            <a:lnSpc>
-              <a:spcPct val="90000"/>
-            </a:lnSpc>
-            <a:spcBef>
-              <a:spcPct val="0"/>
-            </a:spcBef>
-            <a:spcAft>
-              <a:spcPct val="15000"/>
-            </a:spcAft>
-            <a:buChar char="•"/>
-          </a:pPr>
-          <a:r>
-            <a:rPr lang="en-GB" sz="3400" kern="1200" dirty="0" err="1"/>
-            <a:t>Tốc</a:t>
-          </a:r>
-          <a:r>
-            <a:rPr lang="en-GB" sz="3400" kern="1200" dirty="0"/>
-            <a:t> </a:t>
-          </a:r>
-          <a:r>
-            <a:rPr lang="en-GB" sz="3400" kern="1200" dirty="0" err="1"/>
-            <a:t>độ</a:t>
-          </a:r>
-          <a:r>
-            <a:rPr lang="en-GB" sz="3400" kern="1200" dirty="0"/>
-            <a:t> </a:t>
-          </a:r>
-          <a:r>
-            <a:rPr lang="en-GB" sz="3400" kern="1200" dirty="0" err="1"/>
-            <a:t>xử</a:t>
-          </a:r>
-          <a:r>
-            <a:rPr lang="en-GB" sz="3400" kern="1200" dirty="0"/>
-            <a:t> </a:t>
-          </a:r>
-          <a:r>
-            <a:rPr lang="en-GB" sz="3400" kern="1200" dirty="0" err="1"/>
-            <a:t>lý</a:t>
-          </a:r>
-          <a:r>
-            <a:rPr lang="en-GB" sz="3400" kern="1200" dirty="0"/>
-            <a:t> </a:t>
-          </a:r>
-          <a:r>
-            <a:rPr lang="en-GB" sz="3400" kern="1200" dirty="0" err="1"/>
-            <a:t>nhanh</a:t>
-          </a:r>
-          <a:r>
-            <a:rPr lang="en-GB" sz="3400" kern="1200" dirty="0"/>
-            <a:t>.</a:t>
-          </a:r>
-        </a:p>
-      </dsp:txBody>
-      <dsp:txXfrm>
-        <a:off x="3443882" y="1140966"/>
-        <a:ext cx="3018234" cy="2388664"/>
-      </dsp:txXfrm>
-    </dsp:sp>
-    <dsp:sp modelId="{F49E3C56-14DF-4919-B2A2-E10C4B8CBFBA}">
-      <dsp:nvSpPr>
-        <dsp:cNvPr id="0" name=""/>
-        <dsp:cNvSpPr/>
-      </dsp:nvSpPr>
-      <dsp:spPr>
-        <a:xfrm>
-          <a:off x="6884670" y="12080"/>
-          <a:ext cx="3018234" cy="1128886"/>
-        </a:xfrm>
-        <a:prstGeom prst="rect">
-          <a:avLst/>
-        </a:prstGeom>
-        <a:solidFill>
-          <a:schemeClr val="accent1">
-            <a:hueOff val="0"/>
-            <a:satOff val="0"/>
-            <a:lumOff val="0"/>
-            <a:alphaOff val="0"/>
-          </a:schemeClr>
-        </a:solidFill>
-        <a:ln w="15875" cap="flat" cmpd="sng" algn="ctr">
-          <a:solidFill>
-            <a:schemeClr val="accent1">
-              <a:hueOff val="0"/>
-              <a:satOff val="0"/>
-              <a:lumOff val="0"/>
-              <a:alphaOff val="0"/>
-            </a:schemeClr>
-          </a:solidFill>
-          <a:prstDash val="solid"/>
-        </a:ln>
-        <a:effectLst/>
-      </dsp:spPr>
-      <dsp:style>
-        <a:lnRef idx="2">
-          <a:scrgbClr r="0" g="0" b="0"/>
-        </a:lnRef>
-        <a:fillRef idx="1">
-          <a:scrgbClr r="0" g="0" b="0"/>
-        </a:fillRef>
-        <a:effectRef idx="0">
-          <a:scrgbClr r="0" g="0" b="0"/>
-        </a:effectRef>
-        <a:fontRef idx="minor">
-          <a:schemeClr val="lt1"/>
-        </a:fontRef>
-      </dsp:style>
-      <dsp:txBody>
-        <a:bodyPr spcFirstLastPara="0" vert="horz" wrap="square" lIns="241808" tIns="138176" rIns="241808" bIns="138176" numCol="1" spcCol="1270" anchor="ctr" anchorCtr="0">
-          <a:noAutofit/>
-        </a:bodyPr>
-        <a:lstStyle/>
-        <a:p>
-          <a:pPr marL="0" lvl="0" indent="0" algn="ctr" defTabSz="1511300">
-            <a:lnSpc>
-              <a:spcPct val="90000"/>
-            </a:lnSpc>
-            <a:spcBef>
-              <a:spcPct val="0"/>
-            </a:spcBef>
-            <a:spcAft>
-              <a:spcPct val="35000"/>
-            </a:spcAft>
-            <a:buNone/>
-          </a:pPr>
-          <a:r>
-            <a:rPr lang="en-GB" sz="3400" kern="1200" dirty="0">
-              <a:effectLst>
-                <a:outerShdw blurRad="38100" dist="38100" dir="2700000" algn="tl">
-                  <a:srgbClr val="000000">
-                    <a:alpha val="43137"/>
-                  </a:srgbClr>
-                </a:outerShdw>
-              </a:effectLst>
-            </a:rPr>
-            <a:t>HTML5, CSS3, JavaScript</a:t>
-          </a:r>
-          <a:endParaRPr lang="en-GB" sz="3400" kern="1200" dirty="0"/>
-        </a:p>
-      </dsp:txBody>
-      <dsp:txXfrm>
-        <a:off x="6884670" y="12080"/>
-        <a:ext cx="3018234" cy="1128886"/>
-      </dsp:txXfrm>
-    </dsp:sp>
-    <dsp:sp modelId="{C3635BB7-B566-4A67-9B9E-ABBDAD5490B0}">
-      <dsp:nvSpPr>
-        <dsp:cNvPr id="0" name=""/>
-        <dsp:cNvSpPr/>
-      </dsp:nvSpPr>
-      <dsp:spPr>
-        <a:xfrm>
-          <a:off x="6884670" y="1140966"/>
-          <a:ext cx="3018234" cy="2388664"/>
-        </a:xfrm>
-        <a:prstGeom prst="rect">
-          <a:avLst/>
-        </a:prstGeom>
-        <a:solidFill>
-          <a:schemeClr val="accent1">
-            <a:alpha val="90000"/>
-            <a:tint val="40000"/>
-            <a:hueOff val="0"/>
-            <a:satOff val="0"/>
-            <a:lumOff val="0"/>
-            <a:alphaOff val="0"/>
-          </a:schemeClr>
-        </a:solidFill>
-        <a:ln w="15875" cap="flat" cmpd="sng" algn="ctr">
-          <a:solidFill>
-            <a:schemeClr val="accent1">
-              <a:alpha val="90000"/>
-              <a:tint val="40000"/>
-              <a:hueOff val="0"/>
-              <a:satOff val="0"/>
-              <a:lumOff val="0"/>
-              <a:alphaOff val="0"/>
-            </a:schemeClr>
-          </a:solidFill>
-          <a:prstDash val="solid"/>
-        </a:ln>
-        <a:effectLst/>
-      </dsp:spPr>
-      <dsp:style>
-        <a:lnRef idx="2">
-          <a:scrgbClr r="0" g="0" b="0"/>
-        </a:lnRef>
-        <a:fillRef idx="1">
-          <a:scrgbClr r="0" g="0" b="0"/>
-        </a:fillRef>
-        <a:effectRef idx="0">
-          <a:scrgbClr r="0" g="0" b="0"/>
-        </a:effectRef>
-        <a:fontRef idx="minor"/>
-      </dsp:style>
-      <dsp:txBody>
-        <a:bodyPr spcFirstLastPara="0" vert="horz" wrap="square" lIns="181356" tIns="181356" rIns="241808" bIns="272034" numCol="1" spcCol="1270" anchor="t" anchorCtr="0">
-          <a:noAutofit/>
-        </a:bodyPr>
-        <a:lstStyle/>
-        <a:p>
-          <a:pPr marL="285750" lvl="1" indent="-285750" algn="l" defTabSz="1511300">
-            <a:lnSpc>
-              <a:spcPct val="90000"/>
-            </a:lnSpc>
-            <a:spcBef>
-              <a:spcPct val="0"/>
-            </a:spcBef>
-            <a:spcAft>
-              <a:spcPct val="15000"/>
-            </a:spcAft>
-            <a:buChar char="•"/>
-          </a:pPr>
-          <a:r>
-            <a:rPr lang="en-GB" sz="3400" kern="1200" dirty="0" err="1"/>
-            <a:t>Phổ</a:t>
-          </a:r>
-          <a:r>
-            <a:rPr lang="en-GB" sz="3400" kern="1200" dirty="0"/>
-            <a:t> </a:t>
-          </a:r>
-          <a:r>
-            <a:rPr lang="en-GB" sz="3400" kern="1200" dirty="0" err="1"/>
-            <a:t>biến</a:t>
-          </a:r>
-          <a:endParaRPr lang="en-GB" sz="3400" kern="1200" dirty="0"/>
-        </a:p>
-        <a:p>
-          <a:pPr marL="285750" lvl="1" indent="-285750" algn="l" defTabSz="1511300">
-            <a:lnSpc>
-              <a:spcPct val="90000"/>
-            </a:lnSpc>
-            <a:spcBef>
-              <a:spcPct val="0"/>
-            </a:spcBef>
-            <a:spcAft>
-              <a:spcPct val="15000"/>
-            </a:spcAft>
-            <a:buChar char="•"/>
-          </a:pPr>
-          <a:r>
-            <a:rPr lang="en-GB" sz="3400" kern="1200" dirty="0" err="1"/>
-            <a:t>Giảm</a:t>
-          </a:r>
-          <a:r>
-            <a:rPr lang="en-GB" sz="3400" kern="1200" dirty="0"/>
-            <a:t> </a:t>
-          </a:r>
-          <a:r>
-            <a:rPr lang="en-GB" sz="3400" kern="1200" dirty="0" err="1"/>
-            <a:t>lượng</a:t>
-          </a:r>
-          <a:r>
-            <a:rPr lang="en-GB" sz="3400" kern="1200" dirty="0"/>
-            <a:t> </a:t>
-          </a:r>
-          <a:r>
-            <a:rPr lang="en-GB" sz="3400" kern="1200" dirty="0" err="1"/>
-            <a:t>truy</a:t>
-          </a:r>
-          <a:r>
-            <a:rPr lang="en-GB" sz="3400" kern="1200" dirty="0"/>
-            <a:t> </a:t>
-          </a:r>
-          <a:r>
-            <a:rPr lang="en-GB" sz="3400" kern="1200" dirty="0" err="1"/>
-            <a:t>cập</a:t>
-          </a:r>
-          <a:endParaRPr lang="en-GB" sz="3400" kern="1200" dirty="0"/>
-        </a:p>
-      </dsp:txBody>
-      <dsp:txXfrm>
-        <a:off x="6884670" y="1140966"/>
-        <a:ext cx="3018234" cy="2388664"/>
-      </dsp:txXfrm>
-    </dsp:sp>
-  </dsp:spTree>
-</dsp:drawing>
-</file>
-
-<file path=ppt/diagrams/drawing3.xml><?xml version="1.0" encoding="utf-8"?>
 <dsp:drawing xmlns:dgm="http://schemas.openxmlformats.org/drawingml/2006/diagram" xmlns:dsp="http://schemas.microsoft.com/office/drawing/2008/diagram" xmlns:a="http://schemas.openxmlformats.org/drawingml/2006/main">
   <dsp:spTree>
     <dsp:nvGrpSpPr>
@@ -9662,7 +9016,7 @@
 </dsp:drawing>
 </file>
 
-<file path=ppt/diagrams/drawing4.xml><?xml version="1.0" encoding="utf-8"?>
+<file path=ppt/diagrams/drawing3.xml><?xml version="1.0" encoding="utf-8"?>
 <dsp:drawing xmlns:dgm="http://schemas.openxmlformats.org/drawingml/2006/diagram" xmlns:dsp="http://schemas.microsoft.com/office/drawing/2008/diagram" xmlns:a="http://schemas.openxmlformats.org/drawingml/2006/main">
   <dsp:spTree>
     <dsp:nvGrpSpPr>
@@ -9932,7 +9286,7 @@
 </dsp:drawing>
 </file>
 
-<file path=ppt/diagrams/drawing5.xml><?xml version="1.0" encoding="utf-8"?>
+<file path=ppt/diagrams/drawing4.xml><?xml version="1.0" encoding="utf-8"?>
 <dsp:drawing xmlns:dgm="http://schemas.openxmlformats.org/drawingml/2006/diagram" xmlns:dsp="http://schemas.microsoft.com/office/drawing/2008/diagram" xmlns:a="http://schemas.openxmlformats.org/drawingml/2006/main">
   <dsp:spTree>
     <dsp:nvGrpSpPr>
@@ -10516,7 +9870,7 @@
 </dsp:drawing>
 </file>
 
-<file path=ppt/diagrams/drawing6.xml><?xml version="1.0" encoding="utf-8"?>
+<file path=ppt/diagrams/drawing5.xml><?xml version="1.0" encoding="utf-8"?>
 <dsp:drawing xmlns:dgm="http://schemas.openxmlformats.org/drawingml/2006/diagram" xmlns:dsp="http://schemas.microsoft.com/office/drawing/2008/diagram" xmlns:a="http://schemas.openxmlformats.org/drawingml/2006/main">
   <dsp:spTree>
     <dsp:nvGrpSpPr>
@@ -11418,6 +10772,686 @@
       <dsp:txXfrm>
         <a:off x="7600726" y="1885974"/>
         <a:ext cx="2302371" cy="1381422"/>
+      </dsp:txXfrm>
+    </dsp:sp>
+  </dsp:spTree>
+</dsp:drawing>
+</file>
+
+<file path=ppt/diagrams/drawing6.xml><?xml version="1.0" encoding="utf-8"?>
+<dsp:drawing xmlns:dgm="http://schemas.openxmlformats.org/drawingml/2006/diagram" xmlns:dsp="http://schemas.microsoft.com/office/drawing/2008/diagram" xmlns:a="http://schemas.openxmlformats.org/drawingml/2006/main">
+  <dsp:spTree>
+    <dsp:nvGrpSpPr>
+      <dsp:cNvPr id="0" name=""/>
+      <dsp:cNvGrpSpPr/>
+    </dsp:nvGrpSpPr>
+    <dsp:grpSpPr/>
+    <dsp:sp modelId="{45B07149-5B0B-47D5-B7A4-EA6FA35781CF}">
+      <dsp:nvSpPr>
+        <dsp:cNvPr id="0" name=""/>
+        <dsp:cNvSpPr/>
+      </dsp:nvSpPr>
+      <dsp:spPr>
+        <a:xfrm>
+          <a:off x="3095" y="12080"/>
+          <a:ext cx="3018234" cy="1128886"/>
+        </a:xfrm>
+        <a:prstGeom prst="rect">
+          <a:avLst/>
+        </a:prstGeom>
+        <a:solidFill>
+          <a:schemeClr val="accent1">
+            <a:hueOff val="0"/>
+            <a:satOff val="0"/>
+            <a:lumOff val="0"/>
+            <a:alphaOff val="0"/>
+          </a:schemeClr>
+        </a:solidFill>
+        <a:ln w="15875" cap="flat" cmpd="sng" algn="ctr">
+          <a:solidFill>
+            <a:schemeClr val="accent1">
+              <a:hueOff val="0"/>
+              <a:satOff val="0"/>
+              <a:lumOff val="0"/>
+              <a:alphaOff val="0"/>
+            </a:schemeClr>
+          </a:solidFill>
+          <a:prstDash val="solid"/>
+        </a:ln>
+        <a:effectLst/>
+      </dsp:spPr>
+      <dsp:style>
+        <a:lnRef idx="2">
+          <a:scrgbClr r="0" g="0" b="0"/>
+        </a:lnRef>
+        <a:fillRef idx="1">
+          <a:scrgbClr r="0" g="0" b="0"/>
+        </a:fillRef>
+        <a:effectRef idx="0">
+          <a:scrgbClr r="0" g="0" b="0"/>
+        </a:effectRef>
+        <a:fontRef idx="minor">
+          <a:schemeClr val="lt1"/>
+        </a:fontRef>
+      </dsp:style>
+      <dsp:txBody>
+        <a:bodyPr spcFirstLastPara="0" vert="horz" wrap="square" lIns="241808" tIns="138176" rIns="241808" bIns="138176" numCol="1" spcCol="1270" anchor="ctr" anchorCtr="0">
+          <a:noAutofit/>
+        </a:bodyPr>
+        <a:lstStyle/>
+        <a:p>
+          <a:pPr marL="0" lvl="0" indent="0" algn="ctr" defTabSz="1511300">
+            <a:lnSpc>
+              <a:spcPct val="90000"/>
+            </a:lnSpc>
+            <a:spcBef>
+              <a:spcPct val="0"/>
+            </a:spcBef>
+            <a:spcAft>
+              <a:spcPct val="35000"/>
+            </a:spcAft>
+            <a:buNone/>
+          </a:pPr>
+          <a:r>
+            <a:rPr lang="en-GB" sz="3400" kern="1200" dirty="0"/>
+            <a:t>Website </a:t>
+          </a:r>
+        </a:p>
+      </dsp:txBody>
+      <dsp:txXfrm>
+        <a:off x="3095" y="12080"/>
+        <a:ext cx="3018234" cy="1128886"/>
+      </dsp:txXfrm>
+    </dsp:sp>
+    <dsp:sp modelId="{C030D1B6-03EA-451A-A4A3-162BCD94CB62}">
+      <dsp:nvSpPr>
+        <dsp:cNvPr id="0" name=""/>
+        <dsp:cNvSpPr/>
+      </dsp:nvSpPr>
+      <dsp:spPr>
+        <a:xfrm>
+          <a:off x="3095" y="1140966"/>
+          <a:ext cx="3018234" cy="2388664"/>
+        </a:xfrm>
+        <a:prstGeom prst="rect">
+          <a:avLst/>
+        </a:prstGeom>
+        <a:solidFill>
+          <a:schemeClr val="accent1">
+            <a:alpha val="90000"/>
+            <a:tint val="40000"/>
+            <a:hueOff val="0"/>
+            <a:satOff val="0"/>
+            <a:lumOff val="0"/>
+            <a:alphaOff val="0"/>
+          </a:schemeClr>
+        </a:solidFill>
+        <a:ln w="15875" cap="flat" cmpd="sng" algn="ctr">
+          <a:solidFill>
+            <a:schemeClr val="accent1">
+              <a:alpha val="90000"/>
+              <a:tint val="40000"/>
+              <a:hueOff val="0"/>
+              <a:satOff val="0"/>
+              <a:lumOff val="0"/>
+              <a:alphaOff val="0"/>
+            </a:schemeClr>
+          </a:solidFill>
+          <a:prstDash val="solid"/>
+        </a:ln>
+        <a:effectLst/>
+      </dsp:spPr>
+      <dsp:style>
+        <a:lnRef idx="2">
+          <a:scrgbClr r="0" g="0" b="0"/>
+        </a:lnRef>
+        <a:fillRef idx="1">
+          <a:scrgbClr r="0" g="0" b="0"/>
+        </a:fillRef>
+        <a:effectRef idx="0">
+          <a:scrgbClr r="0" g="0" b="0"/>
+        </a:effectRef>
+        <a:fontRef idx="minor"/>
+      </dsp:style>
+      <dsp:txBody>
+        <a:bodyPr spcFirstLastPara="0" vert="horz" wrap="square" lIns="181356" tIns="181356" rIns="241808" bIns="272034" numCol="1" spcCol="1270" anchor="t" anchorCtr="0">
+          <a:noAutofit/>
+        </a:bodyPr>
+        <a:lstStyle/>
+        <a:p>
+          <a:pPr marL="285750" lvl="1" indent="-285750" algn="l" defTabSz="1511300">
+            <a:lnSpc>
+              <a:spcPct val="90000"/>
+            </a:lnSpc>
+            <a:spcBef>
+              <a:spcPct val="0"/>
+            </a:spcBef>
+            <a:spcAft>
+              <a:spcPct val="15000"/>
+            </a:spcAft>
+            <a:buChar char="•"/>
+          </a:pPr>
+          <a:r>
+            <a:rPr lang="en-GB" sz="3400" kern="1200" dirty="0" err="1"/>
+            <a:t>Tiện</a:t>
+          </a:r>
+          <a:r>
+            <a:rPr lang="en-GB" sz="3400" kern="1200" dirty="0"/>
+            <a:t> </a:t>
+          </a:r>
+          <a:r>
+            <a:rPr lang="en-GB" sz="3400" kern="1200" dirty="0" err="1"/>
+            <a:t>lợi</a:t>
+          </a:r>
+          <a:endParaRPr lang="en-GB" sz="3400" kern="1200" dirty="0"/>
+        </a:p>
+        <a:p>
+          <a:pPr marL="285750" lvl="1" indent="-285750" algn="l" defTabSz="1511300">
+            <a:lnSpc>
+              <a:spcPct val="90000"/>
+            </a:lnSpc>
+            <a:spcBef>
+              <a:spcPct val="0"/>
+            </a:spcBef>
+            <a:spcAft>
+              <a:spcPct val="15000"/>
+            </a:spcAft>
+            <a:buChar char="•"/>
+          </a:pPr>
+          <a:r>
+            <a:rPr lang="en-GB" sz="3400" kern="1200" dirty="0" err="1"/>
+            <a:t>Sử</a:t>
+          </a:r>
+          <a:r>
+            <a:rPr lang="en-GB" sz="3400" kern="1200" dirty="0"/>
+            <a:t> </a:t>
+          </a:r>
+          <a:r>
+            <a:rPr lang="en-GB" sz="3400" kern="1200" dirty="0" err="1"/>
+            <a:t>dụng</a:t>
+          </a:r>
+          <a:r>
+            <a:rPr lang="en-GB" sz="3400" kern="1200" dirty="0"/>
+            <a:t> </a:t>
+          </a:r>
+          <a:r>
+            <a:rPr lang="en-GB" sz="3400" kern="1200" dirty="0" err="1"/>
+            <a:t>mọi</a:t>
+          </a:r>
+          <a:r>
+            <a:rPr lang="en-GB" sz="3400" kern="1200" dirty="0"/>
+            <a:t> </a:t>
+          </a:r>
+          <a:r>
+            <a:rPr lang="en-GB" sz="3400" kern="1200" dirty="0" err="1"/>
+            <a:t>đối</a:t>
+          </a:r>
+          <a:r>
+            <a:rPr lang="en-GB" sz="3400" kern="1200" dirty="0"/>
+            <a:t> </a:t>
+          </a:r>
+          <a:r>
+            <a:rPr lang="en-GB" sz="3400" kern="1200" dirty="0" err="1"/>
+            <a:t>tượng</a:t>
+          </a:r>
+          <a:endParaRPr lang="en-GB" sz="3400" kern="1200" dirty="0"/>
+        </a:p>
+      </dsp:txBody>
+      <dsp:txXfrm>
+        <a:off x="3095" y="1140966"/>
+        <a:ext cx="3018234" cy="2388664"/>
+      </dsp:txXfrm>
+    </dsp:sp>
+    <dsp:sp modelId="{5D7B86E1-F2B7-4089-B7CE-43DE33501DF5}">
+      <dsp:nvSpPr>
+        <dsp:cNvPr id="0" name=""/>
+        <dsp:cNvSpPr/>
+      </dsp:nvSpPr>
+      <dsp:spPr>
+        <a:xfrm>
+          <a:off x="3443882" y="12080"/>
+          <a:ext cx="3018234" cy="1128886"/>
+        </a:xfrm>
+        <a:prstGeom prst="rect">
+          <a:avLst/>
+        </a:prstGeom>
+        <a:solidFill>
+          <a:schemeClr val="accent1">
+            <a:hueOff val="0"/>
+            <a:satOff val="0"/>
+            <a:lumOff val="0"/>
+            <a:alphaOff val="0"/>
+          </a:schemeClr>
+        </a:solidFill>
+        <a:ln w="15875" cap="flat" cmpd="sng" algn="ctr">
+          <a:solidFill>
+            <a:schemeClr val="accent1">
+              <a:hueOff val="0"/>
+              <a:satOff val="0"/>
+              <a:lumOff val="0"/>
+              <a:alphaOff val="0"/>
+            </a:schemeClr>
+          </a:solidFill>
+          <a:prstDash val="solid"/>
+        </a:ln>
+        <a:effectLst/>
+      </dsp:spPr>
+      <dsp:style>
+        <a:lnRef idx="2">
+          <a:scrgbClr r="0" g="0" b="0"/>
+        </a:lnRef>
+        <a:fillRef idx="1">
+          <a:scrgbClr r="0" g="0" b="0"/>
+        </a:fillRef>
+        <a:effectRef idx="0">
+          <a:scrgbClr r="0" g="0" b="0"/>
+        </a:effectRef>
+        <a:fontRef idx="minor">
+          <a:schemeClr val="lt1"/>
+        </a:fontRef>
+      </dsp:style>
+      <dsp:txBody>
+        <a:bodyPr spcFirstLastPara="0" vert="horz" wrap="square" lIns="241808" tIns="138176" rIns="241808" bIns="138176" numCol="1" spcCol="1270" anchor="ctr" anchorCtr="0">
+          <a:noAutofit/>
+        </a:bodyPr>
+        <a:lstStyle/>
+        <a:p>
+          <a:pPr marL="0" lvl="0" indent="0" algn="ctr" defTabSz="1511300">
+            <a:lnSpc>
+              <a:spcPct val="90000"/>
+            </a:lnSpc>
+            <a:spcBef>
+              <a:spcPct val="0"/>
+            </a:spcBef>
+            <a:spcAft>
+              <a:spcPct val="35000"/>
+            </a:spcAft>
+            <a:buNone/>
+          </a:pPr>
+          <a:r>
+            <a:rPr lang="en-GB" sz="3400" kern="1200" dirty="0"/>
+            <a:t>PHP, MySQL</a:t>
+          </a:r>
+        </a:p>
+      </dsp:txBody>
+      <dsp:txXfrm>
+        <a:off x="3443882" y="12080"/>
+        <a:ext cx="3018234" cy="1128886"/>
+      </dsp:txXfrm>
+    </dsp:sp>
+    <dsp:sp modelId="{0549BAC6-E2A0-4E9B-9C87-99E7A8083699}">
+      <dsp:nvSpPr>
+        <dsp:cNvPr id="0" name=""/>
+        <dsp:cNvSpPr/>
+      </dsp:nvSpPr>
+      <dsp:spPr>
+        <a:xfrm>
+          <a:off x="3443882" y="1140966"/>
+          <a:ext cx="3018234" cy="2388664"/>
+        </a:xfrm>
+        <a:prstGeom prst="rect">
+          <a:avLst/>
+        </a:prstGeom>
+        <a:solidFill>
+          <a:schemeClr val="accent1">
+            <a:alpha val="90000"/>
+            <a:tint val="40000"/>
+            <a:hueOff val="0"/>
+            <a:satOff val="0"/>
+            <a:lumOff val="0"/>
+            <a:alphaOff val="0"/>
+          </a:schemeClr>
+        </a:solidFill>
+        <a:ln w="15875" cap="flat" cmpd="sng" algn="ctr">
+          <a:solidFill>
+            <a:schemeClr val="accent1">
+              <a:alpha val="90000"/>
+              <a:tint val="40000"/>
+              <a:hueOff val="0"/>
+              <a:satOff val="0"/>
+              <a:lumOff val="0"/>
+              <a:alphaOff val="0"/>
+            </a:schemeClr>
+          </a:solidFill>
+          <a:prstDash val="solid"/>
+        </a:ln>
+        <a:effectLst/>
+      </dsp:spPr>
+      <dsp:style>
+        <a:lnRef idx="2">
+          <a:scrgbClr r="0" g="0" b="0"/>
+        </a:lnRef>
+        <a:fillRef idx="1">
+          <a:scrgbClr r="0" g="0" b="0"/>
+        </a:fillRef>
+        <a:effectRef idx="0">
+          <a:scrgbClr r="0" g="0" b="0"/>
+        </a:effectRef>
+        <a:fontRef idx="minor"/>
+      </dsp:style>
+      <dsp:txBody>
+        <a:bodyPr spcFirstLastPara="0" vert="horz" wrap="square" lIns="181356" tIns="181356" rIns="241808" bIns="272034" numCol="1" spcCol="1270" anchor="t" anchorCtr="0">
+          <a:noAutofit/>
+        </a:bodyPr>
+        <a:lstStyle/>
+        <a:p>
+          <a:pPr marL="285750" lvl="1" indent="-285750" algn="l" defTabSz="1511300">
+            <a:lnSpc>
+              <a:spcPct val="90000"/>
+            </a:lnSpc>
+            <a:spcBef>
+              <a:spcPct val="0"/>
+            </a:spcBef>
+            <a:spcAft>
+              <a:spcPct val="15000"/>
+            </a:spcAft>
+            <a:buChar char="•"/>
+          </a:pPr>
+          <a:r>
+            <a:rPr lang="en-GB" sz="3400" kern="1200" dirty="0" err="1"/>
+            <a:t>Là</a:t>
+          </a:r>
+          <a:r>
+            <a:rPr lang="en-GB" sz="3400" kern="1200" dirty="0"/>
+            <a:t> </a:t>
+          </a:r>
+          <a:r>
+            <a:rPr lang="en-GB" sz="3400" kern="1200" dirty="0" err="1"/>
+            <a:t>mã</a:t>
+          </a:r>
+          <a:r>
+            <a:rPr lang="en-GB" sz="3400" kern="1200" dirty="0"/>
+            <a:t> </a:t>
+          </a:r>
+          <a:r>
+            <a:rPr lang="en-GB" sz="3400" kern="1200" dirty="0" err="1"/>
+            <a:t>nguồn</a:t>
+          </a:r>
+          <a:r>
+            <a:rPr lang="en-GB" sz="3400" kern="1200" dirty="0"/>
+            <a:t> </a:t>
+          </a:r>
+          <a:r>
+            <a:rPr lang="en-GB" sz="3400" kern="1200" dirty="0" err="1"/>
+            <a:t>mở</a:t>
+          </a:r>
+          <a:endParaRPr lang="en-GB" sz="3400" kern="1200" dirty="0"/>
+        </a:p>
+        <a:p>
+          <a:pPr marL="285750" lvl="1" indent="-285750" algn="l" defTabSz="1511300">
+            <a:lnSpc>
+              <a:spcPct val="90000"/>
+            </a:lnSpc>
+            <a:spcBef>
+              <a:spcPct val="0"/>
+            </a:spcBef>
+            <a:spcAft>
+              <a:spcPct val="15000"/>
+            </a:spcAft>
+            <a:buChar char="•"/>
+          </a:pPr>
+          <a:r>
+            <a:rPr lang="en-GB" sz="3400" kern="1200" dirty="0" err="1"/>
+            <a:t>Tốc</a:t>
+          </a:r>
+          <a:r>
+            <a:rPr lang="en-GB" sz="3400" kern="1200" dirty="0"/>
+            <a:t> </a:t>
+          </a:r>
+          <a:r>
+            <a:rPr lang="en-GB" sz="3400" kern="1200" dirty="0" err="1"/>
+            <a:t>độ</a:t>
+          </a:r>
+          <a:r>
+            <a:rPr lang="en-GB" sz="3400" kern="1200" dirty="0"/>
+            <a:t> </a:t>
+          </a:r>
+          <a:r>
+            <a:rPr lang="en-GB" sz="3400" kern="1200" dirty="0" err="1"/>
+            <a:t>xử</a:t>
+          </a:r>
+          <a:r>
+            <a:rPr lang="en-GB" sz="3400" kern="1200" dirty="0"/>
+            <a:t> </a:t>
+          </a:r>
+          <a:r>
+            <a:rPr lang="en-GB" sz="3400" kern="1200" dirty="0" err="1"/>
+            <a:t>lý</a:t>
+          </a:r>
+          <a:r>
+            <a:rPr lang="en-GB" sz="3400" kern="1200" dirty="0"/>
+            <a:t> </a:t>
+          </a:r>
+          <a:r>
+            <a:rPr lang="en-GB" sz="3400" kern="1200" dirty="0" err="1"/>
+            <a:t>nhanh</a:t>
+          </a:r>
+          <a:r>
+            <a:rPr lang="en-GB" sz="3400" kern="1200" dirty="0"/>
+            <a:t>.</a:t>
+          </a:r>
+        </a:p>
+      </dsp:txBody>
+      <dsp:txXfrm>
+        <a:off x="3443882" y="1140966"/>
+        <a:ext cx="3018234" cy="2388664"/>
+      </dsp:txXfrm>
+    </dsp:sp>
+    <dsp:sp modelId="{F49E3C56-14DF-4919-B2A2-E10C4B8CBFBA}">
+      <dsp:nvSpPr>
+        <dsp:cNvPr id="0" name=""/>
+        <dsp:cNvSpPr/>
+      </dsp:nvSpPr>
+      <dsp:spPr>
+        <a:xfrm>
+          <a:off x="6884670" y="12080"/>
+          <a:ext cx="3018234" cy="1128886"/>
+        </a:xfrm>
+        <a:prstGeom prst="rect">
+          <a:avLst/>
+        </a:prstGeom>
+        <a:solidFill>
+          <a:schemeClr val="accent1">
+            <a:hueOff val="0"/>
+            <a:satOff val="0"/>
+            <a:lumOff val="0"/>
+            <a:alphaOff val="0"/>
+          </a:schemeClr>
+        </a:solidFill>
+        <a:ln w="15875" cap="flat" cmpd="sng" algn="ctr">
+          <a:solidFill>
+            <a:schemeClr val="accent1">
+              <a:hueOff val="0"/>
+              <a:satOff val="0"/>
+              <a:lumOff val="0"/>
+              <a:alphaOff val="0"/>
+            </a:schemeClr>
+          </a:solidFill>
+          <a:prstDash val="solid"/>
+        </a:ln>
+        <a:effectLst/>
+      </dsp:spPr>
+      <dsp:style>
+        <a:lnRef idx="2">
+          <a:scrgbClr r="0" g="0" b="0"/>
+        </a:lnRef>
+        <a:fillRef idx="1">
+          <a:scrgbClr r="0" g="0" b="0"/>
+        </a:fillRef>
+        <a:effectRef idx="0">
+          <a:scrgbClr r="0" g="0" b="0"/>
+        </a:effectRef>
+        <a:fontRef idx="minor">
+          <a:schemeClr val="lt1"/>
+        </a:fontRef>
+      </dsp:style>
+      <dsp:txBody>
+        <a:bodyPr spcFirstLastPara="0" vert="horz" wrap="square" lIns="241808" tIns="138176" rIns="241808" bIns="138176" numCol="1" spcCol="1270" anchor="ctr" anchorCtr="0">
+          <a:noAutofit/>
+        </a:bodyPr>
+        <a:lstStyle/>
+        <a:p>
+          <a:pPr marL="0" lvl="0" indent="0" algn="ctr" defTabSz="1511300">
+            <a:lnSpc>
+              <a:spcPct val="90000"/>
+            </a:lnSpc>
+            <a:spcBef>
+              <a:spcPct val="0"/>
+            </a:spcBef>
+            <a:spcAft>
+              <a:spcPct val="35000"/>
+            </a:spcAft>
+            <a:buNone/>
+          </a:pPr>
+          <a:r>
+            <a:rPr lang="en-GB" sz="3400" kern="1200" dirty="0">
+              <a:effectLst>
+                <a:outerShdw blurRad="38100" dist="38100" dir="2700000" algn="tl">
+                  <a:srgbClr val="000000">
+                    <a:alpha val="43137"/>
+                  </a:srgbClr>
+                </a:outerShdw>
+              </a:effectLst>
+            </a:rPr>
+            <a:t>HTML5, CSS3, JavaScript</a:t>
+          </a:r>
+          <a:endParaRPr lang="en-GB" sz="3400" kern="1200" dirty="0"/>
+        </a:p>
+      </dsp:txBody>
+      <dsp:txXfrm>
+        <a:off x="6884670" y="12080"/>
+        <a:ext cx="3018234" cy="1128886"/>
+      </dsp:txXfrm>
+    </dsp:sp>
+    <dsp:sp modelId="{C3635BB7-B566-4A67-9B9E-ABBDAD5490B0}">
+      <dsp:nvSpPr>
+        <dsp:cNvPr id="0" name=""/>
+        <dsp:cNvSpPr/>
+      </dsp:nvSpPr>
+      <dsp:spPr>
+        <a:xfrm>
+          <a:off x="6884670" y="1140966"/>
+          <a:ext cx="3018234" cy="2388664"/>
+        </a:xfrm>
+        <a:prstGeom prst="rect">
+          <a:avLst/>
+        </a:prstGeom>
+        <a:solidFill>
+          <a:schemeClr val="accent1">
+            <a:alpha val="90000"/>
+            <a:tint val="40000"/>
+            <a:hueOff val="0"/>
+            <a:satOff val="0"/>
+            <a:lumOff val="0"/>
+            <a:alphaOff val="0"/>
+          </a:schemeClr>
+        </a:solidFill>
+        <a:ln w="15875" cap="flat" cmpd="sng" algn="ctr">
+          <a:solidFill>
+            <a:schemeClr val="accent1">
+              <a:alpha val="90000"/>
+              <a:tint val="40000"/>
+              <a:hueOff val="0"/>
+              <a:satOff val="0"/>
+              <a:lumOff val="0"/>
+              <a:alphaOff val="0"/>
+            </a:schemeClr>
+          </a:solidFill>
+          <a:prstDash val="solid"/>
+        </a:ln>
+        <a:effectLst/>
+      </dsp:spPr>
+      <dsp:style>
+        <a:lnRef idx="2">
+          <a:scrgbClr r="0" g="0" b="0"/>
+        </a:lnRef>
+        <a:fillRef idx="1">
+          <a:scrgbClr r="0" g="0" b="0"/>
+        </a:fillRef>
+        <a:effectRef idx="0">
+          <a:scrgbClr r="0" g="0" b="0"/>
+        </a:effectRef>
+        <a:fontRef idx="minor"/>
+      </dsp:style>
+      <dsp:txBody>
+        <a:bodyPr spcFirstLastPara="0" vert="horz" wrap="square" lIns="181356" tIns="181356" rIns="241808" bIns="272034" numCol="1" spcCol="1270" anchor="t" anchorCtr="0">
+          <a:noAutofit/>
+        </a:bodyPr>
+        <a:lstStyle/>
+        <a:p>
+          <a:pPr marL="285750" lvl="1" indent="-285750" algn="l" defTabSz="1511300">
+            <a:lnSpc>
+              <a:spcPct val="90000"/>
+            </a:lnSpc>
+            <a:spcBef>
+              <a:spcPct val="0"/>
+            </a:spcBef>
+            <a:spcAft>
+              <a:spcPct val="15000"/>
+            </a:spcAft>
+            <a:buChar char="•"/>
+          </a:pPr>
+          <a:r>
+            <a:rPr lang="en-GB" sz="3400" kern="1200" dirty="0" err="1"/>
+            <a:t>Phổ</a:t>
+          </a:r>
+          <a:r>
+            <a:rPr lang="en-GB" sz="3400" kern="1200" dirty="0"/>
+            <a:t> </a:t>
+          </a:r>
+          <a:r>
+            <a:rPr lang="en-GB" sz="3400" kern="1200" dirty="0" err="1"/>
+            <a:t>biến</a:t>
+          </a:r>
+          <a:endParaRPr lang="en-GB" sz="3400" kern="1200" dirty="0"/>
+        </a:p>
+        <a:p>
+          <a:pPr marL="285750" lvl="1" indent="-285750" algn="l" defTabSz="1511300">
+            <a:lnSpc>
+              <a:spcPct val="90000"/>
+            </a:lnSpc>
+            <a:spcBef>
+              <a:spcPct val="0"/>
+            </a:spcBef>
+            <a:spcAft>
+              <a:spcPct val="15000"/>
+            </a:spcAft>
+            <a:buChar char="•"/>
+          </a:pPr>
+          <a:r>
+            <a:rPr lang="en-GB" sz="3400" kern="1200" dirty="0" err="1"/>
+            <a:t>Giảm</a:t>
+          </a:r>
+          <a:r>
+            <a:rPr lang="en-GB" sz="3400" kern="1200" dirty="0"/>
+            <a:t> </a:t>
+          </a:r>
+          <a:r>
+            <a:rPr lang="en-GB" sz="3400" kern="1200" dirty="0" err="1"/>
+            <a:t>lượng</a:t>
+          </a:r>
+          <a:r>
+            <a:rPr lang="en-GB" sz="3400" kern="1200" dirty="0"/>
+            <a:t> </a:t>
+          </a:r>
+          <a:r>
+            <a:rPr lang="en-GB" sz="3400" kern="1200" dirty="0" err="1"/>
+            <a:t>truy</a:t>
+          </a:r>
+          <a:r>
+            <a:rPr lang="en-GB" sz="3400" kern="1200" dirty="0"/>
+            <a:t> </a:t>
+          </a:r>
+          <a:r>
+            <a:rPr lang="en-GB" sz="3400" kern="1200" dirty="0" err="1"/>
+            <a:t>cập</a:t>
+          </a:r>
+          <a:endParaRPr lang="en-GB" sz="3400" kern="1200" dirty="0"/>
+        </a:p>
+      </dsp:txBody>
+      <dsp:txXfrm>
+        <a:off x="6884670" y="1140966"/>
+        <a:ext cx="3018234" cy="2388664"/>
       </dsp:txXfrm>
     </dsp:sp>
   </dsp:spTree>
@@ -11650,223 +11684,6 @@
 </file>
 
 <file path=ppt/diagrams/layout2.xml><?xml version="1.0" encoding="utf-8"?>
-<dgm:layoutDef xmlns:dgm="http://schemas.openxmlformats.org/drawingml/2006/diagram" xmlns:a="http://schemas.openxmlformats.org/drawingml/2006/main" uniqueId="urn:microsoft.com/office/officeart/2005/8/layout/hList1">
-  <dgm:title val=""/>
-  <dgm:desc val=""/>
-  <dgm:catLst>
-    <dgm:cat type="list" pri="5000"/>
-    <dgm:cat type="convert" pri="5000"/>
-  </dgm:catLst>
-  <dgm:sampData>
-    <dgm:dataModel>
-      <dgm:ptLst>
-        <dgm:pt modelId="0" type="doc"/>
-        <dgm:pt modelId="1">
-          <dgm:prSet phldr="1"/>
-        </dgm:pt>
-        <dgm:pt modelId="11">
-          <dgm:prSet phldr="1"/>
-        </dgm:pt>
-        <dgm:pt modelId="12">
-          <dgm:prSet phldr="1"/>
-        </dgm:pt>
-        <dgm:pt modelId="2">
-          <dgm:prSet phldr="1"/>
-        </dgm:pt>
-        <dgm:pt modelId="21">
-          <dgm:prSet phldr="1"/>
-        </dgm:pt>
-        <dgm:pt modelId="22">
-          <dgm:prSet phldr="1"/>
-        </dgm:pt>
-        <dgm:pt modelId="3">
-          <dgm:prSet phldr="1"/>
-        </dgm:pt>
-        <dgm:pt modelId="31">
-          <dgm:prSet phldr="1"/>
-        </dgm:pt>
-        <dgm:pt modelId="32">
-          <dgm:prSet phldr="1"/>
-        </dgm:pt>
-      </dgm:ptLst>
-      <dgm:cxnLst>
-        <dgm:cxn modelId="4" srcId="0" destId="1" srcOrd="0" destOrd="0"/>
-        <dgm:cxn modelId="5" srcId="0" destId="2" srcOrd="1" destOrd="0"/>
-        <dgm:cxn modelId="6" srcId="0" destId="3" srcOrd="2" destOrd="0"/>
-        <dgm:cxn modelId="13" srcId="1" destId="11" srcOrd="0" destOrd="0"/>
-        <dgm:cxn modelId="14" srcId="1" destId="12" srcOrd="1" destOrd="0"/>
-        <dgm:cxn modelId="23" srcId="2" destId="21" srcOrd="0" destOrd="0"/>
-        <dgm:cxn modelId="24" srcId="2" destId="22" srcOrd="1" destOrd="0"/>
-        <dgm:cxn modelId="33" srcId="3" destId="31" srcOrd="0" destOrd="0"/>
-        <dgm:cxn modelId="34" srcId="3" destId="32" srcOrd="1" destOrd="0"/>
-      </dgm:cxnLst>
-      <dgm:bg/>
-      <dgm:whole/>
-    </dgm:dataModel>
-  </dgm:sampData>
-  <dgm:styleData>
-    <dgm:dataModel>
-      <dgm:ptLst>
-        <dgm:pt modelId="0" type="doc"/>
-        <dgm:pt modelId="1">
-          <dgm:prSet phldr="1"/>
-        </dgm:pt>
-        <dgm:pt modelId="2">
-          <dgm:prSet phldr="1"/>
-        </dgm:pt>
-      </dgm:ptLst>
-      <dgm:cxnLst>
-        <dgm:cxn modelId="3" srcId="0" destId="1" srcOrd="0" destOrd="0"/>
-        <dgm:cxn modelId="4" srcId="0" destId="2" srcOrd="1" destOrd="0"/>
-      </dgm:cxnLst>
-      <dgm:bg/>
-      <dgm:whole/>
-    </dgm:dataModel>
-  </dgm:styleData>
-  <dgm:clrData>
-    <dgm:dataModel>
-      <dgm:ptLst>
-        <dgm:pt modelId="0" type="doc"/>
-        <dgm:pt modelId="1">
-          <dgm:prSet phldr="1"/>
-        </dgm:pt>
-        <dgm:pt modelId="2">
-          <dgm:prSet phldr="1"/>
-        </dgm:pt>
-        <dgm:pt modelId="3">
-          <dgm:prSet phldr="1"/>
-        </dgm:pt>
-        <dgm:pt modelId="4">
-          <dgm:prSet phldr="1"/>
-        </dgm:pt>
-      </dgm:ptLst>
-      <dgm:cxnLst>
-        <dgm:cxn modelId="5" srcId="0" destId="1" srcOrd="0" destOrd="0"/>
-        <dgm:cxn modelId="6" srcId="0" destId="2" srcOrd="1" destOrd="0"/>
-        <dgm:cxn modelId="7" srcId="0" destId="3" srcOrd="2" destOrd="0"/>
-        <dgm:cxn modelId="8" srcId="0" destId="4" srcOrd="3" destOrd="0"/>
-      </dgm:cxnLst>
-      <dgm:bg/>
-      <dgm:whole/>
-    </dgm:dataModel>
-  </dgm:clrData>
-  <dgm:layoutNode name="Name0">
-    <dgm:varLst>
-      <dgm:dir/>
-      <dgm:animLvl val="lvl"/>
-      <dgm:resizeHandles val="exact"/>
-    </dgm:varLst>
-    <dgm:choose name="Name1">
-      <dgm:if name="Name2" func="var" arg="dir" op="equ" val="norm">
-        <dgm:alg type="lin"/>
-      </dgm:if>
-      <dgm:else name="Name3">
-        <dgm:alg type="lin">
-          <dgm:param type="linDir" val="fromR"/>
-        </dgm:alg>
-      </dgm:else>
-    </dgm:choose>
-    <dgm:shape xmlns:r="http://schemas.openxmlformats.org/officeDocument/2006/relationships" r:blip="">
-      <dgm:adjLst/>
-    </dgm:shape>
-    <dgm:presOf/>
-    <dgm:constrLst>
-      <dgm:constr type="h" for="ch" forName="composite" refType="h"/>
-      <dgm:constr type="w" for="ch" forName="composite" refType="w"/>
-      <dgm:constr type="w" for="des" forName="parTx"/>
-      <dgm:constr type="h" for="des" forName="parTx" op="equ"/>
-      <dgm:constr type="w" for="des" forName="desTx"/>
-      <dgm:constr type="h" for="des" forName="desTx" op="equ"/>
-      <dgm:constr type="primFontSz" for="des" forName="parTx" val="65"/>
-      <dgm:constr type="secFontSz" for="des" forName="desTx" refType="primFontSz" refFor="des" refForName="parTx" op="equ"/>
-      <dgm:constr type="h" for="des" forName="parTx" refType="primFontSz" refFor="des" refForName="parTx" fact="0.8"/>
-      <dgm:constr type="h" for="des" forName="desTx" refType="primFontSz" refFor="des" refForName="parTx" fact="1.22"/>
-      <dgm:constr type="w" for="ch" forName="space" refType="w" refFor="ch" refForName="composite" op="equ" fact="0.14"/>
-    </dgm:constrLst>
-    <dgm:ruleLst>
-      <dgm:rule type="w" for="ch" forName="composite" val="0" fact="NaN" max="NaN"/>
-      <dgm:rule type="primFontSz" for="des" forName="parTx" val="5" fact="NaN" max="NaN"/>
-    </dgm:ruleLst>
-    <dgm:forEach name="Name4" axis="ch" ptType="node">
-      <dgm:layoutNode name="composite">
-        <dgm:alg type="composite"/>
-        <dgm:shape xmlns:r="http://schemas.openxmlformats.org/officeDocument/2006/relationships" r:blip="">
-          <dgm:adjLst/>
-        </dgm:shape>
-        <dgm:presOf/>
-        <dgm:constrLst>
-          <dgm:constr type="l" for="ch" forName="parTx"/>
-          <dgm:constr type="w" for="ch" forName="parTx" refType="w"/>
-          <dgm:constr type="t" for="ch" forName="parTx"/>
-          <dgm:constr type="l" for="ch" forName="desTx"/>
-          <dgm:constr type="w" for="ch" forName="desTx" refType="w" refFor="ch" refForName="parTx"/>
-          <dgm:constr type="t" for="ch" forName="desTx" refType="h" refFor="ch" refForName="parTx"/>
-        </dgm:constrLst>
-        <dgm:ruleLst>
-          <dgm:rule type="h" val="INF" fact="NaN" max="NaN"/>
-        </dgm:ruleLst>
-        <dgm:layoutNode name="parTx" styleLbl="alignNode1">
-          <dgm:varLst>
-            <dgm:chMax val="0"/>
-            <dgm:chPref val="0"/>
-            <dgm:bulletEnabled val="1"/>
-          </dgm:varLst>
-          <dgm:alg type="tx"/>
-          <dgm:shape xmlns:r="http://schemas.openxmlformats.org/officeDocument/2006/relationships" type="rect" r:blip="">
-            <dgm:adjLst/>
-          </dgm:shape>
-          <dgm:presOf axis="self" ptType="node"/>
-          <dgm:constrLst>
-            <dgm:constr type="h" refType="w" op="lte" fact="0.4"/>
-            <dgm:constr type="h"/>
-            <dgm:constr type="tMarg" refType="primFontSz" fact="0.32"/>
-            <dgm:constr type="bMarg" refType="primFontSz" fact="0.32"/>
-          </dgm:constrLst>
-          <dgm:ruleLst>
-            <dgm:rule type="h" val="INF" fact="NaN" max="NaN"/>
-          </dgm:ruleLst>
-        </dgm:layoutNode>
-        <dgm:layoutNode name="desTx" styleLbl="alignAccFollowNode1">
-          <dgm:varLst>
-            <dgm:bulletEnabled val="1"/>
-          </dgm:varLst>
-          <dgm:alg type="tx">
-            <dgm:param type="stBulletLvl" val="1"/>
-          </dgm:alg>
-          <dgm:shape xmlns:r="http://schemas.openxmlformats.org/officeDocument/2006/relationships" type="rect" r:blip="">
-            <dgm:adjLst/>
-          </dgm:shape>
-          <dgm:presOf axis="des" ptType="node"/>
-          <dgm:constrLst>
-            <dgm:constr type="secFontSz" val="65"/>
-            <dgm:constr type="primFontSz" refType="secFontSz"/>
-            <dgm:constr type="h"/>
-            <dgm:constr type="lMarg" refType="primFontSz" fact="0.42"/>
-            <dgm:constr type="tMarg" refType="primFontSz" fact="0.42"/>
-            <dgm:constr type="bMarg" refType="primFontSz" fact="0.63"/>
-          </dgm:constrLst>
-          <dgm:ruleLst>
-            <dgm:rule type="h" val="INF" fact="NaN" max="NaN"/>
-          </dgm:ruleLst>
-        </dgm:layoutNode>
-      </dgm:layoutNode>
-      <dgm:forEach name="Name5" axis="followSib" ptType="sibTrans" cnt="1">
-        <dgm:layoutNode name="space">
-          <dgm:alg type="sp"/>
-          <dgm:shape xmlns:r="http://schemas.openxmlformats.org/officeDocument/2006/relationships" r:blip="">
-            <dgm:adjLst/>
-          </dgm:shape>
-          <dgm:presOf/>
-          <dgm:constrLst/>
-          <dgm:ruleLst/>
-        </dgm:layoutNode>
-      </dgm:forEach>
-    </dgm:forEach>
-  </dgm:layoutNode>
-</dgm:layoutDef>
-</file>
-
-<file path=ppt/diagrams/layout3.xml><?xml version="1.0" encoding="utf-8"?>
 <dgm:layoutDef xmlns:dgm="http://schemas.openxmlformats.org/drawingml/2006/diagram" xmlns:a="http://schemas.openxmlformats.org/drawingml/2006/main" uniqueId="urn:microsoft.com/office/officeart/2005/8/layout/hList7">
   <dgm:title val=""/>
   <dgm:desc val=""/>
@@ -12057,6 +11874,153 @@
         </dgm:forEach>
       </dgm:forEach>
     </dgm:layoutNode>
+  </dgm:layoutNode>
+</dgm:layoutDef>
+</file>
+
+<file path=ppt/diagrams/layout3.xml><?xml version="1.0" encoding="utf-8"?>
+<dgm:layoutDef xmlns:dgm="http://schemas.openxmlformats.org/drawingml/2006/diagram" xmlns:a="http://schemas.openxmlformats.org/drawingml/2006/main" uniqueId="urn:microsoft.com/office/officeart/2005/8/layout/default">
+  <dgm:title val=""/>
+  <dgm:desc val=""/>
+  <dgm:catLst>
+    <dgm:cat type="list" pri="400"/>
+  </dgm:catLst>
+  <dgm:sampData>
+    <dgm:dataModel>
+      <dgm:ptLst>
+        <dgm:pt modelId="0" type="doc"/>
+        <dgm:pt modelId="1">
+          <dgm:prSet phldr="1"/>
+        </dgm:pt>
+        <dgm:pt modelId="2">
+          <dgm:prSet phldr="1"/>
+        </dgm:pt>
+        <dgm:pt modelId="3">
+          <dgm:prSet phldr="1"/>
+        </dgm:pt>
+        <dgm:pt modelId="4">
+          <dgm:prSet phldr="1"/>
+        </dgm:pt>
+        <dgm:pt modelId="5">
+          <dgm:prSet phldr="1"/>
+        </dgm:pt>
+      </dgm:ptLst>
+      <dgm:cxnLst>
+        <dgm:cxn modelId="6" srcId="0" destId="1" srcOrd="0" destOrd="0"/>
+        <dgm:cxn modelId="7" srcId="0" destId="2" srcOrd="1" destOrd="0"/>
+        <dgm:cxn modelId="8" srcId="0" destId="3" srcOrd="2" destOrd="0"/>
+        <dgm:cxn modelId="9" srcId="0" destId="4" srcOrd="3" destOrd="0"/>
+        <dgm:cxn modelId="10" srcId="0" destId="5" srcOrd="4" destOrd="0"/>
+      </dgm:cxnLst>
+      <dgm:bg/>
+      <dgm:whole/>
+    </dgm:dataModel>
+  </dgm:sampData>
+  <dgm:styleData>
+    <dgm:dataModel>
+      <dgm:ptLst>
+        <dgm:pt modelId="0" type="doc"/>
+        <dgm:pt modelId="1"/>
+        <dgm:pt modelId="2"/>
+      </dgm:ptLst>
+      <dgm:cxnLst>
+        <dgm:cxn modelId="3" srcId="0" destId="1" srcOrd="0" destOrd="0"/>
+        <dgm:cxn modelId="4" srcId="0" destId="2" srcOrd="1" destOrd="0"/>
+      </dgm:cxnLst>
+      <dgm:bg/>
+      <dgm:whole/>
+    </dgm:dataModel>
+  </dgm:styleData>
+  <dgm:clrData>
+    <dgm:dataModel>
+      <dgm:ptLst>
+        <dgm:pt modelId="0" type="doc"/>
+        <dgm:pt modelId="1"/>
+        <dgm:pt modelId="2"/>
+        <dgm:pt modelId="3"/>
+        <dgm:pt modelId="4"/>
+        <dgm:pt modelId="5"/>
+        <dgm:pt modelId="6"/>
+      </dgm:ptLst>
+      <dgm:cxnLst>
+        <dgm:cxn modelId="7" srcId="0" destId="1" srcOrd="0" destOrd="0"/>
+        <dgm:cxn modelId="8" srcId="0" destId="2" srcOrd="1" destOrd="0"/>
+        <dgm:cxn modelId="9" srcId="0" destId="3" srcOrd="2" destOrd="0"/>
+        <dgm:cxn modelId="10" srcId="0" destId="4" srcOrd="3" destOrd="0"/>
+        <dgm:cxn modelId="11" srcId="0" destId="5" srcOrd="4" destOrd="0"/>
+        <dgm:cxn modelId="12" srcId="0" destId="6" srcOrd="5" destOrd="0"/>
+      </dgm:cxnLst>
+      <dgm:bg/>
+      <dgm:whole/>
+    </dgm:dataModel>
+  </dgm:clrData>
+  <dgm:layoutNode name="diagram">
+    <dgm:varLst>
+      <dgm:dir/>
+      <dgm:resizeHandles val="exact"/>
+    </dgm:varLst>
+    <dgm:choose name="Name0">
+      <dgm:if name="Name1" func="var" arg="dir" op="equ" val="norm">
+        <dgm:alg type="snake">
+          <dgm:param type="grDir" val="tL"/>
+          <dgm:param type="flowDir" val="row"/>
+          <dgm:param type="contDir" val="sameDir"/>
+          <dgm:param type="off" val="ctr"/>
+        </dgm:alg>
+      </dgm:if>
+      <dgm:else name="Name2">
+        <dgm:alg type="snake">
+          <dgm:param type="grDir" val="tR"/>
+          <dgm:param type="flowDir" val="row"/>
+          <dgm:param type="contDir" val="sameDir"/>
+          <dgm:param type="off" val="ctr"/>
+        </dgm:alg>
+      </dgm:else>
+    </dgm:choose>
+    <dgm:shape xmlns:r="http://schemas.openxmlformats.org/officeDocument/2006/relationships" r:blip="">
+      <dgm:adjLst/>
+    </dgm:shape>
+    <dgm:presOf/>
+    <dgm:constrLst>
+      <dgm:constr type="w" for="ch" forName="node" refType="w"/>
+      <dgm:constr type="h" for="ch" forName="node" refType="w" refFor="ch" refForName="node" fact="0.6"/>
+      <dgm:constr type="w" for="ch" forName="sibTrans" refType="w" refFor="ch" refForName="node" fact="0.1"/>
+      <dgm:constr type="sp" refType="w" refFor="ch" refForName="sibTrans"/>
+      <dgm:constr type="primFontSz" for="ch" forName="node" op="equ" val="65"/>
+    </dgm:constrLst>
+    <dgm:ruleLst/>
+    <dgm:forEach name="Name3" axis="ch" ptType="node">
+      <dgm:layoutNode name="node">
+        <dgm:varLst>
+          <dgm:bulletEnabled val="1"/>
+        </dgm:varLst>
+        <dgm:alg type="tx"/>
+        <dgm:shape xmlns:r="http://schemas.openxmlformats.org/officeDocument/2006/relationships" type="rect" r:blip="">
+          <dgm:adjLst/>
+        </dgm:shape>
+        <dgm:presOf axis="desOrSelf" ptType="node"/>
+        <dgm:constrLst>
+          <dgm:constr type="lMarg" refType="primFontSz" fact="0.3"/>
+          <dgm:constr type="rMarg" refType="primFontSz" fact="0.3"/>
+          <dgm:constr type="tMarg" refType="primFontSz" fact="0.3"/>
+          <dgm:constr type="bMarg" refType="primFontSz" fact="0.3"/>
+        </dgm:constrLst>
+        <dgm:ruleLst>
+          <dgm:rule type="primFontSz" val="5" fact="NaN" max="NaN"/>
+        </dgm:ruleLst>
+      </dgm:layoutNode>
+      <dgm:forEach name="Name4" axis="followSib" ptType="sibTrans" cnt="1">
+        <dgm:layoutNode name="sibTrans">
+          <dgm:alg type="sp"/>
+          <dgm:shape xmlns:r="http://schemas.openxmlformats.org/officeDocument/2006/relationships" r:blip="">
+            <dgm:adjLst/>
+          </dgm:shape>
+          <dgm:presOf/>
+          <dgm:constrLst/>
+          <dgm:ruleLst/>
+        </dgm:layoutNode>
+      </dgm:forEach>
+    </dgm:forEach>
   </dgm:layoutNode>
 </dgm:layoutDef>
 </file>
@@ -12356,13 +12320,80 @@
 </file>
 
 <file path=ppt/diagrams/layout6.xml><?xml version="1.0" encoding="utf-8"?>
-<dgm:layoutDef xmlns:dgm="http://schemas.openxmlformats.org/drawingml/2006/diagram" xmlns:a="http://schemas.openxmlformats.org/drawingml/2006/main" uniqueId="urn:microsoft.com/office/officeart/2005/8/layout/default">
+<dgm:layoutDef xmlns:dgm="http://schemas.openxmlformats.org/drawingml/2006/diagram" xmlns:a="http://schemas.openxmlformats.org/drawingml/2006/main" uniqueId="urn:microsoft.com/office/officeart/2005/8/layout/hList1">
   <dgm:title val=""/>
   <dgm:desc val=""/>
   <dgm:catLst>
-    <dgm:cat type="list" pri="400"/>
+    <dgm:cat type="list" pri="5000"/>
+    <dgm:cat type="convert" pri="5000"/>
   </dgm:catLst>
   <dgm:sampData>
+    <dgm:dataModel>
+      <dgm:ptLst>
+        <dgm:pt modelId="0" type="doc"/>
+        <dgm:pt modelId="1">
+          <dgm:prSet phldr="1"/>
+        </dgm:pt>
+        <dgm:pt modelId="11">
+          <dgm:prSet phldr="1"/>
+        </dgm:pt>
+        <dgm:pt modelId="12">
+          <dgm:prSet phldr="1"/>
+        </dgm:pt>
+        <dgm:pt modelId="2">
+          <dgm:prSet phldr="1"/>
+        </dgm:pt>
+        <dgm:pt modelId="21">
+          <dgm:prSet phldr="1"/>
+        </dgm:pt>
+        <dgm:pt modelId="22">
+          <dgm:prSet phldr="1"/>
+        </dgm:pt>
+        <dgm:pt modelId="3">
+          <dgm:prSet phldr="1"/>
+        </dgm:pt>
+        <dgm:pt modelId="31">
+          <dgm:prSet phldr="1"/>
+        </dgm:pt>
+        <dgm:pt modelId="32">
+          <dgm:prSet phldr="1"/>
+        </dgm:pt>
+      </dgm:ptLst>
+      <dgm:cxnLst>
+        <dgm:cxn modelId="4" srcId="0" destId="1" srcOrd="0" destOrd="0"/>
+        <dgm:cxn modelId="5" srcId="0" destId="2" srcOrd="1" destOrd="0"/>
+        <dgm:cxn modelId="6" srcId="0" destId="3" srcOrd="2" destOrd="0"/>
+        <dgm:cxn modelId="13" srcId="1" destId="11" srcOrd="0" destOrd="0"/>
+        <dgm:cxn modelId="14" srcId="1" destId="12" srcOrd="1" destOrd="0"/>
+        <dgm:cxn modelId="23" srcId="2" destId="21" srcOrd="0" destOrd="0"/>
+        <dgm:cxn modelId="24" srcId="2" destId="22" srcOrd="1" destOrd="0"/>
+        <dgm:cxn modelId="33" srcId="3" destId="31" srcOrd="0" destOrd="0"/>
+        <dgm:cxn modelId="34" srcId="3" destId="32" srcOrd="1" destOrd="0"/>
+      </dgm:cxnLst>
+      <dgm:bg/>
+      <dgm:whole/>
+    </dgm:dataModel>
+  </dgm:sampData>
+  <dgm:styleData>
+    <dgm:dataModel>
+      <dgm:ptLst>
+        <dgm:pt modelId="0" type="doc"/>
+        <dgm:pt modelId="1">
+          <dgm:prSet phldr="1"/>
+        </dgm:pt>
+        <dgm:pt modelId="2">
+          <dgm:prSet phldr="1"/>
+        </dgm:pt>
+      </dgm:ptLst>
+      <dgm:cxnLst>
+        <dgm:cxn modelId="3" srcId="0" destId="1" srcOrd="0" destOrd="0"/>
+        <dgm:cxn modelId="4" srcId="0" destId="2" srcOrd="1" destOrd="0"/>
+      </dgm:cxnLst>
+      <dgm:bg/>
+      <dgm:whole/>
+    </dgm:dataModel>
+  </dgm:styleData>
+  <dgm:clrData>
     <dgm:dataModel>
       <dgm:ptLst>
         <dgm:pt modelId="0" type="doc"/>
@@ -12378,79 +12409,30 @@
         <dgm:pt modelId="4">
           <dgm:prSet phldr="1"/>
         </dgm:pt>
-        <dgm:pt modelId="5">
-          <dgm:prSet phldr="1"/>
-        </dgm:pt>
       </dgm:ptLst>
       <dgm:cxnLst>
-        <dgm:cxn modelId="6" srcId="0" destId="1" srcOrd="0" destOrd="0"/>
-        <dgm:cxn modelId="7" srcId="0" destId="2" srcOrd="1" destOrd="0"/>
-        <dgm:cxn modelId="8" srcId="0" destId="3" srcOrd="2" destOrd="0"/>
-        <dgm:cxn modelId="9" srcId="0" destId="4" srcOrd="3" destOrd="0"/>
-        <dgm:cxn modelId="10" srcId="0" destId="5" srcOrd="4" destOrd="0"/>
-      </dgm:cxnLst>
-      <dgm:bg/>
-      <dgm:whole/>
-    </dgm:dataModel>
-  </dgm:sampData>
-  <dgm:styleData>
-    <dgm:dataModel>
-      <dgm:ptLst>
-        <dgm:pt modelId="0" type="doc"/>
-        <dgm:pt modelId="1"/>
-        <dgm:pt modelId="2"/>
-      </dgm:ptLst>
-      <dgm:cxnLst>
-        <dgm:cxn modelId="3" srcId="0" destId="1" srcOrd="0" destOrd="0"/>
-        <dgm:cxn modelId="4" srcId="0" destId="2" srcOrd="1" destOrd="0"/>
-      </dgm:cxnLst>
-      <dgm:bg/>
-      <dgm:whole/>
-    </dgm:dataModel>
-  </dgm:styleData>
-  <dgm:clrData>
-    <dgm:dataModel>
-      <dgm:ptLst>
-        <dgm:pt modelId="0" type="doc"/>
-        <dgm:pt modelId="1"/>
-        <dgm:pt modelId="2"/>
-        <dgm:pt modelId="3"/>
-        <dgm:pt modelId="4"/>
-        <dgm:pt modelId="5"/>
-        <dgm:pt modelId="6"/>
-      </dgm:ptLst>
-      <dgm:cxnLst>
-        <dgm:cxn modelId="7" srcId="0" destId="1" srcOrd="0" destOrd="0"/>
-        <dgm:cxn modelId="8" srcId="0" destId="2" srcOrd="1" destOrd="0"/>
-        <dgm:cxn modelId="9" srcId="0" destId="3" srcOrd="2" destOrd="0"/>
-        <dgm:cxn modelId="10" srcId="0" destId="4" srcOrd="3" destOrd="0"/>
-        <dgm:cxn modelId="11" srcId="0" destId="5" srcOrd="4" destOrd="0"/>
-        <dgm:cxn modelId="12" srcId="0" destId="6" srcOrd="5" destOrd="0"/>
+        <dgm:cxn modelId="5" srcId="0" destId="1" srcOrd="0" destOrd="0"/>
+        <dgm:cxn modelId="6" srcId="0" destId="2" srcOrd="1" destOrd="0"/>
+        <dgm:cxn modelId="7" srcId="0" destId="3" srcOrd="2" destOrd="0"/>
+        <dgm:cxn modelId="8" srcId="0" destId="4" srcOrd="3" destOrd="0"/>
       </dgm:cxnLst>
       <dgm:bg/>
       <dgm:whole/>
     </dgm:dataModel>
   </dgm:clrData>
-  <dgm:layoutNode name="diagram">
+  <dgm:layoutNode name="Name0">
     <dgm:varLst>
       <dgm:dir/>
+      <dgm:animLvl val="lvl"/>
       <dgm:resizeHandles val="exact"/>
     </dgm:varLst>
-    <dgm:choose name="Name0">
-      <dgm:if name="Name1" func="var" arg="dir" op="equ" val="norm">
-        <dgm:alg type="snake">
-          <dgm:param type="grDir" val="tL"/>
-          <dgm:param type="flowDir" val="row"/>
-          <dgm:param type="contDir" val="sameDir"/>
-          <dgm:param type="off" val="ctr"/>
-        </dgm:alg>
+    <dgm:choose name="Name1">
+      <dgm:if name="Name2" func="var" arg="dir" op="equ" val="norm">
+        <dgm:alg type="lin"/>
       </dgm:if>
-      <dgm:else name="Name2">
-        <dgm:alg type="snake">
-          <dgm:param type="grDir" val="tR"/>
-          <dgm:param type="flowDir" val="row"/>
-          <dgm:param type="contDir" val="sameDir"/>
-          <dgm:param type="off" val="ctr"/>
+      <dgm:else name="Name3">
+        <dgm:alg type="lin">
+          <dgm:param type="linDir" val="fromR"/>
         </dgm:alg>
       </dgm:else>
     </dgm:choose>
@@ -12459,35 +12441,87 @@
     </dgm:shape>
     <dgm:presOf/>
     <dgm:constrLst>
-      <dgm:constr type="w" for="ch" forName="node" refType="w"/>
-      <dgm:constr type="h" for="ch" forName="node" refType="w" refFor="ch" refForName="node" fact="0.6"/>
-      <dgm:constr type="w" for="ch" forName="sibTrans" refType="w" refFor="ch" refForName="node" fact="0.1"/>
-      <dgm:constr type="sp" refType="w" refFor="ch" refForName="sibTrans"/>
-      <dgm:constr type="primFontSz" for="ch" forName="node" op="equ" val="65"/>
+      <dgm:constr type="h" for="ch" forName="composite" refType="h"/>
+      <dgm:constr type="w" for="ch" forName="composite" refType="w"/>
+      <dgm:constr type="w" for="des" forName="parTx"/>
+      <dgm:constr type="h" for="des" forName="parTx" op="equ"/>
+      <dgm:constr type="w" for="des" forName="desTx"/>
+      <dgm:constr type="h" for="des" forName="desTx" op="equ"/>
+      <dgm:constr type="primFontSz" for="des" forName="parTx" val="65"/>
+      <dgm:constr type="secFontSz" for="des" forName="desTx" refType="primFontSz" refFor="des" refForName="parTx" op="equ"/>
+      <dgm:constr type="h" for="des" forName="parTx" refType="primFontSz" refFor="des" refForName="parTx" fact="0.8"/>
+      <dgm:constr type="h" for="des" forName="desTx" refType="primFontSz" refFor="des" refForName="parTx" fact="1.22"/>
+      <dgm:constr type="w" for="ch" forName="space" refType="w" refFor="ch" refForName="composite" op="equ" fact="0.14"/>
     </dgm:constrLst>
-    <dgm:ruleLst/>
-    <dgm:forEach name="Name3" axis="ch" ptType="node">
-      <dgm:layoutNode name="node">
-        <dgm:varLst>
-          <dgm:bulletEnabled val="1"/>
-        </dgm:varLst>
-        <dgm:alg type="tx"/>
-        <dgm:shape xmlns:r="http://schemas.openxmlformats.org/officeDocument/2006/relationships" type="rect" r:blip="">
+    <dgm:ruleLst>
+      <dgm:rule type="w" for="ch" forName="composite" val="0" fact="NaN" max="NaN"/>
+      <dgm:rule type="primFontSz" for="des" forName="parTx" val="5" fact="NaN" max="NaN"/>
+    </dgm:ruleLst>
+    <dgm:forEach name="Name4" axis="ch" ptType="node">
+      <dgm:layoutNode name="composite">
+        <dgm:alg type="composite"/>
+        <dgm:shape xmlns:r="http://schemas.openxmlformats.org/officeDocument/2006/relationships" r:blip="">
           <dgm:adjLst/>
         </dgm:shape>
-        <dgm:presOf axis="desOrSelf" ptType="node"/>
+        <dgm:presOf/>
         <dgm:constrLst>
-          <dgm:constr type="lMarg" refType="primFontSz" fact="0.3"/>
-          <dgm:constr type="rMarg" refType="primFontSz" fact="0.3"/>
-          <dgm:constr type="tMarg" refType="primFontSz" fact="0.3"/>
-          <dgm:constr type="bMarg" refType="primFontSz" fact="0.3"/>
+          <dgm:constr type="l" for="ch" forName="parTx"/>
+          <dgm:constr type="w" for="ch" forName="parTx" refType="w"/>
+          <dgm:constr type="t" for="ch" forName="parTx"/>
+          <dgm:constr type="l" for="ch" forName="desTx"/>
+          <dgm:constr type="w" for="ch" forName="desTx" refType="w" refFor="ch" refForName="parTx"/>
+          <dgm:constr type="t" for="ch" forName="desTx" refType="h" refFor="ch" refForName="parTx"/>
         </dgm:constrLst>
         <dgm:ruleLst>
-          <dgm:rule type="primFontSz" val="5" fact="NaN" max="NaN"/>
+          <dgm:rule type="h" val="INF" fact="NaN" max="NaN"/>
         </dgm:ruleLst>
+        <dgm:layoutNode name="parTx" styleLbl="alignNode1">
+          <dgm:varLst>
+            <dgm:chMax val="0"/>
+            <dgm:chPref val="0"/>
+            <dgm:bulletEnabled val="1"/>
+          </dgm:varLst>
+          <dgm:alg type="tx"/>
+          <dgm:shape xmlns:r="http://schemas.openxmlformats.org/officeDocument/2006/relationships" type="rect" r:blip="">
+            <dgm:adjLst/>
+          </dgm:shape>
+          <dgm:presOf axis="self" ptType="node"/>
+          <dgm:constrLst>
+            <dgm:constr type="h" refType="w" op="lte" fact="0.4"/>
+            <dgm:constr type="h"/>
+            <dgm:constr type="tMarg" refType="primFontSz" fact="0.32"/>
+            <dgm:constr type="bMarg" refType="primFontSz" fact="0.32"/>
+          </dgm:constrLst>
+          <dgm:ruleLst>
+            <dgm:rule type="h" val="INF" fact="NaN" max="NaN"/>
+          </dgm:ruleLst>
+        </dgm:layoutNode>
+        <dgm:layoutNode name="desTx" styleLbl="alignAccFollowNode1">
+          <dgm:varLst>
+            <dgm:bulletEnabled val="1"/>
+          </dgm:varLst>
+          <dgm:alg type="tx">
+            <dgm:param type="stBulletLvl" val="1"/>
+          </dgm:alg>
+          <dgm:shape xmlns:r="http://schemas.openxmlformats.org/officeDocument/2006/relationships" type="rect" r:blip="">
+            <dgm:adjLst/>
+          </dgm:shape>
+          <dgm:presOf axis="des" ptType="node"/>
+          <dgm:constrLst>
+            <dgm:constr type="secFontSz" val="65"/>
+            <dgm:constr type="primFontSz" refType="secFontSz"/>
+            <dgm:constr type="h"/>
+            <dgm:constr type="lMarg" refType="primFontSz" fact="0.42"/>
+            <dgm:constr type="tMarg" refType="primFontSz" fact="0.42"/>
+            <dgm:constr type="bMarg" refType="primFontSz" fact="0.63"/>
+          </dgm:constrLst>
+          <dgm:ruleLst>
+            <dgm:rule type="h" val="INF" fact="NaN" max="NaN"/>
+          </dgm:ruleLst>
+        </dgm:layoutNode>
       </dgm:layoutNode>
-      <dgm:forEach name="Name4" axis="followSib" ptType="sibTrans" cnt="1">
-        <dgm:layoutNode name="sibTrans">
+      <dgm:forEach name="Name5" axis="followSib" ptType="sibTrans" cnt="1">
+        <dgm:layoutNode name="space">
           <dgm:alg type="sp"/>
           <dgm:shape xmlns:r="http://schemas.openxmlformats.org/officeDocument/2006/relationships" r:blip="">
             <dgm:adjLst/>
@@ -18788,7 +18822,7 @@
           <a:p>
             <a:fld id="{C9E6BA67-4F25-406A-A906-649EDF21B819}" type="datetimeFigureOut">
               <a:rPr lang="en-GB" smtClean="0"/>
-              <a:t>04/06/2018</a:t>
+              <a:t>08/07/2018</a:t>
             </a:fld>
             <a:endParaRPr lang="en-GB"/>
           </a:p>
@@ -19140,6 +19174,90 @@
 </p:notes>
 </file>
 
+<file path=ppt/notesSlides/notesSlide10.xml><?xml version="1.0" encoding="utf-8"?>
+<p:notes xmlns:a="http://schemas.openxmlformats.org/drawingml/2006/main" xmlns:r="http://schemas.openxmlformats.org/officeDocument/2006/relationships" xmlns:p="http://schemas.openxmlformats.org/presentationml/2006/main">
+  <p:cSld>
+    <p:spTree>
+      <p:nvGrpSpPr>
+        <p:cNvPr id="1" name=""/>
+        <p:cNvGrpSpPr/>
+        <p:nvPr/>
+      </p:nvGrpSpPr>
+      <p:grpSpPr>
+        <a:xfrm>
+          <a:off x="0" y="0"/>
+          <a:ext cx="0" cy="0"/>
+          <a:chOff x="0" y="0"/>
+          <a:chExt cx="0" cy="0"/>
+        </a:xfrm>
+      </p:grpSpPr>
+      <p:sp>
+        <p:nvSpPr>
+          <p:cNvPr id="2" name="Slide Image Placeholder 1"/>
+          <p:cNvSpPr>
+            <a:spLocks noGrp="1" noRot="1" noChangeAspect="1"/>
+          </p:cNvSpPr>
+          <p:nvPr>
+            <p:ph type="sldImg"/>
+          </p:nvPr>
+        </p:nvSpPr>
+        <p:spPr/>
+      </p:sp>
+      <p:sp>
+        <p:nvSpPr>
+          <p:cNvPr id="3" name="Notes Placeholder 2"/>
+          <p:cNvSpPr>
+            <a:spLocks noGrp="1"/>
+          </p:cNvSpPr>
+          <p:nvPr>
+            <p:ph type="body" idx="1"/>
+          </p:nvPr>
+        </p:nvSpPr>
+        <p:spPr/>
+        <p:txBody>
+          <a:bodyPr/>
+          <a:lstStyle/>
+          <a:p>
+            <a:endParaRPr lang="en-GB" dirty="0"/>
+          </a:p>
+        </p:txBody>
+      </p:sp>
+      <p:sp>
+        <p:nvSpPr>
+          <p:cNvPr id="4" name="Slide Number Placeholder 3"/>
+          <p:cNvSpPr>
+            <a:spLocks noGrp="1"/>
+          </p:cNvSpPr>
+          <p:nvPr>
+            <p:ph type="sldNum" sz="quarter" idx="10"/>
+          </p:nvPr>
+        </p:nvSpPr>
+        <p:spPr/>
+        <p:txBody>
+          <a:bodyPr/>
+          <a:lstStyle/>
+          <a:p>
+            <a:fld id="{6D63FCBE-ECF3-4482-AB0C-CDBA774C94BE}" type="slidenum">
+              <a:rPr lang="en-GB" smtClean="0"/>
+              <a:t>12</a:t>
+            </a:fld>
+            <a:endParaRPr lang="en-GB"/>
+          </a:p>
+        </p:txBody>
+      </p:sp>
+    </p:spTree>
+    <p:extLst>
+      <p:ext uri="{BB962C8B-B14F-4D97-AF65-F5344CB8AC3E}">
+        <p14:creationId xmlns:p14="http://schemas.microsoft.com/office/powerpoint/2010/main" val="4115725669"/>
+      </p:ext>
+    </p:extLst>
+  </p:cSld>
+  <p:clrMapOvr>
+    <a:masterClrMapping/>
+  </p:clrMapOvr>
+</p:notes>
+</file>
+
 <file path=ppt/notesSlides/notesSlide2.xml><?xml version="1.0" encoding="utf-8"?>
 <p:notes xmlns:a="http://schemas.openxmlformats.org/drawingml/2006/main" xmlns:r="http://schemas.openxmlformats.org/officeDocument/2006/relationships" xmlns:p="http://schemas.openxmlformats.org/presentationml/2006/main">
   <p:cSld>
@@ -19184,843 +19302,7 @@
           <a:bodyPr/>
           <a:lstStyle/>
           <a:p>
-            <a:r>
-              <a:rPr lang="en-GB" dirty="0" err="1"/>
-              <a:t>Đối</a:t>
-            </a:r>
-            <a:r>
-              <a:rPr lang="en-GB" baseline="0" dirty="0"/>
-              <a:t> </a:t>
-            </a:r>
-            <a:r>
-              <a:rPr lang="en-GB" baseline="0" dirty="0" err="1"/>
-              <a:t>với</a:t>
-            </a:r>
-            <a:r>
-              <a:rPr lang="en-GB" baseline="0" dirty="0"/>
-              <a:t> </a:t>
-            </a:r>
-            <a:r>
-              <a:rPr lang="en-GB" baseline="0" dirty="0" err="1"/>
-              <a:t>khách</a:t>
-            </a:r>
-            <a:r>
-              <a:rPr lang="en-GB" baseline="0" dirty="0"/>
-              <a:t> </a:t>
-            </a:r>
-            <a:r>
-              <a:rPr lang="en-GB" baseline="0" dirty="0" err="1"/>
-              <a:t>hàng</a:t>
-            </a:r>
-            <a:r>
-              <a:rPr lang="en-GB" baseline="0" dirty="0"/>
-              <a:t> </a:t>
-            </a:r>
-            <a:r>
-              <a:rPr lang="en-GB" baseline="0" dirty="0" err="1"/>
-              <a:t>là</a:t>
-            </a:r>
-            <a:r>
-              <a:rPr lang="en-GB" baseline="0" dirty="0"/>
-              <a:t> </a:t>
-            </a:r>
-            <a:r>
-              <a:rPr lang="en-GB" baseline="0" dirty="0" err="1"/>
-              <a:t>người</a:t>
-            </a:r>
-            <a:r>
-              <a:rPr lang="en-GB" baseline="0" dirty="0"/>
-              <a:t> </a:t>
-            </a:r>
-            <a:r>
-              <a:rPr lang="en-GB" baseline="0" dirty="0" err="1"/>
-              <a:t>có</a:t>
-            </a:r>
-            <a:r>
-              <a:rPr lang="en-GB" baseline="0" dirty="0"/>
-              <a:t> </a:t>
-            </a:r>
-            <a:r>
-              <a:rPr lang="en-GB" baseline="0" dirty="0" err="1"/>
-              <a:t>nhu</a:t>
-            </a:r>
-            <a:r>
-              <a:rPr lang="en-GB" baseline="0" dirty="0"/>
-              <a:t> </a:t>
-            </a:r>
-            <a:r>
-              <a:rPr lang="en-GB" baseline="0" dirty="0" err="1"/>
-              <a:t>cầu</a:t>
-            </a:r>
-            <a:r>
-              <a:rPr lang="en-GB" baseline="0" dirty="0"/>
-              <a:t> </a:t>
-            </a:r>
-            <a:r>
-              <a:rPr lang="en-GB" baseline="0" dirty="0" err="1"/>
-              <a:t>làm</a:t>
-            </a:r>
-            <a:r>
-              <a:rPr lang="en-GB" baseline="0" dirty="0"/>
-              <a:t> </a:t>
-            </a:r>
-            <a:r>
-              <a:rPr lang="en-GB" baseline="0" dirty="0" err="1"/>
-              <a:t>việc</a:t>
-            </a:r>
-            <a:r>
-              <a:rPr lang="en-GB" baseline="0" dirty="0"/>
-              <a:t> </a:t>
-            </a:r>
-            <a:r>
-              <a:rPr lang="en-GB" baseline="0" dirty="0" err="1"/>
-              <a:t>khởi</a:t>
-            </a:r>
-            <a:r>
-              <a:rPr lang="en-GB" baseline="0" dirty="0"/>
-              <a:t> </a:t>
-            </a:r>
-            <a:r>
-              <a:rPr lang="en-GB" baseline="0" dirty="0" err="1"/>
-              <a:t>nghiệp</a:t>
-            </a:r>
-            <a:endParaRPr lang="en-GB" baseline="0" dirty="0"/>
-          </a:p>
-          <a:p>
-            <a:pPr marL="171450" indent="-171450">
-              <a:buFontTx/>
-              <a:buChar char="-"/>
-            </a:pPr>
-            <a:r>
-              <a:rPr lang="en-GB" baseline="0" dirty="0" err="1"/>
-              <a:t>Có</a:t>
-            </a:r>
-            <a:r>
-              <a:rPr lang="en-GB" baseline="0" dirty="0"/>
-              <a:t> </a:t>
-            </a:r>
-            <a:r>
-              <a:rPr lang="en-GB" baseline="0" dirty="0" err="1"/>
-              <a:t>nhu</a:t>
-            </a:r>
-            <a:r>
-              <a:rPr lang="en-GB" baseline="0" dirty="0"/>
-              <a:t> </a:t>
-            </a:r>
-            <a:r>
-              <a:rPr lang="en-GB" baseline="0" dirty="0" err="1"/>
-              <a:t>cầu</a:t>
-            </a:r>
-            <a:r>
-              <a:rPr lang="en-GB" baseline="0" dirty="0"/>
-              <a:t> </a:t>
-            </a:r>
-            <a:r>
-              <a:rPr lang="en-GB" baseline="0" dirty="0" err="1"/>
-              <a:t>tìm</a:t>
-            </a:r>
-            <a:r>
-              <a:rPr lang="en-GB" baseline="0" dirty="0"/>
-              <a:t> </a:t>
-            </a:r>
-            <a:r>
-              <a:rPr lang="en-GB" baseline="0" dirty="0" err="1"/>
-              <a:t>kiếm</a:t>
-            </a:r>
-            <a:r>
-              <a:rPr lang="en-GB" baseline="0" dirty="0"/>
-              <a:t> </a:t>
-            </a:r>
-            <a:r>
-              <a:rPr lang="en-GB" baseline="0" dirty="0" err="1"/>
-              <a:t>vị</a:t>
-            </a:r>
-            <a:r>
-              <a:rPr lang="en-GB" baseline="0" dirty="0"/>
-              <a:t> </a:t>
-            </a:r>
-            <a:r>
-              <a:rPr lang="en-GB" baseline="0" dirty="0" err="1"/>
-              <a:t>trí</a:t>
-            </a:r>
-            <a:r>
-              <a:rPr lang="en-GB" baseline="0" dirty="0"/>
-              <a:t> </a:t>
-            </a:r>
-            <a:r>
-              <a:rPr lang="en-GB" baseline="0" dirty="0" err="1"/>
-              <a:t>chỗ</a:t>
-            </a:r>
-            <a:r>
-              <a:rPr lang="en-GB" baseline="0" dirty="0"/>
-              <a:t>/ </a:t>
-            </a:r>
-            <a:r>
-              <a:rPr lang="en-GB" baseline="0" dirty="0" err="1"/>
-              <a:t>phòng</a:t>
-            </a:r>
-            <a:r>
-              <a:rPr lang="en-GB" baseline="0" dirty="0"/>
-              <a:t> </a:t>
-            </a:r>
-            <a:r>
-              <a:rPr lang="en-GB" baseline="0" dirty="0" err="1"/>
-              <a:t>làm</a:t>
-            </a:r>
-            <a:r>
-              <a:rPr lang="en-GB" baseline="0" dirty="0"/>
-              <a:t> </a:t>
-            </a:r>
-            <a:r>
-              <a:rPr lang="en-GB" baseline="0" dirty="0" err="1"/>
-              <a:t>việc</a:t>
-            </a:r>
-            <a:endParaRPr lang="en-GB" baseline="0" dirty="0"/>
-          </a:p>
-          <a:p>
-            <a:pPr marL="171450" indent="-171450">
-              <a:buFontTx/>
-              <a:buChar char="-"/>
-            </a:pPr>
-            <a:r>
-              <a:rPr lang="en-GB" baseline="0" dirty="0" err="1"/>
-              <a:t>Đặt</a:t>
-            </a:r>
-            <a:r>
-              <a:rPr lang="en-GB" baseline="0" dirty="0"/>
-              <a:t> </a:t>
-            </a:r>
-            <a:r>
-              <a:rPr lang="en-GB" baseline="0" dirty="0" err="1"/>
-              <a:t>một</a:t>
-            </a:r>
-            <a:r>
-              <a:rPr lang="en-GB" baseline="0" dirty="0"/>
-              <a:t> </a:t>
-            </a:r>
-            <a:r>
-              <a:rPr lang="en-GB" baseline="0" dirty="0" err="1"/>
-              <a:t>vị</a:t>
-            </a:r>
-            <a:r>
-              <a:rPr lang="en-GB" baseline="0" dirty="0"/>
-              <a:t> </a:t>
-            </a:r>
-            <a:r>
-              <a:rPr lang="en-GB" baseline="0" dirty="0" err="1"/>
-              <a:t>trí</a:t>
-            </a:r>
-            <a:r>
-              <a:rPr lang="en-GB" baseline="0" dirty="0"/>
-              <a:t> </a:t>
-            </a:r>
-            <a:r>
-              <a:rPr lang="en-GB" baseline="0" dirty="0" err="1"/>
-              <a:t>nhanh</a:t>
-            </a:r>
-            <a:r>
-              <a:rPr lang="en-GB" baseline="0" dirty="0"/>
-              <a:t> </a:t>
-            </a:r>
-            <a:r>
-              <a:rPr lang="en-GB" baseline="0" dirty="0" err="1"/>
-              <a:t>chóng</a:t>
-            </a:r>
-            <a:r>
-              <a:rPr lang="en-GB" baseline="0" dirty="0"/>
-              <a:t> </a:t>
-            </a:r>
-            <a:r>
-              <a:rPr lang="en-GB" baseline="0" dirty="0" err="1"/>
-              <a:t>nhất</a:t>
-            </a:r>
-            <a:r>
-              <a:rPr lang="en-GB" baseline="0" dirty="0"/>
-              <a:t> </a:t>
-            </a:r>
-            <a:r>
-              <a:rPr lang="en-GB" baseline="0" dirty="0" err="1"/>
-              <a:t>có</a:t>
-            </a:r>
-            <a:r>
-              <a:rPr lang="en-GB" baseline="0" dirty="0"/>
-              <a:t> </a:t>
-            </a:r>
-            <a:r>
-              <a:rPr lang="en-GB" baseline="0" dirty="0" err="1"/>
-              <a:t>thể</a:t>
-            </a:r>
-            <a:endParaRPr lang="en-GB" baseline="0" dirty="0"/>
-          </a:p>
-          <a:p>
-            <a:pPr marL="171450" indent="-171450">
-              <a:buFontTx/>
-              <a:buChar char="-"/>
-            </a:pPr>
-            <a:r>
-              <a:rPr lang="en-GB" baseline="0" dirty="0" err="1"/>
-              <a:t>Muốn</a:t>
-            </a:r>
-            <a:r>
-              <a:rPr lang="en-GB" baseline="0" dirty="0"/>
-              <a:t> </a:t>
-            </a:r>
-            <a:r>
-              <a:rPr lang="en-GB" baseline="0" dirty="0" err="1"/>
-              <a:t>tự</a:t>
-            </a:r>
-            <a:r>
-              <a:rPr lang="en-GB" baseline="0" dirty="0"/>
-              <a:t> </a:t>
-            </a:r>
-            <a:r>
-              <a:rPr lang="en-GB" baseline="0" dirty="0" err="1"/>
-              <a:t>mình</a:t>
-            </a:r>
-            <a:r>
-              <a:rPr lang="en-GB" baseline="0" dirty="0"/>
-              <a:t> </a:t>
-            </a:r>
-            <a:r>
-              <a:rPr lang="en-GB" baseline="0" dirty="0" err="1"/>
-              <a:t>quản</a:t>
-            </a:r>
-            <a:r>
-              <a:rPr lang="en-GB" baseline="0" dirty="0"/>
-              <a:t> </a:t>
-            </a:r>
-            <a:r>
-              <a:rPr lang="en-GB" baseline="0" dirty="0" err="1"/>
-              <a:t>lý</a:t>
-            </a:r>
-            <a:r>
-              <a:rPr lang="en-GB" baseline="0" dirty="0"/>
-              <a:t> </a:t>
-            </a:r>
-            <a:r>
-              <a:rPr lang="en-GB" baseline="0" dirty="0" err="1"/>
-              <a:t>được</a:t>
-            </a:r>
-            <a:r>
-              <a:rPr lang="en-GB" baseline="0" dirty="0"/>
-              <a:t> </a:t>
-            </a:r>
-            <a:r>
-              <a:rPr lang="en-GB" baseline="0" dirty="0" err="1"/>
-              <a:t>các</a:t>
-            </a:r>
-            <a:r>
-              <a:rPr lang="en-GB" baseline="0" dirty="0"/>
-              <a:t> lich </a:t>
-            </a:r>
-            <a:r>
-              <a:rPr lang="en-GB" baseline="0" dirty="0" err="1"/>
-              <a:t>đặt</a:t>
-            </a:r>
-            <a:r>
-              <a:rPr lang="en-GB" baseline="0" dirty="0"/>
-              <a:t> </a:t>
-            </a:r>
-            <a:r>
-              <a:rPr lang="en-GB" baseline="0" dirty="0" err="1"/>
-              <a:t>của</a:t>
-            </a:r>
-            <a:r>
-              <a:rPr lang="en-GB" baseline="0" dirty="0"/>
-              <a:t> </a:t>
-            </a:r>
-            <a:r>
-              <a:rPr lang="en-GB" baseline="0" dirty="0" err="1"/>
-              <a:t>mình</a:t>
-            </a:r>
-            <a:endParaRPr lang="en-GB" baseline="0" dirty="0"/>
-          </a:p>
-          <a:p>
-            <a:pPr marL="0" indent="0">
-              <a:buFontTx/>
-              <a:buNone/>
-            </a:pPr>
-            <a:r>
-              <a:rPr lang="en-GB" baseline="0" dirty="0" err="1"/>
-              <a:t>Đối</a:t>
-            </a:r>
-            <a:r>
-              <a:rPr lang="en-GB" baseline="0" dirty="0"/>
-              <a:t> </a:t>
-            </a:r>
-            <a:r>
-              <a:rPr lang="en-GB" baseline="0" dirty="0" err="1"/>
-              <a:t>với</a:t>
-            </a:r>
-            <a:r>
-              <a:rPr lang="en-GB" baseline="0" dirty="0"/>
-              <a:t> </a:t>
-            </a:r>
-            <a:r>
-              <a:rPr lang="en-GB" baseline="0" dirty="0" err="1"/>
-              <a:t>quản</a:t>
-            </a:r>
-            <a:r>
-              <a:rPr lang="en-GB" baseline="0" dirty="0"/>
-              <a:t> </a:t>
-            </a:r>
-            <a:r>
-              <a:rPr lang="en-GB" baseline="0" dirty="0" err="1"/>
-              <a:t>trị</a:t>
-            </a:r>
-            <a:r>
-              <a:rPr lang="en-GB" baseline="0" dirty="0"/>
-              <a:t> </a:t>
-            </a:r>
-            <a:r>
-              <a:rPr lang="en-GB" baseline="0" dirty="0" err="1"/>
-              <a:t>viên</a:t>
-            </a:r>
-            <a:r>
-              <a:rPr lang="en-GB" baseline="0" dirty="0"/>
-              <a:t> </a:t>
-            </a:r>
-            <a:r>
-              <a:rPr lang="en-GB" baseline="0" dirty="0" err="1"/>
-              <a:t>có</a:t>
-            </a:r>
-            <a:r>
-              <a:rPr lang="en-GB" baseline="0" dirty="0"/>
-              <a:t> </a:t>
-            </a:r>
-            <a:r>
-              <a:rPr lang="en-GB" baseline="0" dirty="0" err="1"/>
-              <a:t>nhu</a:t>
-            </a:r>
-            <a:r>
-              <a:rPr lang="en-GB" baseline="0" dirty="0"/>
-              <a:t> </a:t>
-            </a:r>
-            <a:r>
-              <a:rPr lang="en-GB" baseline="0" dirty="0" err="1"/>
-              <a:t>cầu</a:t>
-            </a:r>
-            <a:r>
-              <a:rPr lang="en-GB" baseline="0" dirty="0"/>
-              <a:t> </a:t>
-            </a:r>
-            <a:r>
-              <a:rPr lang="en-GB" baseline="0" dirty="0" err="1"/>
-              <a:t>quản</a:t>
-            </a:r>
-            <a:r>
-              <a:rPr lang="en-GB" baseline="0" dirty="0"/>
-              <a:t> </a:t>
-            </a:r>
-            <a:r>
-              <a:rPr lang="en-GB" baseline="0" dirty="0" err="1"/>
-              <a:t>lý</a:t>
-            </a:r>
-            <a:r>
-              <a:rPr lang="en-GB" baseline="0" dirty="0"/>
-              <a:t> </a:t>
-            </a:r>
-            <a:r>
-              <a:rPr lang="en-GB" baseline="0" dirty="0" err="1"/>
-              <a:t>hệ</a:t>
-            </a:r>
-            <a:r>
-              <a:rPr lang="en-GB" baseline="0" dirty="0"/>
-              <a:t> </a:t>
-            </a:r>
-            <a:r>
-              <a:rPr lang="en-GB" baseline="0" dirty="0" err="1"/>
-              <a:t>thống</a:t>
-            </a:r>
-            <a:r>
-              <a:rPr lang="en-GB" baseline="0" dirty="0"/>
-              <a:t> </a:t>
-            </a:r>
-            <a:r>
-              <a:rPr lang="en-GB" baseline="0" dirty="0" err="1"/>
-              <a:t>của</a:t>
-            </a:r>
-            <a:r>
-              <a:rPr lang="en-GB" baseline="0" dirty="0"/>
-              <a:t> </a:t>
-            </a:r>
-            <a:r>
-              <a:rPr lang="en-GB" baseline="0" dirty="0" err="1"/>
-              <a:t>mình</a:t>
-            </a:r>
-            <a:endParaRPr lang="en-GB" baseline="0" dirty="0"/>
-          </a:p>
-          <a:p>
-            <a:pPr marL="171450" indent="-171450">
-              <a:buFontTx/>
-              <a:buChar char="-"/>
-            </a:pPr>
-            <a:r>
-              <a:rPr lang="en-GB" baseline="0" dirty="0" err="1"/>
-              <a:t>Muốn</a:t>
-            </a:r>
-            <a:r>
-              <a:rPr lang="en-GB" baseline="0" dirty="0"/>
-              <a:t> </a:t>
-            </a:r>
-            <a:r>
-              <a:rPr lang="en-GB" baseline="0" dirty="0" err="1"/>
-              <a:t>quản</a:t>
-            </a:r>
-            <a:r>
-              <a:rPr lang="en-GB" baseline="0" dirty="0"/>
-              <a:t> </a:t>
-            </a:r>
-            <a:r>
-              <a:rPr lang="en-GB" baseline="0" dirty="0" err="1"/>
-              <a:t>lý</a:t>
-            </a:r>
-            <a:r>
-              <a:rPr lang="en-GB" baseline="0" dirty="0"/>
-              <a:t> </a:t>
-            </a:r>
-            <a:r>
-              <a:rPr lang="en-GB" baseline="0" dirty="0" err="1"/>
-              <a:t>các</a:t>
-            </a:r>
-            <a:r>
-              <a:rPr lang="en-GB" baseline="0" dirty="0"/>
-              <a:t> </a:t>
-            </a:r>
-            <a:r>
-              <a:rPr lang="en-GB" baseline="0" dirty="0" err="1"/>
-              <a:t>đơn</a:t>
-            </a:r>
-            <a:r>
-              <a:rPr lang="en-GB" baseline="0" dirty="0"/>
-              <a:t> </a:t>
-            </a:r>
-            <a:r>
-              <a:rPr lang="en-GB" baseline="0" dirty="0" err="1"/>
-              <a:t>hàng</a:t>
-            </a:r>
-            <a:r>
-              <a:rPr lang="en-GB" baseline="0" dirty="0"/>
-              <a:t> </a:t>
-            </a:r>
-            <a:r>
-              <a:rPr lang="en-GB" baseline="0" dirty="0" err="1"/>
-              <a:t>một</a:t>
-            </a:r>
-            <a:r>
-              <a:rPr lang="en-GB" baseline="0" dirty="0"/>
-              <a:t> </a:t>
-            </a:r>
-            <a:r>
-              <a:rPr lang="en-GB" baseline="0" dirty="0" err="1"/>
-              <a:t>cách</a:t>
-            </a:r>
-            <a:r>
-              <a:rPr lang="en-GB" baseline="0" dirty="0"/>
-              <a:t> </a:t>
-            </a:r>
-            <a:r>
-              <a:rPr lang="en-GB" baseline="0" dirty="0" err="1"/>
-              <a:t>thuận</a:t>
-            </a:r>
-            <a:r>
-              <a:rPr lang="en-GB" baseline="0" dirty="0"/>
-              <a:t> </a:t>
-            </a:r>
-            <a:r>
-              <a:rPr lang="en-GB" baseline="0" dirty="0" err="1"/>
-              <a:t>tiện</a:t>
-            </a:r>
-            <a:r>
-              <a:rPr lang="en-GB" baseline="0" dirty="0"/>
-              <a:t> </a:t>
-            </a:r>
-            <a:r>
-              <a:rPr lang="en-GB" baseline="0" dirty="0" err="1"/>
-              <a:t>và</a:t>
-            </a:r>
-            <a:r>
-              <a:rPr lang="en-GB" baseline="0" dirty="0"/>
-              <a:t> </a:t>
-            </a:r>
-            <a:r>
-              <a:rPr lang="en-GB" baseline="0" dirty="0" err="1"/>
-              <a:t>đơn</a:t>
-            </a:r>
-            <a:r>
-              <a:rPr lang="en-GB" baseline="0" dirty="0"/>
-              <a:t> </a:t>
-            </a:r>
-            <a:r>
-              <a:rPr lang="en-GB" baseline="0" dirty="0" err="1"/>
-              <a:t>giản</a:t>
-            </a:r>
-            <a:r>
-              <a:rPr lang="en-GB" baseline="0" dirty="0"/>
-              <a:t> </a:t>
-            </a:r>
-            <a:r>
-              <a:rPr lang="en-GB" baseline="0" dirty="0" err="1"/>
-              <a:t>nhất</a:t>
-            </a:r>
-            <a:endParaRPr lang="en-GB" baseline="0" dirty="0"/>
-          </a:p>
-          <a:p>
-            <a:pPr marL="171450" indent="-171450">
-              <a:buFontTx/>
-              <a:buChar char="-"/>
-            </a:pPr>
-            <a:r>
-              <a:rPr lang="en-GB" baseline="0" dirty="0" err="1"/>
-              <a:t>Dễ</a:t>
-            </a:r>
-            <a:r>
-              <a:rPr lang="en-GB" baseline="0" dirty="0"/>
-              <a:t> </a:t>
-            </a:r>
-            <a:r>
-              <a:rPr lang="en-GB" baseline="0" dirty="0" err="1"/>
-              <a:t>dàng</a:t>
-            </a:r>
-            <a:r>
-              <a:rPr lang="en-GB" baseline="0" dirty="0"/>
-              <a:t> </a:t>
-            </a:r>
-            <a:r>
-              <a:rPr lang="en-GB" baseline="0" dirty="0" err="1"/>
-              <a:t>cung</a:t>
-            </a:r>
-            <a:r>
-              <a:rPr lang="en-GB" baseline="0" dirty="0"/>
-              <a:t> </a:t>
-            </a:r>
-            <a:r>
-              <a:rPr lang="en-GB" baseline="0" dirty="0" err="1"/>
-              <a:t>cấp</a:t>
-            </a:r>
-            <a:r>
-              <a:rPr lang="en-GB" baseline="0" dirty="0"/>
-              <a:t> </a:t>
-            </a:r>
-            <a:r>
-              <a:rPr lang="en-GB" baseline="0" dirty="0" err="1"/>
-              <a:t>cho</a:t>
-            </a:r>
-            <a:r>
-              <a:rPr lang="en-GB" baseline="0" dirty="0"/>
-              <a:t> </a:t>
-            </a:r>
-            <a:r>
-              <a:rPr lang="en-GB" baseline="0" dirty="0" err="1"/>
-              <a:t>khách</a:t>
-            </a:r>
-            <a:r>
-              <a:rPr lang="en-GB" baseline="0" dirty="0"/>
-              <a:t> </a:t>
-            </a:r>
-            <a:r>
-              <a:rPr lang="en-GB" baseline="0" dirty="0" err="1"/>
-              <a:t>một</a:t>
-            </a:r>
-            <a:r>
-              <a:rPr lang="en-GB" baseline="0" dirty="0"/>
-              <a:t> </a:t>
-            </a:r>
-            <a:r>
-              <a:rPr lang="en-GB" baseline="0" dirty="0" err="1"/>
-              <a:t>vị</a:t>
-            </a:r>
-            <a:r>
-              <a:rPr lang="en-GB" baseline="0" dirty="0"/>
-              <a:t> </a:t>
-            </a:r>
-            <a:r>
-              <a:rPr lang="en-GB" baseline="0" dirty="0" err="1"/>
-              <a:t>trí</a:t>
-            </a:r>
-            <a:r>
-              <a:rPr lang="en-GB" baseline="0" dirty="0"/>
-              <a:t> </a:t>
-            </a:r>
-            <a:r>
-              <a:rPr lang="en-GB" baseline="0" dirty="0" err="1"/>
-              <a:t>thích</a:t>
-            </a:r>
-            <a:r>
-              <a:rPr lang="en-GB" baseline="0" dirty="0"/>
-              <a:t> </a:t>
-            </a:r>
-            <a:r>
-              <a:rPr lang="en-GB" baseline="0" dirty="0" err="1"/>
-              <a:t>hợp</a:t>
-            </a:r>
-            <a:endParaRPr lang="en-GB" baseline="0" dirty="0"/>
-          </a:p>
-          <a:p>
-            <a:pPr marL="171450" indent="-171450">
-              <a:buFontTx/>
-              <a:buChar char="-"/>
-            </a:pPr>
-            <a:r>
-              <a:rPr lang="en-GB" baseline="0" dirty="0" err="1"/>
-              <a:t>Quản</a:t>
-            </a:r>
-            <a:r>
-              <a:rPr lang="en-GB" baseline="0" dirty="0"/>
-              <a:t> </a:t>
-            </a:r>
-            <a:r>
-              <a:rPr lang="en-GB" baseline="0" dirty="0" err="1"/>
-              <a:t>lý</a:t>
-            </a:r>
-            <a:r>
-              <a:rPr lang="en-GB" baseline="0" dirty="0"/>
-              <a:t> </a:t>
-            </a:r>
-            <a:r>
-              <a:rPr lang="en-GB" baseline="0" dirty="0" err="1"/>
-              <a:t>lịch</a:t>
-            </a:r>
-            <a:r>
-              <a:rPr lang="en-GB" baseline="0" dirty="0"/>
-              <a:t> </a:t>
-            </a:r>
-            <a:r>
-              <a:rPr lang="en-GB" baseline="0" dirty="0" err="1"/>
-              <a:t>hoạt</a:t>
-            </a:r>
-            <a:r>
-              <a:rPr lang="en-GB" baseline="0" dirty="0"/>
-              <a:t> </a:t>
-            </a:r>
-            <a:r>
-              <a:rPr lang="en-GB" baseline="0" dirty="0" err="1"/>
-              <a:t>động</a:t>
-            </a:r>
-            <a:r>
-              <a:rPr lang="en-GB" baseline="0" dirty="0"/>
-              <a:t> </a:t>
-            </a:r>
-            <a:r>
-              <a:rPr lang="en-GB" baseline="0" dirty="0" err="1"/>
-              <a:t>của</a:t>
-            </a:r>
-            <a:r>
-              <a:rPr lang="en-GB" baseline="0" dirty="0"/>
-              <a:t> </a:t>
-            </a:r>
-            <a:r>
-              <a:rPr lang="en-GB" baseline="0" dirty="0" err="1"/>
-              <a:t>từng</a:t>
-            </a:r>
-            <a:r>
-              <a:rPr lang="en-GB" baseline="0" dirty="0"/>
-              <a:t> </a:t>
-            </a:r>
-            <a:r>
-              <a:rPr lang="en-GB" baseline="0" dirty="0" err="1"/>
-              <a:t>vị</a:t>
-            </a:r>
-            <a:r>
-              <a:rPr lang="en-GB" baseline="0" dirty="0"/>
-              <a:t> </a:t>
-            </a:r>
-            <a:r>
-              <a:rPr lang="en-GB" baseline="0" dirty="0" err="1"/>
-              <a:t>trí</a:t>
-            </a:r>
-            <a:endParaRPr lang="en-GB" baseline="0" dirty="0"/>
-          </a:p>
-          <a:p>
-            <a:pPr marL="171450" indent="-171450">
-              <a:buFontTx/>
-              <a:buChar char="-"/>
-            </a:pPr>
-            <a:r>
-              <a:rPr lang="en-GB" baseline="0" dirty="0" err="1"/>
-              <a:t>Quản</a:t>
-            </a:r>
-            <a:r>
-              <a:rPr lang="en-GB" baseline="0" dirty="0"/>
-              <a:t> </a:t>
-            </a:r>
-            <a:r>
-              <a:rPr lang="en-GB" baseline="0" dirty="0" err="1"/>
-              <a:t>lý</a:t>
-            </a:r>
-            <a:r>
-              <a:rPr lang="en-GB" baseline="0" dirty="0"/>
-              <a:t> </a:t>
-            </a:r>
-            <a:r>
-              <a:rPr lang="en-GB" baseline="0" dirty="0" err="1"/>
-              <a:t>được</a:t>
-            </a:r>
-            <a:r>
-              <a:rPr lang="en-GB" baseline="0" dirty="0"/>
-              <a:t> </a:t>
-            </a:r>
-            <a:r>
-              <a:rPr lang="en-GB" baseline="0" dirty="0" err="1"/>
-              <a:t>doanh</a:t>
-            </a:r>
-            <a:r>
-              <a:rPr lang="en-GB" baseline="0" dirty="0"/>
-              <a:t> </a:t>
-            </a:r>
-            <a:r>
-              <a:rPr lang="en-GB" baseline="0" dirty="0" err="1"/>
-              <a:t>thu</a:t>
-            </a:r>
-            <a:r>
-              <a:rPr lang="en-GB" baseline="0" dirty="0"/>
-              <a:t> </a:t>
-            </a:r>
-            <a:r>
-              <a:rPr lang="en-GB" baseline="0" dirty="0" err="1"/>
-              <a:t>trong</a:t>
-            </a:r>
-            <a:r>
-              <a:rPr lang="en-GB" baseline="0" dirty="0"/>
-              <a:t> </a:t>
-            </a:r>
-            <a:r>
-              <a:rPr lang="en-GB" baseline="0" dirty="0" err="1"/>
-              <a:t>khoảng</a:t>
-            </a:r>
-            <a:r>
-              <a:rPr lang="en-GB" baseline="0" dirty="0"/>
-              <a:t> </a:t>
-            </a:r>
-            <a:r>
-              <a:rPr lang="en-GB" baseline="0" dirty="0" err="1"/>
-              <a:t>thời</a:t>
-            </a:r>
-            <a:r>
-              <a:rPr lang="en-GB" baseline="0" dirty="0"/>
-              <a:t> </a:t>
-            </a:r>
-            <a:r>
-              <a:rPr lang="en-GB" baseline="0" dirty="0" err="1"/>
-              <a:t>gian</a:t>
-            </a:r>
-            <a:r>
-              <a:rPr lang="en-GB" baseline="0" dirty="0"/>
-              <a:t> </a:t>
-            </a:r>
-            <a:r>
-              <a:rPr lang="en-GB" baseline="0" dirty="0" err="1"/>
-              <a:t>nhất</a:t>
-            </a:r>
-            <a:r>
-              <a:rPr lang="en-GB" baseline="0" dirty="0"/>
-              <a:t> </a:t>
-            </a:r>
-            <a:r>
-              <a:rPr lang="en-GB" baseline="0" dirty="0" err="1"/>
-              <a:t>định</a:t>
-            </a:r>
-            <a:endParaRPr lang="en-GB" dirty="0"/>
+            <a:endParaRPr lang="en-US" dirty="0"/>
           </a:p>
         </p:txBody>
       </p:sp>
@@ -20041,7 +19323,7 @@
           <a:p>
             <a:fld id="{6D63FCBE-ECF3-4482-AB0C-CDBA774C94BE}" type="slidenum">
               <a:rPr lang="en-GB" smtClean="0"/>
-              <a:t>3</a:t>
+              <a:t>2</a:t>
             </a:fld>
             <a:endParaRPr lang="en-GB"/>
           </a:p>
@@ -20050,7 +19332,7 @@
     </p:spTree>
     <p:extLst>
       <p:ext uri="{BB962C8B-B14F-4D97-AF65-F5344CB8AC3E}">
-        <p14:creationId xmlns:p14="http://schemas.microsoft.com/office/powerpoint/2010/main" val="747042007"/>
+        <p14:creationId xmlns:p14="http://schemas.microsoft.com/office/powerpoint/2010/main" val="432489886"/>
       </p:ext>
     </p:extLst>
   </p:cSld>
@@ -20104,597 +19386,842 @@
           <a:bodyPr/>
           <a:lstStyle/>
           <a:p>
-            <a:pPr lvl="0"/>
-            <a:r>
-              <a:rPr lang="en-GB" dirty="0"/>
-              <a:t>Website:</a:t>
-            </a:r>
+            <a:r>
+              <a:rPr lang="en-GB" dirty="0" err="1"/>
+              <a:t>Đối</a:t>
+            </a:r>
+            <a:r>
+              <a:rPr lang="en-GB" baseline="0" dirty="0"/>
+              <a:t> </a:t>
+            </a:r>
+            <a:r>
+              <a:rPr lang="en-GB" baseline="0" dirty="0" err="1"/>
+              <a:t>với</a:t>
+            </a:r>
+            <a:r>
+              <a:rPr lang="en-GB" baseline="0" dirty="0"/>
+              <a:t> </a:t>
+            </a:r>
+            <a:r>
+              <a:rPr lang="en-GB" baseline="0" dirty="0" err="1"/>
+              <a:t>khách</a:t>
+            </a:r>
+            <a:r>
+              <a:rPr lang="en-GB" baseline="0" dirty="0"/>
+              <a:t> </a:t>
+            </a:r>
+            <a:r>
+              <a:rPr lang="en-GB" baseline="0" dirty="0" err="1"/>
+              <a:t>hàng</a:t>
+            </a:r>
+            <a:r>
+              <a:rPr lang="en-GB" baseline="0" dirty="0"/>
+              <a:t> </a:t>
+            </a:r>
+            <a:r>
+              <a:rPr lang="en-GB" baseline="0" dirty="0" err="1"/>
+              <a:t>là</a:t>
+            </a:r>
+            <a:r>
+              <a:rPr lang="en-GB" baseline="0" dirty="0"/>
+              <a:t> </a:t>
+            </a:r>
+            <a:r>
+              <a:rPr lang="en-GB" baseline="0" dirty="0" err="1"/>
+              <a:t>người</a:t>
+            </a:r>
+            <a:r>
+              <a:rPr lang="en-GB" baseline="0" dirty="0"/>
+              <a:t> </a:t>
+            </a:r>
+            <a:r>
+              <a:rPr lang="en-GB" baseline="0" dirty="0" err="1"/>
+              <a:t>có</a:t>
+            </a:r>
+            <a:r>
+              <a:rPr lang="en-GB" baseline="0" dirty="0"/>
+              <a:t> </a:t>
+            </a:r>
+            <a:r>
+              <a:rPr lang="en-GB" baseline="0" dirty="0" err="1"/>
+              <a:t>nhu</a:t>
+            </a:r>
+            <a:r>
+              <a:rPr lang="en-GB" baseline="0" dirty="0"/>
+              <a:t> </a:t>
+            </a:r>
+            <a:r>
+              <a:rPr lang="en-GB" baseline="0" dirty="0" err="1"/>
+              <a:t>cầu</a:t>
+            </a:r>
+            <a:r>
+              <a:rPr lang="en-GB" baseline="0" dirty="0"/>
+              <a:t> </a:t>
+            </a:r>
+            <a:r>
+              <a:rPr lang="en-GB" baseline="0" dirty="0" err="1"/>
+              <a:t>làm</a:t>
+            </a:r>
+            <a:r>
+              <a:rPr lang="en-GB" baseline="0" dirty="0"/>
+              <a:t> </a:t>
+            </a:r>
+            <a:r>
+              <a:rPr lang="en-GB" baseline="0" dirty="0" err="1"/>
+              <a:t>việc</a:t>
+            </a:r>
+            <a:r>
+              <a:rPr lang="en-GB" baseline="0" dirty="0"/>
+              <a:t> </a:t>
+            </a:r>
+            <a:r>
+              <a:rPr lang="en-GB" baseline="0" dirty="0" err="1"/>
+              <a:t>khởi</a:t>
+            </a:r>
+            <a:r>
+              <a:rPr lang="en-GB" baseline="0" dirty="0"/>
+              <a:t> </a:t>
+            </a:r>
+            <a:r>
+              <a:rPr lang="en-GB" baseline="0" dirty="0" err="1"/>
+              <a:t>nghiệp</a:t>
+            </a:r>
+            <a:endParaRPr lang="en-GB" baseline="0" dirty="0"/>
           </a:p>
           <a:p>
-            <a:pPr marL="266700" lvl="1"/>
-            <a:r>
-              <a:rPr lang="en-GB" dirty="0" err="1"/>
-              <a:t>Mọi</a:t>
-            </a:r>
-            <a:r>
-              <a:rPr lang="en-GB" dirty="0"/>
-              <a:t> </a:t>
-            </a:r>
-            <a:r>
-              <a:rPr lang="en-GB" dirty="0" err="1"/>
-              <a:t>đối</a:t>
-            </a:r>
-            <a:r>
-              <a:rPr lang="en-GB" dirty="0"/>
-              <a:t> </a:t>
-            </a:r>
-            <a:r>
-              <a:rPr lang="en-GB" dirty="0" err="1"/>
-              <a:t>tượng</a:t>
-            </a:r>
-            <a:r>
-              <a:rPr lang="en-GB" dirty="0"/>
-              <a:t> </a:t>
-            </a:r>
-            <a:r>
-              <a:rPr lang="en-GB" dirty="0" err="1"/>
-              <a:t>đều</a:t>
-            </a:r>
-            <a:r>
-              <a:rPr lang="en-GB" dirty="0"/>
-              <a:t> </a:t>
-            </a:r>
-            <a:r>
-              <a:rPr lang="en-GB" dirty="0" err="1"/>
-              <a:t>có</a:t>
-            </a:r>
-            <a:r>
-              <a:rPr lang="en-GB" dirty="0"/>
-              <a:t> </a:t>
-            </a:r>
-            <a:r>
-              <a:rPr lang="en-GB" dirty="0" err="1"/>
-              <a:t>thể</a:t>
-            </a:r>
-            <a:r>
-              <a:rPr lang="en-GB" dirty="0"/>
-              <a:t> </a:t>
-            </a:r>
-            <a:r>
-              <a:rPr lang="en-GB" dirty="0" err="1"/>
-              <a:t>sử</a:t>
-            </a:r>
-            <a:r>
-              <a:rPr lang="en-GB" dirty="0"/>
-              <a:t> </a:t>
-            </a:r>
-            <a:r>
-              <a:rPr lang="en-GB" dirty="0" err="1"/>
-              <a:t>dụng</a:t>
-            </a:r>
-            <a:endParaRPr lang="en-GB" dirty="0"/>
+            <a:pPr marL="171450" indent="-171450">
+              <a:buFontTx/>
+              <a:buChar char="-"/>
+            </a:pPr>
+            <a:r>
+              <a:rPr lang="en-GB" baseline="0" dirty="0" err="1"/>
+              <a:t>Có</a:t>
+            </a:r>
+            <a:r>
+              <a:rPr lang="en-GB" baseline="0" dirty="0"/>
+              <a:t> </a:t>
+            </a:r>
+            <a:r>
+              <a:rPr lang="en-GB" baseline="0" dirty="0" err="1"/>
+              <a:t>nhu</a:t>
+            </a:r>
+            <a:r>
+              <a:rPr lang="en-GB" baseline="0" dirty="0"/>
+              <a:t> </a:t>
+            </a:r>
+            <a:r>
+              <a:rPr lang="en-GB" baseline="0" dirty="0" err="1"/>
+              <a:t>cầu</a:t>
+            </a:r>
+            <a:r>
+              <a:rPr lang="en-GB" baseline="0" dirty="0"/>
+              <a:t> </a:t>
+            </a:r>
+            <a:r>
+              <a:rPr lang="en-GB" baseline="0" dirty="0" err="1"/>
+              <a:t>tìm</a:t>
+            </a:r>
+            <a:r>
+              <a:rPr lang="en-GB" baseline="0" dirty="0"/>
+              <a:t> </a:t>
+            </a:r>
+            <a:r>
+              <a:rPr lang="en-GB" baseline="0" dirty="0" err="1"/>
+              <a:t>kiếm</a:t>
+            </a:r>
+            <a:r>
+              <a:rPr lang="en-GB" baseline="0" dirty="0"/>
+              <a:t> </a:t>
+            </a:r>
+            <a:r>
+              <a:rPr lang="en-GB" baseline="0" dirty="0" err="1"/>
+              <a:t>vị</a:t>
+            </a:r>
+            <a:r>
+              <a:rPr lang="en-GB" baseline="0" dirty="0"/>
+              <a:t> </a:t>
+            </a:r>
+            <a:r>
+              <a:rPr lang="en-GB" baseline="0" dirty="0" err="1"/>
+              <a:t>trí</a:t>
+            </a:r>
+            <a:r>
+              <a:rPr lang="en-GB" baseline="0" dirty="0"/>
+              <a:t> </a:t>
+            </a:r>
+            <a:r>
+              <a:rPr lang="en-GB" baseline="0" dirty="0" err="1"/>
+              <a:t>chỗ</a:t>
+            </a:r>
+            <a:r>
+              <a:rPr lang="en-GB" baseline="0" dirty="0"/>
+              <a:t>/ </a:t>
+            </a:r>
+            <a:r>
+              <a:rPr lang="en-GB" baseline="0" dirty="0" err="1"/>
+              <a:t>phòng</a:t>
+            </a:r>
+            <a:r>
+              <a:rPr lang="en-GB" baseline="0" dirty="0"/>
+              <a:t> </a:t>
+            </a:r>
+            <a:r>
+              <a:rPr lang="en-GB" baseline="0" dirty="0" err="1"/>
+              <a:t>làm</a:t>
+            </a:r>
+            <a:r>
+              <a:rPr lang="en-GB" baseline="0" dirty="0"/>
+              <a:t> </a:t>
+            </a:r>
+            <a:r>
+              <a:rPr lang="en-GB" baseline="0" dirty="0" err="1"/>
+              <a:t>việc</a:t>
+            </a:r>
+            <a:endParaRPr lang="en-GB" baseline="0" dirty="0"/>
           </a:p>
           <a:p>
-            <a:pPr marL="266700" lvl="1"/>
-            <a:r>
-              <a:rPr lang="en-GB" dirty="0" err="1"/>
-              <a:t>Tiện</a:t>
-            </a:r>
-            <a:r>
-              <a:rPr lang="en-GB" dirty="0"/>
-              <a:t> </a:t>
-            </a:r>
-            <a:r>
-              <a:rPr lang="en-GB" dirty="0" err="1"/>
-              <a:t>lợi</a:t>
-            </a:r>
-            <a:r>
-              <a:rPr lang="en-GB" dirty="0"/>
-              <a:t>, </a:t>
-            </a:r>
-            <a:r>
-              <a:rPr lang="en-GB" dirty="0" err="1"/>
+            <a:pPr marL="171450" indent="-171450">
+              <a:buFontTx/>
+              <a:buChar char="-"/>
+            </a:pPr>
+            <a:r>
+              <a:rPr lang="en-GB" baseline="0" dirty="0" err="1"/>
+              <a:t>Đặt</a:t>
+            </a:r>
+            <a:r>
+              <a:rPr lang="en-GB" baseline="0" dirty="0"/>
+              <a:t> </a:t>
+            </a:r>
+            <a:r>
+              <a:rPr lang="en-GB" baseline="0" dirty="0" err="1"/>
+              <a:t>một</a:t>
+            </a:r>
+            <a:r>
+              <a:rPr lang="en-GB" baseline="0" dirty="0"/>
+              <a:t> </a:t>
+            </a:r>
+            <a:r>
+              <a:rPr lang="en-GB" baseline="0" dirty="0" err="1"/>
+              <a:t>vị</a:t>
+            </a:r>
+            <a:r>
+              <a:rPr lang="en-GB" baseline="0" dirty="0"/>
+              <a:t> </a:t>
+            </a:r>
+            <a:r>
+              <a:rPr lang="en-GB" baseline="0" dirty="0" err="1"/>
+              <a:t>trí</a:t>
+            </a:r>
+            <a:r>
+              <a:rPr lang="en-GB" baseline="0" dirty="0"/>
+              <a:t> </a:t>
+            </a:r>
+            <a:r>
+              <a:rPr lang="en-GB" baseline="0" dirty="0" err="1"/>
+              <a:t>nhanh</a:t>
+            </a:r>
+            <a:r>
+              <a:rPr lang="en-GB" baseline="0" dirty="0"/>
+              <a:t> </a:t>
+            </a:r>
+            <a:r>
+              <a:rPr lang="en-GB" baseline="0" dirty="0" err="1"/>
+              <a:t>chóng</a:t>
+            </a:r>
+            <a:r>
+              <a:rPr lang="en-GB" baseline="0" dirty="0"/>
+              <a:t> </a:t>
+            </a:r>
+            <a:r>
+              <a:rPr lang="en-GB" baseline="0" dirty="0" err="1"/>
+              <a:t>nhất</a:t>
+            </a:r>
+            <a:r>
+              <a:rPr lang="en-GB" baseline="0" dirty="0"/>
+              <a:t> </a:t>
+            </a:r>
+            <a:r>
+              <a:rPr lang="en-GB" baseline="0" dirty="0" err="1"/>
               <a:t>có</a:t>
             </a:r>
             <a:r>
-              <a:rPr lang="en-GB" dirty="0"/>
-              <a:t> </a:t>
-            </a:r>
-            <a:r>
-              <a:rPr lang="en-GB" dirty="0" err="1"/>
+              <a:rPr lang="en-GB" baseline="0" dirty="0"/>
+              <a:t> </a:t>
+            </a:r>
+            <a:r>
+              <a:rPr lang="en-GB" baseline="0" dirty="0" err="1"/>
               <a:t>thể</a:t>
             </a:r>
-            <a:r>
-              <a:rPr lang="en-GB" dirty="0"/>
-              <a:t> </a:t>
-            </a:r>
-            <a:r>
-              <a:rPr lang="en-GB" dirty="0" err="1"/>
-              <a:t>dùng</a:t>
-            </a:r>
-            <a:r>
-              <a:rPr lang="en-GB" dirty="0"/>
-              <a:t> </a:t>
-            </a:r>
-            <a:r>
-              <a:rPr lang="en-GB" dirty="0" err="1"/>
-              <a:t>mọi</a:t>
-            </a:r>
-            <a:r>
-              <a:rPr lang="en-GB" dirty="0"/>
-              <a:t> </a:t>
-            </a:r>
-            <a:r>
-              <a:rPr lang="en-GB" dirty="0" err="1"/>
-              <a:t>lúc</a:t>
-            </a:r>
-            <a:r>
-              <a:rPr lang="en-GB" dirty="0"/>
-              <a:t> </a:t>
-            </a:r>
-            <a:r>
-              <a:rPr lang="en-GB" dirty="0" err="1"/>
-              <a:t>mọi</a:t>
-            </a:r>
-            <a:r>
-              <a:rPr lang="en-GB" dirty="0"/>
-              <a:t> </a:t>
-            </a:r>
-            <a:r>
-              <a:rPr lang="en-GB" dirty="0" err="1"/>
-              <a:t>nơi</a:t>
-            </a:r>
-            <a:r>
-              <a:rPr lang="en-GB" dirty="0"/>
-              <a:t> (</a:t>
-            </a:r>
-            <a:r>
-              <a:rPr lang="en-GB" dirty="0" err="1"/>
-              <a:t>chỉ</a:t>
-            </a:r>
-            <a:r>
-              <a:rPr lang="en-GB" dirty="0"/>
-              <a:t> </a:t>
-            </a:r>
-            <a:r>
-              <a:rPr lang="en-GB" dirty="0" err="1"/>
-              <a:t>cần</a:t>
-            </a:r>
-            <a:r>
-              <a:rPr lang="en-GB" dirty="0"/>
-              <a:t> </a:t>
-            </a:r>
-            <a:r>
-              <a:rPr lang="en-GB" dirty="0" err="1"/>
-              <a:t>có</a:t>
-            </a:r>
-            <a:r>
-              <a:rPr lang="en-GB" dirty="0"/>
-              <a:t> Internet)</a:t>
-            </a:r>
+            <a:endParaRPr lang="en-GB" baseline="0" dirty="0"/>
           </a:p>
           <a:p>
-            <a:pPr marL="0" lvl="1"/>
-            <a:r>
-              <a:rPr lang="en-GB" dirty="0" err="1"/>
-              <a:t>Php</a:t>
-            </a:r>
-            <a:r>
-              <a:rPr lang="en-GB" dirty="0"/>
-              <a:t>, </a:t>
-            </a:r>
-            <a:r>
-              <a:rPr lang="en-GB" dirty="0" err="1"/>
-              <a:t>mysql</a:t>
-            </a:r>
-            <a:r>
-              <a:rPr lang="en-GB" dirty="0"/>
-              <a:t>:</a:t>
-            </a:r>
+            <a:pPr marL="171450" indent="-171450">
+              <a:buFontTx/>
+              <a:buChar char="-"/>
+            </a:pPr>
+            <a:r>
+              <a:rPr lang="en-GB" baseline="0" dirty="0" err="1"/>
+              <a:t>Muốn</a:t>
+            </a:r>
+            <a:r>
+              <a:rPr lang="en-GB" baseline="0" dirty="0"/>
+              <a:t> </a:t>
+            </a:r>
+            <a:r>
+              <a:rPr lang="en-GB" baseline="0" dirty="0" err="1"/>
+              <a:t>tự</a:t>
+            </a:r>
+            <a:r>
+              <a:rPr lang="en-GB" baseline="0" dirty="0"/>
+              <a:t> </a:t>
+            </a:r>
+            <a:r>
+              <a:rPr lang="en-GB" baseline="0" dirty="0" err="1"/>
+              <a:t>mình</a:t>
+            </a:r>
+            <a:r>
+              <a:rPr lang="en-GB" baseline="0" dirty="0"/>
+              <a:t> </a:t>
+            </a:r>
+            <a:r>
+              <a:rPr lang="en-GB" baseline="0" dirty="0" err="1"/>
+              <a:t>quản</a:t>
+            </a:r>
+            <a:r>
+              <a:rPr lang="en-GB" baseline="0" dirty="0"/>
+              <a:t> </a:t>
+            </a:r>
+            <a:r>
+              <a:rPr lang="en-GB" baseline="0" dirty="0" err="1"/>
+              <a:t>lý</a:t>
+            </a:r>
+            <a:r>
+              <a:rPr lang="en-GB" baseline="0" dirty="0"/>
+              <a:t> </a:t>
+            </a:r>
+            <a:r>
+              <a:rPr lang="en-GB" baseline="0" dirty="0" err="1"/>
+              <a:t>được</a:t>
+            </a:r>
+            <a:r>
+              <a:rPr lang="en-GB" baseline="0" dirty="0"/>
+              <a:t> </a:t>
+            </a:r>
+            <a:r>
+              <a:rPr lang="en-GB" baseline="0" dirty="0" err="1"/>
+              <a:t>các</a:t>
+            </a:r>
+            <a:r>
+              <a:rPr lang="en-GB" baseline="0" dirty="0"/>
+              <a:t> lich </a:t>
+            </a:r>
+            <a:r>
+              <a:rPr lang="en-GB" baseline="0" dirty="0" err="1"/>
+              <a:t>đặt</a:t>
+            </a:r>
+            <a:r>
+              <a:rPr lang="en-GB" baseline="0" dirty="0"/>
+              <a:t> </a:t>
+            </a:r>
+            <a:r>
+              <a:rPr lang="en-GB" baseline="0" dirty="0" err="1"/>
+              <a:t>của</a:t>
+            </a:r>
+            <a:r>
+              <a:rPr lang="en-GB" baseline="0" dirty="0"/>
+              <a:t> </a:t>
+            </a:r>
+            <a:r>
+              <a:rPr lang="en-GB" baseline="0" dirty="0" err="1"/>
+              <a:t>mình</a:t>
+            </a:r>
+            <a:endParaRPr lang="en-GB" baseline="0" dirty="0"/>
           </a:p>
           <a:p>
-            <a:pPr marL="266700" lvl="1"/>
-            <a:r>
-              <a:rPr lang="en-GB" dirty="0" err="1"/>
-              <a:t>Là</a:t>
-            </a:r>
-            <a:r>
-              <a:rPr lang="en-GB" dirty="0"/>
-              <a:t> </a:t>
-            </a:r>
-            <a:r>
-              <a:rPr lang="en-GB" dirty="0" err="1"/>
-              <a:t>mã</a:t>
-            </a:r>
-            <a:r>
-              <a:rPr lang="en-GB" dirty="0"/>
-              <a:t> </a:t>
-            </a:r>
-            <a:r>
-              <a:rPr lang="en-GB" dirty="0" err="1"/>
-              <a:t>nguồn</a:t>
-            </a:r>
-            <a:r>
-              <a:rPr lang="en-GB" dirty="0"/>
-              <a:t> </a:t>
-            </a:r>
-            <a:r>
-              <a:rPr lang="en-GB" dirty="0" err="1"/>
-              <a:t>mở</a:t>
-            </a:r>
-            <a:r>
-              <a:rPr lang="en-GB" dirty="0"/>
-              <a:t>, </a:t>
-            </a:r>
-            <a:r>
-              <a:rPr lang="en-GB" dirty="0" err="1"/>
-              <a:t>tốc</a:t>
-            </a:r>
-            <a:r>
-              <a:rPr lang="en-GB" dirty="0"/>
-              <a:t> </a:t>
-            </a:r>
-            <a:r>
-              <a:rPr lang="en-GB" dirty="0" err="1"/>
-              <a:t>độ</a:t>
-            </a:r>
-            <a:r>
-              <a:rPr lang="en-GB" dirty="0"/>
-              <a:t> </a:t>
-            </a:r>
-            <a:r>
-              <a:rPr lang="en-GB" dirty="0" err="1"/>
-              <a:t>xử</a:t>
-            </a:r>
-            <a:r>
-              <a:rPr lang="en-GB" dirty="0"/>
-              <a:t> </a:t>
-            </a:r>
-            <a:r>
-              <a:rPr lang="en-GB" dirty="0" err="1"/>
+            <a:pPr marL="0" indent="0">
+              <a:buFontTx/>
+              <a:buNone/>
+            </a:pPr>
+            <a:r>
+              <a:rPr lang="en-GB" baseline="0" dirty="0" err="1"/>
+              <a:t>Đối</a:t>
+            </a:r>
+            <a:r>
+              <a:rPr lang="en-GB" baseline="0" dirty="0"/>
+              <a:t> </a:t>
+            </a:r>
+            <a:r>
+              <a:rPr lang="en-GB" baseline="0" dirty="0" err="1"/>
+              <a:t>với</a:t>
+            </a:r>
+            <a:r>
+              <a:rPr lang="en-GB" baseline="0" dirty="0"/>
+              <a:t> </a:t>
+            </a:r>
+            <a:r>
+              <a:rPr lang="en-GB" baseline="0" dirty="0" err="1"/>
+              <a:t>quản</a:t>
+            </a:r>
+            <a:r>
+              <a:rPr lang="en-GB" baseline="0" dirty="0"/>
+              <a:t> </a:t>
+            </a:r>
+            <a:r>
+              <a:rPr lang="en-GB" baseline="0" dirty="0" err="1"/>
+              <a:t>trị</a:t>
+            </a:r>
+            <a:r>
+              <a:rPr lang="en-GB" baseline="0" dirty="0"/>
+              <a:t> </a:t>
+            </a:r>
+            <a:r>
+              <a:rPr lang="en-GB" baseline="0" dirty="0" err="1"/>
+              <a:t>viên</a:t>
+            </a:r>
+            <a:r>
+              <a:rPr lang="en-GB" baseline="0" dirty="0"/>
+              <a:t> </a:t>
+            </a:r>
+            <a:r>
+              <a:rPr lang="en-GB" baseline="0" dirty="0" err="1"/>
+              <a:t>có</a:t>
+            </a:r>
+            <a:r>
+              <a:rPr lang="en-GB" baseline="0" dirty="0"/>
+              <a:t> </a:t>
+            </a:r>
+            <a:r>
+              <a:rPr lang="en-GB" baseline="0" dirty="0" err="1"/>
+              <a:t>nhu</a:t>
+            </a:r>
+            <a:r>
+              <a:rPr lang="en-GB" baseline="0" dirty="0"/>
+              <a:t> </a:t>
+            </a:r>
+            <a:r>
+              <a:rPr lang="en-GB" baseline="0" dirty="0" err="1"/>
+              <a:t>cầu</a:t>
+            </a:r>
+            <a:r>
+              <a:rPr lang="en-GB" baseline="0" dirty="0"/>
+              <a:t> </a:t>
+            </a:r>
+            <a:r>
+              <a:rPr lang="en-GB" baseline="0" dirty="0" err="1"/>
+              <a:t>quản</a:t>
+            </a:r>
+            <a:r>
+              <a:rPr lang="en-GB" baseline="0" dirty="0"/>
+              <a:t> </a:t>
+            </a:r>
+            <a:r>
+              <a:rPr lang="en-GB" baseline="0" dirty="0" err="1"/>
               <a:t>lý</a:t>
             </a:r>
             <a:r>
-              <a:rPr lang="en-GB" dirty="0"/>
-              <a:t> </a:t>
-            </a:r>
-            <a:r>
-              <a:rPr lang="en-GB" dirty="0" err="1"/>
-              <a:t>nhanh</a:t>
-            </a:r>
-            <a:endParaRPr lang="en-GB" dirty="0"/>
+              <a:rPr lang="en-GB" baseline="0" dirty="0"/>
+              <a:t> </a:t>
+            </a:r>
+            <a:r>
+              <a:rPr lang="en-GB" baseline="0" dirty="0" err="1"/>
+              <a:t>hệ</a:t>
+            </a:r>
+            <a:r>
+              <a:rPr lang="en-GB" baseline="0" dirty="0"/>
+              <a:t> </a:t>
+            </a:r>
+            <a:r>
+              <a:rPr lang="en-GB" baseline="0" dirty="0" err="1"/>
+              <a:t>thống</a:t>
+            </a:r>
+            <a:r>
+              <a:rPr lang="en-GB" baseline="0" dirty="0"/>
+              <a:t> </a:t>
+            </a:r>
+            <a:r>
+              <a:rPr lang="en-GB" baseline="0" dirty="0" err="1"/>
+              <a:t>của</a:t>
+            </a:r>
+            <a:r>
+              <a:rPr lang="en-GB" baseline="0" dirty="0"/>
+              <a:t> </a:t>
+            </a:r>
+            <a:r>
+              <a:rPr lang="en-GB" baseline="0" dirty="0" err="1"/>
+              <a:t>mình</a:t>
+            </a:r>
+            <a:endParaRPr lang="en-GB" baseline="0" dirty="0"/>
           </a:p>
           <a:p>
-            <a:pPr marL="266700" lvl="1"/>
-            <a:r>
-              <a:rPr lang="en-GB" dirty="0" err="1"/>
-              <a:t>Làm</a:t>
-            </a:r>
-            <a:r>
-              <a:rPr lang="en-GB" dirty="0"/>
-              <a:t> </a:t>
-            </a:r>
-            <a:r>
-              <a:rPr lang="en-GB" dirty="0" err="1"/>
-              <a:t>việc</a:t>
-            </a:r>
-            <a:r>
-              <a:rPr lang="en-GB" dirty="0"/>
-              <a:t> </a:t>
-            </a:r>
-            <a:r>
-              <a:rPr lang="en-GB" dirty="0" err="1"/>
-              <a:t>nhanh</a:t>
-            </a:r>
-            <a:r>
-              <a:rPr lang="en-GB" dirty="0"/>
-              <a:t> </a:t>
-            </a:r>
-            <a:r>
-              <a:rPr lang="en-GB" dirty="0" err="1"/>
+            <a:pPr marL="171450" indent="-171450">
+              <a:buFontTx/>
+              <a:buChar char="-"/>
+            </a:pPr>
+            <a:r>
+              <a:rPr lang="en-GB" baseline="0" dirty="0" err="1"/>
+              <a:t>Muốn</a:t>
+            </a:r>
+            <a:r>
+              <a:rPr lang="en-GB" baseline="0" dirty="0"/>
+              <a:t> </a:t>
+            </a:r>
+            <a:r>
+              <a:rPr lang="en-GB" baseline="0" dirty="0" err="1"/>
+              <a:t>quản</a:t>
+            </a:r>
+            <a:r>
+              <a:rPr lang="en-GB" baseline="0" dirty="0"/>
+              <a:t> </a:t>
+            </a:r>
+            <a:r>
+              <a:rPr lang="en-GB" baseline="0" dirty="0" err="1"/>
+              <a:t>lý</a:t>
+            </a:r>
+            <a:r>
+              <a:rPr lang="en-GB" baseline="0" dirty="0"/>
+              <a:t> </a:t>
+            </a:r>
+            <a:r>
+              <a:rPr lang="en-GB" baseline="0" dirty="0" err="1"/>
+              <a:t>các</a:t>
+            </a:r>
+            <a:r>
+              <a:rPr lang="en-GB" baseline="0" dirty="0"/>
+              <a:t> </a:t>
+            </a:r>
+            <a:r>
+              <a:rPr lang="en-GB" baseline="0" dirty="0" err="1"/>
+              <a:t>đơn</a:t>
+            </a:r>
+            <a:r>
+              <a:rPr lang="en-GB" baseline="0" dirty="0"/>
+              <a:t> </a:t>
+            </a:r>
+            <a:r>
+              <a:rPr lang="en-GB" baseline="0" dirty="0" err="1"/>
+              <a:t>hàng</a:t>
+            </a:r>
+            <a:r>
+              <a:rPr lang="en-GB" baseline="0" dirty="0"/>
+              <a:t> </a:t>
+            </a:r>
+            <a:r>
+              <a:rPr lang="en-GB" baseline="0" dirty="0" err="1"/>
+              <a:t>một</a:t>
+            </a:r>
+            <a:r>
+              <a:rPr lang="en-GB" baseline="0" dirty="0"/>
+              <a:t> </a:t>
+            </a:r>
+            <a:r>
+              <a:rPr lang="en-GB" baseline="0" dirty="0" err="1"/>
+              <a:t>cách</a:t>
+            </a:r>
+            <a:r>
+              <a:rPr lang="en-GB" baseline="0" dirty="0"/>
+              <a:t> </a:t>
+            </a:r>
+            <a:r>
+              <a:rPr lang="en-GB" baseline="0" dirty="0" err="1"/>
+              <a:t>thuận</a:t>
+            </a:r>
+            <a:r>
+              <a:rPr lang="en-GB" baseline="0" dirty="0"/>
+              <a:t> </a:t>
+            </a:r>
+            <a:r>
+              <a:rPr lang="en-GB" baseline="0" dirty="0" err="1"/>
+              <a:t>tiện</a:t>
+            </a:r>
+            <a:r>
+              <a:rPr lang="en-GB" baseline="0" dirty="0"/>
+              <a:t> </a:t>
+            </a:r>
+            <a:r>
+              <a:rPr lang="en-GB" baseline="0" dirty="0" err="1"/>
               <a:t>và</a:t>
             </a:r>
             <a:r>
-              <a:rPr lang="en-GB" dirty="0"/>
-              <a:t> </a:t>
-            </a:r>
-            <a:r>
-              <a:rPr lang="en-GB" dirty="0" err="1"/>
-              <a:t>khỏe</a:t>
-            </a:r>
-            <a:r>
-              <a:rPr lang="en-GB" dirty="0"/>
-              <a:t> </a:t>
-            </a:r>
-            <a:r>
-              <a:rPr lang="en-GB" dirty="0" err="1"/>
-              <a:t>ngay</a:t>
-            </a:r>
-            <a:r>
-              <a:rPr lang="en-GB" dirty="0"/>
-              <a:t> </a:t>
-            </a:r>
-            <a:r>
-              <a:rPr lang="en-GB" dirty="0" err="1"/>
-              <a:t>cả</a:t>
-            </a:r>
-            <a:r>
-              <a:rPr lang="en-GB" dirty="0"/>
-              <a:t> </a:t>
-            </a:r>
-            <a:r>
-              <a:rPr lang="en-GB" dirty="0" err="1"/>
-              <a:t>trên</a:t>
-            </a:r>
-            <a:r>
-              <a:rPr lang="en-GB" dirty="0"/>
-              <a:t> </a:t>
-            </a:r>
-            <a:r>
-              <a:rPr lang="en-GB" dirty="0" err="1"/>
-              <a:t>các</a:t>
-            </a:r>
-            <a:r>
-              <a:rPr lang="en-GB" dirty="0"/>
-              <a:t> </a:t>
-            </a:r>
-            <a:r>
-              <a:rPr lang="en-GB" dirty="0" err="1"/>
-              <a:t>tập</a:t>
-            </a:r>
-            <a:r>
-              <a:rPr lang="en-GB" dirty="0"/>
-              <a:t> </a:t>
-            </a:r>
-            <a:r>
-              <a:rPr lang="en-GB" dirty="0" err="1"/>
-              <a:t>dữ</a:t>
-            </a:r>
-            <a:r>
-              <a:rPr lang="en-GB" dirty="0"/>
-              <a:t> </a:t>
-            </a:r>
-            <a:r>
-              <a:rPr lang="en-GB" dirty="0" err="1"/>
-              <a:t>liệu</a:t>
-            </a:r>
-            <a:r>
-              <a:rPr lang="en-GB" dirty="0"/>
-              <a:t> </a:t>
-            </a:r>
-            <a:r>
-              <a:rPr lang="en-GB" dirty="0" err="1"/>
-              <a:t>lớn</a:t>
-            </a:r>
-            <a:endParaRPr lang="en-GB" dirty="0"/>
+              <a:rPr lang="en-GB" baseline="0" dirty="0"/>
+              <a:t> </a:t>
+            </a:r>
+            <a:r>
+              <a:rPr lang="en-GB" baseline="0" dirty="0" err="1"/>
+              <a:t>đơn</a:t>
+            </a:r>
+            <a:r>
+              <a:rPr lang="en-GB" baseline="0" dirty="0"/>
+              <a:t> </a:t>
+            </a:r>
+            <a:r>
+              <a:rPr lang="en-GB" baseline="0" dirty="0" err="1"/>
+              <a:t>giản</a:t>
+            </a:r>
+            <a:r>
+              <a:rPr lang="en-GB" baseline="0" dirty="0"/>
+              <a:t> </a:t>
+            </a:r>
+            <a:r>
+              <a:rPr lang="en-GB" baseline="0" dirty="0" err="1"/>
+              <a:t>nhất</a:t>
+            </a:r>
+            <a:endParaRPr lang="en-GB" baseline="0" dirty="0"/>
           </a:p>
           <a:p>
-            <a:pPr marL="0" lvl="1"/>
-            <a:r>
-              <a:rPr lang="en-GB" dirty="0"/>
-              <a:t>HTML, CS, JavaScript</a:t>
-            </a:r>
+            <a:pPr marL="171450" indent="-171450">
+              <a:buFontTx/>
+              <a:buChar char="-"/>
+            </a:pPr>
+            <a:r>
+              <a:rPr lang="en-GB" baseline="0" dirty="0" err="1"/>
+              <a:t>Dễ</a:t>
+            </a:r>
+            <a:r>
+              <a:rPr lang="en-GB" baseline="0" dirty="0"/>
+              <a:t> </a:t>
+            </a:r>
+            <a:r>
+              <a:rPr lang="en-GB" baseline="0" dirty="0" err="1"/>
+              <a:t>dàng</a:t>
+            </a:r>
+            <a:r>
+              <a:rPr lang="en-GB" baseline="0" dirty="0"/>
+              <a:t> </a:t>
+            </a:r>
+            <a:r>
+              <a:rPr lang="en-GB" baseline="0" dirty="0" err="1"/>
+              <a:t>cung</a:t>
+            </a:r>
+            <a:r>
+              <a:rPr lang="en-GB" baseline="0" dirty="0"/>
+              <a:t> </a:t>
+            </a:r>
+            <a:r>
+              <a:rPr lang="en-GB" baseline="0" dirty="0" err="1"/>
+              <a:t>cấp</a:t>
+            </a:r>
+            <a:r>
+              <a:rPr lang="en-GB" baseline="0" dirty="0"/>
+              <a:t> </a:t>
+            </a:r>
+            <a:r>
+              <a:rPr lang="en-GB" baseline="0" dirty="0" err="1"/>
+              <a:t>cho</a:t>
+            </a:r>
+            <a:r>
+              <a:rPr lang="en-GB" baseline="0" dirty="0"/>
+              <a:t> </a:t>
+            </a:r>
+            <a:r>
+              <a:rPr lang="en-GB" baseline="0" dirty="0" err="1"/>
+              <a:t>khách</a:t>
+            </a:r>
+            <a:r>
+              <a:rPr lang="en-GB" baseline="0" dirty="0"/>
+              <a:t> </a:t>
+            </a:r>
+            <a:r>
+              <a:rPr lang="en-GB" baseline="0" dirty="0" err="1"/>
+              <a:t>một</a:t>
+            </a:r>
+            <a:r>
+              <a:rPr lang="en-GB" baseline="0" dirty="0"/>
+              <a:t> </a:t>
+            </a:r>
+            <a:r>
+              <a:rPr lang="en-GB" baseline="0" dirty="0" err="1"/>
+              <a:t>vị</a:t>
+            </a:r>
+            <a:r>
+              <a:rPr lang="en-GB" baseline="0" dirty="0"/>
+              <a:t> </a:t>
+            </a:r>
+            <a:r>
+              <a:rPr lang="en-GB" baseline="0" dirty="0" err="1"/>
+              <a:t>trí</a:t>
+            </a:r>
+            <a:r>
+              <a:rPr lang="en-GB" baseline="0" dirty="0"/>
+              <a:t> </a:t>
+            </a:r>
+            <a:r>
+              <a:rPr lang="en-GB" baseline="0" dirty="0" err="1"/>
+              <a:t>thích</a:t>
+            </a:r>
+            <a:r>
+              <a:rPr lang="en-GB" baseline="0" dirty="0"/>
+              <a:t> </a:t>
+            </a:r>
+            <a:r>
+              <a:rPr lang="en-GB" baseline="0" dirty="0" err="1"/>
+              <a:t>hợp</a:t>
+            </a:r>
+            <a:endParaRPr lang="en-GB" baseline="0" dirty="0"/>
           </a:p>
           <a:p>
-            <a:pPr marL="266700" lvl="1"/>
-            <a:r>
-              <a:rPr lang="en-GB" dirty="0" err="1"/>
-              <a:t>Là</a:t>
-            </a:r>
-            <a:r>
-              <a:rPr lang="en-GB" dirty="0"/>
-              <a:t> </a:t>
-            </a:r>
-            <a:r>
-              <a:rPr lang="en-GB" dirty="0" err="1"/>
-              <a:t>ngôn</a:t>
-            </a:r>
-            <a:r>
-              <a:rPr lang="en-GB" dirty="0"/>
-              <a:t> </a:t>
-            </a:r>
-            <a:r>
-              <a:rPr lang="en-GB" dirty="0" err="1"/>
-              <a:t>ngữ</a:t>
-            </a:r>
-            <a:r>
-              <a:rPr lang="en-GB" dirty="0"/>
-              <a:t> </a:t>
-            </a:r>
-            <a:r>
-              <a:rPr lang="en-GB" dirty="0" err="1"/>
-              <a:t>tạo</a:t>
-            </a:r>
-            <a:r>
-              <a:rPr lang="en-GB" dirty="0"/>
-              <a:t> </a:t>
-            </a:r>
-            <a:r>
-              <a:rPr lang="en-GB" dirty="0" err="1"/>
-              <a:t>giao</a:t>
-            </a:r>
-            <a:r>
-              <a:rPr lang="en-GB" dirty="0"/>
-              <a:t> </a:t>
-            </a:r>
-            <a:r>
-              <a:rPr lang="en-GB" dirty="0" err="1"/>
-              <a:t>diện</a:t>
-            </a:r>
-            <a:r>
-              <a:rPr lang="en-GB" dirty="0"/>
-              <a:t> </a:t>
-            </a:r>
-            <a:r>
-              <a:rPr lang="en-GB" dirty="0" err="1"/>
-              <a:t>người</a:t>
-            </a:r>
-            <a:r>
-              <a:rPr lang="en-GB" dirty="0"/>
-              <a:t> </a:t>
-            </a:r>
-            <a:r>
-              <a:rPr lang="en-GB" dirty="0" err="1"/>
-              <a:t>dùng</a:t>
-            </a:r>
-            <a:r>
-              <a:rPr lang="en-GB" dirty="0"/>
-              <a:t> </a:t>
-            </a:r>
-            <a:r>
-              <a:rPr lang="en-GB" dirty="0" err="1"/>
-              <a:t>phổ</a:t>
-            </a:r>
-            <a:r>
-              <a:rPr lang="en-GB" dirty="0"/>
-              <a:t> </a:t>
-            </a:r>
-            <a:r>
-              <a:rPr lang="en-GB" dirty="0" err="1"/>
-              <a:t>biến</a:t>
-            </a:r>
-            <a:r>
-              <a:rPr lang="en-GB" dirty="0"/>
-              <a:t> </a:t>
-            </a:r>
-            <a:r>
-              <a:rPr lang="en-GB" dirty="0" err="1"/>
-              <a:t>nhất</a:t>
-            </a:r>
-            <a:endParaRPr lang="en-GB" dirty="0"/>
+            <a:pPr marL="171450" indent="-171450">
+              <a:buFontTx/>
+              <a:buChar char="-"/>
+            </a:pPr>
+            <a:r>
+              <a:rPr lang="en-GB" baseline="0" dirty="0" err="1"/>
+              <a:t>Quản</a:t>
+            </a:r>
+            <a:r>
+              <a:rPr lang="en-GB" baseline="0" dirty="0"/>
+              <a:t> </a:t>
+            </a:r>
+            <a:r>
+              <a:rPr lang="en-GB" baseline="0" dirty="0" err="1"/>
+              <a:t>lý</a:t>
+            </a:r>
+            <a:r>
+              <a:rPr lang="en-GB" baseline="0" dirty="0"/>
+              <a:t> </a:t>
+            </a:r>
+            <a:r>
+              <a:rPr lang="en-GB" baseline="0" dirty="0" err="1"/>
+              <a:t>lịch</a:t>
+            </a:r>
+            <a:r>
+              <a:rPr lang="en-GB" baseline="0" dirty="0"/>
+              <a:t> </a:t>
+            </a:r>
+            <a:r>
+              <a:rPr lang="en-GB" baseline="0" dirty="0" err="1"/>
+              <a:t>hoạt</a:t>
+            </a:r>
+            <a:r>
+              <a:rPr lang="en-GB" baseline="0" dirty="0"/>
+              <a:t> </a:t>
+            </a:r>
+            <a:r>
+              <a:rPr lang="en-GB" baseline="0" dirty="0" err="1"/>
+              <a:t>động</a:t>
+            </a:r>
+            <a:r>
+              <a:rPr lang="en-GB" baseline="0" dirty="0"/>
+              <a:t> </a:t>
+            </a:r>
+            <a:r>
+              <a:rPr lang="en-GB" baseline="0" dirty="0" err="1"/>
+              <a:t>của</a:t>
+            </a:r>
+            <a:r>
+              <a:rPr lang="en-GB" baseline="0" dirty="0"/>
+              <a:t> </a:t>
+            </a:r>
+            <a:r>
+              <a:rPr lang="en-GB" baseline="0" dirty="0" err="1"/>
+              <a:t>từng</a:t>
+            </a:r>
+            <a:r>
+              <a:rPr lang="en-GB" baseline="0" dirty="0"/>
+              <a:t> </a:t>
+            </a:r>
+            <a:r>
+              <a:rPr lang="en-GB" baseline="0" dirty="0" err="1"/>
+              <a:t>vị</a:t>
+            </a:r>
+            <a:r>
+              <a:rPr lang="en-GB" baseline="0" dirty="0"/>
+              <a:t> </a:t>
+            </a:r>
+            <a:r>
+              <a:rPr lang="en-GB" baseline="0" dirty="0" err="1"/>
+              <a:t>trí</a:t>
+            </a:r>
+            <a:endParaRPr lang="en-GB" baseline="0" dirty="0"/>
           </a:p>
           <a:p>
-            <a:pPr marL="266700" lvl="1"/>
-            <a:r>
-              <a:rPr lang="en-GB" dirty="0" err="1"/>
-              <a:t>Tương</a:t>
-            </a:r>
-            <a:r>
-              <a:rPr lang="en-GB" dirty="0"/>
-              <a:t> </a:t>
-            </a:r>
-            <a:r>
-              <a:rPr lang="en-GB" dirty="0" err="1"/>
-              <a:t>tác</a:t>
-            </a:r>
-            <a:r>
-              <a:rPr lang="en-GB" dirty="0"/>
-              <a:t> </a:t>
-            </a:r>
-            <a:r>
-              <a:rPr lang="en-GB" dirty="0" err="1"/>
-              <a:t>ít</a:t>
-            </a:r>
-            <a:r>
-              <a:rPr lang="en-GB" dirty="0"/>
-              <a:t> </a:t>
-            </a:r>
-            <a:r>
-              <a:rPr lang="en-GB" dirty="0" err="1"/>
-              <a:t>tới</a:t>
-            </a:r>
-            <a:r>
-              <a:rPr lang="en-GB" dirty="0"/>
-              <a:t> SERVER </a:t>
-            </a:r>
-            <a:r>
-              <a:rPr lang="en-GB" dirty="0" err="1"/>
-              <a:t>hơn</a:t>
-            </a:r>
-            <a:r>
-              <a:rPr lang="en-GB" dirty="0"/>
-              <a:t>, </a:t>
-            </a:r>
-            <a:r>
-              <a:rPr lang="en-GB" dirty="0" err="1"/>
-              <a:t>phản</a:t>
-            </a:r>
-            <a:r>
-              <a:rPr lang="en-GB" dirty="0"/>
-              <a:t> </a:t>
-            </a:r>
-            <a:r>
-              <a:rPr lang="en-GB" dirty="0" err="1"/>
-              <a:t>hồi</a:t>
-            </a:r>
-            <a:r>
-              <a:rPr lang="en-GB" dirty="0"/>
-              <a:t> </a:t>
-            </a:r>
-            <a:r>
-              <a:rPr lang="en-GB" dirty="0" err="1"/>
-              <a:t>ngay</a:t>
-            </a:r>
-            <a:r>
-              <a:rPr lang="en-GB" dirty="0"/>
-              <a:t> </a:t>
-            </a:r>
-            <a:r>
-              <a:rPr lang="en-GB" dirty="0" err="1"/>
-              <a:t>lập</a:t>
-            </a:r>
-            <a:r>
-              <a:rPr lang="en-GB" dirty="0"/>
-              <a:t> </a:t>
-            </a:r>
-            <a:r>
-              <a:rPr lang="en-GB" dirty="0" err="1"/>
-              <a:t>tức</a:t>
-            </a:r>
-            <a:r>
-              <a:rPr lang="en-GB" dirty="0"/>
-              <a:t>, </a:t>
-            </a:r>
-            <a:r>
-              <a:rPr lang="en-GB" dirty="0" err="1"/>
-              <a:t>làm</a:t>
-            </a:r>
-            <a:r>
-              <a:rPr lang="en-GB" dirty="0"/>
-              <a:t> </a:t>
-            </a:r>
-            <a:r>
-              <a:rPr lang="en-GB" dirty="0" err="1"/>
-              <a:t>giảm</a:t>
-            </a:r>
-            <a:r>
-              <a:rPr lang="en-GB" dirty="0"/>
-              <a:t> </a:t>
-            </a:r>
-            <a:r>
-              <a:rPr lang="en-GB" dirty="0" err="1"/>
-              <a:t>lượng</a:t>
-            </a:r>
-            <a:r>
-              <a:rPr lang="en-GB" dirty="0"/>
-              <a:t> </a:t>
-            </a:r>
-            <a:r>
-              <a:rPr lang="en-GB" dirty="0" err="1"/>
-              <a:t>truy</a:t>
-            </a:r>
-            <a:r>
-              <a:rPr lang="en-GB" dirty="0"/>
-              <a:t> </a:t>
-            </a:r>
-            <a:r>
-              <a:rPr lang="en-GB" dirty="0" err="1"/>
-              <a:t>cập</a:t>
-            </a:r>
-            <a:r>
-              <a:rPr lang="en-GB" dirty="0"/>
-              <a:t> </a:t>
-            </a:r>
-            <a:r>
-              <a:rPr lang="en-GB" dirty="0" err="1"/>
-              <a:t>tới</a:t>
-            </a:r>
-            <a:r>
-              <a:rPr lang="en-GB" dirty="0"/>
-              <a:t> server</a:t>
-            </a:r>
-          </a:p>
-          <a:p>
+            <a:pPr marL="171450" indent="-171450">
+              <a:buFontTx/>
+              <a:buChar char="-"/>
+            </a:pPr>
+            <a:r>
+              <a:rPr lang="en-GB" baseline="0" dirty="0" err="1"/>
+              <a:t>Quản</a:t>
+            </a:r>
+            <a:r>
+              <a:rPr lang="en-GB" baseline="0" dirty="0"/>
+              <a:t> </a:t>
+            </a:r>
+            <a:r>
+              <a:rPr lang="en-GB" baseline="0" dirty="0" err="1"/>
+              <a:t>lý</a:t>
+            </a:r>
+            <a:r>
+              <a:rPr lang="en-GB" baseline="0" dirty="0"/>
+              <a:t> </a:t>
+            </a:r>
+            <a:r>
+              <a:rPr lang="en-GB" baseline="0" dirty="0" err="1"/>
+              <a:t>được</a:t>
+            </a:r>
+            <a:r>
+              <a:rPr lang="en-GB" baseline="0" dirty="0"/>
+              <a:t> </a:t>
+            </a:r>
+            <a:r>
+              <a:rPr lang="en-GB" baseline="0" dirty="0" err="1"/>
+              <a:t>doanh</a:t>
+            </a:r>
+            <a:r>
+              <a:rPr lang="en-GB" baseline="0" dirty="0"/>
+              <a:t> </a:t>
+            </a:r>
+            <a:r>
+              <a:rPr lang="en-GB" baseline="0" dirty="0" err="1"/>
+              <a:t>thu</a:t>
+            </a:r>
+            <a:r>
+              <a:rPr lang="en-GB" baseline="0" dirty="0"/>
+              <a:t> </a:t>
+            </a:r>
+            <a:r>
+              <a:rPr lang="en-GB" baseline="0" dirty="0" err="1"/>
+              <a:t>trong</a:t>
+            </a:r>
+            <a:r>
+              <a:rPr lang="en-GB" baseline="0" dirty="0"/>
+              <a:t> </a:t>
+            </a:r>
+            <a:r>
+              <a:rPr lang="en-GB" baseline="0" dirty="0" err="1"/>
+              <a:t>khoảng</a:t>
+            </a:r>
+            <a:r>
+              <a:rPr lang="en-GB" baseline="0" dirty="0"/>
+              <a:t> </a:t>
+            </a:r>
+            <a:r>
+              <a:rPr lang="en-GB" baseline="0" dirty="0" err="1"/>
+              <a:t>thời</a:t>
+            </a:r>
+            <a:r>
+              <a:rPr lang="en-GB" baseline="0" dirty="0"/>
+              <a:t> </a:t>
+            </a:r>
+            <a:r>
+              <a:rPr lang="en-GB" baseline="0" dirty="0" err="1"/>
+              <a:t>gian</a:t>
+            </a:r>
+            <a:r>
+              <a:rPr lang="en-GB" baseline="0" dirty="0"/>
+              <a:t> </a:t>
+            </a:r>
+            <a:r>
+              <a:rPr lang="en-GB" baseline="0" dirty="0" err="1"/>
+              <a:t>nhất</a:t>
+            </a:r>
+            <a:r>
+              <a:rPr lang="en-GB" baseline="0" dirty="0"/>
+              <a:t> </a:t>
+            </a:r>
+            <a:r>
+              <a:rPr lang="en-GB" baseline="0" dirty="0" err="1"/>
+              <a:t>định</a:t>
+            </a:r>
             <a:endParaRPr lang="en-GB" dirty="0"/>
           </a:p>
         </p:txBody>
@@ -20716,7 +20243,7 @@
           <a:p>
             <a:fld id="{6D63FCBE-ECF3-4482-AB0C-CDBA774C94BE}" type="slidenum">
               <a:rPr lang="en-GB" smtClean="0"/>
-              <a:t>4</a:t>
+              <a:t>3</a:t>
             </a:fld>
             <a:endParaRPr lang="en-GB"/>
           </a:p>
@@ -20725,7 +20252,7 @@
     </p:spTree>
     <p:extLst>
       <p:ext uri="{BB962C8B-B14F-4D97-AF65-F5344CB8AC3E}">
-        <p14:creationId xmlns:p14="http://schemas.microsoft.com/office/powerpoint/2010/main" val="3168964054"/>
+        <p14:creationId xmlns:p14="http://schemas.microsoft.com/office/powerpoint/2010/main" val="747042007"/>
       </p:ext>
     </p:extLst>
   </p:cSld>
@@ -22834,7 +22361,7 @@
           <a:p>
             <a:fld id="{6D63FCBE-ECF3-4482-AB0C-CDBA774C94BE}" type="slidenum">
               <a:rPr lang="en-GB" smtClean="0"/>
-              <a:t>5</a:t>
+              <a:t>4</a:t>
             </a:fld>
             <a:endParaRPr lang="en-GB"/>
           </a:p>
@@ -23226,7 +22753,7 @@
           <a:p>
             <a:fld id="{6D63FCBE-ECF3-4482-AB0C-CDBA774C94BE}" type="slidenum">
               <a:rPr lang="en-GB" smtClean="0"/>
-              <a:t>6</a:t>
+              <a:t>5</a:t>
             </a:fld>
             <a:endParaRPr lang="en-GB"/>
           </a:p>
@@ -23864,7 +23391,7 @@
           <a:p>
             <a:fld id="{6D63FCBE-ECF3-4482-AB0C-CDBA774C94BE}" type="slidenum">
               <a:rPr lang="en-GB" smtClean="0"/>
-              <a:t>7</a:t>
+              <a:t>6</a:t>
             </a:fld>
             <a:endParaRPr lang="en-GB"/>
           </a:p>
@@ -24563,7 +24090,7 @@
           <a:p>
             <a:fld id="{6D63FCBE-ECF3-4482-AB0C-CDBA774C94BE}" type="slidenum">
               <a:rPr lang="en-GB" smtClean="0"/>
-              <a:t>8</a:t>
+              <a:t>7</a:t>
             </a:fld>
             <a:endParaRPr lang="en-GB"/>
           </a:p>
@@ -24583,6 +24110,681 @@
 </file>
 
 <file path=ppt/notesSlides/notesSlide8.xml><?xml version="1.0" encoding="utf-8"?>
+<p:notes xmlns:a="http://schemas.openxmlformats.org/drawingml/2006/main" xmlns:r="http://schemas.openxmlformats.org/officeDocument/2006/relationships" xmlns:p="http://schemas.openxmlformats.org/presentationml/2006/main">
+  <p:cSld>
+    <p:spTree>
+      <p:nvGrpSpPr>
+        <p:cNvPr id="1" name=""/>
+        <p:cNvGrpSpPr/>
+        <p:nvPr/>
+      </p:nvGrpSpPr>
+      <p:grpSpPr>
+        <a:xfrm>
+          <a:off x="0" y="0"/>
+          <a:ext cx="0" cy="0"/>
+          <a:chOff x="0" y="0"/>
+          <a:chExt cx="0" cy="0"/>
+        </a:xfrm>
+      </p:grpSpPr>
+      <p:sp>
+        <p:nvSpPr>
+          <p:cNvPr id="2" name="Slide Image Placeholder 1"/>
+          <p:cNvSpPr>
+            <a:spLocks noGrp="1" noRot="1" noChangeAspect="1"/>
+          </p:cNvSpPr>
+          <p:nvPr>
+            <p:ph type="sldImg"/>
+          </p:nvPr>
+        </p:nvSpPr>
+        <p:spPr/>
+      </p:sp>
+      <p:sp>
+        <p:nvSpPr>
+          <p:cNvPr id="3" name="Notes Placeholder 2"/>
+          <p:cNvSpPr>
+            <a:spLocks noGrp="1"/>
+          </p:cNvSpPr>
+          <p:nvPr>
+            <p:ph type="body" idx="1"/>
+          </p:nvPr>
+        </p:nvSpPr>
+        <p:spPr/>
+        <p:txBody>
+          <a:bodyPr/>
+          <a:lstStyle/>
+          <a:p>
+            <a:pPr lvl="0"/>
+            <a:r>
+              <a:rPr lang="en-GB" dirty="0"/>
+              <a:t>Website:</a:t>
+            </a:r>
+          </a:p>
+          <a:p>
+            <a:pPr marL="266700" lvl="1"/>
+            <a:r>
+              <a:rPr lang="en-GB" dirty="0" err="1"/>
+              <a:t>Mọi</a:t>
+            </a:r>
+            <a:r>
+              <a:rPr lang="en-GB" dirty="0"/>
+              <a:t> </a:t>
+            </a:r>
+            <a:r>
+              <a:rPr lang="en-GB" dirty="0" err="1"/>
+              <a:t>đối</a:t>
+            </a:r>
+            <a:r>
+              <a:rPr lang="en-GB" dirty="0"/>
+              <a:t> </a:t>
+            </a:r>
+            <a:r>
+              <a:rPr lang="en-GB" dirty="0" err="1"/>
+              <a:t>tượng</a:t>
+            </a:r>
+            <a:r>
+              <a:rPr lang="en-GB" dirty="0"/>
+              <a:t> </a:t>
+            </a:r>
+            <a:r>
+              <a:rPr lang="en-GB" dirty="0" err="1"/>
+              <a:t>đều</a:t>
+            </a:r>
+            <a:r>
+              <a:rPr lang="en-GB" dirty="0"/>
+              <a:t> </a:t>
+            </a:r>
+            <a:r>
+              <a:rPr lang="en-GB" dirty="0" err="1"/>
+              <a:t>có</a:t>
+            </a:r>
+            <a:r>
+              <a:rPr lang="en-GB" dirty="0"/>
+              <a:t> </a:t>
+            </a:r>
+            <a:r>
+              <a:rPr lang="en-GB" dirty="0" err="1"/>
+              <a:t>thể</a:t>
+            </a:r>
+            <a:r>
+              <a:rPr lang="en-GB" dirty="0"/>
+              <a:t> </a:t>
+            </a:r>
+            <a:r>
+              <a:rPr lang="en-GB" dirty="0" err="1"/>
+              <a:t>sử</a:t>
+            </a:r>
+            <a:r>
+              <a:rPr lang="en-GB" dirty="0"/>
+              <a:t> </a:t>
+            </a:r>
+            <a:r>
+              <a:rPr lang="en-GB" dirty="0" err="1"/>
+              <a:t>dụng</a:t>
+            </a:r>
+            <a:endParaRPr lang="en-GB" dirty="0"/>
+          </a:p>
+          <a:p>
+            <a:pPr marL="266700" lvl="1"/>
+            <a:r>
+              <a:rPr lang="en-GB" dirty="0" err="1"/>
+              <a:t>Tiện</a:t>
+            </a:r>
+            <a:r>
+              <a:rPr lang="en-GB" dirty="0"/>
+              <a:t> </a:t>
+            </a:r>
+            <a:r>
+              <a:rPr lang="en-GB" dirty="0" err="1"/>
+              <a:t>lợi</a:t>
+            </a:r>
+            <a:r>
+              <a:rPr lang="en-GB" dirty="0"/>
+              <a:t>, </a:t>
+            </a:r>
+            <a:r>
+              <a:rPr lang="en-GB" dirty="0" err="1"/>
+              <a:t>có</a:t>
+            </a:r>
+            <a:r>
+              <a:rPr lang="en-GB" dirty="0"/>
+              <a:t> </a:t>
+            </a:r>
+            <a:r>
+              <a:rPr lang="en-GB" dirty="0" err="1"/>
+              <a:t>thể</a:t>
+            </a:r>
+            <a:r>
+              <a:rPr lang="en-GB" dirty="0"/>
+              <a:t> </a:t>
+            </a:r>
+            <a:r>
+              <a:rPr lang="en-GB" dirty="0" err="1"/>
+              <a:t>dùng</a:t>
+            </a:r>
+            <a:r>
+              <a:rPr lang="en-GB" dirty="0"/>
+              <a:t> </a:t>
+            </a:r>
+            <a:r>
+              <a:rPr lang="en-GB" dirty="0" err="1"/>
+              <a:t>mọi</a:t>
+            </a:r>
+            <a:r>
+              <a:rPr lang="en-GB" dirty="0"/>
+              <a:t> </a:t>
+            </a:r>
+            <a:r>
+              <a:rPr lang="en-GB" dirty="0" err="1"/>
+              <a:t>lúc</a:t>
+            </a:r>
+            <a:r>
+              <a:rPr lang="en-GB" dirty="0"/>
+              <a:t> </a:t>
+            </a:r>
+            <a:r>
+              <a:rPr lang="en-GB" dirty="0" err="1"/>
+              <a:t>mọi</a:t>
+            </a:r>
+            <a:r>
+              <a:rPr lang="en-GB" dirty="0"/>
+              <a:t> </a:t>
+            </a:r>
+            <a:r>
+              <a:rPr lang="en-GB" dirty="0" err="1"/>
+              <a:t>nơi</a:t>
+            </a:r>
+            <a:r>
+              <a:rPr lang="en-GB" dirty="0"/>
+              <a:t> (</a:t>
+            </a:r>
+            <a:r>
+              <a:rPr lang="en-GB" dirty="0" err="1"/>
+              <a:t>chỉ</a:t>
+            </a:r>
+            <a:r>
+              <a:rPr lang="en-GB" dirty="0"/>
+              <a:t> </a:t>
+            </a:r>
+            <a:r>
+              <a:rPr lang="en-GB" dirty="0" err="1"/>
+              <a:t>cần</a:t>
+            </a:r>
+            <a:r>
+              <a:rPr lang="en-GB" dirty="0"/>
+              <a:t> </a:t>
+            </a:r>
+            <a:r>
+              <a:rPr lang="en-GB" dirty="0" err="1"/>
+              <a:t>có</a:t>
+            </a:r>
+            <a:r>
+              <a:rPr lang="en-GB" dirty="0"/>
+              <a:t> Internet)</a:t>
+            </a:r>
+          </a:p>
+          <a:p>
+            <a:pPr marL="0" lvl="1"/>
+            <a:r>
+              <a:rPr lang="en-GB" dirty="0" err="1"/>
+              <a:t>Php</a:t>
+            </a:r>
+            <a:r>
+              <a:rPr lang="en-GB" dirty="0"/>
+              <a:t>, </a:t>
+            </a:r>
+            <a:r>
+              <a:rPr lang="en-GB" dirty="0" err="1"/>
+              <a:t>mysql</a:t>
+            </a:r>
+            <a:r>
+              <a:rPr lang="en-GB" dirty="0"/>
+              <a:t>:</a:t>
+            </a:r>
+          </a:p>
+          <a:p>
+            <a:pPr marL="266700" lvl="1"/>
+            <a:r>
+              <a:rPr lang="en-GB" dirty="0" err="1"/>
+              <a:t>Là</a:t>
+            </a:r>
+            <a:r>
+              <a:rPr lang="en-GB" dirty="0"/>
+              <a:t> </a:t>
+            </a:r>
+            <a:r>
+              <a:rPr lang="en-GB" dirty="0" err="1"/>
+              <a:t>mã</a:t>
+            </a:r>
+            <a:r>
+              <a:rPr lang="en-GB" dirty="0"/>
+              <a:t> </a:t>
+            </a:r>
+            <a:r>
+              <a:rPr lang="en-GB" dirty="0" err="1"/>
+              <a:t>nguồn</a:t>
+            </a:r>
+            <a:r>
+              <a:rPr lang="en-GB" dirty="0"/>
+              <a:t> </a:t>
+            </a:r>
+            <a:r>
+              <a:rPr lang="en-GB" dirty="0" err="1"/>
+              <a:t>mở</a:t>
+            </a:r>
+            <a:r>
+              <a:rPr lang="en-GB" dirty="0"/>
+              <a:t>, </a:t>
+            </a:r>
+            <a:r>
+              <a:rPr lang="en-GB" dirty="0" err="1"/>
+              <a:t>tốc</a:t>
+            </a:r>
+            <a:r>
+              <a:rPr lang="en-GB" dirty="0"/>
+              <a:t> </a:t>
+            </a:r>
+            <a:r>
+              <a:rPr lang="en-GB" dirty="0" err="1"/>
+              <a:t>độ</a:t>
+            </a:r>
+            <a:r>
+              <a:rPr lang="en-GB" dirty="0"/>
+              <a:t> </a:t>
+            </a:r>
+            <a:r>
+              <a:rPr lang="en-GB" dirty="0" err="1"/>
+              <a:t>xử</a:t>
+            </a:r>
+            <a:r>
+              <a:rPr lang="en-GB" dirty="0"/>
+              <a:t> </a:t>
+            </a:r>
+            <a:r>
+              <a:rPr lang="en-GB" dirty="0" err="1"/>
+              <a:t>lý</a:t>
+            </a:r>
+            <a:r>
+              <a:rPr lang="en-GB" dirty="0"/>
+              <a:t> </a:t>
+            </a:r>
+            <a:r>
+              <a:rPr lang="en-GB" dirty="0" err="1"/>
+              <a:t>nhanh</a:t>
+            </a:r>
+            <a:endParaRPr lang="en-GB" dirty="0"/>
+          </a:p>
+          <a:p>
+            <a:pPr marL="266700" lvl="1"/>
+            <a:r>
+              <a:rPr lang="en-GB" dirty="0" err="1"/>
+              <a:t>Làm</a:t>
+            </a:r>
+            <a:r>
+              <a:rPr lang="en-GB" dirty="0"/>
+              <a:t> </a:t>
+            </a:r>
+            <a:r>
+              <a:rPr lang="en-GB" dirty="0" err="1"/>
+              <a:t>việc</a:t>
+            </a:r>
+            <a:r>
+              <a:rPr lang="en-GB" dirty="0"/>
+              <a:t> </a:t>
+            </a:r>
+            <a:r>
+              <a:rPr lang="en-GB" dirty="0" err="1"/>
+              <a:t>nhanh</a:t>
+            </a:r>
+            <a:r>
+              <a:rPr lang="en-GB" dirty="0"/>
+              <a:t> </a:t>
+            </a:r>
+            <a:r>
+              <a:rPr lang="en-GB" dirty="0" err="1"/>
+              <a:t>và</a:t>
+            </a:r>
+            <a:r>
+              <a:rPr lang="en-GB" dirty="0"/>
+              <a:t> </a:t>
+            </a:r>
+            <a:r>
+              <a:rPr lang="en-GB" dirty="0" err="1"/>
+              <a:t>khỏe</a:t>
+            </a:r>
+            <a:r>
+              <a:rPr lang="en-GB" dirty="0"/>
+              <a:t> </a:t>
+            </a:r>
+            <a:r>
+              <a:rPr lang="en-GB" dirty="0" err="1"/>
+              <a:t>ngay</a:t>
+            </a:r>
+            <a:r>
+              <a:rPr lang="en-GB" dirty="0"/>
+              <a:t> </a:t>
+            </a:r>
+            <a:r>
+              <a:rPr lang="en-GB" dirty="0" err="1"/>
+              <a:t>cả</a:t>
+            </a:r>
+            <a:r>
+              <a:rPr lang="en-GB" dirty="0"/>
+              <a:t> </a:t>
+            </a:r>
+            <a:r>
+              <a:rPr lang="en-GB" dirty="0" err="1"/>
+              <a:t>trên</a:t>
+            </a:r>
+            <a:r>
+              <a:rPr lang="en-GB" dirty="0"/>
+              <a:t> </a:t>
+            </a:r>
+            <a:r>
+              <a:rPr lang="en-GB" dirty="0" err="1"/>
+              <a:t>các</a:t>
+            </a:r>
+            <a:r>
+              <a:rPr lang="en-GB" dirty="0"/>
+              <a:t> </a:t>
+            </a:r>
+            <a:r>
+              <a:rPr lang="en-GB" dirty="0" err="1"/>
+              <a:t>tập</a:t>
+            </a:r>
+            <a:r>
+              <a:rPr lang="en-GB" dirty="0"/>
+              <a:t> </a:t>
+            </a:r>
+            <a:r>
+              <a:rPr lang="en-GB" dirty="0" err="1"/>
+              <a:t>dữ</a:t>
+            </a:r>
+            <a:r>
+              <a:rPr lang="en-GB" dirty="0"/>
+              <a:t> </a:t>
+            </a:r>
+            <a:r>
+              <a:rPr lang="en-GB" dirty="0" err="1"/>
+              <a:t>liệu</a:t>
+            </a:r>
+            <a:r>
+              <a:rPr lang="en-GB" dirty="0"/>
+              <a:t> </a:t>
+            </a:r>
+            <a:r>
+              <a:rPr lang="en-GB" dirty="0" err="1"/>
+              <a:t>lớn</a:t>
+            </a:r>
+            <a:endParaRPr lang="en-GB" dirty="0"/>
+          </a:p>
+          <a:p>
+            <a:pPr marL="0" lvl="1"/>
+            <a:r>
+              <a:rPr lang="en-GB" dirty="0"/>
+              <a:t>HTML, CS, JavaScript</a:t>
+            </a:r>
+          </a:p>
+          <a:p>
+            <a:pPr marL="266700" lvl="1"/>
+            <a:r>
+              <a:rPr lang="en-GB" dirty="0" err="1"/>
+              <a:t>Là</a:t>
+            </a:r>
+            <a:r>
+              <a:rPr lang="en-GB" dirty="0"/>
+              <a:t> </a:t>
+            </a:r>
+            <a:r>
+              <a:rPr lang="en-GB" dirty="0" err="1"/>
+              <a:t>ngôn</a:t>
+            </a:r>
+            <a:r>
+              <a:rPr lang="en-GB" dirty="0"/>
+              <a:t> </a:t>
+            </a:r>
+            <a:r>
+              <a:rPr lang="en-GB" dirty="0" err="1"/>
+              <a:t>ngữ</a:t>
+            </a:r>
+            <a:r>
+              <a:rPr lang="en-GB" dirty="0"/>
+              <a:t> </a:t>
+            </a:r>
+            <a:r>
+              <a:rPr lang="en-GB" dirty="0" err="1"/>
+              <a:t>tạo</a:t>
+            </a:r>
+            <a:r>
+              <a:rPr lang="en-GB" dirty="0"/>
+              <a:t> </a:t>
+            </a:r>
+            <a:r>
+              <a:rPr lang="en-GB" dirty="0" err="1"/>
+              <a:t>giao</a:t>
+            </a:r>
+            <a:r>
+              <a:rPr lang="en-GB" dirty="0"/>
+              <a:t> </a:t>
+            </a:r>
+            <a:r>
+              <a:rPr lang="en-GB" dirty="0" err="1"/>
+              <a:t>diện</a:t>
+            </a:r>
+            <a:r>
+              <a:rPr lang="en-GB" dirty="0"/>
+              <a:t> </a:t>
+            </a:r>
+            <a:r>
+              <a:rPr lang="en-GB" dirty="0" err="1"/>
+              <a:t>người</a:t>
+            </a:r>
+            <a:r>
+              <a:rPr lang="en-GB" dirty="0"/>
+              <a:t> </a:t>
+            </a:r>
+            <a:r>
+              <a:rPr lang="en-GB" dirty="0" err="1"/>
+              <a:t>dùng</a:t>
+            </a:r>
+            <a:r>
+              <a:rPr lang="en-GB" dirty="0"/>
+              <a:t> </a:t>
+            </a:r>
+            <a:r>
+              <a:rPr lang="en-GB" dirty="0" err="1"/>
+              <a:t>phổ</a:t>
+            </a:r>
+            <a:r>
+              <a:rPr lang="en-GB" dirty="0"/>
+              <a:t> </a:t>
+            </a:r>
+            <a:r>
+              <a:rPr lang="en-GB" dirty="0" err="1"/>
+              <a:t>biến</a:t>
+            </a:r>
+            <a:r>
+              <a:rPr lang="en-GB" dirty="0"/>
+              <a:t> </a:t>
+            </a:r>
+            <a:r>
+              <a:rPr lang="en-GB" dirty="0" err="1"/>
+              <a:t>nhất</a:t>
+            </a:r>
+            <a:endParaRPr lang="en-GB" dirty="0"/>
+          </a:p>
+          <a:p>
+            <a:pPr marL="266700" lvl="1"/>
+            <a:r>
+              <a:rPr lang="en-GB" dirty="0" err="1"/>
+              <a:t>Tương</a:t>
+            </a:r>
+            <a:r>
+              <a:rPr lang="en-GB" dirty="0"/>
+              <a:t> </a:t>
+            </a:r>
+            <a:r>
+              <a:rPr lang="en-GB" dirty="0" err="1"/>
+              <a:t>tác</a:t>
+            </a:r>
+            <a:r>
+              <a:rPr lang="en-GB" dirty="0"/>
+              <a:t> </a:t>
+            </a:r>
+            <a:r>
+              <a:rPr lang="en-GB" dirty="0" err="1"/>
+              <a:t>ít</a:t>
+            </a:r>
+            <a:r>
+              <a:rPr lang="en-GB" dirty="0"/>
+              <a:t> </a:t>
+            </a:r>
+            <a:r>
+              <a:rPr lang="en-GB" dirty="0" err="1"/>
+              <a:t>tới</a:t>
+            </a:r>
+            <a:r>
+              <a:rPr lang="en-GB" dirty="0"/>
+              <a:t> SERVER </a:t>
+            </a:r>
+            <a:r>
+              <a:rPr lang="en-GB" dirty="0" err="1"/>
+              <a:t>hơn</a:t>
+            </a:r>
+            <a:r>
+              <a:rPr lang="en-GB" dirty="0"/>
+              <a:t>, </a:t>
+            </a:r>
+            <a:r>
+              <a:rPr lang="en-GB" dirty="0" err="1"/>
+              <a:t>phản</a:t>
+            </a:r>
+            <a:r>
+              <a:rPr lang="en-GB" dirty="0"/>
+              <a:t> </a:t>
+            </a:r>
+            <a:r>
+              <a:rPr lang="en-GB" dirty="0" err="1"/>
+              <a:t>hồi</a:t>
+            </a:r>
+            <a:r>
+              <a:rPr lang="en-GB" dirty="0"/>
+              <a:t> </a:t>
+            </a:r>
+            <a:r>
+              <a:rPr lang="en-GB" dirty="0" err="1"/>
+              <a:t>ngay</a:t>
+            </a:r>
+            <a:r>
+              <a:rPr lang="en-GB" dirty="0"/>
+              <a:t> </a:t>
+            </a:r>
+            <a:r>
+              <a:rPr lang="en-GB" dirty="0" err="1"/>
+              <a:t>lập</a:t>
+            </a:r>
+            <a:r>
+              <a:rPr lang="en-GB" dirty="0"/>
+              <a:t> </a:t>
+            </a:r>
+            <a:r>
+              <a:rPr lang="en-GB" dirty="0" err="1"/>
+              <a:t>tức</a:t>
+            </a:r>
+            <a:r>
+              <a:rPr lang="en-GB" dirty="0"/>
+              <a:t>, </a:t>
+            </a:r>
+            <a:r>
+              <a:rPr lang="en-GB" dirty="0" err="1"/>
+              <a:t>làm</a:t>
+            </a:r>
+            <a:r>
+              <a:rPr lang="en-GB" dirty="0"/>
+              <a:t> </a:t>
+            </a:r>
+            <a:r>
+              <a:rPr lang="en-GB" dirty="0" err="1"/>
+              <a:t>giảm</a:t>
+            </a:r>
+            <a:r>
+              <a:rPr lang="en-GB" dirty="0"/>
+              <a:t> </a:t>
+            </a:r>
+            <a:r>
+              <a:rPr lang="en-GB" dirty="0" err="1"/>
+              <a:t>lượng</a:t>
+            </a:r>
+            <a:r>
+              <a:rPr lang="en-GB" dirty="0"/>
+              <a:t> </a:t>
+            </a:r>
+            <a:r>
+              <a:rPr lang="en-GB" dirty="0" err="1"/>
+              <a:t>truy</a:t>
+            </a:r>
+            <a:r>
+              <a:rPr lang="en-GB" dirty="0"/>
+              <a:t> </a:t>
+            </a:r>
+            <a:r>
+              <a:rPr lang="en-GB" dirty="0" err="1"/>
+              <a:t>cập</a:t>
+            </a:r>
+            <a:r>
+              <a:rPr lang="en-GB" dirty="0"/>
+              <a:t> </a:t>
+            </a:r>
+            <a:r>
+              <a:rPr lang="en-GB" dirty="0" err="1"/>
+              <a:t>tới</a:t>
+            </a:r>
+            <a:r>
+              <a:rPr lang="en-GB" dirty="0"/>
+              <a:t> server</a:t>
+            </a:r>
+          </a:p>
+          <a:p>
+            <a:endParaRPr lang="en-GB" dirty="0"/>
+          </a:p>
+        </p:txBody>
+      </p:sp>
+      <p:sp>
+        <p:nvSpPr>
+          <p:cNvPr id="4" name="Slide Number Placeholder 3"/>
+          <p:cNvSpPr>
+            <a:spLocks noGrp="1"/>
+          </p:cNvSpPr>
+          <p:nvPr>
+            <p:ph type="sldNum" sz="quarter" idx="10"/>
+          </p:nvPr>
+        </p:nvSpPr>
+        <p:spPr/>
+        <p:txBody>
+          <a:bodyPr/>
+          <a:lstStyle/>
+          <a:p>
+            <a:fld id="{6D63FCBE-ECF3-4482-AB0C-CDBA774C94BE}" type="slidenum">
+              <a:rPr lang="en-GB" smtClean="0"/>
+              <a:t>9</a:t>
+            </a:fld>
+            <a:endParaRPr lang="en-GB"/>
+          </a:p>
+        </p:txBody>
+      </p:sp>
+    </p:spTree>
+    <p:extLst>
+      <p:ext uri="{BB962C8B-B14F-4D97-AF65-F5344CB8AC3E}">
+        <p14:creationId xmlns:p14="http://schemas.microsoft.com/office/powerpoint/2010/main" val="2572362296"/>
+      </p:ext>
+    </p:extLst>
+  </p:cSld>
+  <p:clrMapOvr>
+    <a:masterClrMapping/>
+  </p:clrMapOvr>
+</p:notes>
+</file>
+
+<file path=ppt/notesSlides/notesSlide9.xml><?xml version="1.0" encoding="utf-8"?>
 <p:notes xmlns:a="http://schemas.openxmlformats.org/drawingml/2006/main" xmlns:r="http://schemas.openxmlformats.org/officeDocument/2006/relationships" xmlns:p="http://schemas.openxmlformats.org/presentationml/2006/main">
   <p:cSld>
     <p:spTree>
@@ -24666,90 +24868,6 @@
 </p:notes>
 </file>
 
-<file path=ppt/notesSlides/notesSlide9.xml><?xml version="1.0" encoding="utf-8"?>
-<p:notes xmlns:a="http://schemas.openxmlformats.org/drawingml/2006/main" xmlns:r="http://schemas.openxmlformats.org/officeDocument/2006/relationships" xmlns:p="http://schemas.openxmlformats.org/presentationml/2006/main">
-  <p:cSld>
-    <p:spTree>
-      <p:nvGrpSpPr>
-        <p:cNvPr id="1" name=""/>
-        <p:cNvGrpSpPr/>
-        <p:nvPr/>
-      </p:nvGrpSpPr>
-      <p:grpSpPr>
-        <a:xfrm>
-          <a:off x="0" y="0"/>
-          <a:ext cx="0" cy="0"/>
-          <a:chOff x="0" y="0"/>
-          <a:chExt cx="0" cy="0"/>
-        </a:xfrm>
-      </p:grpSpPr>
-      <p:sp>
-        <p:nvSpPr>
-          <p:cNvPr id="2" name="Slide Image Placeholder 1"/>
-          <p:cNvSpPr>
-            <a:spLocks noGrp="1" noRot="1" noChangeAspect="1"/>
-          </p:cNvSpPr>
-          <p:nvPr>
-            <p:ph type="sldImg"/>
-          </p:nvPr>
-        </p:nvSpPr>
-        <p:spPr/>
-      </p:sp>
-      <p:sp>
-        <p:nvSpPr>
-          <p:cNvPr id="3" name="Notes Placeholder 2"/>
-          <p:cNvSpPr>
-            <a:spLocks noGrp="1"/>
-          </p:cNvSpPr>
-          <p:nvPr>
-            <p:ph type="body" idx="1"/>
-          </p:nvPr>
-        </p:nvSpPr>
-        <p:spPr/>
-        <p:txBody>
-          <a:bodyPr/>
-          <a:lstStyle/>
-          <a:p>
-            <a:endParaRPr lang="en-GB" dirty="0"/>
-          </a:p>
-        </p:txBody>
-      </p:sp>
-      <p:sp>
-        <p:nvSpPr>
-          <p:cNvPr id="4" name="Slide Number Placeholder 3"/>
-          <p:cNvSpPr>
-            <a:spLocks noGrp="1"/>
-          </p:cNvSpPr>
-          <p:nvPr>
-            <p:ph type="sldNum" sz="quarter" idx="10"/>
-          </p:nvPr>
-        </p:nvSpPr>
-        <p:spPr/>
-        <p:txBody>
-          <a:bodyPr/>
-          <a:lstStyle/>
-          <a:p>
-            <a:fld id="{6D63FCBE-ECF3-4482-AB0C-CDBA774C94BE}" type="slidenum">
-              <a:rPr lang="en-GB" smtClean="0"/>
-              <a:t>12</a:t>
-            </a:fld>
-            <a:endParaRPr lang="en-GB"/>
-          </a:p>
-        </p:txBody>
-      </p:sp>
-    </p:spTree>
-    <p:extLst>
-      <p:ext uri="{BB962C8B-B14F-4D97-AF65-F5344CB8AC3E}">
-        <p14:creationId xmlns:p14="http://schemas.microsoft.com/office/powerpoint/2010/main" val="4115725669"/>
-      </p:ext>
-    </p:extLst>
-  </p:cSld>
-  <p:clrMapOvr>
-    <a:masterClrMapping/>
-  </p:clrMapOvr>
-</p:notes>
-</file>
-
 <file path=ppt/slideLayouts/slideLayout1.xml><?xml version="1.0" encoding="utf-8"?>
 <p:sldLayout xmlns:a="http://schemas.openxmlformats.org/drawingml/2006/main" xmlns:r="http://schemas.openxmlformats.org/officeDocument/2006/relationships" xmlns:p="http://schemas.openxmlformats.org/presentationml/2006/main" showMasterSp="0" type="title" preserve="1">
   <p:cSld name="Title Slide">
@@ -24807,7 +24925,7 @@
           <a:noFill/>
           <a:extLst>
             <a:ext uri="{909E8E84-426E-40dd-AFC4-6F175D3DCCD1}">
-              <a14:hiddenFill xmlns:a14="http://schemas.microsoft.com/office/drawing/2010/main" xmlns="">
+              <a14:hiddenFill xmlns="" xmlns:a14="http://schemas.microsoft.com/office/drawing/2010/main">
                 <a:solidFill>
                   <a:srgbClr val="FFFFFF"/>
                 </a:solidFill>
@@ -24866,7 +24984,7 @@
             </a:ln>
             <a:extLst>
               <a:ext uri="{91240B29-F687-4f45-9708-019B960494DF}">
-                <a14:hiddenLine xmlns:a14="http://schemas.microsoft.com/office/drawing/2010/main" xmlns="" w="9525">
+                <a14:hiddenLine xmlns="" xmlns:a14="http://schemas.microsoft.com/office/drawing/2010/main" w="9525">
                   <a:solidFill>
                     <a:srgbClr val="000000"/>
                   </a:solidFill>
@@ -24956,7 +25074,7 @@
             </a:ln>
             <a:extLst>
               <a:ext uri="{91240B29-F687-4f45-9708-019B960494DF}">
-                <a14:hiddenLine xmlns:a14="http://schemas.microsoft.com/office/drawing/2010/main" xmlns="" w="9525">
+                <a14:hiddenLine xmlns="" xmlns:a14="http://schemas.microsoft.com/office/drawing/2010/main" w="9525">
                   <a:solidFill>
                     <a:srgbClr val="000000"/>
                   </a:solidFill>
@@ -25046,7 +25164,7 @@
             </a:ln>
             <a:extLst>
               <a:ext uri="{91240B29-F687-4f45-9708-019B960494DF}">
-                <a14:hiddenLine xmlns:a14="http://schemas.microsoft.com/office/drawing/2010/main" xmlns="" w="9525">
+                <a14:hiddenLine xmlns="" xmlns:a14="http://schemas.microsoft.com/office/drawing/2010/main" w="9525">
                   <a:solidFill>
                     <a:srgbClr val="000000"/>
                   </a:solidFill>
@@ -25080,7 +25198,7 @@
             </a:ln>
             <a:extLst>
               <a:ext uri="{91240B29-F687-4f45-9708-019B960494DF}">
-                <a14:hiddenLine xmlns:a14="http://schemas.microsoft.com/office/drawing/2010/main" xmlns="" w="9525">
+                <a14:hiddenLine xmlns="" xmlns:a14="http://schemas.microsoft.com/office/drawing/2010/main" w="9525">
                   <a:solidFill>
                     <a:srgbClr val="000000"/>
                   </a:solidFill>
@@ -25170,7 +25288,7 @@
             </a:ln>
             <a:extLst>
               <a:ext uri="{91240B29-F687-4f45-9708-019B960494DF}">
-                <a14:hiddenLine xmlns:a14="http://schemas.microsoft.com/office/drawing/2010/main" xmlns="" w="9525">
+                <a14:hiddenLine xmlns="" xmlns:a14="http://schemas.microsoft.com/office/drawing/2010/main" w="9525">
                   <a:solidFill>
                     <a:srgbClr val="000000"/>
                   </a:solidFill>
@@ -25232,7 +25350,7 @@
             </a:ln>
             <a:extLst>
               <a:ext uri="{91240B29-F687-4f45-9708-019B960494DF}">
-                <a14:hiddenLine xmlns:a14="http://schemas.microsoft.com/office/drawing/2010/main" xmlns="" w="9525">
+                <a14:hiddenLine xmlns="" xmlns:a14="http://schemas.microsoft.com/office/drawing/2010/main" w="9525">
                   <a:solidFill>
                     <a:srgbClr val="000000"/>
                   </a:solidFill>
@@ -25294,7 +25412,7 @@
             </a:ln>
             <a:extLst>
               <a:ext uri="{91240B29-F687-4f45-9708-019B960494DF}">
-                <a14:hiddenLine xmlns:a14="http://schemas.microsoft.com/office/drawing/2010/main" xmlns="" w="9525">
+                <a14:hiddenLine xmlns="" xmlns:a14="http://schemas.microsoft.com/office/drawing/2010/main" w="9525">
                   <a:solidFill>
                     <a:srgbClr val="000000"/>
                   </a:solidFill>
@@ -25384,7 +25502,7 @@
             </a:ln>
             <a:extLst>
               <a:ext uri="{91240B29-F687-4f45-9708-019B960494DF}">
-                <a14:hiddenLine xmlns:a14="http://schemas.microsoft.com/office/drawing/2010/main" xmlns="" w="9525">
+                <a14:hiddenLine xmlns="" xmlns:a14="http://schemas.microsoft.com/office/drawing/2010/main" w="9525">
                   <a:solidFill>
                     <a:srgbClr val="000000"/>
                   </a:solidFill>
@@ -25446,7 +25564,7 @@
             </a:ln>
             <a:extLst>
               <a:ext uri="{91240B29-F687-4f45-9708-019B960494DF}">
-                <a14:hiddenLine xmlns:a14="http://schemas.microsoft.com/office/drawing/2010/main" xmlns="" w="9525">
+                <a14:hiddenLine xmlns="" xmlns:a14="http://schemas.microsoft.com/office/drawing/2010/main" w="9525">
                   <a:solidFill>
                     <a:srgbClr val="000000"/>
                   </a:solidFill>
@@ -25508,7 +25626,7 @@
             </a:ln>
             <a:extLst>
               <a:ext uri="{91240B29-F687-4f45-9708-019B960494DF}">
-                <a14:hiddenLine xmlns:a14="http://schemas.microsoft.com/office/drawing/2010/main" xmlns="" w="9525">
+                <a14:hiddenLine xmlns="" xmlns:a14="http://schemas.microsoft.com/office/drawing/2010/main" w="9525">
                   <a:solidFill>
                     <a:srgbClr val="000000"/>
                   </a:solidFill>
@@ -25598,7 +25716,7 @@
             </a:ln>
             <a:extLst>
               <a:ext uri="{91240B29-F687-4f45-9708-019B960494DF}">
-                <a14:hiddenLine xmlns:a14="http://schemas.microsoft.com/office/drawing/2010/main" xmlns="" w="9525">
+                <a14:hiddenLine xmlns="" xmlns:a14="http://schemas.microsoft.com/office/drawing/2010/main" w="9525">
                   <a:solidFill>
                     <a:srgbClr val="000000"/>
                   </a:solidFill>
@@ -25688,7 +25806,7 @@
             </a:ln>
             <a:extLst>
               <a:ext uri="{91240B29-F687-4f45-9708-019B960494DF}">
-                <a14:hiddenLine xmlns:a14="http://schemas.microsoft.com/office/drawing/2010/main" xmlns="" w="9525">
+                <a14:hiddenLine xmlns="" xmlns:a14="http://schemas.microsoft.com/office/drawing/2010/main" w="9525">
                   <a:solidFill>
                     <a:srgbClr val="000000"/>
                   </a:solidFill>
@@ -25750,7 +25868,7 @@
             </a:ln>
             <a:extLst>
               <a:ext uri="{91240B29-F687-4f45-9708-019B960494DF}">
-                <a14:hiddenLine xmlns:a14="http://schemas.microsoft.com/office/drawing/2010/main" xmlns="" w="9525">
+                <a14:hiddenLine xmlns="" xmlns:a14="http://schemas.microsoft.com/office/drawing/2010/main" w="9525">
                   <a:solidFill>
                     <a:srgbClr val="000000"/>
                   </a:solidFill>
@@ -25860,7 +25978,7 @@
             </a:ln>
             <a:extLst>
               <a:ext uri="{91240B29-F687-4f45-9708-019B960494DF}">
-                <a14:hiddenLine xmlns:a14="http://schemas.microsoft.com/office/drawing/2010/main" xmlns="" w="9525">
+                <a14:hiddenLine xmlns="" xmlns:a14="http://schemas.microsoft.com/office/drawing/2010/main" w="9525">
                   <a:solidFill>
                     <a:srgbClr val="000000"/>
                   </a:solidFill>
@@ -25922,7 +26040,7 @@
             </a:ln>
             <a:extLst>
               <a:ext uri="{91240B29-F687-4f45-9708-019B960494DF}">
-                <a14:hiddenLine xmlns:a14="http://schemas.microsoft.com/office/drawing/2010/main" xmlns="" w="9525">
+                <a14:hiddenLine xmlns="" xmlns:a14="http://schemas.microsoft.com/office/drawing/2010/main" w="9525">
                   <a:solidFill>
                     <a:srgbClr val="000000"/>
                   </a:solidFill>
@@ -26012,7 +26130,7 @@
             </a:ln>
             <a:extLst>
               <a:ext uri="{91240B29-F687-4f45-9708-019B960494DF}">
-                <a14:hiddenLine xmlns:a14="http://schemas.microsoft.com/office/drawing/2010/main" xmlns="" w="9525">
+                <a14:hiddenLine xmlns="" xmlns:a14="http://schemas.microsoft.com/office/drawing/2010/main" w="9525">
                   <a:solidFill>
                     <a:srgbClr val="000000"/>
                   </a:solidFill>
@@ -26102,7 +26220,7 @@
             </a:ln>
             <a:extLst>
               <a:ext uri="{91240B29-F687-4f45-9708-019B960494DF}">
-                <a14:hiddenLine xmlns:a14="http://schemas.microsoft.com/office/drawing/2010/main" xmlns="" w="9525">
+                <a14:hiddenLine xmlns="" xmlns:a14="http://schemas.microsoft.com/office/drawing/2010/main" w="9525">
                   <a:solidFill>
                     <a:srgbClr val="000000"/>
                   </a:solidFill>
@@ -26164,7 +26282,7 @@
             </a:ln>
             <a:extLst>
               <a:ext uri="{91240B29-F687-4f45-9708-019B960494DF}">
-                <a14:hiddenLine xmlns:a14="http://schemas.microsoft.com/office/drawing/2010/main" xmlns="" w="9525">
+                <a14:hiddenLine xmlns="" xmlns:a14="http://schemas.microsoft.com/office/drawing/2010/main" w="9525">
                   <a:solidFill>
                     <a:srgbClr val="000000"/>
                   </a:solidFill>
@@ -26254,7 +26372,7 @@
             </a:ln>
             <a:extLst>
               <a:ext uri="{91240B29-F687-4f45-9708-019B960494DF}">
-                <a14:hiddenLine xmlns:a14="http://schemas.microsoft.com/office/drawing/2010/main" xmlns="" w="9525">
+                <a14:hiddenLine xmlns="" xmlns:a14="http://schemas.microsoft.com/office/drawing/2010/main" w="9525">
                   <a:solidFill>
                     <a:srgbClr val="000000"/>
                   </a:solidFill>
@@ -26344,7 +26462,7 @@
             </a:ln>
             <a:extLst>
               <a:ext uri="{91240B29-F687-4f45-9708-019B960494DF}">
-                <a14:hiddenLine xmlns:a14="http://schemas.microsoft.com/office/drawing/2010/main" xmlns="" w="9525">
+                <a14:hiddenLine xmlns="" xmlns:a14="http://schemas.microsoft.com/office/drawing/2010/main" w="9525">
                   <a:solidFill>
                     <a:srgbClr val="000000"/>
                   </a:solidFill>
@@ -26400,7 +26518,7 @@
             </a:ln>
             <a:extLst>
               <a:ext uri="{91240B29-F687-4f45-9708-019B960494DF}">
-                <a14:hiddenLine xmlns:a14="http://schemas.microsoft.com/office/drawing/2010/main" xmlns="" w="9525">
+                <a14:hiddenLine xmlns="" xmlns:a14="http://schemas.microsoft.com/office/drawing/2010/main" w="9525">
                   <a:solidFill>
                     <a:srgbClr val="000000"/>
                   </a:solidFill>
@@ -26490,7 +26608,7 @@
             </a:ln>
             <a:extLst>
               <a:ext uri="{91240B29-F687-4f45-9708-019B960494DF}">
-                <a14:hiddenLine xmlns:a14="http://schemas.microsoft.com/office/drawing/2010/main" xmlns="" w="9525">
+                <a14:hiddenLine xmlns="" xmlns:a14="http://schemas.microsoft.com/office/drawing/2010/main" w="9525">
                   <a:solidFill>
                     <a:srgbClr val="000000"/>
                   </a:solidFill>
@@ -26546,7 +26664,7 @@
             </a:ln>
             <a:extLst>
               <a:ext uri="{91240B29-F687-4f45-9708-019B960494DF}">
-                <a14:hiddenLine xmlns:a14="http://schemas.microsoft.com/office/drawing/2010/main" xmlns="" w="9525">
+                <a14:hiddenLine xmlns="" xmlns:a14="http://schemas.microsoft.com/office/drawing/2010/main" w="9525">
                   <a:solidFill>
                     <a:srgbClr val="000000"/>
                   </a:solidFill>
@@ -26636,7 +26754,7 @@
             </a:ln>
             <a:extLst>
               <a:ext uri="{91240B29-F687-4f45-9708-019B960494DF}">
-                <a14:hiddenLine xmlns:a14="http://schemas.microsoft.com/office/drawing/2010/main" xmlns="" w="9525">
+                <a14:hiddenLine xmlns="" xmlns:a14="http://schemas.microsoft.com/office/drawing/2010/main" w="9525">
                   <a:solidFill>
                     <a:srgbClr val="000000"/>
                   </a:solidFill>
@@ -26704,7 +26822,7 @@
             </a:ln>
             <a:extLst>
               <a:ext uri="{91240B29-F687-4f45-9708-019B960494DF}">
-                <a14:hiddenLine xmlns:a14="http://schemas.microsoft.com/office/drawing/2010/main" xmlns="" w="9525">
+                <a14:hiddenLine xmlns="" xmlns:a14="http://schemas.microsoft.com/office/drawing/2010/main" w="9525">
                   <a:solidFill>
                     <a:srgbClr val="000000"/>
                   </a:solidFill>
@@ -26794,7 +26912,7 @@
             </a:ln>
             <a:extLst>
               <a:ext uri="{91240B29-F687-4f45-9708-019B960494DF}">
-                <a14:hiddenLine xmlns:a14="http://schemas.microsoft.com/office/drawing/2010/main" xmlns="" w="9525">
+                <a14:hiddenLine xmlns="" xmlns:a14="http://schemas.microsoft.com/office/drawing/2010/main" w="9525">
                   <a:solidFill>
                     <a:srgbClr val="000000"/>
                   </a:solidFill>
@@ -26862,7 +26980,7 @@
             </a:ln>
             <a:extLst>
               <a:ext uri="{91240B29-F687-4f45-9708-019B960494DF}">
-                <a14:hiddenLine xmlns:a14="http://schemas.microsoft.com/office/drawing/2010/main" xmlns="" w="9525">
+                <a14:hiddenLine xmlns="" xmlns:a14="http://schemas.microsoft.com/office/drawing/2010/main" w="9525">
                   <a:solidFill>
                     <a:srgbClr val="000000"/>
                   </a:solidFill>
@@ -26952,7 +27070,7 @@
             </a:ln>
             <a:extLst>
               <a:ext uri="{91240B29-F687-4f45-9708-019B960494DF}">
-                <a14:hiddenLine xmlns:a14="http://schemas.microsoft.com/office/drawing/2010/main" xmlns="" w="9525">
+                <a14:hiddenLine xmlns="" xmlns:a14="http://schemas.microsoft.com/office/drawing/2010/main" w="9525">
                   <a:solidFill>
                     <a:srgbClr val="000000"/>
                   </a:solidFill>
@@ -26986,7 +27104,7 @@
             </a:ln>
             <a:extLst>
               <a:ext uri="{91240B29-F687-4f45-9708-019B960494DF}">
-                <a14:hiddenLine xmlns:a14="http://schemas.microsoft.com/office/drawing/2010/main" xmlns="" w="9525">
+                <a14:hiddenLine xmlns="" xmlns:a14="http://schemas.microsoft.com/office/drawing/2010/main" w="9525">
                   <a:solidFill>
                     <a:srgbClr val="000000"/>
                   </a:solidFill>
@@ -27076,7 +27194,7 @@
             </a:ln>
             <a:extLst>
               <a:ext uri="{91240B29-F687-4f45-9708-019B960494DF}">
-                <a14:hiddenLine xmlns:a14="http://schemas.microsoft.com/office/drawing/2010/main" xmlns="" w="9525">
+                <a14:hiddenLine xmlns="" xmlns:a14="http://schemas.microsoft.com/office/drawing/2010/main" w="9525">
                   <a:solidFill>
                     <a:srgbClr val="000000"/>
                   </a:solidFill>
@@ -27138,7 +27256,7 @@
             </a:ln>
             <a:extLst>
               <a:ext uri="{91240B29-F687-4f45-9708-019B960494DF}">
-                <a14:hiddenLine xmlns:a14="http://schemas.microsoft.com/office/drawing/2010/main" xmlns="" w="9525">
+                <a14:hiddenLine xmlns="" xmlns:a14="http://schemas.microsoft.com/office/drawing/2010/main" w="9525">
                   <a:solidFill>
                     <a:srgbClr val="000000"/>
                   </a:solidFill>
@@ -27200,7 +27318,7 @@
             </a:ln>
             <a:extLst>
               <a:ext uri="{91240B29-F687-4f45-9708-019B960494DF}">
-                <a14:hiddenLine xmlns:a14="http://schemas.microsoft.com/office/drawing/2010/main" xmlns="" w="9525">
+                <a14:hiddenLine xmlns="" xmlns:a14="http://schemas.microsoft.com/office/drawing/2010/main" w="9525">
                   <a:solidFill>
                     <a:srgbClr val="000000"/>
                   </a:solidFill>
@@ -27290,7 +27408,7 @@
             </a:ln>
             <a:extLst>
               <a:ext uri="{91240B29-F687-4f45-9708-019B960494DF}">
-                <a14:hiddenLine xmlns:a14="http://schemas.microsoft.com/office/drawing/2010/main" xmlns="" w="9525">
+                <a14:hiddenLine xmlns="" xmlns:a14="http://schemas.microsoft.com/office/drawing/2010/main" w="9525">
                   <a:solidFill>
                     <a:srgbClr val="000000"/>
                   </a:solidFill>
@@ -27358,7 +27476,7 @@
             </a:ln>
             <a:extLst>
               <a:ext uri="{91240B29-F687-4f45-9708-019B960494DF}">
-                <a14:hiddenLine xmlns:a14="http://schemas.microsoft.com/office/drawing/2010/main" xmlns="" w="9525">
+                <a14:hiddenLine xmlns="" xmlns:a14="http://schemas.microsoft.com/office/drawing/2010/main" w="9525">
                   <a:solidFill>
                     <a:srgbClr val="000000"/>
                   </a:solidFill>
@@ -27420,7 +27538,7 @@
             </a:ln>
             <a:extLst>
               <a:ext uri="{91240B29-F687-4f45-9708-019B960494DF}">
-                <a14:hiddenLine xmlns:a14="http://schemas.microsoft.com/office/drawing/2010/main" xmlns="" w="9525">
+                <a14:hiddenLine xmlns="" xmlns:a14="http://schemas.microsoft.com/office/drawing/2010/main" w="9525">
                   <a:solidFill>
                     <a:srgbClr val="000000"/>
                   </a:solidFill>
@@ -27510,7 +27628,7 @@
             </a:ln>
             <a:extLst>
               <a:ext uri="{91240B29-F687-4f45-9708-019B960494DF}">
-                <a14:hiddenLine xmlns:a14="http://schemas.microsoft.com/office/drawing/2010/main" xmlns="" w="9525">
+                <a14:hiddenLine xmlns="" xmlns:a14="http://schemas.microsoft.com/office/drawing/2010/main" w="9525">
                   <a:solidFill>
                     <a:srgbClr val="000000"/>
                   </a:solidFill>
@@ -27572,7 +27690,7 @@
             </a:ln>
             <a:extLst>
               <a:ext uri="{91240B29-F687-4f45-9708-019B960494DF}">
-                <a14:hiddenLine xmlns:a14="http://schemas.microsoft.com/office/drawing/2010/main" xmlns="" w="9525">
+                <a14:hiddenLine xmlns="" xmlns:a14="http://schemas.microsoft.com/office/drawing/2010/main" w="9525">
                   <a:solidFill>
                     <a:srgbClr val="000000"/>
                   </a:solidFill>
@@ -27662,7 +27780,7 @@
             </a:ln>
             <a:extLst>
               <a:ext uri="{91240B29-F687-4f45-9708-019B960494DF}">
-                <a14:hiddenLine xmlns:a14="http://schemas.microsoft.com/office/drawing/2010/main" xmlns="" w="9525">
+                <a14:hiddenLine xmlns="" xmlns:a14="http://schemas.microsoft.com/office/drawing/2010/main" w="9525">
                   <a:solidFill>
                     <a:srgbClr val="000000"/>
                   </a:solidFill>
@@ -27724,7 +27842,7 @@
             </a:ln>
             <a:extLst>
               <a:ext uri="{91240B29-F687-4f45-9708-019B960494DF}">
-                <a14:hiddenLine xmlns:a14="http://schemas.microsoft.com/office/drawing/2010/main" xmlns="" w="9525">
+                <a14:hiddenLine xmlns="" xmlns:a14="http://schemas.microsoft.com/office/drawing/2010/main" w="9525">
                   <a:solidFill>
                     <a:srgbClr val="000000"/>
                   </a:solidFill>
@@ -27814,7 +27932,7 @@
             </a:ln>
             <a:extLst>
               <a:ext uri="{91240B29-F687-4f45-9708-019B960494DF}">
-                <a14:hiddenLine xmlns:a14="http://schemas.microsoft.com/office/drawing/2010/main" xmlns="" w="9525">
+                <a14:hiddenLine xmlns="" xmlns:a14="http://schemas.microsoft.com/office/drawing/2010/main" w="9525">
                   <a:solidFill>
                     <a:srgbClr val="000000"/>
                   </a:solidFill>
@@ -27848,7 +27966,7 @@
             </a:ln>
             <a:extLst>
               <a:ext uri="{91240B29-F687-4f45-9708-019B960494DF}">
-                <a14:hiddenLine xmlns:a14="http://schemas.microsoft.com/office/drawing/2010/main" xmlns="" w="9525">
+                <a14:hiddenLine xmlns="" xmlns:a14="http://schemas.microsoft.com/office/drawing/2010/main" w="9525">
                   <a:solidFill>
                     <a:srgbClr val="000000"/>
                   </a:solidFill>
@@ -27913,7 +28031,7 @@
             </a:ln>
             <a:extLst>
               <a:ext uri="{91240B29-F687-4f45-9708-019B960494DF}">
-                <a14:hiddenLine xmlns:a14="http://schemas.microsoft.com/office/drawing/2010/main" xmlns="" w="9525">
+                <a14:hiddenLine xmlns="" xmlns:a14="http://schemas.microsoft.com/office/drawing/2010/main" w="9525">
                   <a:solidFill>
                     <a:srgbClr val="000000"/>
                   </a:solidFill>
@@ -28003,7 +28121,7 @@
             </a:ln>
             <a:extLst>
               <a:ext uri="{91240B29-F687-4f45-9708-019B960494DF}">
-                <a14:hiddenLine xmlns:a14="http://schemas.microsoft.com/office/drawing/2010/main" xmlns="" w="9525">
+                <a14:hiddenLine xmlns="" xmlns:a14="http://schemas.microsoft.com/office/drawing/2010/main" w="9525">
                   <a:solidFill>
                     <a:srgbClr val="000000"/>
                   </a:solidFill>
@@ -28065,7 +28183,7 @@
             </a:ln>
             <a:extLst>
               <a:ext uri="{91240B29-F687-4f45-9708-019B960494DF}">
-                <a14:hiddenLine xmlns:a14="http://schemas.microsoft.com/office/drawing/2010/main" xmlns="" w="9525">
+                <a14:hiddenLine xmlns="" xmlns:a14="http://schemas.microsoft.com/office/drawing/2010/main" w="9525">
                   <a:solidFill>
                     <a:srgbClr val="000000"/>
                   </a:solidFill>
@@ -28155,7 +28273,7 @@
             </a:ln>
             <a:extLst>
               <a:ext uri="{91240B29-F687-4f45-9708-019B960494DF}">
-                <a14:hiddenLine xmlns:a14="http://schemas.microsoft.com/office/drawing/2010/main" xmlns="" w="9525">
+                <a14:hiddenLine xmlns="" xmlns:a14="http://schemas.microsoft.com/office/drawing/2010/main" w="9525">
                   <a:solidFill>
                     <a:srgbClr val="000000"/>
                   </a:solidFill>
@@ -28245,7 +28363,7 @@
             </a:ln>
             <a:extLst>
               <a:ext uri="{91240B29-F687-4f45-9708-019B960494DF}">
-                <a14:hiddenLine xmlns:a14="http://schemas.microsoft.com/office/drawing/2010/main" xmlns="" w="9525">
+                <a14:hiddenLine xmlns="" xmlns:a14="http://schemas.microsoft.com/office/drawing/2010/main" w="9525">
                   <a:solidFill>
                     <a:srgbClr val="000000"/>
                   </a:solidFill>
@@ -28310,7 +28428,7 @@
             </a:ln>
             <a:extLst>
               <a:ext uri="{91240B29-F687-4f45-9708-019B960494DF}">
-                <a14:hiddenLine xmlns:a14="http://schemas.microsoft.com/office/drawing/2010/main" xmlns="" w="9525">
+                <a14:hiddenLine xmlns="" xmlns:a14="http://schemas.microsoft.com/office/drawing/2010/main" w="9525">
                   <a:solidFill>
                     <a:srgbClr val="000000"/>
                   </a:solidFill>
@@ -28372,7 +28490,7 @@
             </a:ln>
             <a:extLst>
               <a:ext uri="{91240B29-F687-4f45-9708-019B960494DF}">
-                <a14:hiddenLine xmlns:a14="http://schemas.microsoft.com/office/drawing/2010/main" xmlns="" w="9525">
+                <a14:hiddenLine xmlns="" xmlns:a14="http://schemas.microsoft.com/office/drawing/2010/main" w="9525">
                   <a:solidFill>
                     <a:srgbClr val="000000"/>
                   </a:solidFill>
@@ -28462,7 +28580,7 @@
             </a:ln>
             <a:extLst>
               <a:ext uri="{91240B29-F687-4f45-9708-019B960494DF}">
-                <a14:hiddenLine xmlns:a14="http://schemas.microsoft.com/office/drawing/2010/main" xmlns="" w="9525">
+                <a14:hiddenLine xmlns="" xmlns:a14="http://schemas.microsoft.com/office/drawing/2010/main" w="9525">
                   <a:solidFill>
                     <a:srgbClr val="000000"/>
                   </a:solidFill>
@@ -28552,7 +28670,7 @@
             </a:ln>
             <a:extLst>
               <a:ext uri="{91240B29-F687-4f45-9708-019B960494DF}">
-                <a14:hiddenLine xmlns:a14="http://schemas.microsoft.com/office/drawing/2010/main" xmlns="" w="9525">
+                <a14:hiddenLine xmlns="" xmlns:a14="http://schemas.microsoft.com/office/drawing/2010/main" w="9525">
                   <a:solidFill>
                     <a:srgbClr val="000000"/>
                   </a:solidFill>
@@ -28614,7 +28732,7 @@
             </a:ln>
             <a:extLst>
               <a:ext uri="{91240B29-F687-4f45-9708-019B960494DF}">
-                <a14:hiddenLine xmlns:a14="http://schemas.microsoft.com/office/drawing/2010/main" xmlns="" w="9525">
+                <a14:hiddenLine xmlns="" xmlns:a14="http://schemas.microsoft.com/office/drawing/2010/main" w="9525">
                   <a:solidFill>
                     <a:srgbClr val="000000"/>
                   </a:solidFill>
@@ -28734,7 +28852,7 @@
             </a:ln>
             <a:extLst>
               <a:ext uri="{91240B29-F687-4f45-9708-019B960494DF}">
-                <a14:hiddenLine xmlns:a14="http://schemas.microsoft.com/office/drawing/2010/main" xmlns="" w="9525">
+                <a14:hiddenLine xmlns="" xmlns:a14="http://schemas.microsoft.com/office/drawing/2010/main" w="9525">
                   <a:solidFill>
                     <a:srgbClr val="000000"/>
                   </a:solidFill>
@@ -28802,7 +28920,7 @@
             </a:ln>
             <a:extLst>
               <a:ext uri="{91240B29-F687-4f45-9708-019B960494DF}">
-                <a14:hiddenLine xmlns:a14="http://schemas.microsoft.com/office/drawing/2010/main" xmlns="" w="9525">
+                <a14:hiddenLine xmlns="" xmlns:a14="http://schemas.microsoft.com/office/drawing/2010/main" w="9525">
                   <a:solidFill>
                     <a:srgbClr val="000000"/>
                   </a:solidFill>
@@ -28892,7 +29010,7 @@
             </a:ln>
             <a:extLst>
               <a:ext uri="{91240B29-F687-4f45-9708-019B960494DF}">
-                <a14:hiddenLine xmlns:a14="http://schemas.microsoft.com/office/drawing/2010/main" xmlns="" w="9525">
+                <a14:hiddenLine xmlns="" xmlns:a14="http://schemas.microsoft.com/office/drawing/2010/main" w="9525">
                   <a:solidFill>
                     <a:srgbClr val="000000"/>
                   </a:solidFill>
@@ -29032,7 +29150,7 @@
           <a:p>
             <a:fld id="{48A87A34-81AB-432B-8DAE-1953F412C126}" type="datetimeFigureOut">
               <a:rPr lang="en-US" smtClean="0"/>
-              <a:t>6/4/2018</a:t>
+              <a:t>7/8/2018</a:t>
             </a:fld>
             <a:endParaRPr lang="en-US" dirty="0"/>
           </a:p>
@@ -29311,7 +29429,7 @@
           <a:p>
             <a:fld id="{48A87A34-81AB-432B-8DAE-1953F412C126}" type="datetimeFigureOut">
               <a:rPr lang="en-US" smtClean="0"/>
-              <a:t>6/4/2018</a:t>
+              <a:t>7/8/2018</a:t>
             </a:fld>
             <a:endParaRPr lang="en-US" dirty="0"/>
           </a:p>
@@ -29519,7 +29637,7 @@
           <a:p>
             <a:fld id="{48A87A34-81AB-432B-8DAE-1953F412C126}" type="datetimeFigureOut">
               <a:rPr lang="en-US" smtClean="0"/>
-              <a:t>6/4/2018</a:t>
+              <a:t>7/8/2018</a:t>
             </a:fld>
             <a:endParaRPr lang="en-US" dirty="0"/>
           </a:p>
@@ -29794,7 +29912,7 @@
           <a:p>
             <a:fld id="{48A87A34-81AB-432B-8DAE-1953F412C126}" type="datetimeFigureOut">
               <a:rPr lang="en-US" smtClean="0"/>
-              <a:t>6/4/2018</a:t>
+              <a:t>7/8/2018</a:t>
             </a:fld>
             <a:endParaRPr lang="en-US" dirty="0"/>
           </a:p>
@@ -30240,7 +30358,7 @@
           <a:p>
             <a:fld id="{48A87A34-81AB-432B-8DAE-1953F412C126}" type="datetimeFigureOut">
               <a:rPr lang="en-US" smtClean="0"/>
-              <a:t>6/4/2018</a:t>
+              <a:t>7/8/2018</a:t>
             </a:fld>
             <a:endParaRPr lang="en-US" dirty="0"/>
           </a:p>
@@ -30798,7 +30916,7 @@
           <a:p>
             <a:fld id="{48A87A34-81AB-432B-8DAE-1953F412C126}" type="datetimeFigureOut">
               <a:rPr lang="en-US" smtClean="0"/>
-              <a:t>6/4/2018</a:t>
+              <a:t>7/8/2018</a:t>
             </a:fld>
             <a:endParaRPr lang="en-US" dirty="0"/>
           </a:p>
@@ -31530,7 +31648,7 @@
           <a:p>
             <a:fld id="{48A87A34-81AB-432B-8DAE-1953F412C126}" type="datetimeFigureOut">
               <a:rPr lang="en-US" smtClean="0"/>
-              <a:t>6/4/2018</a:t>
+              <a:t>7/8/2018</a:t>
             </a:fld>
             <a:endParaRPr lang="en-US" dirty="0"/>
           </a:p>
@@ -31712,7 +31830,7 @@
           <a:p>
             <a:fld id="{48A87A34-81AB-432B-8DAE-1953F412C126}" type="datetimeFigureOut">
               <a:rPr lang="en-US" smtClean="0"/>
-              <a:t>6/4/2018</a:t>
+              <a:t>7/8/2018</a:t>
             </a:fld>
             <a:endParaRPr lang="en-US" dirty="0"/>
           </a:p>
@@ -31904,7 +32022,7 @@
           <a:p>
             <a:fld id="{48A87A34-81AB-432B-8DAE-1953F412C126}" type="datetimeFigureOut">
               <a:rPr lang="en-US" smtClean="0"/>
-              <a:t>6/4/2018</a:t>
+              <a:t>7/8/2018</a:t>
             </a:fld>
             <a:endParaRPr lang="en-US" dirty="0"/>
           </a:p>
@@ -32086,7 +32204,7 @@
           <a:p>
             <a:fld id="{48A87A34-81AB-432B-8DAE-1953F412C126}" type="datetimeFigureOut">
               <a:rPr lang="en-US" smtClean="0"/>
-              <a:t>6/4/2018</a:t>
+              <a:t>7/8/2018</a:t>
             </a:fld>
             <a:endParaRPr lang="en-US" dirty="0"/>
           </a:p>
@@ -32348,7 +32466,7 @@
           <a:p>
             <a:fld id="{48A87A34-81AB-432B-8DAE-1953F412C126}" type="datetimeFigureOut">
               <a:rPr lang="en-US" smtClean="0"/>
-              <a:t>6/4/2018</a:t>
+              <a:t>7/8/2018</a:t>
             </a:fld>
             <a:endParaRPr lang="en-US" dirty="0"/>
           </a:p>
@@ -32592,7 +32710,7 @@
           <a:p>
             <a:fld id="{48A87A34-81AB-432B-8DAE-1953F412C126}" type="datetimeFigureOut">
               <a:rPr lang="en-US" smtClean="0"/>
-              <a:t>6/4/2018</a:t>
+              <a:t>7/8/2018</a:t>
             </a:fld>
             <a:endParaRPr lang="en-US" dirty="0"/>
           </a:p>
@@ -32985,7 +33103,7 @@
           <a:p>
             <a:fld id="{48A87A34-81AB-432B-8DAE-1953F412C126}" type="datetimeFigureOut">
               <a:rPr lang="en-US" smtClean="0"/>
-              <a:t>6/4/2018</a:t>
+              <a:t>7/8/2018</a:t>
             </a:fld>
             <a:endParaRPr lang="en-US" dirty="0"/>
           </a:p>
@@ -33115,7 +33233,7 @@
           <a:p>
             <a:fld id="{48A87A34-81AB-432B-8DAE-1953F412C126}" type="datetimeFigureOut">
               <a:rPr lang="en-US" smtClean="0"/>
-              <a:t>6/4/2018</a:t>
+              <a:t>7/8/2018</a:t>
             </a:fld>
             <a:endParaRPr lang="en-US" dirty="0"/>
           </a:p>
@@ -33222,7 +33340,7 @@
           <a:p>
             <a:fld id="{48A87A34-81AB-432B-8DAE-1953F412C126}" type="datetimeFigureOut">
               <a:rPr lang="en-US" smtClean="0"/>
-              <a:t>6/4/2018</a:t>
+              <a:t>7/8/2018</a:t>
             </a:fld>
             <a:endParaRPr lang="en-US" dirty="0"/>
           </a:p>
@@ -33483,7 +33601,7 @@
           <a:p>
             <a:fld id="{48A87A34-81AB-432B-8DAE-1953F412C126}" type="datetimeFigureOut">
               <a:rPr lang="en-US" smtClean="0"/>
-              <a:t>6/4/2018</a:t>
+              <a:t>7/8/2018</a:t>
             </a:fld>
             <a:endParaRPr lang="en-US" dirty="0"/>
           </a:p>
@@ -33775,7 +33893,7 @@
           <a:p>
             <a:fld id="{48A87A34-81AB-432B-8DAE-1953F412C126}" type="datetimeFigureOut">
               <a:rPr lang="en-US" smtClean="0"/>
-              <a:t>6/4/2018</a:t>
+              <a:t>7/8/2018</a:t>
             </a:fld>
             <a:endParaRPr lang="en-US" dirty="0"/>
           </a:p>
@@ -33910,7 +34028,7 @@
           <a:noFill/>
           <a:extLst>
             <a:ext uri="{909E8E84-426E-40dd-AFC4-6F175D3DCCD1}">
-              <a14:hiddenFill xmlns:a14="http://schemas.microsoft.com/office/drawing/2010/main" xmlns="">
+              <a14:hiddenFill xmlns="" xmlns:a14="http://schemas.microsoft.com/office/drawing/2010/main">
                 <a:solidFill>
                   <a:srgbClr val="FFFFFF"/>
                 </a:solidFill>
@@ -33984,7 +34102,7 @@
               </a:ln>
               <a:extLst>
                 <a:ext uri="{91240B29-F687-4f45-9708-019B960494DF}">
-                  <a14:hiddenLine xmlns:a14="http://schemas.microsoft.com/office/drawing/2010/main" xmlns="" w="9525">
+                  <a14:hiddenLine xmlns="" xmlns:a14="http://schemas.microsoft.com/office/drawing/2010/main" w="9525">
                     <a:solidFill>
                       <a:srgbClr val="000000"/>
                     </a:solidFill>
@@ -34074,7 +34192,7 @@
               </a:ln>
               <a:extLst>
                 <a:ext uri="{91240B29-F687-4f45-9708-019B960494DF}">
-                  <a14:hiddenLine xmlns:a14="http://schemas.microsoft.com/office/drawing/2010/main" xmlns="" w="9525">
+                  <a14:hiddenLine xmlns="" xmlns:a14="http://schemas.microsoft.com/office/drawing/2010/main" w="9525">
                     <a:solidFill>
                       <a:srgbClr val="000000"/>
                     </a:solidFill>
@@ -34164,7 +34282,7 @@
               </a:ln>
               <a:extLst>
                 <a:ext uri="{91240B29-F687-4f45-9708-019B960494DF}">
-                  <a14:hiddenLine xmlns:a14="http://schemas.microsoft.com/office/drawing/2010/main" xmlns="" w="9525">
+                  <a14:hiddenLine xmlns="" xmlns:a14="http://schemas.microsoft.com/office/drawing/2010/main" w="9525">
                     <a:solidFill>
                       <a:srgbClr val="000000"/>
                     </a:solidFill>
@@ -34226,7 +34344,7 @@
               </a:ln>
               <a:extLst>
                 <a:ext uri="{91240B29-F687-4f45-9708-019B960494DF}">
-                  <a14:hiddenLine xmlns:a14="http://schemas.microsoft.com/office/drawing/2010/main" xmlns="" w="9525">
+                  <a14:hiddenLine xmlns="" xmlns:a14="http://schemas.microsoft.com/office/drawing/2010/main" w="9525">
                     <a:solidFill>
                       <a:srgbClr val="000000"/>
                     </a:solidFill>
@@ -34316,7 +34434,7 @@
               </a:ln>
               <a:extLst>
                 <a:ext uri="{91240B29-F687-4f45-9708-019B960494DF}">
-                  <a14:hiddenLine xmlns:a14="http://schemas.microsoft.com/office/drawing/2010/main" xmlns="" w="9525">
+                  <a14:hiddenLine xmlns="" xmlns:a14="http://schemas.microsoft.com/office/drawing/2010/main" w="9525">
                     <a:solidFill>
                       <a:srgbClr val="000000"/>
                     </a:solidFill>
@@ -34378,7 +34496,7 @@
               </a:ln>
               <a:extLst>
                 <a:ext uri="{91240B29-F687-4f45-9708-019B960494DF}">
-                  <a14:hiddenLine xmlns:a14="http://schemas.microsoft.com/office/drawing/2010/main" xmlns="" w="9525">
+                  <a14:hiddenLine xmlns="" xmlns:a14="http://schemas.microsoft.com/office/drawing/2010/main" w="9525">
                     <a:solidFill>
                       <a:srgbClr val="000000"/>
                     </a:solidFill>
@@ -34440,7 +34558,7 @@
               </a:ln>
               <a:extLst>
                 <a:ext uri="{91240B29-F687-4f45-9708-019B960494DF}">
-                  <a14:hiddenLine xmlns:a14="http://schemas.microsoft.com/office/drawing/2010/main" xmlns="" w="9525">
+                  <a14:hiddenLine xmlns="" xmlns:a14="http://schemas.microsoft.com/office/drawing/2010/main" w="9525">
                     <a:solidFill>
                       <a:srgbClr val="000000"/>
                     </a:solidFill>
@@ -34530,7 +34648,7 @@
               </a:ln>
               <a:extLst>
                 <a:ext uri="{91240B29-F687-4f45-9708-019B960494DF}">
-                  <a14:hiddenLine xmlns:a14="http://schemas.microsoft.com/office/drawing/2010/main" xmlns="" w="9525">
+                  <a14:hiddenLine xmlns="" xmlns:a14="http://schemas.microsoft.com/office/drawing/2010/main" w="9525">
                     <a:solidFill>
                       <a:srgbClr val="000000"/>
                     </a:solidFill>
@@ -34620,7 +34738,7 @@
               </a:ln>
               <a:extLst>
                 <a:ext uri="{91240B29-F687-4f45-9708-019B960494DF}">
-                  <a14:hiddenLine xmlns:a14="http://schemas.microsoft.com/office/drawing/2010/main" xmlns="" w="9525">
+                  <a14:hiddenLine xmlns="" xmlns:a14="http://schemas.microsoft.com/office/drawing/2010/main" w="9525">
                     <a:solidFill>
                       <a:srgbClr val="000000"/>
                     </a:solidFill>
@@ -34682,7 +34800,7 @@
               </a:ln>
               <a:extLst>
                 <a:ext uri="{91240B29-F687-4f45-9708-019B960494DF}">
-                  <a14:hiddenLine xmlns:a14="http://schemas.microsoft.com/office/drawing/2010/main" xmlns="" w="9525">
+                  <a14:hiddenLine xmlns="" xmlns:a14="http://schemas.microsoft.com/office/drawing/2010/main" w="9525">
                     <a:solidFill>
                       <a:srgbClr val="000000"/>
                     </a:solidFill>
@@ -34792,7 +34910,7 @@
               </a:ln>
               <a:extLst>
                 <a:ext uri="{91240B29-F687-4f45-9708-019B960494DF}">
-                  <a14:hiddenLine xmlns:a14="http://schemas.microsoft.com/office/drawing/2010/main" xmlns="" w="9525">
+                  <a14:hiddenLine xmlns="" xmlns:a14="http://schemas.microsoft.com/office/drawing/2010/main" w="9525">
                     <a:solidFill>
                       <a:srgbClr val="000000"/>
                     </a:solidFill>
@@ -34876,7 +34994,7 @@
               </a:ln>
               <a:extLst>
                 <a:ext uri="{91240B29-F687-4f45-9708-019B960494DF}">
-                  <a14:hiddenLine xmlns:a14="http://schemas.microsoft.com/office/drawing/2010/main" xmlns="" w="9525">
+                  <a14:hiddenLine xmlns="" xmlns:a14="http://schemas.microsoft.com/office/drawing/2010/main" w="9525">
                     <a:solidFill>
                       <a:srgbClr val="000000"/>
                     </a:solidFill>
@@ -34938,7 +35056,7 @@
               </a:ln>
               <a:extLst>
                 <a:ext uri="{91240B29-F687-4f45-9708-019B960494DF}">
-                  <a14:hiddenLine xmlns:a14="http://schemas.microsoft.com/office/drawing/2010/main" xmlns="" w="9525">
+                  <a14:hiddenLine xmlns="" xmlns:a14="http://schemas.microsoft.com/office/drawing/2010/main" w="9525">
                     <a:solidFill>
                       <a:srgbClr val="000000"/>
                     </a:solidFill>
@@ -35000,7 +35118,7 @@
               </a:ln>
               <a:extLst>
                 <a:ext uri="{91240B29-F687-4f45-9708-019B960494DF}">
-                  <a14:hiddenLine xmlns:a14="http://schemas.microsoft.com/office/drawing/2010/main" xmlns="" w="9525">
+                  <a14:hiddenLine xmlns="" xmlns:a14="http://schemas.microsoft.com/office/drawing/2010/main" w="9525">
                     <a:solidFill>
                       <a:srgbClr val="000000"/>
                     </a:solidFill>
@@ -35090,7 +35208,7 @@
               </a:ln>
               <a:extLst>
                 <a:ext uri="{91240B29-F687-4f45-9708-019B960494DF}">
-                  <a14:hiddenLine xmlns:a14="http://schemas.microsoft.com/office/drawing/2010/main" xmlns="" w="9525">
+                  <a14:hiddenLine xmlns="" xmlns:a14="http://schemas.microsoft.com/office/drawing/2010/main" w="9525">
                     <a:solidFill>
                       <a:srgbClr val="000000"/>
                     </a:solidFill>
@@ -35124,7 +35242,7 @@
               </a:ln>
               <a:extLst>
                 <a:ext uri="{91240B29-F687-4f45-9708-019B960494DF}">
-                  <a14:hiddenLine xmlns:a14="http://schemas.microsoft.com/office/drawing/2010/main" xmlns="" w="9525">
+                  <a14:hiddenLine xmlns="" xmlns:a14="http://schemas.microsoft.com/office/drawing/2010/main" w="9525">
                     <a:solidFill>
                       <a:srgbClr val="000000"/>
                     </a:solidFill>
@@ -35189,7 +35307,7 @@
               </a:ln>
               <a:extLst>
                 <a:ext uri="{91240B29-F687-4f45-9708-019B960494DF}">
-                  <a14:hiddenLine xmlns:a14="http://schemas.microsoft.com/office/drawing/2010/main" xmlns="" w="9525">
+                  <a14:hiddenLine xmlns="" xmlns:a14="http://schemas.microsoft.com/office/drawing/2010/main" w="9525">
                     <a:solidFill>
                       <a:srgbClr val="000000"/>
                     </a:solidFill>
@@ -35279,7 +35397,7 @@
               </a:ln>
               <a:extLst>
                 <a:ext uri="{91240B29-F687-4f45-9708-019B960494DF}">
-                  <a14:hiddenLine xmlns:a14="http://schemas.microsoft.com/office/drawing/2010/main" xmlns="" w="9525">
+                  <a14:hiddenLine xmlns="" xmlns:a14="http://schemas.microsoft.com/office/drawing/2010/main" w="9525">
                     <a:solidFill>
                       <a:srgbClr val="000000"/>
                     </a:solidFill>
@@ -35341,7 +35459,7 @@
               </a:ln>
               <a:extLst>
                 <a:ext uri="{91240B29-F687-4f45-9708-019B960494DF}">
-                  <a14:hiddenLine xmlns:a14="http://schemas.microsoft.com/office/drawing/2010/main" xmlns="" w="9525">
+                  <a14:hiddenLine xmlns="" xmlns:a14="http://schemas.microsoft.com/office/drawing/2010/main" w="9525">
                     <a:solidFill>
                       <a:srgbClr val="000000"/>
                     </a:solidFill>
@@ -35431,7 +35549,7 @@
               </a:ln>
               <a:extLst>
                 <a:ext uri="{91240B29-F687-4f45-9708-019B960494DF}">
-                  <a14:hiddenLine xmlns:a14="http://schemas.microsoft.com/office/drawing/2010/main" xmlns="" w="9525">
+                  <a14:hiddenLine xmlns="" xmlns:a14="http://schemas.microsoft.com/office/drawing/2010/main" w="9525">
                     <a:solidFill>
                       <a:srgbClr val="000000"/>
                     </a:solidFill>
@@ -35496,7 +35614,7 @@
               </a:ln>
               <a:extLst>
                 <a:ext uri="{91240B29-F687-4f45-9708-019B960494DF}">
-                  <a14:hiddenLine xmlns:a14="http://schemas.microsoft.com/office/drawing/2010/main" xmlns="" w="9525">
+                  <a14:hiddenLine xmlns="" xmlns:a14="http://schemas.microsoft.com/office/drawing/2010/main" w="9525">
                     <a:solidFill>
                       <a:srgbClr val="000000"/>
                     </a:solidFill>
@@ -35558,7 +35676,7 @@
               </a:ln>
               <a:extLst>
                 <a:ext uri="{91240B29-F687-4f45-9708-019B960494DF}">
-                  <a14:hiddenLine xmlns:a14="http://schemas.microsoft.com/office/drawing/2010/main" xmlns="" w="9525">
+                  <a14:hiddenLine xmlns="" xmlns:a14="http://schemas.microsoft.com/office/drawing/2010/main" w="9525">
                     <a:solidFill>
                       <a:srgbClr val="000000"/>
                     </a:solidFill>
@@ -35648,7 +35766,7 @@
               </a:ln>
               <a:extLst>
                 <a:ext uri="{91240B29-F687-4f45-9708-019B960494DF}">
-                  <a14:hiddenLine xmlns:a14="http://schemas.microsoft.com/office/drawing/2010/main" xmlns="" w="9525">
+                  <a14:hiddenLine xmlns="" xmlns:a14="http://schemas.microsoft.com/office/drawing/2010/main" w="9525">
                     <a:solidFill>
                       <a:srgbClr val="000000"/>
                     </a:solidFill>
@@ -35738,7 +35856,7 @@
               </a:ln>
               <a:extLst>
                 <a:ext uri="{91240B29-F687-4f45-9708-019B960494DF}">
-                  <a14:hiddenLine xmlns:a14="http://schemas.microsoft.com/office/drawing/2010/main" xmlns="" w="9525">
+                  <a14:hiddenLine xmlns="" xmlns:a14="http://schemas.microsoft.com/office/drawing/2010/main" w="9525">
                     <a:solidFill>
                       <a:srgbClr val="000000"/>
                     </a:solidFill>
@@ -35803,7 +35921,7 @@
               </a:ln>
               <a:extLst>
                 <a:ext uri="{91240B29-F687-4f45-9708-019B960494DF}">
-                  <a14:hiddenLine xmlns:a14="http://schemas.microsoft.com/office/drawing/2010/main" xmlns="" w="9525">
+                  <a14:hiddenLine xmlns="" xmlns:a14="http://schemas.microsoft.com/office/drawing/2010/main" w="9525">
                     <a:solidFill>
                       <a:srgbClr val="000000"/>
                     </a:solidFill>
@@ -35923,7 +36041,7 @@
               </a:ln>
               <a:extLst>
                 <a:ext uri="{91240B29-F687-4f45-9708-019B960494DF}">
-                  <a14:hiddenLine xmlns:a14="http://schemas.microsoft.com/office/drawing/2010/main" xmlns="" w="9525">
+                  <a14:hiddenLine xmlns="" xmlns:a14="http://schemas.microsoft.com/office/drawing/2010/main" w="9525">
                     <a:solidFill>
                       <a:srgbClr val="000000"/>
                     </a:solidFill>
@@ -36004,7 +36122,7 @@
               </a:ln>
               <a:extLst>
                 <a:ext uri="{91240B29-F687-4f45-9708-019B960494DF}">
-                  <a14:hiddenLine xmlns:a14="http://schemas.microsoft.com/office/drawing/2010/main" xmlns="" w="9525">
+                  <a14:hiddenLine xmlns="" xmlns:a14="http://schemas.microsoft.com/office/drawing/2010/main" w="9525">
                     <a:solidFill>
                       <a:srgbClr val="000000"/>
                     </a:solidFill>
@@ -36119,7 +36237,7 @@
               </a:ln>
               <a:extLst>
                 <a:ext uri="{91240B29-F687-4f45-9708-019B960494DF}">
-                  <a14:hiddenLine xmlns:a14="http://schemas.microsoft.com/office/drawing/2010/main" xmlns="" w="9525">
+                  <a14:hiddenLine xmlns="" xmlns:a14="http://schemas.microsoft.com/office/drawing/2010/main" w="9525">
                     <a:solidFill>
                       <a:srgbClr val="000000"/>
                     </a:solidFill>
@@ -36209,7 +36327,7 @@
               </a:ln>
               <a:extLst>
                 <a:ext uri="{91240B29-F687-4f45-9708-019B960494DF}">
-                  <a14:hiddenLine xmlns:a14="http://schemas.microsoft.com/office/drawing/2010/main" xmlns="" w="9525">
+                  <a14:hiddenLine xmlns="" xmlns:a14="http://schemas.microsoft.com/office/drawing/2010/main" w="9525">
                     <a:solidFill>
                       <a:srgbClr val="000000"/>
                     </a:solidFill>
@@ -36274,7 +36392,7 @@
               </a:ln>
               <a:extLst>
                 <a:ext uri="{91240B29-F687-4f45-9708-019B960494DF}">
-                  <a14:hiddenLine xmlns:a14="http://schemas.microsoft.com/office/drawing/2010/main" xmlns="" w="9525">
+                  <a14:hiddenLine xmlns="" xmlns:a14="http://schemas.microsoft.com/office/drawing/2010/main" w="9525">
                     <a:solidFill>
                       <a:srgbClr val="000000"/>
                     </a:solidFill>
@@ -36364,7 +36482,7 @@
               </a:ln>
               <a:extLst>
                 <a:ext uri="{91240B29-F687-4f45-9708-019B960494DF}">
-                  <a14:hiddenLine xmlns:a14="http://schemas.microsoft.com/office/drawing/2010/main" xmlns="" w="9525">
+                  <a14:hiddenLine xmlns="" xmlns:a14="http://schemas.microsoft.com/office/drawing/2010/main" w="9525">
                     <a:solidFill>
                       <a:srgbClr val="000000"/>
                     </a:solidFill>
@@ -36432,7 +36550,7 @@
               </a:ln>
               <a:extLst>
                 <a:ext uri="{91240B29-F687-4f45-9708-019B960494DF}">
-                  <a14:hiddenLine xmlns:a14="http://schemas.microsoft.com/office/drawing/2010/main" xmlns="" w="9525">
+                  <a14:hiddenLine xmlns="" xmlns:a14="http://schemas.microsoft.com/office/drawing/2010/main" w="9525">
                     <a:solidFill>
                       <a:srgbClr val="000000"/>
                     </a:solidFill>
@@ -36522,7 +36640,7 @@
               </a:ln>
               <a:extLst>
                 <a:ext uri="{91240B29-F687-4f45-9708-019B960494DF}">
-                  <a14:hiddenLine xmlns:a14="http://schemas.microsoft.com/office/drawing/2010/main" xmlns="" w="9525">
+                  <a14:hiddenLine xmlns="" xmlns:a14="http://schemas.microsoft.com/office/drawing/2010/main" w="9525">
                     <a:solidFill>
                       <a:srgbClr val="000000"/>
                     </a:solidFill>
@@ -36590,7 +36708,7 @@
               </a:ln>
               <a:extLst>
                 <a:ext uri="{91240B29-F687-4f45-9708-019B960494DF}">
-                  <a14:hiddenLine xmlns:a14="http://schemas.microsoft.com/office/drawing/2010/main" xmlns="" w="9525">
+                  <a14:hiddenLine xmlns="" xmlns:a14="http://schemas.microsoft.com/office/drawing/2010/main" w="9525">
                     <a:solidFill>
                       <a:srgbClr val="000000"/>
                     </a:solidFill>
@@ -36680,7 +36798,7 @@
               </a:ln>
               <a:extLst>
                 <a:ext uri="{91240B29-F687-4f45-9708-019B960494DF}">
-                  <a14:hiddenLine xmlns:a14="http://schemas.microsoft.com/office/drawing/2010/main" xmlns="" w="9525">
+                  <a14:hiddenLine xmlns="" xmlns:a14="http://schemas.microsoft.com/office/drawing/2010/main" w="9525">
                     <a:solidFill>
                       <a:srgbClr val="000000"/>
                     </a:solidFill>
@@ -36714,7 +36832,7 @@
               </a:ln>
               <a:extLst>
                 <a:ext uri="{91240B29-F687-4f45-9708-019B960494DF}">
-                  <a14:hiddenLine xmlns:a14="http://schemas.microsoft.com/office/drawing/2010/main" xmlns="" w="9525">
+                  <a14:hiddenLine xmlns="" xmlns:a14="http://schemas.microsoft.com/office/drawing/2010/main" w="9525">
                     <a:solidFill>
                       <a:srgbClr val="000000"/>
                     </a:solidFill>
@@ -36855,7 +36973,7 @@
             <a:fld id="{48A87A34-81AB-432B-8DAE-1953F412C126}" type="datetimeFigureOut">
               <a:rPr lang="en-US" smtClean="0"/>
               <a:pPr/>
-              <a:t>6/4/2018</a:t>
+              <a:t>7/8/2018</a:t>
             </a:fld>
             <a:endParaRPr lang="en-US" dirty="0"/>
           </a:p>
@@ -38433,7 +38551,7 @@
             </a:r>
             <a:r>
               <a:rPr lang="en-GB" dirty="0" err="1"/>
-              <a:t>rộng</a:t>
+              <a:t>Rông</a:t>
             </a:r>
             <a:endParaRPr lang="en-GB" dirty="0"/>
           </a:p>
@@ -38945,7 +39063,7 @@
             <a:pPr algn="ctr"/>
             <a:r>
               <a:rPr lang="en-GB" dirty="0" err="1"/>
-              <a:t>Nội</a:t>
+              <a:t>Nôi</a:t>
             </a:r>
             <a:r>
               <a:rPr lang="en-GB" dirty="0"/>
@@ -38964,7 +39082,7 @@
             <p:ph idx="1"/>
             <p:extLst>
               <p:ext uri="{D42A27DB-BD31-4B8C-83A1-F6EECF244321}">
-                <p14:modId xmlns:p14="http://schemas.microsoft.com/office/powerpoint/2010/main" val="1453235910"/>
+                <p14:modId xmlns:p14="http://schemas.microsoft.com/office/powerpoint/2010/main" val="3163777919"/>
               </p:ext>
             </p:extLst>
           </p:nvPr>
@@ -38975,7 +39093,7 @@
         </p:xfrm>
         <a:graphic>
           <a:graphicData uri="http://schemas.openxmlformats.org/drawingml/2006/diagram">
-            <dgm:relIds xmlns:dgm="http://schemas.openxmlformats.org/drawingml/2006/diagram" xmlns:r="http://schemas.openxmlformats.org/officeDocument/2006/relationships" r:dm="rId2" r:lo="rId3" r:qs="rId4" r:cs="rId5"/>
+            <dgm:relIds xmlns:dgm="http://schemas.openxmlformats.org/drawingml/2006/diagram" xmlns:r="http://schemas.openxmlformats.org/officeDocument/2006/relationships" r:dm="rId3" r:lo="rId4" r:qs="rId5" r:cs="rId6"/>
           </a:graphicData>
         </a:graphic>
       </p:graphicFrame>
@@ -39449,7 +39567,7 @@
             <a:pPr algn="ctr"/>
             <a:r>
               <a:rPr lang="en-GB" dirty="0" err="1"/>
-              <a:t>Lựa</a:t>
+              <a:t>Các</a:t>
             </a:r>
             <a:r>
               <a:rPr lang="en-GB" dirty="0"/>
@@ -39457,7 +39575,7 @@
             </a:r>
             <a:r>
               <a:rPr lang="en-GB" dirty="0" err="1"/>
-              <a:t>chọn</a:t>
+              <a:t>đối</a:t>
             </a:r>
             <a:r>
               <a:rPr lang="en-GB" dirty="0"/>
@@ -39465,7 +39583,7 @@
             </a:r>
             <a:r>
               <a:rPr lang="en-GB" dirty="0" err="1"/>
-              <a:t>giải</a:t>
+              <a:t>tượng</a:t>
             </a:r>
             <a:r>
               <a:rPr lang="en-GB" dirty="0"/>
@@ -39473,7 +39591,31 @@
             </a:r>
             <a:r>
               <a:rPr lang="en-GB" dirty="0" err="1"/>
-              <a:t>pháp</a:t>
+              <a:t>sử</a:t>
+            </a:r>
+            <a:r>
+              <a:rPr lang="en-GB" dirty="0"/>
+              <a:t> </a:t>
+            </a:r>
+            <a:r>
+              <a:rPr lang="en-GB" dirty="0" err="1"/>
+              <a:t>dụng</a:t>
+            </a:r>
+            <a:r>
+              <a:rPr lang="en-GB" dirty="0"/>
+              <a:t> </a:t>
+            </a:r>
+            <a:r>
+              <a:rPr lang="en-GB" dirty="0" err="1"/>
+              <a:t>hê</a:t>
+            </a:r>
+            <a:r>
+              <a:rPr lang="en-GB" dirty="0"/>
+              <a:t> </a:t>
+            </a:r>
+            <a:r>
+              <a:rPr lang="en-GB" dirty="0" err="1"/>
+              <a:t>thống</a:t>
             </a:r>
             <a:endParaRPr lang="en-GB" dirty="0"/>
           </a:p>
@@ -39481,7 +39623,7 @@
       </p:sp>
       <p:graphicFrame>
         <p:nvGraphicFramePr>
-          <p:cNvPr id="6" name="Content Placeholder 5"/>
+          <p:cNvPr id="9" name="Content Placeholder 8"/>
           <p:cNvGraphicFramePr>
             <a:graphicFrameLocks noGrp="1"/>
           </p:cNvGraphicFramePr>
@@ -39489,14 +39631,14 @@
             <p:ph idx="1"/>
             <p:extLst>
               <p:ext uri="{D42A27DB-BD31-4B8C-83A1-F6EECF244321}">
-                <p14:modId xmlns:p14="http://schemas.microsoft.com/office/powerpoint/2010/main" val="1605524299"/>
+                <p14:modId xmlns:p14="http://schemas.microsoft.com/office/powerpoint/2010/main" val="709188930"/>
               </p:ext>
             </p:extLst>
           </p:nvPr>
         </p:nvGraphicFramePr>
         <p:xfrm>
-          <a:off x="1141413" y="2249488"/>
-          <a:ext cx="9906000" cy="3541712"/>
+          <a:off x="1141413" y="2260600"/>
+          <a:ext cx="9906000" cy="3314700"/>
         </p:xfrm>
         <a:graphic>
           <a:graphicData uri="http://schemas.openxmlformats.org/drawingml/2006/diagram">
@@ -39507,7 +39649,7 @@
     </p:spTree>
     <p:extLst>
       <p:ext uri="{BB962C8B-B14F-4D97-AF65-F5344CB8AC3E}">
-        <p14:creationId xmlns:p14="http://schemas.microsoft.com/office/powerpoint/2010/main" val="3475690681"/>
+        <p14:creationId xmlns:p14="http://schemas.microsoft.com/office/powerpoint/2010/main" val="849823055"/>
       </p:ext>
     </p:extLst>
   </p:cSld>
@@ -39564,7 +39706,7 @@
             <a:pPr algn="ctr"/>
             <a:r>
               <a:rPr lang="en-GB" dirty="0" err="1"/>
-              <a:t>Các</a:t>
+              <a:t>Chức</a:t>
             </a:r>
             <a:r>
               <a:rPr lang="en-GB" dirty="0"/>
@@ -39572,15 +39714,19 @@
             </a:r>
             <a:r>
               <a:rPr lang="en-GB" dirty="0" err="1"/>
-              <a:t>đối</a:t>
+              <a:t>năng</a:t>
             </a:r>
             <a:r>
               <a:rPr lang="en-GB" dirty="0"/>
-              <a:t> </a:t>
+              <a:t> DÀNH </a:t>
+            </a:r>
+            <a:r>
+              <a:rPr lang="en-GB"/>
+              <a:t>cho </a:t>
             </a:r>
             <a:r>
               <a:rPr lang="en-GB" dirty="0" err="1"/>
-              <a:t>tượng</a:t>
+              <a:t>khách</a:t>
             </a:r>
             <a:r>
               <a:rPr lang="en-GB" dirty="0"/>
@@ -39588,7 +39734,7 @@
             </a:r>
             <a:r>
               <a:rPr lang="en-GB" dirty="0" err="1"/>
-              <a:t>sử</a:t>
+              <a:t>vãng</a:t>
             </a:r>
             <a:r>
               <a:rPr lang="en-GB" dirty="0"/>
@@ -39596,23 +39742,7 @@
             </a:r>
             <a:r>
               <a:rPr lang="en-GB" dirty="0" err="1"/>
-              <a:t>dụng</a:t>
-            </a:r>
-            <a:r>
-              <a:rPr lang="en-GB" dirty="0"/>
-              <a:t> </a:t>
-            </a:r>
-            <a:r>
-              <a:rPr lang="en-GB" dirty="0" err="1"/>
-              <a:t>hê</a:t>
-            </a:r>
-            <a:r>
-              <a:rPr lang="en-GB" dirty="0"/>
-              <a:t> </a:t>
-            </a:r>
-            <a:r>
-              <a:rPr lang="en-GB" dirty="0" err="1"/>
-              <a:t>thống</a:t>
+              <a:t>lai</a:t>
             </a:r>
             <a:endParaRPr lang="en-GB" dirty="0"/>
           </a:p>
@@ -39620,7 +39750,7 @@
       </p:sp>
       <p:graphicFrame>
         <p:nvGraphicFramePr>
-          <p:cNvPr id="9" name="Content Placeholder 8"/>
+          <p:cNvPr id="5" name="Content Placeholder 4"/>
           <p:cNvGraphicFramePr>
             <a:graphicFrameLocks noGrp="1"/>
           </p:cNvGraphicFramePr>
@@ -39628,14 +39758,14 @@
             <p:ph idx="1"/>
             <p:extLst>
               <p:ext uri="{D42A27DB-BD31-4B8C-83A1-F6EECF244321}">
-                <p14:modId xmlns:p14="http://schemas.microsoft.com/office/powerpoint/2010/main" val="709188930"/>
+                <p14:modId xmlns:p14="http://schemas.microsoft.com/office/powerpoint/2010/main" val="546065205"/>
               </p:ext>
             </p:extLst>
           </p:nvPr>
         </p:nvGraphicFramePr>
         <p:xfrm>
-          <a:off x="1141413" y="2260600"/>
-          <a:ext cx="9906000" cy="3314700"/>
+          <a:off x="1141411" y="2654300"/>
+          <a:ext cx="9906000" cy="2540000"/>
         </p:xfrm>
         <a:graphic>
           <a:graphicData uri="http://schemas.openxmlformats.org/drawingml/2006/diagram">
@@ -39646,7 +39776,7 @@
     </p:spTree>
     <p:extLst>
       <p:ext uri="{BB962C8B-B14F-4D97-AF65-F5344CB8AC3E}">
-        <p14:creationId xmlns:p14="http://schemas.microsoft.com/office/powerpoint/2010/main" val="849823055"/>
+        <p14:creationId xmlns:p14="http://schemas.microsoft.com/office/powerpoint/2010/main" val="3321921543"/>
       </p:ext>
     </p:extLst>
   </p:cSld>
@@ -39719,7 +39849,15 @@
             </a:r>
             <a:r>
               <a:rPr lang="en-GB" dirty="0" err="1"/>
-              <a:t>của</a:t>
+              <a:t>dành</a:t>
+            </a:r>
+            <a:r>
+              <a:rPr lang="en-GB" dirty="0"/>
+              <a:t> </a:t>
+            </a:r>
+            <a:r>
+              <a:rPr lang="en-GB" dirty="0" err="1"/>
+              <a:t>cho</a:t>
             </a:r>
             <a:r>
               <a:rPr lang="en-GB" dirty="0"/>
@@ -39735,7 +39873,7 @@
             </a:r>
             <a:r>
               <a:rPr lang="en-GB" dirty="0" err="1"/>
-              <a:t>vãng</a:t>
+              <a:t>thành</a:t>
             </a:r>
             <a:r>
               <a:rPr lang="en-GB" dirty="0"/>
@@ -39743,7 +39881,7 @@
             </a:r>
             <a:r>
               <a:rPr lang="en-GB" dirty="0" err="1"/>
-              <a:t>lai</a:t>
+              <a:t>viên</a:t>
             </a:r>
             <a:endParaRPr lang="en-GB" dirty="0"/>
           </a:p>
@@ -39751,7 +39889,7 @@
       </p:sp>
       <p:graphicFrame>
         <p:nvGraphicFramePr>
-          <p:cNvPr id="5" name="Content Placeholder 4"/>
+          <p:cNvPr id="4" name="Content Placeholder 3"/>
           <p:cNvGraphicFramePr>
             <a:graphicFrameLocks noGrp="1"/>
           </p:cNvGraphicFramePr>
@@ -39759,14 +39897,14 @@
             <p:ph idx="1"/>
             <p:extLst>
               <p:ext uri="{D42A27DB-BD31-4B8C-83A1-F6EECF244321}">
-                <p14:modId xmlns:p14="http://schemas.microsoft.com/office/powerpoint/2010/main" val="546065205"/>
+                <p14:modId xmlns:p14="http://schemas.microsoft.com/office/powerpoint/2010/main" val="753648428"/>
               </p:ext>
             </p:extLst>
           </p:nvPr>
         </p:nvGraphicFramePr>
         <p:xfrm>
-          <a:off x="1141411" y="2654300"/>
-          <a:ext cx="9906000" cy="2540000"/>
+          <a:off x="1141413" y="2249488"/>
+          <a:ext cx="9906000" cy="3922712"/>
         </p:xfrm>
         <a:graphic>
           <a:graphicData uri="http://schemas.openxmlformats.org/drawingml/2006/diagram">
@@ -39777,7 +39915,7 @@
     </p:spTree>
     <p:extLst>
       <p:ext uri="{BB962C8B-B14F-4D97-AF65-F5344CB8AC3E}">
-        <p14:creationId xmlns:p14="http://schemas.microsoft.com/office/powerpoint/2010/main" val="3321921543"/>
+        <p14:creationId xmlns:p14="http://schemas.microsoft.com/office/powerpoint/2010/main" val="4239046858"/>
       </p:ext>
     </p:extLst>
   </p:cSld>
@@ -39866,145 +40004,6 @@
             </a:r>
             <a:r>
               <a:rPr lang="en-GB" dirty="0" err="1"/>
-              <a:t>khách</a:t>
-            </a:r>
-            <a:r>
-              <a:rPr lang="en-GB" dirty="0"/>
-              <a:t> </a:t>
-            </a:r>
-            <a:r>
-              <a:rPr lang="en-GB" dirty="0" err="1"/>
-              <a:t>thành</a:t>
-            </a:r>
-            <a:r>
-              <a:rPr lang="en-GB" dirty="0"/>
-              <a:t> </a:t>
-            </a:r>
-            <a:r>
-              <a:rPr lang="en-GB" dirty="0" err="1"/>
-              <a:t>viên</a:t>
-            </a:r>
-            <a:endParaRPr lang="en-GB" dirty="0"/>
-          </a:p>
-        </p:txBody>
-      </p:sp>
-      <p:graphicFrame>
-        <p:nvGraphicFramePr>
-          <p:cNvPr id="4" name="Content Placeholder 3"/>
-          <p:cNvGraphicFramePr>
-            <a:graphicFrameLocks noGrp="1"/>
-          </p:cNvGraphicFramePr>
-          <p:nvPr>
-            <p:ph idx="1"/>
-            <p:extLst>
-              <p:ext uri="{D42A27DB-BD31-4B8C-83A1-F6EECF244321}">
-                <p14:modId xmlns:p14="http://schemas.microsoft.com/office/powerpoint/2010/main" val="753648428"/>
-              </p:ext>
-            </p:extLst>
-          </p:nvPr>
-        </p:nvGraphicFramePr>
-        <p:xfrm>
-          <a:off x="1141413" y="2249488"/>
-          <a:ext cx="9906000" cy="3922712"/>
-        </p:xfrm>
-        <a:graphic>
-          <a:graphicData uri="http://schemas.openxmlformats.org/drawingml/2006/diagram">
-            <dgm:relIds xmlns:dgm="http://schemas.openxmlformats.org/drawingml/2006/diagram" xmlns:r="http://schemas.openxmlformats.org/officeDocument/2006/relationships" r:dm="rId3" r:lo="rId4" r:qs="rId5" r:cs="rId6"/>
-          </a:graphicData>
-        </a:graphic>
-      </p:graphicFrame>
-    </p:spTree>
-    <p:extLst>
-      <p:ext uri="{BB962C8B-B14F-4D97-AF65-F5344CB8AC3E}">
-        <p14:creationId xmlns:p14="http://schemas.microsoft.com/office/powerpoint/2010/main" val="4239046858"/>
-      </p:ext>
-    </p:extLst>
-  </p:cSld>
-  <p:clrMapOvr>
-    <a:masterClrMapping/>
-  </p:clrMapOvr>
-  <mc:AlternateContent xmlns:mc="http://schemas.openxmlformats.org/markup-compatibility/2006" xmlns:p14="http://schemas.microsoft.com/office/powerpoint/2010/main">
-    <mc:Choice Requires="p14">
-      <p:transition spd="slow">
-        <p14:pan dir="u"/>
-      </p:transition>
-    </mc:Choice>
-    <mc:Fallback xmlns="">
-      <p:transition spd="slow">
-        <p:fade/>
-      </p:transition>
-    </mc:Fallback>
-  </mc:AlternateContent>
-</p:sld>
-</file>
-
-<file path=ppt/slides/slide8.xml><?xml version="1.0" encoding="utf-8"?>
-<p:sld xmlns:a="http://schemas.openxmlformats.org/drawingml/2006/main" xmlns:r="http://schemas.openxmlformats.org/officeDocument/2006/relationships" xmlns:p="http://schemas.openxmlformats.org/presentationml/2006/main">
-  <p:cSld>
-    <p:spTree>
-      <p:nvGrpSpPr>
-        <p:cNvPr id="1" name=""/>
-        <p:cNvGrpSpPr/>
-        <p:nvPr/>
-      </p:nvGrpSpPr>
-      <p:grpSpPr>
-        <a:xfrm>
-          <a:off x="0" y="0"/>
-          <a:ext cx="0" cy="0"/>
-          <a:chOff x="0" y="0"/>
-          <a:chExt cx="0" cy="0"/>
-        </a:xfrm>
-      </p:grpSpPr>
-      <p:sp>
-        <p:nvSpPr>
-          <p:cNvPr id="2" name="Title 1"/>
-          <p:cNvSpPr>
-            <a:spLocks noGrp="1"/>
-          </p:cNvSpPr>
-          <p:nvPr>
-            <p:ph type="title"/>
-          </p:nvPr>
-        </p:nvSpPr>
-        <p:spPr/>
-        <p:txBody>
-          <a:bodyPr/>
-          <a:lstStyle/>
-          <a:p>
-            <a:pPr algn="ctr"/>
-            <a:r>
-              <a:rPr lang="en-GB" dirty="0" err="1"/>
-              <a:t>Chức</a:t>
-            </a:r>
-            <a:r>
-              <a:rPr lang="en-GB" dirty="0"/>
-              <a:t> </a:t>
-            </a:r>
-            <a:r>
-              <a:rPr lang="en-GB" dirty="0" err="1"/>
-              <a:t>năng</a:t>
-            </a:r>
-            <a:r>
-              <a:rPr lang="en-GB" dirty="0"/>
-              <a:t> </a:t>
-            </a:r>
-            <a:r>
-              <a:rPr lang="en-GB" dirty="0" err="1"/>
-              <a:t>dành</a:t>
-            </a:r>
-            <a:r>
-              <a:rPr lang="en-GB" dirty="0"/>
-              <a:t> </a:t>
-            </a:r>
-            <a:r>
-              <a:rPr lang="en-GB" dirty="0" err="1"/>
-              <a:t>cho</a:t>
-            </a:r>
-            <a:r>
-              <a:rPr lang="en-GB" dirty="0"/>
-              <a:t> </a:t>
-            </a:r>
-            <a:r>
-              <a:rPr lang="en-GB" dirty="0" err="1"/>
               <a:t>quản</a:t>
             </a:r>
             <a:r>
@@ -40077,7 +40076,7 @@
 </p:sld>
 </file>
 
-<file path=ppt/slides/slide9.xml><?xml version="1.0" encoding="utf-8"?>
+<file path=ppt/slides/slide8.xml><?xml version="1.0" encoding="utf-8"?>
 <p:sld xmlns:a="http://schemas.openxmlformats.org/drawingml/2006/main" xmlns:r="http://schemas.openxmlformats.org/officeDocument/2006/relationships" xmlns:p="http://schemas.openxmlformats.org/presentationml/2006/main">
   <p:cSld>
     <p:spTree>
@@ -40203,6 +40202,117 @@
     <p:extLst>
       <p:ext uri="{BB962C8B-B14F-4D97-AF65-F5344CB8AC3E}">
         <p14:creationId xmlns:p14="http://schemas.microsoft.com/office/powerpoint/2010/main" val="3715720108"/>
+      </p:ext>
+    </p:extLst>
+  </p:cSld>
+  <p:clrMapOvr>
+    <a:masterClrMapping/>
+  </p:clrMapOvr>
+  <mc:AlternateContent xmlns:mc="http://schemas.openxmlformats.org/markup-compatibility/2006" xmlns:p14="http://schemas.microsoft.com/office/powerpoint/2010/main">
+    <mc:Choice Requires="p14">
+      <p:transition spd="slow">
+        <p14:pan dir="u"/>
+      </p:transition>
+    </mc:Choice>
+    <mc:Fallback xmlns="">
+      <p:transition spd="slow">
+        <p:fade/>
+      </p:transition>
+    </mc:Fallback>
+  </mc:AlternateContent>
+</p:sld>
+</file>
+
+<file path=ppt/slides/slide9.xml><?xml version="1.0" encoding="utf-8"?>
+<p:sld xmlns:a="http://schemas.openxmlformats.org/drawingml/2006/main" xmlns:r="http://schemas.openxmlformats.org/officeDocument/2006/relationships" xmlns:p="http://schemas.openxmlformats.org/presentationml/2006/main">
+  <p:cSld>
+    <p:spTree>
+      <p:nvGrpSpPr>
+        <p:cNvPr id="1" name=""/>
+        <p:cNvGrpSpPr/>
+        <p:nvPr/>
+      </p:nvGrpSpPr>
+      <p:grpSpPr>
+        <a:xfrm>
+          <a:off x="0" y="0"/>
+          <a:ext cx="0" cy="0"/>
+          <a:chOff x="0" y="0"/>
+          <a:chExt cx="0" cy="0"/>
+        </a:xfrm>
+      </p:grpSpPr>
+      <p:sp>
+        <p:nvSpPr>
+          <p:cNvPr id="2" name="Title 1"/>
+          <p:cNvSpPr>
+            <a:spLocks noGrp="1"/>
+          </p:cNvSpPr>
+          <p:nvPr>
+            <p:ph type="title"/>
+          </p:nvPr>
+        </p:nvSpPr>
+        <p:spPr/>
+        <p:txBody>
+          <a:bodyPr/>
+          <a:lstStyle/>
+          <a:p>
+            <a:pPr algn="ctr"/>
+            <a:r>
+              <a:rPr lang="en-GB" dirty="0" err="1"/>
+              <a:t>Lựa</a:t>
+            </a:r>
+            <a:r>
+              <a:rPr lang="en-GB" dirty="0"/>
+              <a:t> </a:t>
+            </a:r>
+            <a:r>
+              <a:rPr lang="en-GB" dirty="0" err="1"/>
+              <a:t>chọn</a:t>
+            </a:r>
+            <a:r>
+              <a:rPr lang="en-GB" dirty="0"/>
+              <a:t> </a:t>
+            </a:r>
+            <a:r>
+              <a:rPr lang="en-GB" dirty="0" err="1"/>
+              <a:t>giải</a:t>
+            </a:r>
+            <a:r>
+              <a:rPr lang="en-GB" dirty="0"/>
+              <a:t> </a:t>
+            </a:r>
+            <a:r>
+              <a:rPr lang="en-GB" dirty="0" err="1"/>
+              <a:t>pháp</a:t>
+            </a:r>
+            <a:endParaRPr lang="en-GB" dirty="0"/>
+          </a:p>
+        </p:txBody>
+      </p:sp>
+      <p:graphicFrame>
+        <p:nvGraphicFramePr>
+          <p:cNvPr id="6" name="Content Placeholder 5"/>
+          <p:cNvGraphicFramePr>
+            <a:graphicFrameLocks noGrp="1"/>
+          </p:cNvGraphicFramePr>
+          <p:nvPr>
+            <p:ph idx="1"/>
+            <p:extLst/>
+          </p:nvPr>
+        </p:nvGraphicFramePr>
+        <p:xfrm>
+          <a:off x="1141413" y="2249488"/>
+          <a:ext cx="9906000" cy="3541712"/>
+        </p:xfrm>
+        <a:graphic>
+          <a:graphicData uri="http://schemas.openxmlformats.org/drawingml/2006/diagram">
+            <dgm:relIds xmlns:dgm="http://schemas.openxmlformats.org/drawingml/2006/diagram" xmlns:r="http://schemas.openxmlformats.org/officeDocument/2006/relationships" r:dm="rId3" r:lo="rId4" r:qs="rId5" r:cs="rId6"/>
+          </a:graphicData>
+        </a:graphic>
+      </p:graphicFrame>
+    </p:spTree>
+    <p:extLst>
+      <p:ext uri="{BB962C8B-B14F-4D97-AF65-F5344CB8AC3E}">
+        <p14:creationId xmlns:p14="http://schemas.microsoft.com/office/powerpoint/2010/main" val="1218171621"/>
       </p:ext>
     </p:extLst>
   </p:cSld>
